--- a/Hackathon Presentation.pptx
+++ b/Hackathon Presentation.pptx
@@ -8,6 +8,8 @@
     <p:sldId id="258" r:id="rId2"/>
     <p:sldId id="256" r:id="rId3"/>
     <p:sldId id="257" r:id="rId4"/>
+    <p:sldId id="259" r:id="rId5"/>
+    <p:sldId id="260" r:id="rId6"/>
   </p:sldIdLst>
   <p:sldSz cx="12192000" cy="6858000"/>
   <p:notesSz cx="6858000" cy="9144000"/>
@@ -3842,6 +3844,379 @@
     <p:extLst>
       <p:ext uri="{BB962C8B-B14F-4D97-AF65-F5344CB8AC3E}">
         <p14:creationId xmlns:p14="http://schemas.microsoft.com/office/powerpoint/2010/main" val="2066331840"/>
+      </p:ext>
+    </p:extLst>
+  </p:cSld>
+  <p:clrMapOvr>
+    <a:masterClrMapping/>
+  </p:clrMapOvr>
+</p:sld>
+</file>
+
+<file path=ppt/slides/slide4.xml><?xml version="1.0" encoding="utf-8"?>
+<p:sld xmlns:a="http://schemas.openxmlformats.org/drawingml/2006/main" xmlns:r="http://schemas.openxmlformats.org/officeDocument/2006/relationships" xmlns:p="http://schemas.openxmlformats.org/presentationml/2006/main">
+  <p:cSld>
+    <p:spTree>
+      <p:nvGrpSpPr>
+        <p:cNvPr id="1" name=""/>
+        <p:cNvGrpSpPr/>
+        <p:nvPr/>
+      </p:nvGrpSpPr>
+      <p:grpSpPr>
+        <a:xfrm>
+          <a:off x="0" y="0"/>
+          <a:ext cx="0" cy="0"/>
+          <a:chOff x="0" y="0"/>
+          <a:chExt cx="0" cy="0"/>
+        </a:xfrm>
+      </p:grpSpPr>
+      <p:sp>
+        <p:nvSpPr>
+          <p:cNvPr id="2" name="Title 1">
+            <a:extLst>
+              <a:ext uri="{FF2B5EF4-FFF2-40B4-BE49-F238E27FC236}">
+                <a16:creationId xmlns:a16="http://schemas.microsoft.com/office/drawing/2014/main" id="{F07483F7-F105-EE9E-F945-2F2CB35CB47D}"/>
+              </a:ext>
+            </a:extLst>
+          </p:cNvPr>
+          <p:cNvSpPr>
+            <a:spLocks noGrp="1"/>
+          </p:cNvSpPr>
+          <p:nvPr>
+            <p:ph type="title"/>
+          </p:nvPr>
+        </p:nvSpPr>
+        <p:spPr/>
+        <p:txBody>
+          <a:bodyPr/>
+          <a:lstStyle/>
+          <a:p>
+            <a:endParaRPr lang="en-US"/>
+          </a:p>
+        </p:txBody>
+      </p:sp>
+      <p:sp>
+        <p:nvSpPr>
+          <p:cNvPr id="3" name="Content Placeholder 2">
+            <a:extLst>
+              <a:ext uri="{FF2B5EF4-FFF2-40B4-BE49-F238E27FC236}">
+                <a16:creationId xmlns:a16="http://schemas.microsoft.com/office/drawing/2014/main" id="{33A656DA-C422-EF35-BC3F-B165CA0927E0}"/>
+              </a:ext>
+            </a:extLst>
+          </p:cNvPr>
+          <p:cNvSpPr>
+            <a:spLocks noGrp="1"/>
+          </p:cNvSpPr>
+          <p:nvPr>
+            <p:ph idx="1"/>
+          </p:nvPr>
+        </p:nvSpPr>
+        <p:spPr/>
+        <p:txBody>
+          <a:bodyPr>
+            <a:normAutofit/>
+          </a:bodyPr>
+          <a:lstStyle/>
+          <a:p>
+            <a:pPr marL="0" indent="0">
+              <a:buNone/>
+            </a:pPr>
+            <a:r>
+              <a:rPr lang="en-US" dirty="0"/>
+              <a:t>Similar to wilderness1.wav:</a:t>
+            </a:r>
+          </a:p>
+          <a:p>
+            <a:pPr marL="0" indent="0">
+              <a:buNone/>
+            </a:pPr>
+            <a:r>
+              <a:rPr lang="en-US" dirty="0"/>
+              <a:t>wilderness1.wav: 1</a:t>
+            </a:r>
+          </a:p>
+          <a:p>
+            <a:pPr marL="0" indent="0">
+              <a:buNone/>
+            </a:pPr>
+            <a:r>
+              <a:rPr lang="en-US" dirty="0"/>
+              <a:t>wilderness2.wav: 0.7229432647124682</a:t>
+            </a:r>
+          </a:p>
+          <a:p>
+            <a:pPr marL="0" indent="0">
+              <a:buNone/>
+            </a:pPr>
+            <a:endParaRPr lang="en-US" dirty="0"/>
+          </a:p>
+          <a:p>
+            <a:pPr marL="0" indent="0">
+              <a:buNone/>
+            </a:pPr>
+            <a:r>
+              <a:rPr lang="en-US" dirty="0"/>
+              <a:t>jesus2.wav: 0.3134769071964211</a:t>
+            </a:r>
+          </a:p>
+          <a:p>
+            <a:pPr marL="0" indent="0">
+              <a:buNone/>
+            </a:pPr>
+            <a:r>
+              <a:rPr lang="en-US" dirty="0"/>
+              <a:t>God1.wav: 0.23680512842732715</a:t>
+            </a:r>
+          </a:p>
+          <a:p>
+            <a:pPr marL="0" indent="0">
+              <a:buNone/>
+            </a:pPr>
+            <a:r>
+              <a:rPr lang="en-US" dirty="0"/>
+              <a:t>jesus1.wav: 0.21231795463558845</a:t>
+            </a:r>
+          </a:p>
+          <a:p>
+            <a:pPr marL="0" indent="0">
+              <a:buNone/>
+            </a:pPr>
+            <a:r>
+              <a:rPr lang="en-US" dirty="0"/>
+              <a:t>God2.wav: 0.1635381466180469 </a:t>
+            </a:r>
+          </a:p>
+        </p:txBody>
+      </p:sp>
+    </p:spTree>
+    <p:extLst>
+      <p:ext uri="{BB962C8B-B14F-4D97-AF65-F5344CB8AC3E}">
+        <p14:creationId xmlns:p14="http://schemas.microsoft.com/office/powerpoint/2010/main" val="2692368703"/>
+      </p:ext>
+    </p:extLst>
+  </p:cSld>
+  <p:clrMapOvr>
+    <a:masterClrMapping/>
+  </p:clrMapOvr>
+</p:sld>
+</file>
+
+<file path=ppt/slides/slide5.xml><?xml version="1.0" encoding="utf-8"?>
+<p:sld xmlns:a="http://schemas.openxmlformats.org/drawingml/2006/main" xmlns:r="http://schemas.openxmlformats.org/officeDocument/2006/relationships" xmlns:p="http://schemas.openxmlformats.org/presentationml/2006/main">
+  <p:cSld>
+    <p:spTree>
+      <p:nvGrpSpPr>
+        <p:cNvPr id="1" name="">
+          <a:extLst>
+            <a:ext uri="{FF2B5EF4-FFF2-40B4-BE49-F238E27FC236}">
+              <a16:creationId xmlns:a16="http://schemas.microsoft.com/office/drawing/2014/main" id="{A89F8F60-84E6-3ED5-2959-E206DD4A2A50}"/>
+            </a:ext>
+          </a:extLst>
+        </p:cNvPr>
+        <p:cNvGrpSpPr/>
+        <p:nvPr/>
+      </p:nvGrpSpPr>
+      <p:grpSpPr>
+        <a:xfrm>
+          <a:off x="0" y="0"/>
+          <a:ext cx="0" cy="0"/>
+          <a:chOff x="0" y="0"/>
+          <a:chExt cx="0" cy="0"/>
+        </a:xfrm>
+      </p:grpSpPr>
+      <p:sp>
+        <p:nvSpPr>
+          <p:cNvPr id="2" name="Title 1">
+            <a:extLst>
+              <a:ext uri="{FF2B5EF4-FFF2-40B4-BE49-F238E27FC236}">
+                <a16:creationId xmlns:a16="http://schemas.microsoft.com/office/drawing/2014/main" id="{FD185580-4369-A629-C6F8-8A11F1D22E3C}"/>
+              </a:ext>
+            </a:extLst>
+          </p:cNvPr>
+          <p:cNvSpPr>
+            <a:spLocks noGrp="1"/>
+          </p:cNvSpPr>
+          <p:nvPr>
+            <p:ph type="title"/>
+          </p:nvPr>
+        </p:nvSpPr>
+        <p:spPr/>
+        <p:txBody>
+          <a:bodyPr/>
+          <a:lstStyle/>
+          <a:p>
+            <a:endParaRPr lang="en-US"/>
+          </a:p>
+        </p:txBody>
+      </p:sp>
+      <p:sp>
+        <p:nvSpPr>
+          <p:cNvPr id="3" name="Content Placeholder 2">
+            <a:extLst>
+              <a:ext uri="{FF2B5EF4-FFF2-40B4-BE49-F238E27FC236}">
+                <a16:creationId xmlns:a16="http://schemas.microsoft.com/office/drawing/2014/main" id="{30306755-292D-D24C-E837-78CA4B505359}"/>
+              </a:ext>
+            </a:extLst>
+          </p:cNvPr>
+          <p:cNvSpPr>
+            <a:spLocks noGrp="1"/>
+          </p:cNvSpPr>
+          <p:nvPr>
+            <p:ph idx="1"/>
+          </p:nvPr>
+        </p:nvSpPr>
+        <p:spPr/>
+        <p:txBody>
+          <a:bodyPr>
+            <a:normAutofit fontScale="55000" lnSpcReduction="20000"/>
+          </a:bodyPr>
+          <a:lstStyle/>
+          <a:p>
+            <a:pPr marL="0" indent="0">
+              <a:buNone/>
+            </a:pPr>
+            <a:r>
+              <a:rPr lang="en-US" dirty="0"/>
+              <a:t>We can compare to an off-the-shelf solution (`</a:t>
+            </a:r>
+            <a:r>
+              <a:rPr lang="en-US" dirty="0" err="1"/>
+              <a:t>librosa</a:t>
+            </a:r>
+            <a:r>
+              <a:rPr lang="en-US" dirty="0"/>
+              <a:t>` </a:t>
+            </a:r>
+            <a:r>
+              <a:rPr lang="en-US" dirty="0" err="1"/>
+              <a:t>mfcc</a:t>
+            </a:r>
+            <a:r>
+              <a:rPr lang="en-US" dirty="0"/>
+              <a:t> feature extraction):</a:t>
+            </a:r>
+          </a:p>
+          <a:p>
+            <a:pPr marL="0" indent="0">
+              <a:buNone/>
+            </a:pPr>
+            <a:r>
+              <a:rPr lang="en-US" dirty="0"/>
+              <a:t>This solution correctly identifies the correct forms, but it does not detect as much difference between the incorrect forms.</a:t>
+            </a:r>
+          </a:p>
+          <a:p>
+            <a:pPr marL="0" indent="0">
+              <a:buNone/>
+            </a:pPr>
+            <a:r>
+              <a:rPr lang="en-US" dirty="0"/>
+              <a:t>For keyword checking, it might be helpful to have a meaningful measure of how different the words are:</a:t>
+            </a:r>
+          </a:p>
+          <a:p>
+            <a:pPr marL="0" indent="0">
+              <a:buNone/>
+            </a:pPr>
+            <a:endParaRPr lang="en-US" dirty="0"/>
+          </a:p>
+          <a:p>
+            <a:pPr marL="0" indent="0">
+              <a:buNone/>
+            </a:pPr>
+            <a:r>
+              <a:rPr lang="en-US" dirty="0"/>
+              <a:t>Similar to wilderness1.wav:</a:t>
+            </a:r>
+          </a:p>
+          <a:p>
+            <a:pPr marL="0" indent="0">
+              <a:buNone/>
+            </a:pPr>
+            <a:r>
+              <a:rPr lang="en-US" dirty="0"/>
+              <a:t>wilderness1.wav: 0.9999999869496023</a:t>
+            </a:r>
+          </a:p>
+          <a:p>
+            <a:pPr marL="0" indent="0">
+              <a:buNone/>
+            </a:pPr>
+            <a:r>
+              <a:rPr lang="en-US" dirty="0"/>
+              <a:t>wilderness2.wav</a:t>
+            </a:r>
+            <a:r>
+              <a:rPr lang="en-US"/>
+              <a:t>: 0.9993146675340262</a:t>
+            </a:r>
+          </a:p>
+          <a:p>
+            <a:pPr marL="0" indent="0">
+              <a:buNone/>
+            </a:pPr>
+            <a:endParaRPr lang="en-US" dirty="0"/>
+          </a:p>
+          <a:p>
+            <a:pPr marL="0" indent="0">
+              <a:buNone/>
+            </a:pPr>
+            <a:r>
+              <a:rPr lang="en-US" dirty="0"/>
+              <a:t>God1.wav: 0.9987559253705995</a:t>
+            </a:r>
+          </a:p>
+          <a:p>
+            <a:pPr marL="0" indent="0">
+              <a:buNone/>
+            </a:pPr>
+            <a:r>
+              <a:rPr lang="en-US" dirty="0"/>
+              <a:t>God2.wav: 0.9980986833151937</a:t>
+            </a:r>
+          </a:p>
+          <a:p>
+            <a:pPr marL="0" indent="0">
+              <a:buNone/>
+            </a:pPr>
+            <a:r>
+              <a:rPr lang="en-US" dirty="0"/>
+              <a:t>inTheBeginning1.wav: 0.9971207291637255</a:t>
+            </a:r>
+          </a:p>
+          <a:p>
+            <a:pPr marL="0" indent="0">
+              <a:buNone/>
+            </a:pPr>
+            <a:r>
+              <a:rPr lang="en-US" dirty="0"/>
+              <a:t>inTheBeginning2.wav: 0.9969806586039947</a:t>
+            </a:r>
+          </a:p>
+          <a:p>
+            <a:pPr marL="0" indent="0">
+              <a:buNone/>
+            </a:pPr>
+            <a:r>
+              <a:rPr lang="en-US" dirty="0"/>
+              <a:t>jesus2.wav: 0.9958133114595762</a:t>
+            </a:r>
+          </a:p>
+          <a:p>
+            <a:pPr marL="0" indent="0">
+              <a:buNone/>
+            </a:pPr>
+            <a:r>
+              <a:rPr lang="en-US" dirty="0"/>
+              <a:t>jesus1.wav: 0.9942425674771389</a:t>
+            </a:r>
+          </a:p>
+        </p:txBody>
+      </p:sp>
+    </p:spTree>
+    <p:extLst>
+      <p:ext uri="{BB962C8B-B14F-4D97-AF65-F5344CB8AC3E}">
+        <p14:creationId xmlns:p14="http://schemas.microsoft.com/office/powerpoint/2010/main" val="3215222808"/>
       </p:ext>
     </p:extLst>
   </p:cSld>

--- a/Hackathon Presentation.pptx
+++ b/Hackathon Presentation.pptx
@@ -6,10 +6,14 @@
   </p:sldMasterIdLst>
   <p:sldIdLst>
     <p:sldId id="258" r:id="rId2"/>
-    <p:sldId id="256" r:id="rId3"/>
-    <p:sldId id="257" r:id="rId4"/>
-    <p:sldId id="259" r:id="rId5"/>
-    <p:sldId id="260" r:id="rId6"/>
+    <p:sldId id="263" r:id="rId3"/>
+    <p:sldId id="261" r:id="rId4"/>
+    <p:sldId id="264" r:id="rId5"/>
+    <p:sldId id="256" r:id="rId6"/>
+    <p:sldId id="262" r:id="rId7"/>
+    <p:sldId id="257" r:id="rId8"/>
+    <p:sldId id="259" r:id="rId9"/>
+    <p:sldId id="260" r:id="rId10"/>
   </p:sldIdLst>
   <p:sldSz cx="12192000" cy="6858000"/>
   <p:notesSz cx="6858000" cy="9144000"/>
@@ -3510,7 +3514,13 @@
   <p:cSld>
     <p:spTree>
       <p:nvGrpSpPr>
-        <p:cNvPr id="1" name=""/>
+        <p:cNvPr id="1" name="">
+          <a:extLst>
+            <a:ext uri="{FF2B5EF4-FFF2-40B4-BE49-F238E27FC236}">
+              <a16:creationId xmlns:a16="http://schemas.microsoft.com/office/drawing/2014/main" id="{0EA09A20-E3F8-FA3B-6E2C-A5A930467781}"/>
+            </a:ext>
+          </a:extLst>
+        </p:cNvPr>
         <p:cNvGrpSpPr/>
         <p:nvPr/>
       </p:nvGrpSpPr>
@@ -3522,154 +3532,146 @@
           <a:chExt cx="0" cy="0"/>
         </a:xfrm>
       </p:grpSpPr>
-      <p:pic>
-        <p:nvPicPr>
-          <p:cNvPr id="8" name="Picture 7" descr="A blue screen with white text&#10;&#10;Description automatically generated">
-            <a:extLst>
-              <a:ext uri="{FF2B5EF4-FFF2-40B4-BE49-F238E27FC236}">
-                <a16:creationId xmlns:a16="http://schemas.microsoft.com/office/drawing/2014/main" id="{E7F9C644-372C-4FA3-F4F3-9C345306CB8B}"/>
-              </a:ext>
-            </a:extLst>
-          </p:cNvPr>
-          <p:cNvPicPr>
-            <a:picLocks noChangeAspect="1"/>
-          </p:cNvPicPr>
-          <p:nvPr/>
-        </p:nvPicPr>
-        <p:blipFill>
-          <a:blip r:embed="rId2">
-            <a:extLst>
-              <a:ext uri="{28A0092B-C50C-407E-A947-70E740481C1C}">
-                <a14:useLocalDpi xmlns:a14="http://schemas.microsoft.com/office/drawing/2010/main" val="0"/>
-              </a:ext>
-            </a:extLst>
-          </a:blip>
-          <a:stretch>
-            <a:fillRect/>
-          </a:stretch>
-        </p:blipFill>
-        <p:spPr>
-          <a:xfrm>
-            <a:off x="962025" y="125162"/>
-            <a:ext cx="4516159" cy="2743200"/>
-          </a:xfrm>
-          <a:prstGeom prst="rect">
-            <a:avLst/>
-          </a:prstGeom>
-        </p:spPr>
-      </p:pic>
-      <p:pic>
-        <p:nvPicPr>
-          <p:cNvPr id="10" name="Picture 9" descr="A blue screen with white lines&#10;&#10;Description automatically generated">
-            <a:extLst>
-              <a:ext uri="{FF2B5EF4-FFF2-40B4-BE49-F238E27FC236}">
-                <a16:creationId xmlns:a16="http://schemas.microsoft.com/office/drawing/2014/main" id="{A245FD1E-820E-5EE4-89E4-5F6CFBACC9FE}"/>
-              </a:ext>
-            </a:extLst>
-          </p:cNvPr>
-          <p:cNvPicPr>
-            <a:picLocks noChangeAspect="1"/>
-          </p:cNvPicPr>
-          <p:nvPr/>
-        </p:nvPicPr>
-        <p:blipFill>
-          <a:blip r:embed="rId3">
-            <a:extLst>
-              <a:ext uri="{28A0092B-C50C-407E-A947-70E740481C1C}">
-                <a14:useLocalDpi xmlns:a14="http://schemas.microsoft.com/office/drawing/2010/main" val="0"/>
-              </a:ext>
-            </a:extLst>
-          </a:blip>
-          <a:stretch>
-            <a:fillRect/>
-          </a:stretch>
-        </p:blipFill>
-        <p:spPr>
-          <a:xfrm>
-            <a:off x="962024" y="2868362"/>
-            <a:ext cx="4516159" cy="2743200"/>
-          </a:xfrm>
-          <a:prstGeom prst="rect">
-            <a:avLst/>
-          </a:prstGeom>
-        </p:spPr>
-      </p:pic>
-      <p:pic>
-        <p:nvPicPr>
-          <p:cNvPr id="12" name="Picture 11" descr="A blue and white image of a wave&#10;&#10;Description automatically generated with medium confidence">
-            <a:extLst>
-              <a:ext uri="{FF2B5EF4-FFF2-40B4-BE49-F238E27FC236}">
-                <a16:creationId xmlns:a16="http://schemas.microsoft.com/office/drawing/2014/main" id="{4A46169D-2DC3-A375-A389-2B2C6E66794B}"/>
-              </a:ext>
-            </a:extLst>
-          </p:cNvPr>
-          <p:cNvPicPr>
-            <a:picLocks noChangeAspect="1"/>
-          </p:cNvPicPr>
-          <p:nvPr/>
-        </p:nvPicPr>
-        <p:blipFill>
-          <a:blip r:embed="rId4">
-            <a:extLst>
-              <a:ext uri="{28A0092B-C50C-407E-A947-70E740481C1C}">
-                <a14:useLocalDpi xmlns:a14="http://schemas.microsoft.com/office/drawing/2010/main" val="0"/>
-              </a:ext>
-            </a:extLst>
-          </a:blip>
-          <a:stretch>
-            <a:fillRect/>
-          </a:stretch>
-        </p:blipFill>
-        <p:spPr>
-          <a:xfrm>
-            <a:off x="5478184" y="164599"/>
-            <a:ext cx="4516159" cy="2743200"/>
-          </a:xfrm>
-          <a:prstGeom prst="rect">
-            <a:avLst/>
-          </a:prstGeom>
-        </p:spPr>
-      </p:pic>
-      <p:pic>
-        <p:nvPicPr>
-          <p:cNvPr id="14" name="Picture 13" descr="A blue and white image of a blue sky&#10;&#10;Description automatically generated">
-            <a:extLst>
-              <a:ext uri="{FF2B5EF4-FFF2-40B4-BE49-F238E27FC236}">
-                <a16:creationId xmlns:a16="http://schemas.microsoft.com/office/drawing/2014/main" id="{7E329552-FB4F-D69E-7DAA-9146BFE83FF0}"/>
-              </a:ext>
-            </a:extLst>
-          </p:cNvPr>
-          <p:cNvPicPr>
-            <a:picLocks noChangeAspect="1"/>
-          </p:cNvPicPr>
-          <p:nvPr/>
-        </p:nvPicPr>
-        <p:blipFill>
-          <a:blip r:embed="rId5">
-            <a:extLst>
-              <a:ext uri="{28A0092B-C50C-407E-A947-70E740481C1C}">
-                <a14:useLocalDpi xmlns:a14="http://schemas.microsoft.com/office/drawing/2010/main" val="0"/>
-              </a:ext>
-            </a:extLst>
-          </a:blip>
-          <a:stretch>
-            <a:fillRect/>
-          </a:stretch>
-        </p:blipFill>
-        <p:spPr>
-          <a:xfrm>
-            <a:off x="5562601" y="2868362"/>
-            <a:ext cx="4516159" cy="2743200"/>
-          </a:xfrm>
-          <a:prstGeom prst="rect">
-            <a:avLst/>
-          </a:prstGeom>
-        </p:spPr>
-      </p:pic>
+      <p:sp>
+        <p:nvSpPr>
+          <p:cNvPr id="2" name="Title 1">
+            <a:extLst>
+              <a:ext uri="{FF2B5EF4-FFF2-40B4-BE49-F238E27FC236}">
+                <a16:creationId xmlns:a16="http://schemas.microsoft.com/office/drawing/2014/main" id="{186F3137-2A61-B919-17E2-7AE5D8C49FDE}"/>
+              </a:ext>
+            </a:extLst>
+          </p:cNvPr>
+          <p:cNvSpPr>
+            <a:spLocks noGrp="1"/>
+          </p:cNvSpPr>
+          <p:nvPr>
+            <p:ph type="title"/>
+          </p:nvPr>
+        </p:nvSpPr>
+        <p:spPr/>
+        <p:txBody>
+          <a:bodyPr/>
+          <a:lstStyle/>
+          <a:p>
+            <a:r>
+              <a:rPr lang="en-US" dirty="0" err="1"/>
+              <a:t>uW</a:t>
+            </a:r>
+            <a:r>
+              <a:rPr lang="en-US" dirty="0"/>
+              <a:t> Hackathon – 2024</a:t>
+            </a:r>
+          </a:p>
+        </p:txBody>
+      </p:sp>
+      <p:sp>
+        <p:nvSpPr>
+          <p:cNvPr id="3" name="Content Placeholder 2">
+            <a:extLst>
+              <a:ext uri="{FF2B5EF4-FFF2-40B4-BE49-F238E27FC236}">
+                <a16:creationId xmlns:a16="http://schemas.microsoft.com/office/drawing/2014/main" id="{9D090549-E39A-95CD-1921-17A8F4E3F1A5}"/>
+              </a:ext>
+            </a:extLst>
+          </p:cNvPr>
+          <p:cNvSpPr>
+            <a:spLocks noGrp="1"/>
+          </p:cNvSpPr>
+          <p:nvPr>
+            <p:ph idx="1"/>
+          </p:nvPr>
+        </p:nvSpPr>
+        <p:spPr/>
+        <p:txBody>
+          <a:bodyPr>
+            <a:normAutofit/>
+          </a:bodyPr>
+          <a:lstStyle/>
+          <a:p>
+            <a:pPr marL="0" indent="0">
+              <a:buNone/>
+            </a:pPr>
+            <a:r>
+              <a:rPr lang="en-US" dirty="0"/>
+              <a:t>Method:</a:t>
+            </a:r>
+          </a:p>
+          <a:p>
+            <a:pPr marL="0" indent="0">
+              <a:buNone/>
+            </a:pPr>
+            <a:r>
+              <a:rPr lang="en-US" dirty="0"/>
+              <a:t>Python packages:</a:t>
+            </a:r>
+          </a:p>
+          <a:p>
+            <a:pPr marL="0" indent="0">
+              <a:buNone/>
+            </a:pPr>
+            <a:r>
+              <a:rPr lang="en-US" dirty="0"/>
+              <a:t>- </a:t>
+            </a:r>
+            <a:r>
+              <a:rPr lang="en-US" dirty="0" err="1"/>
+              <a:t>librosa</a:t>
+            </a:r>
+            <a:r>
+              <a:rPr lang="en-US" dirty="0"/>
+              <a:t>	Encoding audio data</a:t>
+            </a:r>
+          </a:p>
+          <a:p>
+            <a:pPr marL="0" indent="0">
+              <a:buNone/>
+            </a:pPr>
+            <a:endParaRPr lang="en-US" dirty="0"/>
+          </a:p>
+          <a:p>
+            <a:pPr marL="514350" indent="-514350">
+              <a:buAutoNum type="arabicPeriod"/>
+            </a:pPr>
+            <a:r>
+              <a:rPr lang="en-US" dirty="0"/>
+              <a:t>Collect the Data</a:t>
+            </a:r>
+          </a:p>
+          <a:p>
+            <a:pPr marL="514350" indent="-514350">
+              <a:buAutoNum type="arabicPeriod"/>
+            </a:pPr>
+            <a:r>
+              <a:rPr lang="en-US" dirty="0"/>
+              <a:t>Clean the Data</a:t>
+            </a:r>
+          </a:p>
+          <a:p>
+            <a:pPr marL="514350" indent="-514350">
+              <a:buAutoNum type="arabicPeriod"/>
+            </a:pPr>
+            <a:r>
+              <a:rPr lang="en-US" dirty="0"/>
+              <a:t>Explore/Visualize the Data</a:t>
+            </a:r>
+          </a:p>
+          <a:p>
+            <a:pPr marL="0" indent="0">
+              <a:buNone/>
+            </a:pPr>
+            <a:endParaRPr lang="en-US" dirty="0"/>
+          </a:p>
+          <a:p>
+            <a:pPr marL="0" indent="0">
+              <a:buNone/>
+            </a:pPr>
+            <a:endParaRPr lang="en-US" dirty="0"/>
+          </a:p>
+        </p:txBody>
+      </p:sp>
     </p:spTree>
     <p:extLst>
       <p:ext uri="{BB962C8B-B14F-4D97-AF65-F5344CB8AC3E}">
-        <p14:creationId xmlns:p14="http://schemas.microsoft.com/office/powerpoint/2010/main" val="406709977"/>
+        <p14:creationId xmlns:p14="http://schemas.microsoft.com/office/powerpoint/2010/main" val="156534172"/>
       </p:ext>
     </p:extLst>
   </p:cSld>
@@ -3696,154 +3698,63 @@
           <a:chExt cx="0" cy="0"/>
         </a:xfrm>
       </p:grpSpPr>
-      <p:pic>
-        <p:nvPicPr>
-          <p:cNvPr id="5" name="Picture 4" descr="A blue and red graph&#10;&#10;Description automatically generated with medium confidence">
-            <a:extLst>
-              <a:ext uri="{FF2B5EF4-FFF2-40B4-BE49-F238E27FC236}">
-                <a16:creationId xmlns:a16="http://schemas.microsoft.com/office/drawing/2014/main" id="{5A066BEE-C736-2228-3440-6F09BEEDCDE5}"/>
-              </a:ext>
-            </a:extLst>
-          </p:cNvPr>
-          <p:cNvPicPr>
-            <a:picLocks noChangeAspect="1"/>
-          </p:cNvPicPr>
-          <p:nvPr/>
-        </p:nvPicPr>
-        <p:blipFill>
-          <a:blip r:embed="rId2">
-            <a:extLst>
-              <a:ext uri="{28A0092B-C50C-407E-A947-70E740481C1C}">
-                <a14:useLocalDpi xmlns:a14="http://schemas.microsoft.com/office/drawing/2010/main" val="0"/>
-              </a:ext>
-            </a:extLst>
-          </a:blip>
-          <a:stretch>
-            <a:fillRect/>
-          </a:stretch>
-        </p:blipFill>
-        <p:spPr>
-          <a:xfrm>
-            <a:off x="933449" y="222500"/>
-            <a:ext cx="4690663" cy="2743200"/>
-          </a:xfrm>
-          <a:prstGeom prst="rect">
-            <a:avLst/>
-          </a:prstGeom>
-        </p:spPr>
-      </p:pic>
-      <p:pic>
-        <p:nvPicPr>
-          <p:cNvPr id="7" name="Picture 6" descr="A blue and white screen&#10;&#10;Description automatically generated with medium confidence">
-            <a:extLst>
-              <a:ext uri="{FF2B5EF4-FFF2-40B4-BE49-F238E27FC236}">
-                <a16:creationId xmlns:a16="http://schemas.microsoft.com/office/drawing/2014/main" id="{3E897AA9-E6CF-0EF5-1E81-FB46379FE636}"/>
-              </a:ext>
-            </a:extLst>
-          </p:cNvPr>
-          <p:cNvPicPr>
-            <a:picLocks noChangeAspect="1"/>
-          </p:cNvPicPr>
-          <p:nvPr/>
-        </p:nvPicPr>
-        <p:blipFill>
-          <a:blip r:embed="rId3">
-            <a:extLst>
-              <a:ext uri="{28A0092B-C50C-407E-A947-70E740481C1C}">
-                <a14:useLocalDpi xmlns:a14="http://schemas.microsoft.com/office/drawing/2010/main" val="0"/>
-              </a:ext>
-            </a:extLst>
-          </a:blip>
-          <a:stretch>
-            <a:fillRect/>
-          </a:stretch>
-        </p:blipFill>
-        <p:spPr>
-          <a:xfrm>
-            <a:off x="1107955" y="2965700"/>
-            <a:ext cx="4516159" cy="2743200"/>
-          </a:xfrm>
-          <a:prstGeom prst="rect">
-            <a:avLst/>
-          </a:prstGeom>
-        </p:spPr>
-      </p:pic>
-      <p:pic>
-        <p:nvPicPr>
-          <p:cNvPr id="9" name="Picture 8" descr="A blue screen with white lines&#10;&#10;Description automatically generated">
-            <a:extLst>
-              <a:ext uri="{FF2B5EF4-FFF2-40B4-BE49-F238E27FC236}">
-                <a16:creationId xmlns:a16="http://schemas.microsoft.com/office/drawing/2014/main" id="{4283C9BC-28B4-CCFC-49AC-F55A2761DFD4}"/>
-              </a:ext>
-            </a:extLst>
-          </p:cNvPr>
-          <p:cNvPicPr>
-            <a:picLocks noChangeAspect="1"/>
-          </p:cNvPicPr>
-          <p:nvPr/>
-        </p:nvPicPr>
-        <p:blipFill>
-          <a:blip r:embed="rId4">
-            <a:extLst>
-              <a:ext uri="{28A0092B-C50C-407E-A947-70E740481C1C}">
-                <a14:useLocalDpi xmlns:a14="http://schemas.microsoft.com/office/drawing/2010/main" val="0"/>
-              </a:ext>
-            </a:extLst>
-          </a:blip>
-          <a:stretch>
-            <a:fillRect/>
-          </a:stretch>
-        </p:blipFill>
-        <p:spPr>
-          <a:xfrm>
-            <a:off x="5624114" y="222500"/>
-            <a:ext cx="4516159" cy="2743200"/>
-          </a:xfrm>
-          <a:prstGeom prst="rect">
-            <a:avLst/>
-          </a:prstGeom>
-        </p:spPr>
-      </p:pic>
-      <p:pic>
-        <p:nvPicPr>
-          <p:cNvPr id="11" name="Picture 10" descr="A blue screen with white lines&#10;&#10;Description automatically generated">
-            <a:extLst>
-              <a:ext uri="{FF2B5EF4-FFF2-40B4-BE49-F238E27FC236}">
-                <a16:creationId xmlns:a16="http://schemas.microsoft.com/office/drawing/2014/main" id="{170419DD-F4F4-7033-C47B-EEC047BE1D7D}"/>
-              </a:ext>
-            </a:extLst>
-          </p:cNvPr>
-          <p:cNvPicPr>
-            <a:picLocks noChangeAspect="1"/>
-          </p:cNvPicPr>
-          <p:nvPr/>
-        </p:nvPicPr>
-        <p:blipFill>
-          <a:blip r:embed="rId5">
-            <a:extLst>
-              <a:ext uri="{28A0092B-C50C-407E-A947-70E740481C1C}">
-                <a14:useLocalDpi xmlns:a14="http://schemas.microsoft.com/office/drawing/2010/main" val="0"/>
-              </a:ext>
-            </a:extLst>
-          </a:blip>
-          <a:stretch>
-            <a:fillRect/>
-          </a:stretch>
-        </p:blipFill>
-        <p:spPr>
-          <a:xfrm>
-            <a:off x="5624113" y="2965700"/>
-            <a:ext cx="4516159" cy="2743200"/>
-          </a:xfrm>
-          <a:prstGeom prst="rect">
-            <a:avLst/>
-          </a:prstGeom>
-        </p:spPr>
-      </p:pic>
+      <p:sp>
+        <p:nvSpPr>
+          <p:cNvPr id="2" name="Title 1">
+            <a:extLst>
+              <a:ext uri="{FF2B5EF4-FFF2-40B4-BE49-F238E27FC236}">
+                <a16:creationId xmlns:a16="http://schemas.microsoft.com/office/drawing/2014/main" id="{DA122C09-CF83-1090-0C8A-FDF9CE13DEB8}"/>
+              </a:ext>
+            </a:extLst>
+          </p:cNvPr>
+          <p:cNvSpPr>
+            <a:spLocks noGrp="1"/>
+          </p:cNvSpPr>
+          <p:nvPr>
+            <p:ph type="title"/>
+          </p:nvPr>
+        </p:nvSpPr>
+        <p:spPr/>
+        <p:txBody>
+          <a:bodyPr/>
+          <a:lstStyle/>
+          <a:p>
+            <a:r>
+              <a:rPr lang="en-US" dirty="0"/>
+              <a:t>Collect the Data</a:t>
+            </a:r>
+          </a:p>
+        </p:txBody>
+      </p:sp>
+      <p:sp>
+        <p:nvSpPr>
+          <p:cNvPr id="3" name="Content Placeholder 2">
+            <a:extLst>
+              <a:ext uri="{FF2B5EF4-FFF2-40B4-BE49-F238E27FC236}">
+                <a16:creationId xmlns:a16="http://schemas.microsoft.com/office/drawing/2014/main" id="{24198529-BF5D-1204-2EA5-CC61D7F919B6}"/>
+              </a:ext>
+            </a:extLst>
+          </p:cNvPr>
+          <p:cNvSpPr>
+            <a:spLocks noGrp="1"/>
+          </p:cNvSpPr>
+          <p:nvPr>
+            <p:ph idx="1"/>
+          </p:nvPr>
+        </p:nvSpPr>
+        <p:spPr/>
+        <p:txBody>
+          <a:bodyPr/>
+          <a:lstStyle/>
+          <a:p>
+            <a:endParaRPr lang="en-US" dirty="0"/>
+          </a:p>
+        </p:txBody>
+      </p:sp>
     </p:spTree>
     <p:extLst>
       <p:ext uri="{BB962C8B-B14F-4D97-AF65-F5344CB8AC3E}">
-        <p14:creationId xmlns:p14="http://schemas.microsoft.com/office/powerpoint/2010/main" val="2066331840"/>
+        <p14:creationId xmlns:p14="http://schemas.microsoft.com/office/powerpoint/2010/main" val="4213374500"/>
       </p:ext>
     </p:extLst>
   </p:cSld>
@@ -3854,6 +3765,349 @@
 </file>
 
 <file path=ppt/slides/slide4.xml><?xml version="1.0" encoding="utf-8"?>
+<p:sld xmlns:a="http://schemas.openxmlformats.org/drawingml/2006/main" xmlns:r="http://schemas.openxmlformats.org/officeDocument/2006/relationships" xmlns:p="http://schemas.openxmlformats.org/presentationml/2006/main">
+  <p:cSld>
+    <p:spTree>
+      <p:nvGrpSpPr>
+        <p:cNvPr id="1" name="">
+          <a:extLst>
+            <a:ext uri="{FF2B5EF4-FFF2-40B4-BE49-F238E27FC236}">
+              <a16:creationId xmlns:a16="http://schemas.microsoft.com/office/drawing/2014/main" id="{C1331B6E-D91A-BCF4-E9A9-038D797F4BB0}"/>
+            </a:ext>
+          </a:extLst>
+        </p:cNvPr>
+        <p:cNvGrpSpPr/>
+        <p:nvPr/>
+      </p:nvGrpSpPr>
+      <p:grpSpPr>
+        <a:xfrm>
+          <a:off x="0" y="0"/>
+          <a:ext cx="0" cy="0"/>
+          <a:chOff x="0" y="0"/>
+          <a:chExt cx="0" cy="0"/>
+        </a:xfrm>
+      </p:grpSpPr>
+      <p:sp>
+        <p:nvSpPr>
+          <p:cNvPr id="2" name="Title 1">
+            <a:extLst>
+              <a:ext uri="{FF2B5EF4-FFF2-40B4-BE49-F238E27FC236}">
+                <a16:creationId xmlns:a16="http://schemas.microsoft.com/office/drawing/2014/main" id="{62E13B7B-381E-90B6-9706-E3D3B6EE60A7}"/>
+              </a:ext>
+            </a:extLst>
+          </p:cNvPr>
+          <p:cNvSpPr>
+            <a:spLocks noGrp="1"/>
+          </p:cNvSpPr>
+          <p:nvPr>
+            <p:ph type="title"/>
+          </p:nvPr>
+        </p:nvSpPr>
+        <p:spPr/>
+        <p:txBody>
+          <a:bodyPr/>
+          <a:lstStyle/>
+          <a:p>
+            <a:r>
+              <a:rPr lang="en-US" dirty="0"/>
+              <a:t>Clean the Data</a:t>
+            </a:r>
+          </a:p>
+        </p:txBody>
+      </p:sp>
+      <p:sp>
+        <p:nvSpPr>
+          <p:cNvPr id="3" name="Content Placeholder 2">
+            <a:extLst>
+              <a:ext uri="{FF2B5EF4-FFF2-40B4-BE49-F238E27FC236}">
+                <a16:creationId xmlns:a16="http://schemas.microsoft.com/office/drawing/2014/main" id="{D6268B26-CC57-06E0-C6DA-CC4BF96E1835}"/>
+              </a:ext>
+            </a:extLst>
+          </p:cNvPr>
+          <p:cNvSpPr>
+            <a:spLocks noGrp="1"/>
+          </p:cNvSpPr>
+          <p:nvPr>
+            <p:ph idx="1"/>
+          </p:nvPr>
+        </p:nvSpPr>
+        <p:spPr/>
+        <p:txBody>
+          <a:bodyPr/>
+          <a:lstStyle/>
+          <a:p>
+            <a:endParaRPr lang="en-US" dirty="0"/>
+          </a:p>
+        </p:txBody>
+      </p:sp>
+      <p:pic>
+        <p:nvPicPr>
+          <p:cNvPr id="5" name="Picture 4">
+            <a:extLst>
+              <a:ext uri="{FF2B5EF4-FFF2-40B4-BE49-F238E27FC236}">
+                <a16:creationId xmlns:a16="http://schemas.microsoft.com/office/drawing/2014/main" id="{0A25613D-0842-DF69-3B68-F0BF8F1F7DD1}"/>
+              </a:ext>
+            </a:extLst>
+          </p:cNvPr>
+          <p:cNvPicPr>
+            <a:picLocks noChangeAspect="1"/>
+          </p:cNvPicPr>
+          <p:nvPr/>
+        </p:nvPicPr>
+        <p:blipFill rotWithShape="1">
+          <a:blip r:embed="rId2"/>
+          <a:srcRect l="9758" r="8196"/>
+          <a:stretch/>
+        </p:blipFill>
+        <p:spPr>
+          <a:xfrm>
+            <a:off x="163496" y="1923017"/>
+            <a:ext cx="2954417" cy="2181529"/>
+          </a:xfrm>
+          <a:prstGeom prst="rect">
+            <a:avLst/>
+          </a:prstGeom>
+        </p:spPr>
+      </p:pic>
+      <p:pic>
+        <p:nvPicPr>
+          <p:cNvPr id="6" name="Picture 5">
+            <a:extLst>
+              <a:ext uri="{FF2B5EF4-FFF2-40B4-BE49-F238E27FC236}">
+                <a16:creationId xmlns:a16="http://schemas.microsoft.com/office/drawing/2014/main" id="{57B58346-76DD-601B-5CF2-800300C7CCBF}"/>
+              </a:ext>
+            </a:extLst>
+          </p:cNvPr>
+          <p:cNvPicPr>
+            <a:picLocks noChangeAspect="1"/>
+          </p:cNvPicPr>
+          <p:nvPr/>
+        </p:nvPicPr>
+        <p:blipFill>
+          <a:blip r:embed="rId3">
+            <a:extLst>
+              <a:ext uri="{BEBA8EAE-BF5A-486C-A8C5-ECC9F3942E4B}">
+                <a14:imgProps xmlns:a14="http://schemas.microsoft.com/office/drawing/2010/main">
+                  <a14:imgLayer r:embed="rId4">
+                    <a14:imgEffect>
+                      <a14:artisticGlowEdges/>
+                    </a14:imgEffect>
+                    <a14:imgEffect>
+                      <a14:brightnessContrast contrast="40000"/>
+                    </a14:imgEffect>
+                  </a14:imgLayer>
+                </a14:imgProps>
+              </a:ext>
+            </a:extLst>
+          </a:blip>
+          <a:stretch>
+            <a:fillRect/>
+          </a:stretch>
+        </p:blipFill>
+        <p:spPr>
+          <a:xfrm>
+            <a:off x="4672271" y="1923018"/>
+            <a:ext cx="3600953" cy="2181529"/>
+          </a:xfrm>
+          <a:prstGeom prst="rect">
+            <a:avLst/>
+          </a:prstGeom>
+        </p:spPr>
+      </p:pic>
+      <p:cxnSp>
+        <p:nvCxnSpPr>
+          <p:cNvPr id="11" name="Straight Arrow Connector 10">
+            <a:extLst>
+              <a:ext uri="{FF2B5EF4-FFF2-40B4-BE49-F238E27FC236}">
+                <a16:creationId xmlns:a16="http://schemas.microsoft.com/office/drawing/2014/main" id="{2BCFC7CF-D6CF-B0B7-8871-15F69EAF3D9D}"/>
+              </a:ext>
+            </a:extLst>
+          </p:cNvPr>
+          <p:cNvCxnSpPr>
+            <a:stCxn id="5" idx="3"/>
+            <a:endCxn id="6" idx="1"/>
+          </p:cNvCxnSpPr>
+          <p:nvPr/>
+        </p:nvCxnSpPr>
+        <p:spPr>
+          <a:xfrm>
+            <a:off x="3117913" y="3013782"/>
+            <a:ext cx="1554358" cy="1"/>
+          </a:xfrm>
+          <a:prstGeom prst="straightConnector1">
+            <a:avLst/>
+          </a:prstGeom>
+          <a:ln w="76200" cap="flat" cmpd="sng" algn="ctr">
+            <a:solidFill>
+              <a:schemeClr val="accent4"/>
+            </a:solidFill>
+            <a:prstDash val="solid"/>
+            <a:round/>
+            <a:headEnd type="none" w="med" len="med"/>
+            <a:tailEnd type="arrow" w="med" len="med"/>
+          </a:ln>
+        </p:spPr>
+        <p:style>
+          <a:lnRef idx="0">
+            <a:scrgbClr r="0" g="0" b="0"/>
+          </a:lnRef>
+          <a:fillRef idx="0">
+            <a:scrgbClr r="0" g="0" b="0"/>
+          </a:fillRef>
+          <a:effectRef idx="0">
+            <a:scrgbClr r="0" g="0" b="0"/>
+          </a:effectRef>
+          <a:fontRef idx="minor">
+            <a:schemeClr val="tx1"/>
+          </a:fontRef>
+        </p:style>
+      </p:cxnSp>
+      <p:pic>
+        <p:nvPicPr>
+          <p:cNvPr id="15" name="Picture 14">
+            <a:extLst>
+              <a:ext uri="{FF2B5EF4-FFF2-40B4-BE49-F238E27FC236}">
+                <a16:creationId xmlns:a16="http://schemas.microsoft.com/office/drawing/2014/main" id="{78CDA15D-84D5-052C-F3E3-D57BEAC8A7F6}"/>
+              </a:ext>
+            </a:extLst>
+          </p:cNvPr>
+          <p:cNvPicPr>
+            <a:picLocks noChangeAspect="1"/>
+          </p:cNvPicPr>
+          <p:nvPr/>
+        </p:nvPicPr>
+        <p:blipFill>
+          <a:blip r:embed="rId5"/>
+          <a:stretch>
+            <a:fillRect/>
+          </a:stretch>
+        </p:blipFill>
+        <p:spPr>
+          <a:xfrm>
+            <a:off x="1340529" y="4415004"/>
+            <a:ext cx="9599720" cy="2318602"/>
+          </a:xfrm>
+          <a:prstGeom prst="rect">
+            <a:avLst/>
+          </a:prstGeom>
+        </p:spPr>
+      </p:pic>
+      <p:sp>
+        <p:nvSpPr>
+          <p:cNvPr id="16" name="Flowchart: Process 15">
+            <a:extLst>
+              <a:ext uri="{FF2B5EF4-FFF2-40B4-BE49-F238E27FC236}">
+                <a16:creationId xmlns:a16="http://schemas.microsoft.com/office/drawing/2014/main" id="{8001F23F-ACEB-E2A9-ADA2-6ED721C2E3E1}"/>
+              </a:ext>
+            </a:extLst>
+          </p:cNvPr>
+          <p:cNvSpPr/>
+          <p:nvPr/>
+        </p:nvSpPr>
+        <p:spPr>
+          <a:xfrm>
+            <a:off x="9827582" y="1923018"/>
+            <a:ext cx="2200922" cy="2181529"/>
+          </a:xfrm>
+          <a:prstGeom prst="flowChartProcess">
+            <a:avLst/>
+          </a:prstGeom>
+          <a:solidFill>
+            <a:schemeClr val="accent1"/>
+          </a:solidFill>
+          <a:ln>
+            <a:noFill/>
+          </a:ln>
+        </p:spPr>
+        <p:style>
+          <a:lnRef idx="0">
+            <a:scrgbClr r="0" g="0" b="0"/>
+          </a:lnRef>
+          <a:fillRef idx="0">
+            <a:scrgbClr r="0" g="0" b="0"/>
+          </a:fillRef>
+          <a:effectRef idx="0">
+            <a:scrgbClr r="0" g="0" b="0"/>
+          </a:effectRef>
+          <a:fontRef idx="minor">
+            <a:schemeClr val="lt1"/>
+          </a:fontRef>
+        </p:style>
+        <p:txBody>
+          <a:bodyPr rtlCol="0" anchor="ctr"/>
+          <a:lstStyle/>
+          <a:p>
+            <a:pPr algn="ctr"/>
+            <a:r>
+              <a:rPr lang="en-US" dirty="0"/>
+              <a:t>&lt; 5.3, 3.2, 4, … &gt;</a:t>
+            </a:r>
+          </a:p>
+        </p:txBody>
+      </p:sp>
+      <p:cxnSp>
+        <p:nvCxnSpPr>
+          <p:cNvPr id="17" name="Straight Arrow Connector 16">
+            <a:extLst>
+              <a:ext uri="{FF2B5EF4-FFF2-40B4-BE49-F238E27FC236}">
+                <a16:creationId xmlns:a16="http://schemas.microsoft.com/office/drawing/2014/main" id="{B6FF2B5D-18B5-D106-321E-C4D88CAA4143}"/>
+              </a:ext>
+            </a:extLst>
+          </p:cNvPr>
+          <p:cNvCxnSpPr>
+            <a:cxnSpLocks/>
+            <a:stCxn id="6" idx="3"/>
+            <a:endCxn id="16" idx="1"/>
+          </p:cNvCxnSpPr>
+          <p:nvPr/>
+        </p:nvCxnSpPr>
+        <p:spPr>
+          <a:xfrm>
+            <a:off x="8273224" y="3013783"/>
+            <a:ext cx="1554358" cy="0"/>
+          </a:xfrm>
+          <a:prstGeom prst="straightConnector1">
+            <a:avLst/>
+          </a:prstGeom>
+          <a:ln w="76200" cap="flat" cmpd="sng" algn="ctr">
+            <a:solidFill>
+              <a:schemeClr val="accent4"/>
+            </a:solidFill>
+            <a:prstDash val="solid"/>
+            <a:round/>
+            <a:headEnd type="none" w="med" len="med"/>
+            <a:tailEnd type="arrow" w="med" len="med"/>
+          </a:ln>
+        </p:spPr>
+        <p:style>
+          <a:lnRef idx="0">
+            <a:scrgbClr r="0" g="0" b="0"/>
+          </a:lnRef>
+          <a:fillRef idx="0">
+            <a:scrgbClr r="0" g="0" b="0"/>
+          </a:fillRef>
+          <a:effectRef idx="0">
+            <a:scrgbClr r="0" g="0" b="0"/>
+          </a:effectRef>
+          <a:fontRef idx="minor">
+            <a:schemeClr val="tx1"/>
+          </a:fontRef>
+        </p:style>
+      </p:cxnSp>
+    </p:spTree>
+    <p:extLst>
+      <p:ext uri="{BB962C8B-B14F-4D97-AF65-F5344CB8AC3E}">
+        <p14:creationId xmlns:p14="http://schemas.microsoft.com/office/powerpoint/2010/main" val="2392971382"/>
+      </p:ext>
+    </p:extLst>
+  </p:cSld>
+  <p:clrMapOvr>
+    <a:masterClrMapping/>
+  </p:clrMapOvr>
+</p:sld>
+</file>
+
+<file path=ppt/slides/slide5.xml><?xml version="1.0" encoding="utf-8"?>
 <p:sld xmlns:a="http://schemas.openxmlformats.org/drawingml/2006/main" xmlns:r="http://schemas.openxmlformats.org/officeDocument/2006/relationships" xmlns:p="http://schemas.openxmlformats.org/presentationml/2006/main">
   <p:cSld>
     <p:spTree>
@@ -3870,11 +4124,809 @@
           <a:chExt cx="0" cy="0"/>
         </a:xfrm>
       </p:grpSpPr>
+      <p:pic>
+        <p:nvPicPr>
+          <p:cNvPr id="8" name="Picture 7" descr="A blue screen with white text&#10;&#10;Description automatically generated">
+            <a:extLst>
+              <a:ext uri="{FF2B5EF4-FFF2-40B4-BE49-F238E27FC236}">
+                <a16:creationId xmlns:a16="http://schemas.microsoft.com/office/drawing/2014/main" id="{E7F9C644-372C-4FA3-F4F3-9C345306CB8B}"/>
+              </a:ext>
+            </a:extLst>
+          </p:cNvPr>
+          <p:cNvPicPr>
+            <a:picLocks noChangeAspect="1"/>
+          </p:cNvPicPr>
+          <p:nvPr/>
+        </p:nvPicPr>
+        <p:blipFill>
+          <a:blip r:embed="rId2">
+            <a:extLst>
+              <a:ext uri="{28A0092B-C50C-407E-A947-70E740481C1C}">
+                <a14:useLocalDpi xmlns:a14="http://schemas.microsoft.com/office/drawing/2010/main" val="0"/>
+              </a:ext>
+            </a:extLst>
+          </a:blip>
+          <a:stretch>
+            <a:fillRect/>
+          </a:stretch>
+        </p:blipFill>
+        <p:spPr>
+          <a:xfrm>
+            <a:off x="1068556" y="1258323"/>
+            <a:ext cx="4516159" cy="2743200"/>
+          </a:xfrm>
+          <a:prstGeom prst="rect">
+            <a:avLst/>
+          </a:prstGeom>
+        </p:spPr>
+      </p:pic>
+      <p:pic>
+        <p:nvPicPr>
+          <p:cNvPr id="10" name="Picture 9" descr="A blue screen with white lines&#10;&#10;Description automatically generated">
+            <a:extLst>
+              <a:ext uri="{FF2B5EF4-FFF2-40B4-BE49-F238E27FC236}">
+                <a16:creationId xmlns:a16="http://schemas.microsoft.com/office/drawing/2014/main" id="{A245FD1E-820E-5EE4-89E4-5F6CFBACC9FE}"/>
+              </a:ext>
+            </a:extLst>
+          </p:cNvPr>
+          <p:cNvPicPr>
+            <a:picLocks noChangeAspect="1"/>
+          </p:cNvPicPr>
+          <p:nvPr/>
+        </p:nvPicPr>
+        <p:blipFill>
+          <a:blip r:embed="rId3">
+            <a:extLst>
+              <a:ext uri="{28A0092B-C50C-407E-A947-70E740481C1C}">
+                <a14:useLocalDpi xmlns:a14="http://schemas.microsoft.com/office/drawing/2010/main" val="0"/>
+              </a:ext>
+            </a:extLst>
+          </a:blip>
+          <a:stretch>
+            <a:fillRect/>
+          </a:stretch>
+        </p:blipFill>
+        <p:spPr>
+          <a:xfrm>
+            <a:off x="1068556" y="4007128"/>
+            <a:ext cx="4516159" cy="2743200"/>
+          </a:xfrm>
+          <a:prstGeom prst="rect">
+            <a:avLst/>
+          </a:prstGeom>
+        </p:spPr>
+      </p:pic>
+      <p:pic>
+        <p:nvPicPr>
+          <p:cNvPr id="12" name="Picture 11" descr="A blue and white image of a wave&#10;&#10;Description automatically generated with medium confidence">
+            <a:extLst>
+              <a:ext uri="{FF2B5EF4-FFF2-40B4-BE49-F238E27FC236}">
+                <a16:creationId xmlns:a16="http://schemas.microsoft.com/office/drawing/2014/main" id="{4A46169D-2DC3-A375-A389-2B2C6E66794B}"/>
+              </a:ext>
+            </a:extLst>
+          </p:cNvPr>
+          <p:cNvPicPr>
+            <a:picLocks noChangeAspect="1"/>
+          </p:cNvPicPr>
+          <p:nvPr/>
+        </p:nvPicPr>
+        <p:blipFill>
+          <a:blip r:embed="rId4">
+            <a:extLst>
+              <a:ext uri="{28A0092B-C50C-407E-A947-70E740481C1C}">
+                <a14:useLocalDpi xmlns:a14="http://schemas.microsoft.com/office/drawing/2010/main" val="0"/>
+              </a:ext>
+            </a:extLst>
+          </a:blip>
+          <a:stretch>
+            <a:fillRect/>
+          </a:stretch>
+        </p:blipFill>
+        <p:spPr>
+          <a:xfrm>
+            <a:off x="6321562" y="1252718"/>
+            <a:ext cx="4516159" cy="2743200"/>
+          </a:xfrm>
+          <a:prstGeom prst="rect">
+            <a:avLst/>
+          </a:prstGeom>
+        </p:spPr>
+      </p:pic>
+      <p:pic>
+        <p:nvPicPr>
+          <p:cNvPr id="14" name="Picture 13" descr="A blue and white image of a blue sky&#10;&#10;Description automatically generated">
+            <a:extLst>
+              <a:ext uri="{FF2B5EF4-FFF2-40B4-BE49-F238E27FC236}">
+                <a16:creationId xmlns:a16="http://schemas.microsoft.com/office/drawing/2014/main" id="{7E329552-FB4F-D69E-7DAA-9146BFE83FF0}"/>
+              </a:ext>
+            </a:extLst>
+          </p:cNvPr>
+          <p:cNvPicPr>
+            <a:picLocks noChangeAspect="1"/>
+          </p:cNvPicPr>
+          <p:nvPr/>
+        </p:nvPicPr>
+        <p:blipFill>
+          <a:blip r:embed="rId5">
+            <a:extLst>
+              <a:ext uri="{28A0092B-C50C-407E-A947-70E740481C1C}">
+                <a14:useLocalDpi xmlns:a14="http://schemas.microsoft.com/office/drawing/2010/main" val="0"/>
+              </a:ext>
+            </a:extLst>
+          </a:blip>
+          <a:stretch>
+            <a:fillRect/>
+          </a:stretch>
+        </p:blipFill>
+        <p:spPr>
+          <a:xfrm>
+            <a:off x="6321563" y="4007128"/>
+            <a:ext cx="4516159" cy="2743200"/>
+          </a:xfrm>
+          <a:prstGeom prst="rect">
+            <a:avLst/>
+          </a:prstGeom>
+        </p:spPr>
+      </p:pic>
       <p:sp>
         <p:nvSpPr>
           <p:cNvPr id="2" name="Title 1">
             <a:extLst>
               <a:ext uri="{FF2B5EF4-FFF2-40B4-BE49-F238E27FC236}">
+                <a16:creationId xmlns:a16="http://schemas.microsoft.com/office/drawing/2014/main" id="{7A70E42C-784C-06B8-1098-C67CB6E3A622}"/>
+              </a:ext>
+            </a:extLst>
+          </p:cNvPr>
+          <p:cNvSpPr txBox="1">
+            <a:spLocks/>
+          </p:cNvSpPr>
+          <p:nvPr/>
+        </p:nvSpPr>
+        <p:spPr>
+          <a:xfrm>
+            <a:off x="838200" y="107673"/>
+            <a:ext cx="10515600" cy="904382"/>
+          </a:xfrm>
+          <a:prstGeom prst="rect">
+            <a:avLst/>
+          </a:prstGeom>
+        </p:spPr>
+        <p:txBody>
+          <a:bodyPr vert="horz" lIns="91440" tIns="45720" rIns="91440" bIns="45720" rtlCol="0" anchor="b">
+            <a:normAutofit lnSpcReduction="10000"/>
+          </a:bodyPr>
+          <a:lstStyle>
+            <a:lvl1pPr algn="ctr" defTabSz="914400" rtl="0" eaLnBrk="1" latinLnBrk="0" hangingPunct="1">
+              <a:lnSpc>
+                <a:spcPct val="90000"/>
+              </a:lnSpc>
+              <a:spcBef>
+                <a:spcPct val="0"/>
+              </a:spcBef>
+              <a:buNone/>
+              <a:defRPr sz="6000" kern="1200">
+                <a:solidFill>
+                  <a:schemeClr val="tx1"/>
+                </a:solidFill>
+                <a:latin typeface="+mj-lt"/>
+                <a:ea typeface="+mj-ea"/>
+                <a:cs typeface="+mj-cs"/>
+              </a:defRPr>
+            </a:lvl1pPr>
+          </a:lstStyle>
+          <a:p>
+            <a:r>
+              <a:rPr lang="en-US" dirty="0"/>
+              <a:t>Explore/Visualize the Data</a:t>
+            </a:r>
+          </a:p>
+        </p:txBody>
+      </p:sp>
+      <p:cxnSp>
+        <p:nvCxnSpPr>
+          <p:cNvPr id="4" name="Straight Connector 3">
+            <a:extLst>
+              <a:ext uri="{FF2B5EF4-FFF2-40B4-BE49-F238E27FC236}">
+                <a16:creationId xmlns:a16="http://schemas.microsoft.com/office/drawing/2014/main" id="{51827DB4-BE73-5EA9-14B4-31040FF5A17B}"/>
+              </a:ext>
+            </a:extLst>
+          </p:cNvPr>
+          <p:cNvCxnSpPr/>
+          <p:nvPr/>
+        </p:nvCxnSpPr>
+        <p:spPr>
+          <a:xfrm>
+            <a:off x="5930283" y="1340528"/>
+            <a:ext cx="0" cy="5255581"/>
+          </a:xfrm>
+          <a:prstGeom prst="line">
+            <a:avLst/>
+          </a:prstGeom>
+        </p:spPr>
+        <p:style>
+          <a:lnRef idx="2">
+            <a:schemeClr val="accent1"/>
+          </a:lnRef>
+          <a:fillRef idx="0">
+            <a:schemeClr val="accent1"/>
+          </a:fillRef>
+          <a:effectRef idx="1">
+            <a:schemeClr val="accent1"/>
+          </a:effectRef>
+          <a:fontRef idx="minor">
+            <a:schemeClr val="tx1"/>
+          </a:fontRef>
+        </p:style>
+      </p:cxnSp>
+    </p:spTree>
+    <p:extLst>
+      <p:ext uri="{BB962C8B-B14F-4D97-AF65-F5344CB8AC3E}">
+        <p14:creationId xmlns:p14="http://schemas.microsoft.com/office/powerpoint/2010/main" val="406709977"/>
+      </p:ext>
+    </p:extLst>
+  </p:cSld>
+  <p:clrMapOvr>
+    <a:masterClrMapping/>
+  </p:clrMapOvr>
+</p:sld>
+</file>
+
+<file path=ppt/slides/slide6.xml><?xml version="1.0" encoding="utf-8"?>
+<p:sld xmlns:a="http://schemas.openxmlformats.org/drawingml/2006/main" xmlns:r="http://schemas.openxmlformats.org/officeDocument/2006/relationships" xmlns:p="http://schemas.openxmlformats.org/presentationml/2006/main">
+  <p:cSld>
+    <p:spTree>
+      <p:nvGrpSpPr>
+        <p:cNvPr id="1" name="">
+          <a:extLst>
+            <a:ext uri="{FF2B5EF4-FFF2-40B4-BE49-F238E27FC236}">
+              <a16:creationId xmlns:a16="http://schemas.microsoft.com/office/drawing/2014/main" id="{D746CA25-8F29-C17A-1739-2757EE0165E1}"/>
+            </a:ext>
+          </a:extLst>
+        </p:cNvPr>
+        <p:cNvGrpSpPr/>
+        <p:nvPr/>
+      </p:nvGrpSpPr>
+      <p:grpSpPr>
+        <a:xfrm>
+          <a:off x="0" y="0"/>
+          <a:ext cx="0" cy="0"/>
+          <a:chOff x="0" y="0"/>
+          <a:chExt cx="0" cy="0"/>
+        </a:xfrm>
+      </p:grpSpPr>
+      <p:pic>
+        <p:nvPicPr>
+          <p:cNvPr id="12" name="Picture 11" descr="A blue and white image of a wave&#10;&#10;Description automatically generated with medium confidence">
+            <a:extLst>
+              <a:ext uri="{FF2B5EF4-FFF2-40B4-BE49-F238E27FC236}">
+                <a16:creationId xmlns:a16="http://schemas.microsoft.com/office/drawing/2014/main" id="{6270F3C5-4E1A-2370-BAB4-F8148644A697}"/>
+              </a:ext>
+            </a:extLst>
+          </p:cNvPr>
+          <p:cNvPicPr>
+            <a:picLocks noChangeAspect="1"/>
+          </p:cNvPicPr>
+          <p:nvPr/>
+        </p:nvPicPr>
+        <p:blipFill>
+          <a:blip r:embed="rId2">
+            <a:extLst>
+              <a:ext uri="{28A0092B-C50C-407E-A947-70E740481C1C}">
+                <a14:useLocalDpi xmlns:a14="http://schemas.microsoft.com/office/drawing/2010/main" val="0"/>
+              </a:ext>
+            </a:extLst>
+          </a:blip>
+          <a:stretch>
+            <a:fillRect/>
+          </a:stretch>
+        </p:blipFill>
+        <p:spPr>
+          <a:xfrm>
+            <a:off x="6837641" y="1228055"/>
+            <a:ext cx="4516159" cy="2743200"/>
+          </a:xfrm>
+          <a:prstGeom prst="rect">
+            <a:avLst/>
+          </a:prstGeom>
+        </p:spPr>
+      </p:pic>
+      <p:pic>
+        <p:nvPicPr>
+          <p:cNvPr id="14" name="Picture 13" descr="A blue and white image of a blue sky&#10;&#10;Description automatically generated">
+            <a:extLst>
+              <a:ext uri="{FF2B5EF4-FFF2-40B4-BE49-F238E27FC236}">
+                <a16:creationId xmlns:a16="http://schemas.microsoft.com/office/drawing/2014/main" id="{4CA9E09A-54DE-C81E-7B69-CAD260C0BF7C}"/>
+              </a:ext>
+            </a:extLst>
+          </p:cNvPr>
+          <p:cNvPicPr>
+            <a:picLocks noChangeAspect="1"/>
+          </p:cNvPicPr>
+          <p:nvPr/>
+        </p:nvPicPr>
+        <p:blipFill>
+          <a:blip r:embed="rId3">
+            <a:extLst>
+              <a:ext uri="{28A0092B-C50C-407E-A947-70E740481C1C}">
+                <a14:useLocalDpi xmlns:a14="http://schemas.microsoft.com/office/drawing/2010/main" val="0"/>
+              </a:ext>
+            </a:extLst>
+          </a:blip>
+          <a:stretch>
+            <a:fillRect/>
+          </a:stretch>
+        </p:blipFill>
+        <p:spPr>
+          <a:xfrm>
+            <a:off x="6837641" y="3971255"/>
+            <a:ext cx="4516159" cy="2743200"/>
+          </a:xfrm>
+          <a:prstGeom prst="rect">
+            <a:avLst/>
+          </a:prstGeom>
+        </p:spPr>
+      </p:pic>
+      <p:pic>
+        <p:nvPicPr>
+          <p:cNvPr id="2" name="Picture 1" descr="A blue and red graph&#10;&#10;Description automatically generated with medium confidence">
+            <a:extLst>
+              <a:ext uri="{FF2B5EF4-FFF2-40B4-BE49-F238E27FC236}">
+                <a16:creationId xmlns:a16="http://schemas.microsoft.com/office/drawing/2014/main" id="{0C80AD77-773F-2C2F-0D8A-A180B8A927FB}"/>
+              </a:ext>
+            </a:extLst>
+          </p:cNvPr>
+          <p:cNvPicPr>
+            <a:picLocks noChangeAspect="1"/>
+          </p:cNvPicPr>
+          <p:nvPr/>
+        </p:nvPicPr>
+        <p:blipFill>
+          <a:blip r:embed="rId4">
+            <a:extLst>
+              <a:ext uri="{28A0092B-C50C-407E-A947-70E740481C1C}">
+                <a14:useLocalDpi xmlns:a14="http://schemas.microsoft.com/office/drawing/2010/main" val="0"/>
+              </a:ext>
+            </a:extLst>
+          </a:blip>
+          <a:stretch>
+            <a:fillRect/>
+          </a:stretch>
+        </p:blipFill>
+        <p:spPr>
+          <a:xfrm>
+            <a:off x="663697" y="1228055"/>
+            <a:ext cx="4690663" cy="2743200"/>
+          </a:xfrm>
+          <a:prstGeom prst="rect">
+            <a:avLst/>
+          </a:prstGeom>
+        </p:spPr>
+      </p:pic>
+      <p:pic>
+        <p:nvPicPr>
+          <p:cNvPr id="3" name="Picture 2" descr="A blue and white screen&#10;&#10;Description automatically generated with medium confidence">
+            <a:extLst>
+              <a:ext uri="{FF2B5EF4-FFF2-40B4-BE49-F238E27FC236}">
+                <a16:creationId xmlns:a16="http://schemas.microsoft.com/office/drawing/2014/main" id="{30B9829C-8B3E-5BAF-377C-626A31DE698B}"/>
+              </a:ext>
+            </a:extLst>
+          </p:cNvPr>
+          <p:cNvPicPr>
+            <a:picLocks noChangeAspect="1"/>
+          </p:cNvPicPr>
+          <p:nvPr/>
+        </p:nvPicPr>
+        <p:blipFill>
+          <a:blip r:embed="rId5">
+            <a:extLst>
+              <a:ext uri="{28A0092B-C50C-407E-A947-70E740481C1C}">
+                <a14:useLocalDpi xmlns:a14="http://schemas.microsoft.com/office/drawing/2010/main" val="0"/>
+              </a:ext>
+            </a:extLst>
+          </a:blip>
+          <a:stretch>
+            <a:fillRect/>
+          </a:stretch>
+        </p:blipFill>
+        <p:spPr>
+          <a:xfrm>
+            <a:off x="663697" y="3971255"/>
+            <a:ext cx="4516159" cy="2743200"/>
+          </a:xfrm>
+          <a:prstGeom prst="rect">
+            <a:avLst/>
+          </a:prstGeom>
+        </p:spPr>
+      </p:pic>
+      <p:sp>
+        <p:nvSpPr>
+          <p:cNvPr id="4" name="Title 1">
+            <a:extLst>
+              <a:ext uri="{FF2B5EF4-FFF2-40B4-BE49-F238E27FC236}">
+                <a16:creationId xmlns:a16="http://schemas.microsoft.com/office/drawing/2014/main" id="{A533C506-1A60-BFF2-0756-82D2EE2181B2}"/>
+              </a:ext>
+            </a:extLst>
+          </p:cNvPr>
+          <p:cNvSpPr txBox="1">
+            <a:spLocks/>
+          </p:cNvSpPr>
+          <p:nvPr/>
+        </p:nvSpPr>
+        <p:spPr>
+          <a:xfrm>
+            <a:off x="838200" y="107673"/>
+            <a:ext cx="10515600" cy="904382"/>
+          </a:xfrm>
+          <a:prstGeom prst="rect">
+            <a:avLst/>
+          </a:prstGeom>
+        </p:spPr>
+        <p:txBody>
+          <a:bodyPr vert="horz" lIns="91440" tIns="45720" rIns="91440" bIns="45720" rtlCol="0" anchor="b">
+            <a:normAutofit lnSpcReduction="10000"/>
+          </a:bodyPr>
+          <a:lstStyle>
+            <a:lvl1pPr algn="ctr" defTabSz="914400" rtl="0" eaLnBrk="1" latinLnBrk="0" hangingPunct="1">
+              <a:lnSpc>
+                <a:spcPct val="90000"/>
+              </a:lnSpc>
+              <a:spcBef>
+                <a:spcPct val="0"/>
+              </a:spcBef>
+              <a:buNone/>
+              <a:defRPr sz="6000" kern="1200">
+                <a:solidFill>
+                  <a:schemeClr val="tx1"/>
+                </a:solidFill>
+                <a:latin typeface="+mj-lt"/>
+                <a:ea typeface="+mj-ea"/>
+                <a:cs typeface="+mj-cs"/>
+              </a:defRPr>
+            </a:lvl1pPr>
+          </a:lstStyle>
+          <a:p>
+            <a:r>
+              <a:rPr lang="en-US" dirty="0"/>
+              <a:t>Explore/Visualize the Data</a:t>
+            </a:r>
+          </a:p>
+        </p:txBody>
+      </p:sp>
+      <p:cxnSp>
+        <p:nvCxnSpPr>
+          <p:cNvPr id="5" name="Straight Connector 4">
+            <a:extLst>
+              <a:ext uri="{FF2B5EF4-FFF2-40B4-BE49-F238E27FC236}">
+                <a16:creationId xmlns:a16="http://schemas.microsoft.com/office/drawing/2014/main" id="{72BB3B03-ECDC-7AAD-0295-C49BFBB327E3}"/>
+              </a:ext>
+            </a:extLst>
+          </p:cNvPr>
+          <p:cNvCxnSpPr/>
+          <p:nvPr/>
+        </p:nvCxnSpPr>
+        <p:spPr>
+          <a:xfrm>
+            <a:off x="5930283" y="1340528"/>
+            <a:ext cx="0" cy="5255581"/>
+          </a:xfrm>
+          <a:prstGeom prst="line">
+            <a:avLst/>
+          </a:prstGeom>
+        </p:spPr>
+        <p:style>
+          <a:lnRef idx="2">
+            <a:schemeClr val="accent1"/>
+          </a:lnRef>
+          <a:fillRef idx="0">
+            <a:schemeClr val="accent1"/>
+          </a:fillRef>
+          <a:effectRef idx="1">
+            <a:schemeClr val="accent1"/>
+          </a:effectRef>
+          <a:fontRef idx="minor">
+            <a:schemeClr val="tx1"/>
+          </a:fontRef>
+        </p:style>
+      </p:cxnSp>
+    </p:spTree>
+    <p:extLst>
+      <p:ext uri="{BB962C8B-B14F-4D97-AF65-F5344CB8AC3E}">
+        <p14:creationId xmlns:p14="http://schemas.microsoft.com/office/powerpoint/2010/main" val="1935979333"/>
+      </p:ext>
+    </p:extLst>
+  </p:cSld>
+  <p:clrMapOvr>
+    <a:masterClrMapping/>
+  </p:clrMapOvr>
+</p:sld>
+</file>
+
+<file path=ppt/slides/slide7.xml><?xml version="1.0" encoding="utf-8"?>
+<p:sld xmlns:a="http://schemas.openxmlformats.org/drawingml/2006/main" xmlns:r="http://schemas.openxmlformats.org/officeDocument/2006/relationships" xmlns:p="http://schemas.openxmlformats.org/presentationml/2006/main">
+  <p:cSld>
+    <p:spTree>
+      <p:nvGrpSpPr>
+        <p:cNvPr id="1" name=""/>
+        <p:cNvGrpSpPr/>
+        <p:nvPr/>
+      </p:nvGrpSpPr>
+      <p:grpSpPr>
+        <a:xfrm>
+          <a:off x="0" y="0"/>
+          <a:ext cx="0" cy="0"/>
+          <a:chOff x="0" y="0"/>
+          <a:chExt cx="0" cy="0"/>
+        </a:xfrm>
+      </p:grpSpPr>
+      <p:pic>
+        <p:nvPicPr>
+          <p:cNvPr id="5" name="Picture 4" descr="A blue and red graph&#10;&#10;Description automatically generated with medium confidence">
+            <a:extLst>
+              <a:ext uri="{FF2B5EF4-FFF2-40B4-BE49-F238E27FC236}">
+                <a16:creationId xmlns:a16="http://schemas.microsoft.com/office/drawing/2014/main" id="{5A066BEE-C736-2228-3440-6F09BEEDCDE5}"/>
+              </a:ext>
+            </a:extLst>
+          </p:cNvPr>
+          <p:cNvPicPr>
+            <a:picLocks noChangeAspect="1"/>
+          </p:cNvPicPr>
+          <p:nvPr/>
+        </p:nvPicPr>
+        <p:blipFill>
+          <a:blip r:embed="rId2">
+            <a:extLst>
+              <a:ext uri="{28A0092B-C50C-407E-A947-70E740481C1C}">
+                <a14:useLocalDpi xmlns:a14="http://schemas.microsoft.com/office/drawing/2010/main" val="0"/>
+              </a:ext>
+            </a:extLst>
+          </a:blip>
+          <a:stretch>
+            <a:fillRect/>
+          </a:stretch>
+        </p:blipFill>
+        <p:spPr>
+          <a:xfrm>
+            <a:off x="895885" y="1371600"/>
+            <a:ext cx="4690663" cy="2743200"/>
+          </a:xfrm>
+          <a:prstGeom prst="rect">
+            <a:avLst/>
+          </a:prstGeom>
+        </p:spPr>
+      </p:pic>
+      <p:pic>
+        <p:nvPicPr>
+          <p:cNvPr id="7" name="Picture 6" descr="A blue and white screen&#10;&#10;Description automatically generated with medium confidence">
+            <a:extLst>
+              <a:ext uri="{FF2B5EF4-FFF2-40B4-BE49-F238E27FC236}">
+                <a16:creationId xmlns:a16="http://schemas.microsoft.com/office/drawing/2014/main" id="{3E897AA9-E6CF-0EF5-1E81-FB46379FE636}"/>
+              </a:ext>
+            </a:extLst>
+          </p:cNvPr>
+          <p:cNvPicPr>
+            <a:picLocks noChangeAspect="1"/>
+          </p:cNvPicPr>
+          <p:nvPr/>
+        </p:nvPicPr>
+        <p:blipFill>
+          <a:blip r:embed="rId3">
+            <a:extLst>
+              <a:ext uri="{28A0092B-C50C-407E-A947-70E740481C1C}">
+                <a14:useLocalDpi xmlns:a14="http://schemas.microsoft.com/office/drawing/2010/main" val="0"/>
+              </a:ext>
+            </a:extLst>
+          </a:blip>
+          <a:stretch>
+            <a:fillRect/>
+          </a:stretch>
+        </p:blipFill>
+        <p:spPr>
+          <a:xfrm>
+            <a:off x="895884" y="4114800"/>
+            <a:ext cx="4516159" cy="2743200"/>
+          </a:xfrm>
+          <a:prstGeom prst="rect">
+            <a:avLst/>
+          </a:prstGeom>
+        </p:spPr>
+      </p:pic>
+      <p:pic>
+        <p:nvPicPr>
+          <p:cNvPr id="9" name="Picture 8" descr="A blue screen with white lines&#10;&#10;Description automatically generated">
+            <a:extLst>
+              <a:ext uri="{FF2B5EF4-FFF2-40B4-BE49-F238E27FC236}">
+                <a16:creationId xmlns:a16="http://schemas.microsoft.com/office/drawing/2014/main" id="{4283C9BC-28B4-CCFC-49AC-F55A2761DFD4}"/>
+              </a:ext>
+            </a:extLst>
+          </p:cNvPr>
+          <p:cNvPicPr>
+            <a:picLocks noChangeAspect="1"/>
+          </p:cNvPicPr>
+          <p:nvPr/>
+        </p:nvPicPr>
+        <p:blipFill>
+          <a:blip r:embed="rId4">
+            <a:extLst>
+              <a:ext uri="{28A0092B-C50C-407E-A947-70E740481C1C}">
+                <a14:useLocalDpi xmlns:a14="http://schemas.microsoft.com/office/drawing/2010/main" val="0"/>
+              </a:ext>
+            </a:extLst>
+          </a:blip>
+          <a:stretch>
+            <a:fillRect/>
+          </a:stretch>
+        </p:blipFill>
+        <p:spPr>
+          <a:xfrm>
+            <a:off x="6655294" y="1371600"/>
+            <a:ext cx="4516159" cy="2743200"/>
+          </a:xfrm>
+          <a:prstGeom prst="rect">
+            <a:avLst/>
+          </a:prstGeom>
+        </p:spPr>
+      </p:pic>
+      <p:pic>
+        <p:nvPicPr>
+          <p:cNvPr id="11" name="Picture 10" descr="A blue screen with white lines&#10;&#10;Description automatically generated">
+            <a:extLst>
+              <a:ext uri="{FF2B5EF4-FFF2-40B4-BE49-F238E27FC236}">
+                <a16:creationId xmlns:a16="http://schemas.microsoft.com/office/drawing/2014/main" id="{170419DD-F4F4-7033-C47B-EEC047BE1D7D}"/>
+              </a:ext>
+            </a:extLst>
+          </p:cNvPr>
+          <p:cNvPicPr>
+            <a:picLocks noChangeAspect="1"/>
+          </p:cNvPicPr>
+          <p:nvPr/>
+        </p:nvPicPr>
+        <p:blipFill>
+          <a:blip r:embed="rId5">
+            <a:extLst>
+              <a:ext uri="{28A0092B-C50C-407E-A947-70E740481C1C}">
+                <a14:useLocalDpi xmlns:a14="http://schemas.microsoft.com/office/drawing/2010/main" val="0"/>
+              </a:ext>
+            </a:extLst>
+          </a:blip>
+          <a:stretch>
+            <a:fillRect/>
+          </a:stretch>
+        </p:blipFill>
+        <p:spPr>
+          <a:xfrm>
+            <a:off x="6655293" y="4114800"/>
+            <a:ext cx="4516159" cy="2743200"/>
+          </a:xfrm>
+          <a:prstGeom prst="rect">
+            <a:avLst/>
+          </a:prstGeom>
+        </p:spPr>
+      </p:pic>
+      <p:sp>
+        <p:nvSpPr>
+          <p:cNvPr id="2" name="Title 1">
+            <a:extLst>
+              <a:ext uri="{FF2B5EF4-FFF2-40B4-BE49-F238E27FC236}">
+                <a16:creationId xmlns:a16="http://schemas.microsoft.com/office/drawing/2014/main" id="{52A374CE-A32F-D188-5958-2820E4BDC9D9}"/>
+              </a:ext>
+            </a:extLst>
+          </p:cNvPr>
+          <p:cNvSpPr txBox="1">
+            <a:spLocks/>
+          </p:cNvSpPr>
+          <p:nvPr/>
+        </p:nvSpPr>
+        <p:spPr>
+          <a:xfrm>
+            <a:off x="838200" y="107673"/>
+            <a:ext cx="10515600" cy="904382"/>
+          </a:xfrm>
+          <a:prstGeom prst="rect">
+            <a:avLst/>
+          </a:prstGeom>
+        </p:spPr>
+        <p:txBody>
+          <a:bodyPr vert="horz" lIns="91440" tIns="45720" rIns="91440" bIns="45720" rtlCol="0" anchor="b">
+            <a:normAutofit lnSpcReduction="10000"/>
+          </a:bodyPr>
+          <a:lstStyle>
+            <a:lvl1pPr algn="ctr" defTabSz="914400" rtl="0" eaLnBrk="1" latinLnBrk="0" hangingPunct="1">
+              <a:lnSpc>
+                <a:spcPct val="90000"/>
+              </a:lnSpc>
+              <a:spcBef>
+                <a:spcPct val="0"/>
+              </a:spcBef>
+              <a:buNone/>
+              <a:defRPr sz="6000" kern="1200">
+                <a:solidFill>
+                  <a:schemeClr val="tx1"/>
+                </a:solidFill>
+                <a:latin typeface="+mj-lt"/>
+                <a:ea typeface="+mj-ea"/>
+                <a:cs typeface="+mj-cs"/>
+              </a:defRPr>
+            </a:lvl1pPr>
+          </a:lstStyle>
+          <a:p>
+            <a:r>
+              <a:rPr lang="en-US" dirty="0"/>
+              <a:t>Explore/Visualize the Data</a:t>
+            </a:r>
+          </a:p>
+        </p:txBody>
+      </p:sp>
+      <p:cxnSp>
+        <p:nvCxnSpPr>
+          <p:cNvPr id="3" name="Straight Connector 2">
+            <a:extLst>
+              <a:ext uri="{FF2B5EF4-FFF2-40B4-BE49-F238E27FC236}">
+                <a16:creationId xmlns:a16="http://schemas.microsoft.com/office/drawing/2014/main" id="{69F028A0-17F1-DE2C-397E-311FD527E14F}"/>
+              </a:ext>
+            </a:extLst>
+          </p:cNvPr>
+          <p:cNvCxnSpPr/>
+          <p:nvPr/>
+        </p:nvCxnSpPr>
+        <p:spPr>
+          <a:xfrm>
+            <a:off x="5930283" y="1340528"/>
+            <a:ext cx="0" cy="5255581"/>
+          </a:xfrm>
+          <a:prstGeom prst="line">
+            <a:avLst/>
+          </a:prstGeom>
+        </p:spPr>
+        <p:style>
+          <a:lnRef idx="2">
+            <a:schemeClr val="accent1"/>
+          </a:lnRef>
+          <a:fillRef idx="0">
+            <a:schemeClr val="accent1"/>
+          </a:fillRef>
+          <a:effectRef idx="1">
+            <a:schemeClr val="accent1"/>
+          </a:effectRef>
+          <a:fontRef idx="minor">
+            <a:schemeClr val="tx1"/>
+          </a:fontRef>
+        </p:style>
+      </p:cxnSp>
+    </p:spTree>
+    <p:extLst>
+      <p:ext uri="{BB962C8B-B14F-4D97-AF65-F5344CB8AC3E}">
+        <p14:creationId xmlns:p14="http://schemas.microsoft.com/office/powerpoint/2010/main" val="2066331840"/>
+      </p:ext>
+    </p:extLst>
+  </p:cSld>
+  <p:clrMapOvr>
+    <a:masterClrMapping/>
+  </p:clrMapOvr>
+</p:sld>
+</file>
+
+<file path=ppt/slides/slide8.xml><?xml version="1.0" encoding="utf-8"?>
+<p:sld xmlns:a="http://schemas.openxmlformats.org/drawingml/2006/main" xmlns:r="http://schemas.openxmlformats.org/officeDocument/2006/relationships" xmlns:p="http://schemas.openxmlformats.org/presentationml/2006/main">
+  <p:cSld>
+    <p:spTree>
+      <p:nvGrpSpPr>
+        <p:cNvPr id="1" name=""/>
+        <p:cNvGrpSpPr/>
+        <p:nvPr/>
+      </p:nvGrpSpPr>
+      <p:grpSpPr>
+        <a:xfrm>
+          <a:off x="0" y="0"/>
+          <a:ext cx="0" cy="0"/>
+          <a:chOff x="0" y="0"/>
+          <a:chExt cx="0" cy="0"/>
+        </a:xfrm>
+      </p:grpSpPr>
+      <p:sp>
+        <p:nvSpPr>
+          <p:cNvPr id="2" name="Title 1">
+            <a:extLst>
+              <a:ext uri="{FF2B5EF4-FFF2-40B4-BE49-F238E27FC236}">
                 <a16:creationId xmlns:a16="http://schemas.microsoft.com/office/drawing/2014/main" id="{F07483F7-F105-EE9E-F945-2F2CB35CB47D}"/>
               </a:ext>
             </a:extLst>
@@ -3891,7 +4943,10 @@
           <a:bodyPr/>
           <a:lstStyle/>
           <a:p>
-            <a:endParaRPr lang="en-US"/>
+            <a:r>
+              <a:rPr lang="en-US"/>
+              <a:t>Report:</a:t>
+            </a:r>
           </a:p>
         </p:txBody>
       </p:sp>
@@ -4001,7 +5056,7 @@
 </p:sld>
 </file>
 
-<file path=ppt/slides/slide5.xml><?xml version="1.0" encoding="utf-8"?>
+<file path=ppt/slides/slide9.xml><?xml version="1.0" encoding="utf-8"?>
 <p:sld xmlns:a="http://schemas.openxmlformats.org/drawingml/2006/main" xmlns:r="http://schemas.openxmlformats.org/officeDocument/2006/relationships" xmlns:p="http://schemas.openxmlformats.org/presentationml/2006/main">
   <p:cSld>
     <p:spTree>
@@ -4045,7 +5100,10 @@
           <a:bodyPr/>
           <a:lstStyle/>
           <a:p>
-            <a:endParaRPr lang="en-US"/>
+            <a:r>
+              <a:rPr lang="en-US" dirty="0"/>
+              <a:t>Off-the-Shelf Solution</a:t>
+            </a:r>
           </a:p>
         </p:txBody>
       </p:sp>

--- a/Hackathon Presentation.pptx
+++ b/Hackathon Presentation.pptx
@@ -14,6 +14,7 @@
     <p:sldId id="257" r:id="rId8"/>
     <p:sldId id="259" r:id="rId9"/>
     <p:sldId id="260" r:id="rId10"/>
+    <p:sldId id="265" r:id="rId11"/>
   </p:sldIdLst>
   <p:sldSz cx="12192000" cy="6858000"/>
   <p:notesSz cx="6858000" cy="9144000"/>
@@ -3430,15 +3431,7 @@
             </a:pPr>
             <a:r>
               <a:rPr lang="en-US" dirty="0"/>
-              <a:t>Here, we propose a model to recognize </a:t>
-            </a:r>
-            <a:r>
-              <a:rPr lang="en-US"/>
-              <a:t>individual spoken words </a:t>
-            </a:r>
-            <a:r>
-              <a:rPr lang="en-US" dirty="0"/>
-              <a:t>in </a:t>
+              <a:t>Here, we propose a model to recognize individual spoken words in </a:t>
             </a:r>
             <a:r>
               <a:rPr lang="en-US" dirty="0" err="1"/>
@@ -3500,6 +3493,131 @@
     <p:extLst>
       <p:ext uri="{BB962C8B-B14F-4D97-AF65-F5344CB8AC3E}">
         <p14:creationId xmlns:p14="http://schemas.microsoft.com/office/powerpoint/2010/main" val="2296366569"/>
+      </p:ext>
+    </p:extLst>
+  </p:cSld>
+  <p:clrMapOvr>
+    <a:masterClrMapping/>
+  </p:clrMapOvr>
+</p:sld>
+</file>
+
+<file path=ppt/slides/slide10.xml><?xml version="1.0" encoding="utf-8"?>
+<p:sld xmlns:a="http://schemas.openxmlformats.org/drawingml/2006/main" xmlns:r="http://schemas.openxmlformats.org/officeDocument/2006/relationships" xmlns:p="http://schemas.openxmlformats.org/presentationml/2006/main">
+  <p:cSld>
+    <p:spTree>
+      <p:nvGrpSpPr>
+        <p:cNvPr id="1" name=""/>
+        <p:cNvGrpSpPr/>
+        <p:nvPr/>
+      </p:nvGrpSpPr>
+      <p:grpSpPr>
+        <a:xfrm>
+          <a:off x="0" y="0"/>
+          <a:ext cx="0" cy="0"/>
+          <a:chOff x="0" y="0"/>
+          <a:chExt cx="0" cy="0"/>
+        </a:xfrm>
+      </p:grpSpPr>
+      <p:sp>
+        <p:nvSpPr>
+          <p:cNvPr id="2" name="Title 1">
+            <a:extLst>
+              <a:ext uri="{FF2B5EF4-FFF2-40B4-BE49-F238E27FC236}">
+                <a16:creationId xmlns:a16="http://schemas.microsoft.com/office/drawing/2014/main" id="{5B24CD70-B7ED-27E6-4EAD-F9192B5AB679}"/>
+              </a:ext>
+            </a:extLst>
+          </p:cNvPr>
+          <p:cNvSpPr>
+            <a:spLocks noGrp="1"/>
+          </p:cNvSpPr>
+          <p:nvPr>
+            <p:ph type="title"/>
+          </p:nvPr>
+        </p:nvSpPr>
+        <p:spPr/>
+        <p:txBody>
+          <a:bodyPr/>
+          <a:lstStyle/>
+          <a:p>
+            <a:r>
+              <a:rPr lang="en-US" dirty="0"/>
+              <a:t>Application</a:t>
+            </a:r>
+          </a:p>
+        </p:txBody>
+      </p:sp>
+      <p:sp>
+        <p:nvSpPr>
+          <p:cNvPr id="3" name="Content Placeholder 2">
+            <a:extLst>
+              <a:ext uri="{FF2B5EF4-FFF2-40B4-BE49-F238E27FC236}">
+                <a16:creationId xmlns:a16="http://schemas.microsoft.com/office/drawing/2014/main" id="{C068963F-0C43-2331-DD23-0DE426ADE049}"/>
+              </a:ext>
+            </a:extLst>
+          </p:cNvPr>
+          <p:cNvSpPr>
+            <a:spLocks noGrp="1"/>
+          </p:cNvSpPr>
+          <p:nvPr>
+            <p:ph idx="1"/>
+          </p:nvPr>
+        </p:nvSpPr>
+        <p:spPr/>
+        <p:txBody>
+          <a:bodyPr/>
+          <a:lstStyle/>
+          <a:p>
+            <a:pPr marL="0" indent="0">
+              <a:buNone/>
+            </a:pPr>
+            <a:r>
+              <a:rPr lang="en-US" dirty="0"/>
+              <a:t>Keyword checking</a:t>
+            </a:r>
+          </a:p>
+          <a:p>
+            <a:pPr marL="0" indent="0">
+              <a:buNone/>
+            </a:pPr>
+            <a:endParaRPr lang="en-US" dirty="0"/>
+          </a:p>
+        </p:txBody>
+      </p:sp>
+      <p:pic>
+        <p:nvPicPr>
+          <p:cNvPr id="7" name="Picture 6">
+            <a:extLst>
+              <a:ext uri="{FF2B5EF4-FFF2-40B4-BE49-F238E27FC236}">
+                <a16:creationId xmlns:a16="http://schemas.microsoft.com/office/drawing/2014/main" id="{976782E4-578B-221A-9BC8-C54534AAC089}"/>
+              </a:ext>
+            </a:extLst>
+          </p:cNvPr>
+          <p:cNvPicPr>
+            <a:picLocks noChangeAspect="1"/>
+          </p:cNvPicPr>
+          <p:nvPr/>
+        </p:nvPicPr>
+        <p:blipFill>
+          <a:blip r:embed="rId2"/>
+          <a:stretch>
+            <a:fillRect/>
+          </a:stretch>
+        </p:blipFill>
+        <p:spPr>
+          <a:xfrm>
+            <a:off x="4484641" y="2089150"/>
+            <a:ext cx="7103291" cy="4222750"/>
+          </a:xfrm>
+          <a:prstGeom prst="rect">
+            <a:avLst/>
+          </a:prstGeom>
+        </p:spPr>
+      </p:pic>
+    </p:spTree>
+    <p:extLst>
+      <p:ext uri="{BB962C8B-B14F-4D97-AF65-F5344CB8AC3E}">
+        <p14:creationId xmlns:p14="http://schemas.microsoft.com/office/powerpoint/2010/main" val="3742979302"/>
       </p:ext>
     </p:extLst>
   </p:cSld>

--- a/Hackathon Presentation.pptx
+++ b/Hackathon Presentation.pptx
@@ -12,8 +12,8 @@
     <p:sldId id="256" r:id="rId6"/>
     <p:sldId id="262" r:id="rId7"/>
     <p:sldId id="257" r:id="rId8"/>
-    <p:sldId id="259" r:id="rId9"/>
-    <p:sldId id="260" r:id="rId10"/>
+    <p:sldId id="260" r:id="rId9"/>
+    <p:sldId id="259" r:id="rId10"/>
     <p:sldId id="265" r:id="rId11"/>
   </p:sldIdLst>
   <p:sldSz cx="12192000" cy="6858000"/>
@@ -5028,157 +5028,6 @@
   <p:cSld>
     <p:spTree>
       <p:nvGrpSpPr>
-        <p:cNvPr id="1" name=""/>
-        <p:cNvGrpSpPr/>
-        <p:nvPr/>
-      </p:nvGrpSpPr>
-      <p:grpSpPr>
-        <a:xfrm>
-          <a:off x="0" y="0"/>
-          <a:ext cx="0" cy="0"/>
-          <a:chOff x="0" y="0"/>
-          <a:chExt cx="0" cy="0"/>
-        </a:xfrm>
-      </p:grpSpPr>
-      <p:sp>
-        <p:nvSpPr>
-          <p:cNvPr id="2" name="Title 1">
-            <a:extLst>
-              <a:ext uri="{FF2B5EF4-FFF2-40B4-BE49-F238E27FC236}">
-                <a16:creationId xmlns:a16="http://schemas.microsoft.com/office/drawing/2014/main" id="{F07483F7-F105-EE9E-F945-2F2CB35CB47D}"/>
-              </a:ext>
-            </a:extLst>
-          </p:cNvPr>
-          <p:cNvSpPr>
-            <a:spLocks noGrp="1"/>
-          </p:cNvSpPr>
-          <p:nvPr>
-            <p:ph type="title"/>
-          </p:nvPr>
-        </p:nvSpPr>
-        <p:spPr/>
-        <p:txBody>
-          <a:bodyPr/>
-          <a:lstStyle/>
-          <a:p>
-            <a:r>
-              <a:rPr lang="en-US"/>
-              <a:t>Report:</a:t>
-            </a:r>
-          </a:p>
-        </p:txBody>
-      </p:sp>
-      <p:sp>
-        <p:nvSpPr>
-          <p:cNvPr id="3" name="Content Placeholder 2">
-            <a:extLst>
-              <a:ext uri="{FF2B5EF4-FFF2-40B4-BE49-F238E27FC236}">
-                <a16:creationId xmlns:a16="http://schemas.microsoft.com/office/drawing/2014/main" id="{33A656DA-C422-EF35-BC3F-B165CA0927E0}"/>
-              </a:ext>
-            </a:extLst>
-          </p:cNvPr>
-          <p:cNvSpPr>
-            <a:spLocks noGrp="1"/>
-          </p:cNvSpPr>
-          <p:nvPr>
-            <p:ph idx="1"/>
-          </p:nvPr>
-        </p:nvSpPr>
-        <p:spPr/>
-        <p:txBody>
-          <a:bodyPr>
-            <a:normAutofit/>
-          </a:bodyPr>
-          <a:lstStyle/>
-          <a:p>
-            <a:pPr marL="0" indent="0">
-              <a:buNone/>
-            </a:pPr>
-            <a:r>
-              <a:rPr lang="en-US" dirty="0"/>
-              <a:t>Similar to wilderness1.wav:</a:t>
-            </a:r>
-          </a:p>
-          <a:p>
-            <a:pPr marL="0" indent="0">
-              <a:buNone/>
-            </a:pPr>
-            <a:r>
-              <a:rPr lang="en-US" dirty="0"/>
-              <a:t>wilderness1.wav: 1</a:t>
-            </a:r>
-          </a:p>
-          <a:p>
-            <a:pPr marL="0" indent="0">
-              <a:buNone/>
-            </a:pPr>
-            <a:r>
-              <a:rPr lang="en-US" dirty="0"/>
-              <a:t>wilderness2.wav: 0.7229432647124682</a:t>
-            </a:r>
-          </a:p>
-          <a:p>
-            <a:pPr marL="0" indent="0">
-              <a:buNone/>
-            </a:pPr>
-            <a:endParaRPr lang="en-US" dirty="0"/>
-          </a:p>
-          <a:p>
-            <a:pPr marL="0" indent="0">
-              <a:buNone/>
-            </a:pPr>
-            <a:r>
-              <a:rPr lang="en-US" dirty="0"/>
-              <a:t>jesus2.wav: 0.3134769071964211</a:t>
-            </a:r>
-          </a:p>
-          <a:p>
-            <a:pPr marL="0" indent="0">
-              <a:buNone/>
-            </a:pPr>
-            <a:r>
-              <a:rPr lang="en-US" dirty="0"/>
-              <a:t>God1.wav: 0.23680512842732715</a:t>
-            </a:r>
-          </a:p>
-          <a:p>
-            <a:pPr marL="0" indent="0">
-              <a:buNone/>
-            </a:pPr>
-            <a:r>
-              <a:rPr lang="en-US" dirty="0"/>
-              <a:t>jesus1.wav: 0.21231795463558845</a:t>
-            </a:r>
-          </a:p>
-          <a:p>
-            <a:pPr marL="0" indent="0">
-              <a:buNone/>
-            </a:pPr>
-            <a:r>
-              <a:rPr lang="en-US" dirty="0"/>
-              <a:t>God2.wav: 0.1635381466180469 </a:t>
-            </a:r>
-          </a:p>
-        </p:txBody>
-      </p:sp>
-    </p:spTree>
-    <p:extLst>
-      <p:ext uri="{BB962C8B-B14F-4D97-AF65-F5344CB8AC3E}">
-        <p14:creationId xmlns:p14="http://schemas.microsoft.com/office/powerpoint/2010/main" val="2692368703"/>
-      </p:ext>
-    </p:extLst>
-  </p:cSld>
-  <p:clrMapOvr>
-    <a:masterClrMapping/>
-  </p:clrMapOvr>
-</p:sld>
-</file>
-
-<file path=ppt/slides/slide9.xml><?xml version="1.0" encoding="utf-8"?>
-<p:sld xmlns:a="http://schemas.openxmlformats.org/drawingml/2006/main" xmlns:r="http://schemas.openxmlformats.org/officeDocument/2006/relationships" xmlns:p="http://schemas.openxmlformats.org/presentationml/2006/main">
-  <p:cSld>
-    <p:spTree>
-      <p:nvGrpSpPr>
         <p:cNvPr id="1" name="">
           <a:extLst>
             <a:ext uri="{FF2B5EF4-FFF2-40B4-BE49-F238E27FC236}">
@@ -5244,7 +5093,7 @@
         <p:spPr/>
         <p:txBody>
           <a:bodyPr>
-            <a:normAutofit fontScale="55000" lnSpcReduction="20000"/>
+            <a:normAutofit fontScale="47500" lnSpcReduction="20000"/>
           </a:bodyPr>
           <a:lstStyle/>
           <a:p>
@@ -5301,6 +5150,22 @@
               <a:buNone/>
             </a:pPr>
             <a:r>
+              <a:rPr lang="en-US"/>
+              <a:t>No clustering!</a:t>
+            </a:r>
+            <a:endParaRPr lang="en-US" dirty="0"/>
+          </a:p>
+          <a:p>
+            <a:pPr marL="0" indent="0">
+              <a:buNone/>
+            </a:pPr>
+            <a:endParaRPr lang="en-US" dirty="0"/>
+          </a:p>
+          <a:p>
+            <a:pPr marL="0" indent="0">
+              <a:buNone/>
+            </a:pPr>
+            <a:r>
               <a:rPr lang="en-US" dirty="0"/>
               <a:t>Similar to wilderness1.wav:</a:t>
             </a:r>
@@ -5320,11 +5185,7 @@
             </a:pPr>
             <a:r>
               <a:rPr lang="en-US" dirty="0"/>
-              <a:t>wilderness2.wav</a:t>
-            </a:r>
-            <a:r>
-              <a:rPr lang="en-US"/>
-              <a:t>: 0.9993146675340262</a:t>
+              <a:t>wilderness2.wav: 0.9993146675340262</a:t>
             </a:r>
           </a:p>
           <a:p>
@@ -5393,6 +5254,157 @@
     <p:extLst>
       <p:ext uri="{BB962C8B-B14F-4D97-AF65-F5344CB8AC3E}">
         <p14:creationId xmlns:p14="http://schemas.microsoft.com/office/powerpoint/2010/main" val="3215222808"/>
+      </p:ext>
+    </p:extLst>
+  </p:cSld>
+  <p:clrMapOvr>
+    <a:masterClrMapping/>
+  </p:clrMapOvr>
+</p:sld>
+</file>
+
+<file path=ppt/slides/slide9.xml><?xml version="1.0" encoding="utf-8"?>
+<p:sld xmlns:a="http://schemas.openxmlformats.org/drawingml/2006/main" xmlns:r="http://schemas.openxmlformats.org/officeDocument/2006/relationships" xmlns:p="http://schemas.openxmlformats.org/presentationml/2006/main">
+  <p:cSld>
+    <p:spTree>
+      <p:nvGrpSpPr>
+        <p:cNvPr id="1" name=""/>
+        <p:cNvGrpSpPr/>
+        <p:nvPr/>
+      </p:nvGrpSpPr>
+      <p:grpSpPr>
+        <a:xfrm>
+          <a:off x="0" y="0"/>
+          <a:ext cx="0" cy="0"/>
+          <a:chOff x="0" y="0"/>
+          <a:chExt cx="0" cy="0"/>
+        </a:xfrm>
+      </p:grpSpPr>
+      <p:sp>
+        <p:nvSpPr>
+          <p:cNvPr id="2" name="Title 1">
+            <a:extLst>
+              <a:ext uri="{FF2B5EF4-FFF2-40B4-BE49-F238E27FC236}">
+                <a16:creationId xmlns:a16="http://schemas.microsoft.com/office/drawing/2014/main" id="{F07483F7-F105-EE9E-F945-2F2CB35CB47D}"/>
+              </a:ext>
+            </a:extLst>
+          </p:cNvPr>
+          <p:cNvSpPr>
+            <a:spLocks noGrp="1"/>
+          </p:cNvSpPr>
+          <p:nvPr>
+            <p:ph type="title"/>
+          </p:nvPr>
+        </p:nvSpPr>
+        <p:spPr/>
+        <p:txBody>
+          <a:bodyPr/>
+          <a:lstStyle/>
+          <a:p>
+            <a:r>
+              <a:rPr lang="en-US"/>
+              <a:t>Report:</a:t>
+            </a:r>
+          </a:p>
+        </p:txBody>
+      </p:sp>
+      <p:sp>
+        <p:nvSpPr>
+          <p:cNvPr id="3" name="Content Placeholder 2">
+            <a:extLst>
+              <a:ext uri="{FF2B5EF4-FFF2-40B4-BE49-F238E27FC236}">
+                <a16:creationId xmlns:a16="http://schemas.microsoft.com/office/drawing/2014/main" id="{33A656DA-C422-EF35-BC3F-B165CA0927E0}"/>
+              </a:ext>
+            </a:extLst>
+          </p:cNvPr>
+          <p:cNvSpPr>
+            <a:spLocks noGrp="1"/>
+          </p:cNvSpPr>
+          <p:nvPr>
+            <p:ph idx="1"/>
+          </p:nvPr>
+        </p:nvSpPr>
+        <p:spPr/>
+        <p:txBody>
+          <a:bodyPr>
+            <a:normAutofit/>
+          </a:bodyPr>
+          <a:lstStyle/>
+          <a:p>
+            <a:pPr marL="0" indent="0">
+              <a:buNone/>
+            </a:pPr>
+            <a:r>
+              <a:rPr lang="en-US" dirty="0"/>
+              <a:t>Similar to wilderness1.wav:</a:t>
+            </a:r>
+          </a:p>
+          <a:p>
+            <a:pPr marL="0" indent="0">
+              <a:buNone/>
+            </a:pPr>
+            <a:r>
+              <a:rPr lang="en-US" dirty="0"/>
+              <a:t>wilderness1.wav: 1</a:t>
+            </a:r>
+          </a:p>
+          <a:p>
+            <a:pPr marL="0" indent="0">
+              <a:buNone/>
+            </a:pPr>
+            <a:r>
+              <a:rPr lang="en-US" dirty="0"/>
+              <a:t>wilderness2.wav: 0.7229432647124682</a:t>
+            </a:r>
+          </a:p>
+          <a:p>
+            <a:pPr marL="0" indent="0">
+              <a:buNone/>
+            </a:pPr>
+            <a:endParaRPr lang="en-US" dirty="0"/>
+          </a:p>
+          <a:p>
+            <a:pPr marL="0" indent="0">
+              <a:buNone/>
+            </a:pPr>
+            <a:r>
+              <a:rPr lang="en-US" dirty="0"/>
+              <a:t>jesus2.wav: 0.3134769071964211</a:t>
+            </a:r>
+          </a:p>
+          <a:p>
+            <a:pPr marL="0" indent="0">
+              <a:buNone/>
+            </a:pPr>
+            <a:r>
+              <a:rPr lang="en-US" dirty="0"/>
+              <a:t>God1.wav: 0.23680512842732715</a:t>
+            </a:r>
+          </a:p>
+          <a:p>
+            <a:pPr marL="0" indent="0">
+              <a:buNone/>
+            </a:pPr>
+            <a:r>
+              <a:rPr lang="en-US" dirty="0"/>
+              <a:t>jesus1.wav: 0.21231795463558845</a:t>
+            </a:r>
+          </a:p>
+          <a:p>
+            <a:pPr marL="0" indent="0">
+              <a:buNone/>
+            </a:pPr>
+            <a:r>
+              <a:rPr lang="en-US" dirty="0"/>
+              <a:t>God2.wav: 0.1635381466180469 </a:t>
+            </a:r>
+          </a:p>
+        </p:txBody>
+      </p:sp>
+    </p:spTree>
+    <p:extLst>
+      <p:ext uri="{BB962C8B-B14F-4D97-AF65-F5344CB8AC3E}">
+        <p14:creationId xmlns:p14="http://schemas.microsoft.com/office/powerpoint/2010/main" val="2692368703"/>
       </p:ext>
     </p:extLst>
   </p:cSld>

--- a/Hackathon Presentation.pptx
+++ b/Hackathon Presentation.pptx
@@ -9,12 +9,14 @@
     <p:sldId id="263" r:id="rId3"/>
     <p:sldId id="261" r:id="rId4"/>
     <p:sldId id="264" r:id="rId5"/>
-    <p:sldId id="256" r:id="rId6"/>
-    <p:sldId id="262" r:id="rId7"/>
-    <p:sldId id="257" r:id="rId8"/>
-    <p:sldId id="260" r:id="rId9"/>
-    <p:sldId id="259" r:id="rId10"/>
-    <p:sldId id="265" r:id="rId11"/>
+    <p:sldId id="267" r:id="rId6"/>
+    <p:sldId id="256" r:id="rId7"/>
+    <p:sldId id="262" r:id="rId8"/>
+    <p:sldId id="257" r:id="rId9"/>
+    <p:sldId id="260" r:id="rId10"/>
+    <p:sldId id="259" r:id="rId11"/>
+    <p:sldId id="265" r:id="rId12"/>
+    <p:sldId id="266" r:id="rId13"/>
   </p:sldIdLst>
   <p:sldSz cx="12192000" cy="6858000"/>
   <p:notesSz cx="6858000" cy="9144000"/>
@@ -3335,6 +3337,42 @@
           <a:chExt cx="0" cy="0"/>
         </a:xfrm>
       </p:grpSpPr>
+      <p:pic>
+        <p:nvPicPr>
+          <p:cNvPr id="4" name="Picture 3" descr="A red and white tag with white text&#10;&#10;Description automatically generated">
+            <a:extLst>
+              <a:ext uri="{FF2B5EF4-FFF2-40B4-BE49-F238E27FC236}">
+                <a16:creationId xmlns:a16="http://schemas.microsoft.com/office/drawing/2014/main" id="{313D0BEF-8832-B8D9-7049-8CC881A865DF}"/>
+              </a:ext>
+            </a:extLst>
+          </p:cNvPr>
+          <p:cNvPicPr>
+            <a:picLocks noChangeAspect="1"/>
+          </p:cNvPicPr>
+          <p:nvPr/>
+        </p:nvPicPr>
+        <p:blipFill>
+          <a:blip r:embed="rId2">
+            <a:extLst>
+              <a:ext uri="{28A0092B-C50C-407E-A947-70E740481C1C}">
+                <a14:useLocalDpi xmlns:a14="http://schemas.microsoft.com/office/drawing/2010/main" val="0"/>
+              </a:ext>
+            </a:extLst>
+          </a:blip>
+          <a:stretch>
+            <a:fillRect/>
+          </a:stretch>
+        </p:blipFill>
+        <p:spPr>
+          <a:xfrm>
+            <a:off x="11101387" y="1194647"/>
+            <a:ext cx="504825" cy="504825"/>
+          </a:xfrm>
+          <a:prstGeom prst="rect">
+            <a:avLst/>
+          </a:prstGeom>
+        </p:spPr>
+      </p:pic>
       <p:sp>
         <p:nvSpPr>
           <p:cNvPr id="2" name="Title 1">
@@ -3383,109 +3421,180 @@
             <p:ph idx="1"/>
           </p:nvPr>
         </p:nvSpPr>
-        <p:spPr/>
+        <p:spPr>
+          <a:xfrm>
+            <a:off x="1180730" y="1447060"/>
+            <a:ext cx="10173070" cy="5140171"/>
+          </a:xfrm>
+        </p:spPr>
         <p:txBody>
           <a:bodyPr>
-            <a:normAutofit fontScale="77500" lnSpcReduction="20000"/>
+            <a:normAutofit fontScale="92500" lnSpcReduction="10000"/>
           </a:bodyPr>
           <a:lstStyle/>
           <a:p>
             <a:pPr marL="0" indent="0">
+              <a:lnSpc>
+                <a:spcPct val="120000"/>
+              </a:lnSpc>
               <a:buNone/>
             </a:pPr>
             <a:r>
-              <a:rPr lang="en-US" dirty="0"/>
-              <a:t>Audio is a primary part of the human/computer interaction </a:t>
-            </a:r>
-            <a:r>
-              <a:rPr lang="en-US" dirty="0" err="1"/>
+              <a:rPr lang="en-US" sz="2000" b="1" dirty="0">
+                <a:latin typeface="Georgia" panose="02040502050405020303" pitchFamily="18" charset="0"/>
+              </a:rPr>
+              <a:t>Speech</a:t>
+            </a:r>
+            <a:r>
+              <a:rPr lang="en-US" sz="2000" dirty="0">
+                <a:latin typeface="Georgia" panose="02040502050405020303" pitchFamily="18" charset="0"/>
+              </a:rPr>
+              <a:t> is a primary part of the human/computer interaction </a:t>
+            </a:r>
+            <a:r>
+              <a:rPr lang="en-US" sz="2000" dirty="0" err="1">
+                <a:latin typeface="Georgia" panose="02040502050405020303" pitchFamily="18" charset="0"/>
+              </a:rPr>
               <a:t>requried</a:t>
             </a:r>
             <a:r>
-              <a:rPr lang="en-US" dirty="0"/>
-              <a:t> for Oral Bible Translation (OBT). And some Bible translation efforts target "low resource languages". As such, Bible translation software must understand spoken audio from low resource languages.</a:t>
+              <a:rPr lang="en-US" sz="2000" dirty="0">
+                <a:latin typeface="Georgia" panose="02040502050405020303" pitchFamily="18" charset="0"/>
+              </a:rPr>
+              <a:t> for drafting/checking stages of Oral Bible Translation (OBT). And some Bible translation efforts target "low resource languages". As such, Bible translation software must understand spoken audio from low resource languages.</a:t>
             </a:r>
           </a:p>
           <a:p>
             <a:pPr marL="0" indent="0">
+              <a:lnSpc>
+                <a:spcPct val="120000"/>
+              </a:lnSpc>
               <a:buNone/>
             </a:pPr>
-            <a:endParaRPr lang="en-US" dirty="0"/>
+            <a:endParaRPr lang="en-US" sz="2000" dirty="0">
+              <a:latin typeface="Georgia" panose="02040502050405020303" pitchFamily="18" charset="0"/>
+            </a:endParaRPr>
           </a:p>
           <a:p>
             <a:pPr marL="0" indent="0">
+              <a:lnSpc>
+                <a:spcPct val="120000"/>
+              </a:lnSpc>
               <a:buNone/>
             </a:pPr>
             <a:r>
-              <a:rPr lang="en-US" b="1" dirty="0"/>
+              <a:rPr lang="en-US" sz="2000" b="1" dirty="0">
+                <a:latin typeface="Georgia" panose="02040502050405020303" pitchFamily="18" charset="0"/>
+              </a:rPr>
               <a:t>Thesis</a:t>
             </a:r>
             <a:r>
-              <a:rPr lang="en-US" dirty="0"/>
+              <a:rPr lang="en-US" sz="2000" dirty="0">
+                <a:latin typeface="Georgia" panose="02040502050405020303" pitchFamily="18" charset="0"/>
+              </a:rPr>
               <a:t>: Find a stable method for recognizing individual words in low-resource languages.</a:t>
             </a:r>
           </a:p>
           <a:p>
             <a:pPr marL="0" indent="0">
+              <a:lnSpc>
+                <a:spcPct val="120000"/>
+              </a:lnSpc>
               <a:buNone/>
             </a:pPr>
             <a:r>
-              <a:rPr lang="en-US" dirty="0"/>
+              <a:rPr lang="en-US" sz="2000" dirty="0">
+                <a:latin typeface="Georgia" panose="02040502050405020303" pitchFamily="18" charset="0"/>
+              </a:rPr>
               <a:t>Here, we propose a model to recognize individual spoken words in </a:t>
             </a:r>
             <a:r>
-              <a:rPr lang="en-US" dirty="0" err="1"/>
+              <a:rPr lang="en-US" sz="2000" dirty="0" err="1">
+                <a:latin typeface="Georgia" panose="02040502050405020303" pitchFamily="18" charset="0"/>
+              </a:rPr>
               <a:t>Dholuo</a:t>
             </a:r>
             <a:r>
-              <a:rPr lang="en-US" dirty="0"/>
+              <a:rPr lang="en-US" sz="2000" dirty="0">
+                <a:latin typeface="Georgia" panose="02040502050405020303" pitchFamily="18" charset="0"/>
+              </a:rPr>
               <a:t>.</a:t>
             </a:r>
           </a:p>
           <a:p>
             <a:pPr marL="0" indent="0">
+              <a:lnSpc>
+                <a:spcPct val="120000"/>
+              </a:lnSpc>
               <a:buNone/>
             </a:pPr>
-            <a:endParaRPr lang="en-US" dirty="0"/>
+            <a:endParaRPr lang="en-US" sz="2000" dirty="0">
+              <a:latin typeface="Georgia" panose="02040502050405020303" pitchFamily="18" charset="0"/>
+            </a:endParaRPr>
           </a:p>
           <a:p>
             <a:pPr marL="0" indent="0">
+              <a:lnSpc>
+                <a:spcPct val="120000"/>
+              </a:lnSpc>
               <a:buNone/>
             </a:pPr>
             <a:r>
-              <a:rPr lang="en-US" b="1" dirty="0"/>
+              <a:rPr lang="en-US" sz="2000" b="1" dirty="0">
+                <a:latin typeface="Georgia" panose="02040502050405020303" pitchFamily="18" charset="0"/>
+              </a:rPr>
               <a:t>Definitions:</a:t>
             </a:r>
           </a:p>
           <a:p>
             <a:pPr marL="0" indent="0">
+              <a:lnSpc>
+                <a:spcPct val="120000"/>
+              </a:lnSpc>
               <a:buNone/>
             </a:pPr>
             <a:r>
-              <a:rPr lang="en-US" dirty="0"/>
+              <a:rPr lang="en-US" sz="2000" dirty="0">
+                <a:latin typeface="Georgia" panose="02040502050405020303" pitchFamily="18" charset="0"/>
+              </a:rPr>
               <a:t>Here, "low resource languages" is understood as any language that does not have open, available models for LLM, speech-to-text, and text-to-speech.</a:t>
             </a:r>
           </a:p>
           <a:p>
             <a:pPr marL="0" indent="0">
+              <a:lnSpc>
+                <a:spcPct val="120000"/>
+              </a:lnSpc>
               <a:buNone/>
             </a:pPr>
             <a:r>
-              <a:rPr lang="en-US" dirty="0"/>
+              <a:rPr lang="en-US" sz="2000" dirty="0">
+                <a:latin typeface="Georgia" panose="02040502050405020303" pitchFamily="18" charset="0"/>
+              </a:rPr>
               <a:t>By requiring a "stable" model, we require the solution to be independent of tone, volume, speed, or the speaker's gender.</a:t>
             </a:r>
           </a:p>
           <a:p>
             <a:pPr marL="0" indent="0">
+              <a:lnSpc>
+                <a:spcPct val="120000"/>
+              </a:lnSpc>
               <a:buNone/>
             </a:pPr>
-            <a:endParaRPr lang="en-US" dirty="0"/>
+            <a:endParaRPr lang="en-US" sz="2000" dirty="0">
+              <a:latin typeface="Georgia" panose="02040502050405020303" pitchFamily="18" charset="0"/>
+            </a:endParaRPr>
           </a:p>
           <a:p>
             <a:pPr marL="0" indent="0">
+              <a:lnSpc>
+                <a:spcPct val="120000"/>
+              </a:lnSpc>
               <a:buNone/>
             </a:pPr>
-            <a:endParaRPr lang="en-US" dirty="0"/>
+            <a:endParaRPr lang="en-US" sz="2000" dirty="0">
+              <a:latin typeface="Georgia" panose="02040502050405020303" pitchFamily="18" charset="0"/>
+            </a:endParaRPr>
           </a:p>
         </p:txBody>
       </p:sp>
@@ -3524,7 +3633,7 @@
           <p:cNvPr id="2" name="Title 1">
             <a:extLst>
               <a:ext uri="{FF2B5EF4-FFF2-40B4-BE49-F238E27FC236}">
-                <a16:creationId xmlns:a16="http://schemas.microsoft.com/office/drawing/2014/main" id="{5B24CD70-B7ED-27E6-4EAD-F9192B5AB679}"/>
+                <a16:creationId xmlns:a16="http://schemas.microsoft.com/office/drawing/2014/main" id="{F07483F7-F105-EE9E-F945-2F2CB35CB47D}"/>
               </a:ext>
             </a:extLst>
           </p:cNvPr>
@@ -3541,39 +3650,59 @@
           <a:lstStyle/>
           <a:p>
             <a:r>
+              <a:rPr lang="en-US"/>
+              <a:t>Report:</a:t>
+            </a:r>
+          </a:p>
+        </p:txBody>
+      </p:sp>
+      <p:sp>
+        <p:nvSpPr>
+          <p:cNvPr id="3" name="Content Placeholder 2">
+            <a:extLst>
+              <a:ext uri="{FF2B5EF4-FFF2-40B4-BE49-F238E27FC236}">
+                <a16:creationId xmlns:a16="http://schemas.microsoft.com/office/drawing/2014/main" id="{33A656DA-C422-EF35-BC3F-B165CA0927E0}"/>
+              </a:ext>
+            </a:extLst>
+          </p:cNvPr>
+          <p:cNvSpPr>
+            <a:spLocks noGrp="1"/>
+          </p:cNvSpPr>
+          <p:nvPr>
+            <p:ph idx="1"/>
+          </p:nvPr>
+        </p:nvSpPr>
+        <p:spPr/>
+        <p:txBody>
+          <a:bodyPr>
+            <a:normAutofit/>
+          </a:bodyPr>
+          <a:lstStyle/>
+          <a:p>
+            <a:pPr marL="0" indent="0">
+              <a:buNone/>
+            </a:pPr>
+            <a:r>
               <a:rPr lang="en-US" dirty="0"/>
-              <a:t>Application</a:t>
-            </a:r>
-          </a:p>
-        </p:txBody>
-      </p:sp>
-      <p:sp>
-        <p:nvSpPr>
-          <p:cNvPr id="3" name="Content Placeholder 2">
-            <a:extLst>
-              <a:ext uri="{FF2B5EF4-FFF2-40B4-BE49-F238E27FC236}">
-                <a16:creationId xmlns:a16="http://schemas.microsoft.com/office/drawing/2014/main" id="{C068963F-0C43-2331-DD23-0DE426ADE049}"/>
-              </a:ext>
-            </a:extLst>
-          </p:cNvPr>
-          <p:cNvSpPr>
-            <a:spLocks noGrp="1"/>
-          </p:cNvSpPr>
-          <p:nvPr>
-            <p:ph idx="1"/>
-          </p:nvPr>
-        </p:nvSpPr>
-        <p:spPr/>
-        <p:txBody>
-          <a:bodyPr/>
-          <a:lstStyle/>
+              <a:t>Similar to wilderness1.wav:</a:t>
+            </a:r>
+          </a:p>
           <a:p>
             <a:pPr marL="0" indent="0">
               <a:buNone/>
             </a:pPr>
             <a:r>
               <a:rPr lang="en-US" dirty="0"/>
-              <a:t>Keyword checking</a:t>
+              <a:t>wilderness1.wav: 1</a:t>
+            </a:r>
+          </a:p>
+          <a:p>
+            <a:pPr marL="0" indent="0">
+              <a:buNone/>
+            </a:pPr>
+            <a:r>
+              <a:rPr lang="en-US" dirty="0"/>
+              <a:t>wilderness2.wav: 0.7229432647124682</a:t>
             </a:r>
           </a:p>
           <a:p>
@@ -3582,42 +3711,1373 @@
             </a:pPr>
             <a:endParaRPr lang="en-US" dirty="0"/>
           </a:p>
+          <a:p>
+            <a:pPr marL="0" indent="0">
+              <a:buNone/>
+            </a:pPr>
+            <a:r>
+              <a:rPr lang="en-US" dirty="0"/>
+              <a:t>jesus2.wav: 0.3134769071964211</a:t>
+            </a:r>
+          </a:p>
+          <a:p>
+            <a:pPr marL="0" indent="0">
+              <a:buNone/>
+            </a:pPr>
+            <a:r>
+              <a:rPr lang="en-US" dirty="0"/>
+              <a:t>God1.wav: 0.23680512842732715</a:t>
+            </a:r>
+          </a:p>
+          <a:p>
+            <a:pPr marL="0" indent="0">
+              <a:buNone/>
+            </a:pPr>
+            <a:r>
+              <a:rPr lang="en-US" dirty="0"/>
+              <a:t>jesus1.wav: 0.21231795463558845</a:t>
+            </a:r>
+          </a:p>
+          <a:p>
+            <a:pPr marL="0" indent="0">
+              <a:buNone/>
+            </a:pPr>
+            <a:r>
+              <a:rPr lang="en-US" dirty="0"/>
+              <a:t>God2.wav: 0.1635381466180469 </a:t>
+            </a:r>
+          </a:p>
         </p:txBody>
       </p:sp>
       <p:pic>
         <p:nvPicPr>
-          <p:cNvPr id="7" name="Picture 6">
-            <a:extLst>
-              <a:ext uri="{FF2B5EF4-FFF2-40B4-BE49-F238E27FC236}">
-                <a16:creationId xmlns:a16="http://schemas.microsoft.com/office/drawing/2014/main" id="{976782E4-578B-221A-9BC8-C54534AAC089}"/>
+          <p:cNvPr id="1026" name="Picture 2" descr="works on my machine, starburst">
+            <a:extLst>
+              <a:ext uri="{FF2B5EF4-FFF2-40B4-BE49-F238E27FC236}">
+                <a16:creationId xmlns:a16="http://schemas.microsoft.com/office/drawing/2014/main" id="{BB8EF7DC-FBE5-822B-4324-2DAEFC2EC8BF}"/>
               </a:ext>
             </a:extLst>
           </p:cNvPr>
           <p:cNvPicPr>
-            <a:picLocks noChangeAspect="1"/>
+            <a:picLocks noChangeAspect="1" noChangeArrowheads="1"/>
           </p:cNvPicPr>
           <p:nvPr/>
         </p:nvPicPr>
         <p:blipFill>
-          <a:blip r:embed="rId2"/>
+          <a:blip r:embed="rId2">
+            <a:extLst>
+              <a:ext uri="{28A0092B-C50C-407E-A947-70E740481C1C}">
+                <a14:useLocalDpi xmlns:a14="http://schemas.microsoft.com/office/drawing/2010/main" val="0"/>
+              </a:ext>
+            </a:extLst>
+          </a:blip>
+          <a:srcRect/>
           <a:stretch>
             <a:fillRect/>
           </a:stretch>
         </p:blipFill>
-        <p:spPr>
+        <p:spPr bwMode="auto">
           <a:xfrm>
-            <a:off x="4484641" y="2089150"/>
-            <a:ext cx="7103291" cy="4222750"/>
+            <a:off x="8064253" y="838994"/>
+            <a:ext cx="1905000" cy="1838325"/>
           </a:xfrm>
           <a:prstGeom prst="rect">
             <a:avLst/>
           </a:prstGeom>
+          <a:noFill/>
+          <a:extLst>
+            <a:ext uri="{909E8E84-426E-40DD-AFC4-6F175D3DCCD1}">
+              <a14:hiddenFill xmlns:a14="http://schemas.microsoft.com/office/drawing/2010/main">
+                <a:solidFill>
+                  <a:srgbClr val="FFFFFF"/>
+                </a:solidFill>
+              </a14:hiddenFill>
+            </a:ext>
+          </a:extLst>
         </p:spPr>
       </p:pic>
     </p:spTree>
     <p:extLst>
       <p:ext uri="{BB962C8B-B14F-4D97-AF65-F5344CB8AC3E}">
+        <p14:creationId xmlns:p14="http://schemas.microsoft.com/office/powerpoint/2010/main" val="2692368703"/>
+      </p:ext>
+    </p:extLst>
+  </p:cSld>
+  <p:clrMapOvr>
+    <a:masterClrMapping/>
+  </p:clrMapOvr>
+</p:sld>
+</file>
+
+<file path=ppt/slides/slide11.xml><?xml version="1.0" encoding="utf-8"?>
+<p:sld xmlns:a="http://schemas.openxmlformats.org/drawingml/2006/main" xmlns:r="http://schemas.openxmlformats.org/officeDocument/2006/relationships" xmlns:p="http://schemas.openxmlformats.org/presentationml/2006/main">
+  <p:cSld>
+    <p:spTree>
+      <p:nvGrpSpPr>
+        <p:cNvPr id="1" name=""/>
+        <p:cNvGrpSpPr/>
+        <p:nvPr/>
+      </p:nvGrpSpPr>
+      <p:grpSpPr>
+        <a:xfrm>
+          <a:off x="0" y="0"/>
+          <a:ext cx="0" cy="0"/>
+          <a:chOff x="0" y="0"/>
+          <a:chExt cx="0" cy="0"/>
+        </a:xfrm>
+      </p:grpSpPr>
+      <p:sp>
+        <p:nvSpPr>
+          <p:cNvPr id="2" name="Title 1">
+            <a:extLst>
+              <a:ext uri="{FF2B5EF4-FFF2-40B4-BE49-F238E27FC236}">
+                <a16:creationId xmlns:a16="http://schemas.microsoft.com/office/drawing/2014/main" id="{5B24CD70-B7ED-27E6-4EAD-F9192B5AB679}"/>
+              </a:ext>
+            </a:extLst>
+          </p:cNvPr>
+          <p:cNvSpPr>
+            <a:spLocks noGrp="1"/>
+          </p:cNvSpPr>
+          <p:nvPr>
+            <p:ph type="title"/>
+          </p:nvPr>
+        </p:nvSpPr>
+        <p:spPr/>
+        <p:txBody>
+          <a:bodyPr/>
+          <a:lstStyle/>
+          <a:p>
+            <a:r>
+              <a:rPr lang="en-US" dirty="0"/>
+              <a:t>Application</a:t>
+            </a:r>
+          </a:p>
+        </p:txBody>
+      </p:sp>
+      <p:sp>
+        <p:nvSpPr>
+          <p:cNvPr id="3" name="Content Placeholder 2">
+            <a:extLst>
+              <a:ext uri="{FF2B5EF4-FFF2-40B4-BE49-F238E27FC236}">
+                <a16:creationId xmlns:a16="http://schemas.microsoft.com/office/drawing/2014/main" id="{C068963F-0C43-2331-DD23-0DE426ADE049}"/>
+              </a:ext>
+            </a:extLst>
+          </p:cNvPr>
+          <p:cNvSpPr>
+            <a:spLocks noGrp="1"/>
+          </p:cNvSpPr>
+          <p:nvPr>
+            <p:ph idx="1"/>
+          </p:nvPr>
+        </p:nvSpPr>
+        <p:spPr/>
+        <p:txBody>
+          <a:bodyPr/>
+          <a:lstStyle/>
+          <a:p>
+            <a:pPr marL="0" indent="0">
+              <a:buNone/>
+            </a:pPr>
+            <a:r>
+              <a:rPr lang="en-US" dirty="0"/>
+              <a:t>Keyword checking</a:t>
+            </a:r>
+          </a:p>
+          <a:p>
+            <a:pPr marL="0" indent="0">
+              <a:buNone/>
+            </a:pPr>
+            <a:endParaRPr lang="en-US" dirty="0"/>
+          </a:p>
+        </p:txBody>
+      </p:sp>
+    </p:spTree>
+    <p:extLst>
+      <p:ext uri="{BB962C8B-B14F-4D97-AF65-F5344CB8AC3E}">
         <p14:creationId xmlns:p14="http://schemas.microsoft.com/office/powerpoint/2010/main" val="3742979302"/>
+      </p:ext>
+    </p:extLst>
+  </p:cSld>
+  <p:clrMapOvr>
+    <a:masterClrMapping/>
+  </p:clrMapOvr>
+</p:sld>
+</file>
+
+<file path=ppt/slides/slide12.xml><?xml version="1.0" encoding="utf-8"?>
+<p:sld xmlns:a="http://schemas.openxmlformats.org/drawingml/2006/main" xmlns:r="http://schemas.openxmlformats.org/officeDocument/2006/relationships" xmlns:p="http://schemas.openxmlformats.org/presentationml/2006/main">
+  <p:cSld>
+    <p:spTree>
+      <p:nvGrpSpPr>
+        <p:cNvPr id="1" name=""/>
+        <p:cNvGrpSpPr/>
+        <p:nvPr/>
+      </p:nvGrpSpPr>
+      <p:grpSpPr>
+        <a:xfrm>
+          <a:off x="0" y="0"/>
+          <a:ext cx="0" cy="0"/>
+          <a:chOff x="0" y="0"/>
+          <a:chExt cx="0" cy="0"/>
+        </a:xfrm>
+      </p:grpSpPr>
+      <p:sp>
+        <p:nvSpPr>
+          <p:cNvPr id="6" name="Oval 5">
+            <a:extLst>
+              <a:ext uri="{FF2B5EF4-FFF2-40B4-BE49-F238E27FC236}">
+                <a16:creationId xmlns:a16="http://schemas.microsoft.com/office/drawing/2014/main" id="{3A429C3C-5682-9C47-CA92-C557C2E921FC}"/>
+              </a:ext>
+            </a:extLst>
+          </p:cNvPr>
+          <p:cNvSpPr/>
+          <p:nvPr/>
+        </p:nvSpPr>
+        <p:spPr>
+          <a:xfrm>
+            <a:off x="1721056" y="2971799"/>
+            <a:ext cx="1600200" cy="810986"/>
+          </a:xfrm>
+          <a:prstGeom prst="ellipse">
+            <a:avLst/>
+          </a:prstGeom>
+        </p:spPr>
+        <p:style>
+          <a:lnRef idx="2">
+            <a:schemeClr val="dk1"/>
+          </a:lnRef>
+          <a:fillRef idx="1">
+            <a:schemeClr val="lt1"/>
+          </a:fillRef>
+          <a:effectRef idx="0">
+            <a:schemeClr val="dk1"/>
+          </a:effectRef>
+          <a:fontRef idx="minor">
+            <a:schemeClr val="dk1"/>
+          </a:fontRef>
+        </p:style>
+        <p:txBody>
+          <a:bodyPr rtlCol="0" anchor="ctr"/>
+          <a:lstStyle/>
+          <a:p>
+            <a:pPr algn="ctr"/>
+            <a:r>
+              <a:rPr lang="en-US" sz="1600" dirty="0"/>
+              <a:t>Beginning</a:t>
+            </a:r>
+          </a:p>
+        </p:txBody>
+      </p:sp>
+      <p:sp>
+        <p:nvSpPr>
+          <p:cNvPr id="7" name="Rectangle: Rounded Corners 6">
+            <a:extLst>
+              <a:ext uri="{FF2B5EF4-FFF2-40B4-BE49-F238E27FC236}">
+                <a16:creationId xmlns:a16="http://schemas.microsoft.com/office/drawing/2014/main" id="{F8578D83-09E7-24C1-CCEA-34AD9AA3A872}"/>
+              </a:ext>
+            </a:extLst>
+          </p:cNvPr>
+          <p:cNvSpPr/>
+          <p:nvPr/>
+        </p:nvSpPr>
+        <p:spPr>
+          <a:xfrm>
+            <a:off x="7957430" y="2646498"/>
+            <a:ext cx="4136571" cy="810986"/>
+          </a:xfrm>
+          <a:prstGeom prst="roundRect">
+            <a:avLst/>
+          </a:prstGeom>
+          <a:noFill/>
+          <a:ln w="28575" cap="flat" cmpd="sng" algn="ctr">
+            <a:solidFill>
+              <a:schemeClr val="dk1"/>
+            </a:solidFill>
+            <a:prstDash val="solid"/>
+            <a:round/>
+            <a:headEnd type="none" w="med" len="med"/>
+            <a:tailEnd type="none" w="med" len="med"/>
+          </a:ln>
+        </p:spPr>
+        <p:style>
+          <a:lnRef idx="0">
+            <a:scrgbClr r="0" g="0" b="0"/>
+          </a:lnRef>
+          <a:fillRef idx="0">
+            <a:scrgbClr r="0" g="0" b="0"/>
+          </a:fillRef>
+          <a:effectRef idx="0">
+            <a:scrgbClr r="0" g="0" b="0"/>
+          </a:effectRef>
+          <a:fontRef idx="minor">
+            <a:schemeClr val="dk1"/>
+          </a:fontRef>
+        </p:style>
+        <p:txBody>
+          <a:bodyPr rtlCol="0" anchor="ctr"/>
+          <a:lstStyle/>
+          <a:p>
+            <a:pPr algn="ctr"/>
+            <a:r>
+              <a:rPr lang="en-US" dirty="0"/>
+              <a:t>“In the beginning, God..”</a:t>
+            </a:r>
+          </a:p>
+        </p:txBody>
+      </p:sp>
+      <p:sp>
+        <p:nvSpPr>
+          <p:cNvPr id="8" name="Oval 7">
+            <a:extLst>
+              <a:ext uri="{FF2B5EF4-FFF2-40B4-BE49-F238E27FC236}">
+                <a16:creationId xmlns:a16="http://schemas.microsoft.com/office/drawing/2014/main" id="{7A503D17-79E6-A59D-BE5D-5425E27286A7}"/>
+              </a:ext>
+            </a:extLst>
+          </p:cNvPr>
+          <p:cNvSpPr/>
+          <p:nvPr/>
+        </p:nvSpPr>
+        <p:spPr>
+          <a:xfrm>
+            <a:off x="3538971" y="2637063"/>
+            <a:ext cx="1600200" cy="810986"/>
+          </a:xfrm>
+          <a:prstGeom prst="ellipse">
+            <a:avLst/>
+          </a:prstGeom>
+        </p:spPr>
+        <p:style>
+          <a:lnRef idx="2">
+            <a:schemeClr val="dk1"/>
+          </a:lnRef>
+          <a:fillRef idx="1">
+            <a:schemeClr val="lt1"/>
+          </a:fillRef>
+          <a:effectRef idx="0">
+            <a:schemeClr val="dk1"/>
+          </a:effectRef>
+          <a:fontRef idx="minor">
+            <a:schemeClr val="dk1"/>
+          </a:fontRef>
+        </p:style>
+        <p:txBody>
+          <a:bodyPr rtlCol="0" anchor="ctr"/>
+          <a:lstStyle/>
+          <a:p>
+            <a:pPr algn="ctr"/>
+            <a:r>
+              <a:rPr lang="en-US" dirty="0"/>
+              <a:t>God</a:t>
+            </a:r>
+          </a:p>
+        </p:txBody>
+      </p:sp>
+      <p:sp>
+        <p:nvSpPr>
+          <p:cNvPr id="11" name="Oval 10">
+            <a:extLst>
+              <a:ext uri="{FF2B5EF4-FFF2-40B4-BE49-F238E27FC236}">
+                <a16:creationId xmlns:a16="http://schemas.microsoft.com/office/drawing/2014/main" id="{BAF86242-23CA-7707-3226-7C9FD950E513}"/>
+              </a:ext>
+            </a:extLst>
+          </p:cNvPr>
+          <p:cNvSpPr/>
+          <p:nvPr/>
+        </p:nvSpPr>
+        <p:spPr>
+          <a:xfrm>
+            <a:off x="77519" y="4634986"/>
+            <a:ext cx="1600200" cy="810986"/>
+          </a:xfrm>
+          <a:prstGeom prst="ellipse">
+            <a:avLst/>
+          </a:prstGeom>
+        </p:spPr>
+        <p:style>
+          <a:lnRef idx="2">
+            <a:schemeClr val="dk1"/>
+          </a:lnRef>
+          <a:fillRef idx="1">
+            <a:schemeClr val="lt1"/>
+          </a:fillRef>
+          <a:effectRef idx="0">
+            <a:schemeClr val="dk1"/>
+          </a:effectRef>
+          <a:fontRef idx="minor">
+            <a:schemeClr val="dk1"/>
+          </a:fontRef>
+        </p:style>
+        <p:txBody>
+          <a:bodyPr rtlCol="0" anchor="ctr"/>
+          <a:lstStyle/>
+          <a:p>
+            <a:pPr algn="ctr"/>
+            <a:r>
+              <a:rPr lang="en-US" sz="1400" dirty="0"/>
+              <a:t>Wilderness</a:t>
+            </a:r>
+          </a:p>
+        </p:txBody>
+      </p:sp>
+      <p:sp>
+        <p:nvSpPr>
+          <p:cNvPr id="12" name="Oval 11">
+            <a:extLst>
+              <a:ext uri="{FF2B5EF4-FFF2-40B4-BE49-F238E27FC236}">
+                <a16:creationId xmlns:a16="http://schemas.microsoft.com/office/drawing/2014/main" id="{377EDFFA-7829-1092-6E49-E651BB89734E}"/>
+              </a:ext>
+            </a:extLst>
+          </p:cNvPr>
+          <p:cNvSpPr/>
+          <p:nvPr/>
+        </p:nvSpPr>
+        <p:spPr>
+          <a:xfrm>
+            <a:off x="1312691" y="3895707"/>
+            <a:ext cx="1600200" cy="810986"/>
+          </a:xfrm>
+          <a:prstGeom prst="ellipse">
+            <a:avLst/>
+          </a:prstGeom>
+        </p:spPr>
+        <p:style>
+          <a:lnRef idx="2">
+            <a:schemeClr val="dk1"/>
+          </a:lnRef>
+          <a:fillRef idx="1">
+            <a:schemeClr val="lt1"/>
+          </a:fillRef>
+          <a:effectRef idx="0">
+            <a:schemeClr val="dk1"/>
+          </a:effectRef>
+          <a:fontRef idx="minor">
+            <a:schemeClr val="dk1"/>
+          </a:fontRef>
+        </p:style>
+        <p:txBody>
+          <a:bodyPr rtlCol="0" anchor="ctr"/>
+          <a:lstStyle/>
+          <a:p>
+            <a:pPr algn="ctr"/>
+            <a:r>
+              <a:rPr lang="en-US" sz="1400" dirty="0"/>
+              <a:t>Jesus</a:t>
+            </a:r>
+          </a:p>
+        </p:txBody>
+      </p:sp>
+      <p:sp>
+        <p:nvSpPr>
+          <p:cNvPr id="14" name="Oval 13">
+            <a:extLst>
+              <a:ext uri="{FF2B5EF4-FFF2-40B4-BE49-F238E27FC236}">
+                <a16:creationId xmlns:a16="http://schemas.microsoft.com/office/drawing/2014/main" id="{CFDB1F8D-0575-4ADB-2570-6E46463AC8D5}"/>
+              </a:ext>
+            </a:extLst>
+          </p:cNvPr>
+          <p:cNvSpPr/>
+          <p:nvPr/>
+        </p:nvSpPr>
+        <p:spPr>
+          <a:xfrm>
+            <a:off x="10405381" y="3311095"/>
+            <a:ext cx="1600200" cy="810986"/>
+          </a:xfrm>
+          <a:prstGeom prst="ellipse">
+            <a:avLst/>
+          </a:prstGeom>
+        </p:spPr>
+        <p:style>
+          <a:lnRef idx="2">
+            <a:schemeClr val="dk1"/>
+          </a:lnRef>
+          <a:fillRef idx="1">
+            <a:schemeClr val="lt1"/>
+          </a:fillRef>
+          <a:effectRef idx="0">
+            <a:schemeClr val="dk1"/>
+          </a:effectRef>
+          <a:fontRef idx="minor">
+            <a:schemeClr val="dk1"/>
+          </a:fontRef>
+        </p:style>
+        <p:txBody>
+          <a:bodyPr rtlCol="0" anchor="ctr"/>
+          <a:lstStyle/>
+          <a:p>
+            <a:pPr algn="ctr"/>
+            <a:r>
+              <a:rPr lang="en-US" sz="1600" dirty="0"/>
+              <a:t>Beginning</a:t>
+            </a:r>
+          </a:p>
+        </p:txBody>
+      </p:sp>
+      <p:sp>
+        <p:nvSpPr>
+          <p:cNvPr id="15" name="Oval 14">
+            <a:extLst>
+              <a:ext uri="{FF2B5EF4-FFF2-40B4-BE49-F238E27FC236}">
+                <a16:creationId xmlns:a16="http://schemas.microsoft.com/office/drawing/2014/main" id="{B503757B-F649-4C3E-29D2-53EDE5CE171E}"/>
+              </a:ext>
+            </a:extLst>
+          </p:cNvPr>
+          <p:cNvSpPr/>
+          <p:nvPr/>
+        </p:nvSpPr>
+        <p:spPr>
+          <a:xfrm>
+            <a:off x="7907941" y="3284264"/>
+            <a:ext cx="1600200" cy="810986"/>
+          </a:xfrm>
+          <a:prstGeom prst="ellipse">
+            <a:avLst/>
+          </a:prstGeom>
+        </p:spPr>
+        <p:style>
+          <a:lnRef idx="2">
+            <a:schemeClr val="dk1"/>
+          </a:lnRef>
+          <a:fillRef idx="1">
+            <a:schemeClr val="lt1"/>
+          </a:fillRef>
+          <a:effectRef idx="0">
+            <a:schemeClr val="dk1"/>
+          </a:effectRef>
+          <a:fontRef idx="minor">
+            <a:schemeClr val="dk1"/>
+          </a:fontRef>
+        </p:style>
+        <p:txBody>
+          <a:bodyPr rtlCol="0" anchor="ctr"/>
+          <a:lstStyle/>
+          <a:p>
+            <a:pPr algn="ctr"/>
+            <a:r>
+              <a:rPr lang="en-US" dirty="0"/>
+              <a:t>God</a:t>
+            </a:r>
+          </a:p>
+        </p:txBody>
+      </p:sp>
+      <p:cxnSp>
+        <p:nvCxnSpPr>
+          <p:cNvPr id="17" name="Connector: Elbow 16">
+            <a:extLst>
+              <a:ext uri="{FF2B5EF4-FFF2-40B4-BE49-F238E27FC236}">
+                <a16:creationId xmlns:a16="http://schemas.microsoft.com/office/drawing/2014/main" id="{CF1645BF-EC37-2933-CC6A-523FB00F179E}"/>
+              </a:ext>
+            </a:extLst>
+          </p:cNvPr>
+          <p:cNvCxnSpPr>
+            <a:cxnSpLocks/>
+            <a:stCxn id="6" idx="5"/>
+            <a:endCxn id="14" idx="4"/>
+          </p:cNvCxnSpPr>
+          <p:nvPr/>
+        </p:nvCxnSpPr>
+        <p:spPr>
+          <a:xfrm rot="16200000" flipH="1">
+            <a:off x="6917165" y="-166235"/>
+            <a:ext cx="458062" cy="8118569"/>
+          </a:xfrm>
+          <a:prstGeom prst="bentConnector3">
+            <a:avLst>
+              <a:gd name="adj1" fmla="val 221615"/>
+            </a:avLst>
+          </a:prstGeom>
+          <a:ln w="38100" cap="flat" cmpd="sng" algn="ctr">
+            <a:solidFill>
+              <a:srgbClr val="0F9ED5">
+                <a:alpha val="50196"/>
+              </a:srgbClr>
+            </a:solidFill>
+            <a:prstDash val="solid"/>
+            <a:round/>
+            <a:headEnd type="none" w="med" len="med"/>
+            <a:tailEnd type="arrow" w="med" len="med"/>
+          </a:ln>
+        </p:spPr>
+        <p:style>
+          <a:lnRef idx="0">
+            <a:scrgbClr r="0" g="0" b="0"/>
+          </a:lnRef>
+          <a:fillRef idx="0">
+            <a:scrgbClr r="0" g="0" b="0"/>
+          </a:fillRef>
+          <a:effectRef idx="0">
+            <a:scrgbClr r="0" g="0" b="0"/>
+          </a:effectRef>
+          <a:fontRef idx="minor">
+            <a:schemeClr val="tx1"/>
+          </a:fontRef>
+        </p:style>
+      </p:cxnSp>
+      <p:cxnSp>
+        <p:nvCxnSpPr>
+          <p:cNvPr id="18" name="Connector: Elbow 17">
+            <a:extLst>
+              <a:ext uri="{FF2B5EF4-FFF2-40B4-BE49-F238E27FC236}">
+                <a16:creationId xmlns:a16="http://schemas.microsoft.com/office/drawing/2014/main" id="{6BF9C07B-CF77-6F0A-0BE9-94715DFFD112}"/>
+              </a:ext>
+            </a:extLst>
+          </p:cNvPr>
+          <p:cNvCxnSpPr>
+            <a:cxnSpLocks/>
+            <a:stCxn id="8" idx="4"/>
+            <a:endCxn id="15" idx="4"/>
+          </p:cNvCxnSpPr>
+          <p:nvPr/>
+        </p:nvCxnSpPr>
+        <p:spPr>
+          <a:xfrm rot="16200000" flipH="1">
+            <a:off x="6199956" y="1587164"/>
+            <a:ext cx="647201" cy="4368970"/>
+          </a:xfrm>
+          <a:prstGeom prst="bentConnector3">
+            <a:avLst>
+              <a:gd name="adj1" fmla="val 135321"/>
+            </a:avLst>
+          </a:prstGeom>
+          <a:ln w="38100" cap="flat" cmpd="sng" algn="ctr">
+            <a:solidFill>
+              <a:srgbClr val="0F9ED5">
+                <a:alpha val="50196"/>
+              </a:srgbClr>
+            </a:solidFill>
+            <a:prstDash val="solid"/>
+            <a:round/>
+            <a:headEnd type="none" w="med" len="med"/>
+            <a:tailEnd type="arrow" w="med" len="med"/>
+          </a:ln>
+        </p:spPr>
+        <p:style>
+          <a:lnRef idx="0">
+            <a:scrgbClr r="0" g="0" b="0"/>
+          </a:lnRef>
+          <a:fillRef idx="0">
+            <a:scrgbClr r="0" g="0" b="0"/>
+          </a:fillRef>
+          <a:effectRef idx="0">
+            <a:scrgbClr r="0" g="0" b="0"/>
+          </a:effectRef>
+          <a:fontRef idx="minor">
+            <a:schemeClr val="tx1"/>
+          </a:fontRef>
+        </p:style>
+      </p:cxnSp>
+      <p:sp>
+        <p:nvSpPr>
+          <p:cNvPr id="23" name="Rectangle: Rounded Corners 22">
+            <a:extLst>
+              <a:ext uri="{FF2B5EF4-FFF2-40B4-BE49-F238E27FC236}">
+                <a16:creationId xmlns:a16="http://schemas.microsoft.com/office/drawing/2014/main" id="{B04EFA6E-5D68-EAB3-1232-90822C8EA5CA}"/>
+              </a:ext>
+            </a:extLst>
+          </p:cNvPr>
+          <p:cNvSpPr/>
+          <p:nvPr/>
+        </p:nvSpPr>
+        <p:spPr>
+          <a:xfrm>
+            <a:off x="7957430" y="4954267"/>
+            <a:ext cx="4136571" cy="810986"/>
+          </a:xfrm>
+          <a:prstGeom prst="roundRect">
+            <a:avLst/>
+          </a:prstGeom>
+          <a:noFill/>
+          <a:ln w="28575" cap="flat" cmpd="sng" algn="ctr">
+            <a:solidFill>
+              <a:schemeClr val="dk1"/>
+            </a:solidFill>
+            <a:prstDash val="solid"/>
+            <a:round/>
+            <a:headEnd type="none" w="med" len="med"/>
+            <a:tailEnd type="none" w="med" len="med"/>
+          </a:ln>
+        </p:spPr>
+        <p:style>
+          <a:lnRef idx="0">
+            <a:scrgbClr r="0" g="0" b="0"/>
+          </a:lnRef>
+          <a:fillRef idx="0">
+            <a:scrgbClr r="0" g="0" b="0"/>
+          </a:fillRef>
+          <a:effectRef idx="0">
+            <a:scrgbClr r="0" g="0" b="0"/>
+          </a:effectRef>
+          <a:fontRef idx="minor">
+            <a:schemeClr val="dk1"/>
+          </a:fontRef>
+        </p:style>
+        <p:txBody>
+          <a:bodyPr rtlCol="0" anchor="ctr"/>
+          <a:lstStyle/>
+          <a:p>
+            <a:pPr algn="ctr"/>
+            <a:r>
+              <a:rPr lang="en-US" dirty="0"/>
+              <a:t>“In the beginning, was the Word..”</a:t>
+            </a:r>
+          </a:p>
+        </p:txBody>
+      </p:sp>
+      <p:sp>
+        <p:nvSpPr>
+          <p:cNvPr id="25" name="Oval 24">
+            <a:extLst>
+              <a:ext uri="{FF2B5EF4-FFF2-40B4-BE49-F238E27FC236}">
+                <a16:creationId xmlns:a16="http://schemas.microsoft.com/office/drawing/2014/main" id="{291AB159-EF6A-7727-31BC-FC48A360DF07}"/>
+              </a:ext>
+            </a:extLst>
+          </p:cNvPr>
+          <p:cNvSpPr/>
+          <p:nvPr/>
+        </p:nvSpPr>
+        <p:spPr>
+          <a:xfrm>
+            <a:off x="985420" y="5451686"/>
+            <a:ext cx="1600200" cy="810986"/>
+          </a:xfrm>
+          <a:prstGeom prst="ellipse">
+            <a:avLst/>
+          </a:prstGeom>
+        </p:spPr>
+        <p:style>
+          <a:lnRef idx="2">
+            <a:schemeClr val="dk1"/>
+          </a:lnRef>
+          <a:fillRef idx="1">
+            <a:schemeClr val="lt1"/>
+          </a:fillRef>
+          <a:effectRef idx="0">
+            <a:schemeClr val="dk1"/>
+          </a:effectRef>
+          <a:fontRef idx="minor">
+            <a:schemeClr val="dk1"/>
+          </a:fontRef>
+        </p:style>
+        <p:txBody>
+          <a:bodyPr rtlCol="0" anchor="ctr"/>
+          <a:lstStyle/>
+          <a:p>
+            <a:pPr algn="ctr"/>
+            <a:r>
+              <a:rPr lang="en-US" sz="1400" dirty="0"/>
+              <a:t>Word</a:t>
+            </a:r>
+          </a:p>
+        </p:txBody>
+      </p:sp>
+      <p:cxnSp>
+        <p:nvCxnSpPr>
+          <p:cNvPr id="26" name="Connector: Elbow 25">
+            <a:extLst>
+              <a:ext uri="{FF2B5EF4-FFF2-40B4-BE49-F238E27FC236}">
+                <a16:creationId xmlns:a16="http://schemas.microsoft.com/office/drawing/2014/main" id="{460C7BAA-D647-D3E1-6A99-11BCCF451B48}"/>
+              </a:ext>
+            </a:extLst>
+          </p:cNvPr>
+          <p:cNvCxnSpPr>
+            <a:cxnSpLocks/>
+            <a:stCxn id="25" idx="4"/>
+            <a:endCxn id="29" idx="4"/>
+          </p:cNvCxnSpPr>
+          <p:nvPr/>
+        </p:nvCxnSpPr>
+        <p:spPr>
+          <a:xfrm rot="16200000" flipH="1">
+            <a:off x="6342785" y="1705406"/>
+            <a:ext cx="208797" cy="9323327"/>
+          </a:xfrm>
+          <a:prstGeom prst="bentConnector3">
+            <a:avLst>
+              <a:gd name="adj1" fmla="val 209484"/>
+            </a:avLst>
+          </a:prstGeom>
+          <a:ln w="38100" cap="flat" cmpd="sng" algn="ctr">
+            <a:solidFill>
+              <a:srgbClr val="0F9ED5">
+                <a:alpha val="50196"/>
+              </a:srgbClr>
+            </a:solidFill>
+            <a:prstDash val="solid"/>
+            <a:round/>
+            <a:headEnd type="none" w="med" len="med"/>
+            <a:tailEnd type="arrow" w="med" len="med"/>
+          </a:ln>
+        </p:spPr>
+        <p:style>
+          <a:lnRef idx="0">
+            <a:scrgbClr r="0" g="0" b="0"/>
+          </a:lnRef>
+          <a:fillRef idx="0">
+            <a:scrgbClr r="0" g="0" b="0"/>
+          </a:fillRef>
+          <a:effectRef idx="0">
+            <a:scrgbClr r="0" g="0" b="0"/>
+          </a:effectRef>
+          <a:fontRef idx="minor">
+            <a:schemeClr val="tx1"/>
+          </a:fontRef>
+        </p:style>
+      </p:cxnSp>
+      <p:sp>
+        <p:nvSpPr>
+          <p:cNvPr id="29" name="Oval 28">
+            <a:extLst>
+              <a:ext uri="{FF2B5EF4-FFF2-40B4-BE49-F238E27FC236}">
+                <a16:creationId xmlns:a16="http://schemas.microsoft.com/office/drawing/2014/main" id="{329228D9-C0E1-6421-BDCC-85A18C729C35}"/>
+              </a:ext>
+            </a:extLst>
+          </p:cNvPr>
+          <p:cNvSpPr/>
+          <p:nvPr/>
+        </p:nvSpPr>
+        <p:spPr>
+          <a:xfrm>
+            <a:off x="10308747" y="5660483"/>
+            <a:ext cx="1600200" cy="810986"/>
+          </a:xfrm>
+          <a:prstGeom prst="ellipse">
+            <a:avLst/>
+          </a:prstGeom>
+        </p:spPr>
+        <p:style>
+          <a:lnRef idx="2">
+            <a:schemeClr val="dk1"/>
+          </a:lnRef>
+          <a:fillRef idx="1">
+            <a:schemeClr val="lt1"/>
+          </a:fillRef>
+          <a:effectRef idx="0">
+            <a:schemeClr val="dk1"/>
+          </a:effectRef>
+          <a:fontRef idx="minor">
+            <a:schemeClr val="dk1"/>
+          </a:fontRef>
+        </p:style>
+        <p:txBody>
+          <a:bodyPr rtlCol="0" anchor="ctr"/>
+          <a:lstStyle/>
+          <a:p>
+            <a:pPr algn="ctr"/>
+            <a:r>
+              <a:rPr lang="en-US" sz="1400" dirty="0"/>
+              <a:t>Word</a:t>
+            </a:r>
+          </a:p>
+        </p:txBody>
+      </p:sp>
+      <p:sp>
+        <p:nvSpPr>
+          <p:cNvPr id="30" name="Oval 29">
+            <a:extLst>
+              <a:ext uri="{FF2B5EF4-FFF2-40B4-BE49-F238E27FC236}">
+                <a16:creationId xmlns:a16="http://schemas.microsoft.com/office/drawing/2014/main" id="{2DF665DF-5589-B50C-4414-1417D54F9EBC}"/>
+              </a:ext>
+            </a:extLst>
+          </p:cNvPr>
+          <p:cNvSpPr/>
+          <p:nvPr/>
+        </p:nvSpPr>
+        <p:spPr>
+          <a:xfrm>
+            <a:off x="8098947" y="5666601"/>
+            <a:ext cx="1600200" cy="810986"/>
+          </a:xfrm>
+          <a:prstGeom prst="ellipse">
+            <a:avLst/>
+          </a:prstGeom>
+        </p:spPr>
+        <p:style>
+          <a:lnRef idx="2">
+            <a:schemeClr val="dk1"/>
+          </a:lnRef>
+          <a:fillRef idx="1">
+            <a:schemeClr val="lt1"/>
+          </a:fillRef>
+          <a:effectRef idx="0">
+            <a:schemeClr val="dk1"/>
+          </a:effectRef>
+          <a:fontRef idx="minor">
+            <a:schemeClr val="dk1"/>
+          </a:fontRef>
+        </p:style>
+        <p:txBody>
+          <a:bodyPr rtlCol="0" anchor="ctr"/>
+          <a:lstStyle/>
+          <a:p>
+            <a:pPr algn="ctr"/>
+            <a:r>
+              <a:rPr lang="en-US" sz="1600" dirty="0"/>
+              <a:t>Beginning</a:t>
+            </a:r>
+          </a:p>
+        </p:txBody>
+      </p:sp>
+      <p:sp>
+        <p:nvSpPr>
+          <p:cNvPr id="2" name="Title 1">
+            <a:extLst>
+              <a:ext uri="{FF2B5EF4-FFF2-40B4-BE49-F238E27FC236}">
+                <a16:creationId xmlns:a16="http://schemas.microsoft.com/office/drawing/2014/main" id="{F430B769-BE42-F053-F258-1D273EC3467F}"/>
+              </a:ext>
+            </a:extLst>
+          </p:cNvPr>
+          <p:cNvSpPr>
+            <a:spLocks noGrp="1"/>
+          </p:cNvSpPr>
+          <p:nvPr>
+            <p:ph type="title"/>
+          </p:nvPr>
+        </p:nvSpPr>
+        <p:spPr>
+          <a:xfrm>
+            <a:off x="0" y="-17008"/>
+            <a:ext cx="10515600" cy="1325563"/>
+          </a:xfrm>
+        </p:spPr>
+        <p:txBody>
+          <a:bodyPr/>
+          <a:lstStyle/>
+          <a:p>
+            <a:r>
+              <a:rPr lang="en-US" dirty="0"/>
+              <a:t>Application: Keyword Checking</a:t>
+            </a:r>
+          </a:p>
+        </p:txBody>
+      </p:sp>
+      <p:sp>
+        <p:nvSpPr>
+          <p:cNvPr id="3" name="Left Brace 2">
+            <a:extLst>
+              <a:ext uri="{FF2B5EF4-FFF2-40B4-BE49-F238E27FC236}">
+                <a16:creationId xmlns:a16="http://schemas.microsoft.com/office/drawing/2014/main" id="{FD832E3B-E6BD-3E1D-E4D2-AACD1BC51C01}"/>
+              </a:ext>
+            </a:extLst>
+          </p:cNvPr>
+          <p:cNvSpPr/>
+          <p:nvPr/>
+        </p:nvSpPr>
+        <p:spPr>
+          <a:xfrm rot="5400000">
+            <a:off x="2664940" y="2600"/>
+            <a:ext cx="843944" cy="4872033"/>
+          </a:xfrm>
+          <a:prstGeom prst="leftBrace">
+            <a:avLst/>
+          </a:prstGeom>
+        </p:spPr>
+        <p:style>
+          <a:lnRef idx="2">
+            <a:schemeClr val="accent1"/>
+          </a:lnRef>
+          <a:fillRef idx="0">
+            <a:schemeClr val="accent1"/>
+          </a:fillRef>
+          <a:effectRef idx="1">
+            <a:schemeClr val="accent1"/>
+          </a:effectRef>
+          <a:fontRef idx="minor">
+            <a:schemeClr val="tx1"/>
+          </a:fontRef>
+        </p:style>
+        <p:txBody>
+          <a:bodyPr rtlCol="0" anchor="ctr"/>
+          <a:lstStyle/>
+          <a:p>
+            <a:pPr algn="ctr"/>
+            <a:endParaRPr lang="en-US" dirty="0"/>
+          </a:p>
+        </p:txBody>
+      </p:sp>
+      <p:sp>
+        <p:nvSpPr>
+          <p:cNvPr id="4" name="Title 1">
+            <a:extLst>
+              <a:ext uri="{FF2B5EF4-FFF2-40B4-BE49-F238E27FC236}">
+                <a16:creationId xmlns:a16="http://schemas.microsoft.com/office/drawing/2014/main" id="{6BC8D96F-5D09-325C-9B66-A904A947E754}"/>
+              </a:ext>
+            </a:extLst>
+          </p:cNvPr>
+          <p:cNvSpPr txBox="1">
+            <a:spLocks/>
+          </p:cNvSpPr>
+          <p:nvPr/>
+        </p:nvSpPr>
+        <p:spPr>
+          <a:xfrm>
+            <a:off x="2061609" y="1467950"/>
+            <a:ext cx="2307229" cy="573361"/>
+          </a:xfrm>
+          <a:prstGeom prst="rect">
+            <a:avLst/>
+          </a:prstGeom>
+        </p:spPr>
+        <p:txBody>
+          <a:bodyPr vert="horz" lIns="91440" tIns="45720" rIns="91440" bIns="45720" rtlCol="0" anchor="ctr">
+            <a:normAutofit/>
+          </a:bodyPr>
+          <a:lstStyle>
+            <a:lvl1pPr algn="l" defTabSz="914400" rtl="0" eaLnBrk="1" latinLnBrk="0" hangingPunct="1">
+              <a:lnSpc>
+                <a:spcPct val="90000"/>
+              </a:lnSpc>
+              <a:spcBef>
+                <a:spcPct val="0"/>
+              </a:spcBef>
+              <a:buNone/>
+              <a:defRPr sz="4400" kern="1200">
+                <a:solidFill>
+                  <a:schemeClr val="tx1"/>
+                </a:solidFill>
+                <a:latin typeface="+mj-lt"/>
+                <a:ea typeface="+mj-ea"/>
+                <a:cs typeface="+mj-cs"/>
+              </a:defRPr>
+            </a:lvl1pPr>
+          </a:lstStyle>
+          <a:p>
+            <a:r>
+              <a:rPr lang="en-US" sz="3200" dirty="0">
+                <a:solidFill>
+                  <a:schemeClr val="tx2">
+                    <a:lumMod val="75000"/>
+                    <a:lumOff val="25000"/>
+                  </a:schemeClr>
+                </a:solidFill>
+              </a:rPr>
+              <a:t>Tagged Data</a:t>
+            </a:r>
+          </a:p>
+        </p:txBody>
+      </p:sp>
+      <p:cxnSp>
+        <p:nvCxnSpPr>
+          <p:cNvPr id="32" name="Connector: Elbow 31">
+            <a:extLst>
+              <a:ext uri="{FF2B5EF4-FFF2-40B4-BE49-F238E27FC236}">
+                <a16:creationId xmlns:a16="http://schemas.microsoft.com/office/drawing/2014/main" id="{F4A9FE94-35C3-8A7D-1630-375D9C1EFD18}"/>
+              </a:ext>
+            </a:extLst>
+          </p:cNvPr>
+          <p:cNvCxnSpPr>
+            <a:cxnSpLocks/>
+            <a:stCxn id="6" idx="5"/>
+            <a:endCxn id="30" idx="2"/>
+          </p:cNvCxnSpPr>
+          <p:nvPr/>
+        </p:nvCxnSpPr>
+        <p:spPr>
+          <a:xfrm rot="16200000" flipH="1">
+            <a:off x="4388892" y="2362038"/>
+            <a:ext cx="2408075" cy="5012035"/>
+          </a:xfrm>
+          <a:prstGeom prst="bentConnector2">
+            <a:avLst/>
+          </a:prstGeom>
+          <a:ln w="38100" cap="flat" cmpd="sng" algn="ctr">
+            <a:solidFill>
+              <a:srgbClr val="0F9ED5">
+                <a:alpha val="50196"/>
+              </a:srgbClr>
+            </a:solidFill>
+            <a:prstDash val="solid"/>
+            <a:round/>
+            <a:headEnd type="none" w="med" len="med"/>
+            <a:tailEnd type="arrow" w="med" len="med"/>
+          </a:ln>
+        </p:spPr>
+        <p:style>
+          <a:lnRef idx="0">
+            <a:scrgbClr r="0" g="0" b="0"/>
+          </a:lnRef>
+          <a:fillRef idx="0">
+            <a:scrgbClr r="0" g="0" b="0"/>
+          </a:fillRef>
+          <a:effectRef idx="0">
+            <a:scrgbClr r="0" g="0" b="0"/>
+          </a:effectRef>
+          <a:fontRef idx="minor">
+            <a:schemeClr val="tx1"/>
+          </a:fontRef>
+        </p:style>
+      </p:cxnSp>
+      <p:sp>
+        <p:nvSpPr>
+          <p:cNvPr id="49" name="Left Brace 48">
+            <a:extLst>
+              <a:ext uri="{FF2B5EF4-FFF2-40B4-BE49-F238E27FC236}">
+                <a16:creationId xmlns:a16="http://schemas.microsoft.com/office/drawing/2014/main" id="{0B691127-2859-EF5F-F29E-2807C3D4D1A8}"/>
+              </a:ext>
+            </a:extLst>
+          </p:cNvPr>
+          <p:cNvSpPr/>
+          <p:nvPr/>
+        </p:nvSpPr>
+        <p:spPr>
+          <a:xfrm rot="5400000">
+            <a:off x="9236013" y="-408111"/>
+            <a:ext cx="843944" cy="4872033"/>
+          </a:xfrm>
+          <a:prstGeom prst="leftBrace">
+            <a:avLst/>
+          </a:prstGeom>
+        </p:spPr>
+        <p:style>
+          <a:lnRef idx="2">
+            <a:schemeClr val="accent1"/>
+          </a:lnRef>
+          <a:fillRef idx="0">
+            <a:schemeClr val="accent1"/>
+          </a:fillRef>
+          <a:effectRef idx="1">
+            <a:schemeClr val="accent1"/>
+          </a:effectRef>
+          <a:fontRef idx="minor">
+            <a:schemeClr val="tx1"/>
+          </a:fontRef>
+        </p:style>
+        <p:txBody>
+          <a:bodyPr rtlCol="0" anchor="ctr"/>
+          <a:lstStyle/>
+          <a:p>
+            <a:pPr algn="ctr"/>
+            <a:endParaRPr lang="en-US" dirty="0"/>
+          </a:p>
+        </p:txBody>
+      </p:sp>
+      <p:sp>
+        <p:nvSpPr>
+          <p:cNvPr id="50" name="Title 1">
+            <a:extLst>
+              <a:ext uri="{FF2B5EF4-FFF2-40B4-BE49-F238E27FC236}">
+                <a16:creationId xmlns:a16="http://schemas.microsoft.com/office/drawing/2014/main" id="{43A5E3D2-3A4B-2654-269C-260A05755B2F}"/>
+              </a:ext>
+            </a:extLst>
+          </p:cNvPr>
+          <p:cNvSpPr txBox="1">
+            <a:spLocks/>
+          </p:cNvSpPr>
+          <p:nvPr/>
+        </p:nvSpPr>
+        <p:spPr>
+          <a:xfrm>
+            <a:off x="8649085" y="1035290"/>
+            <a:ext cx="2964359" cy="573361"/>
+          </a:xfrm>
+          <a:prstGeom prst="rect">
+            <a:avLst/>
+          </a:prstGeom>
+        </p:spPr>
+        <p:txBody>
+          <a:bodyPr vert="horz" lIns="91440" tIns="45720" rIns="91440" bIns="45720" rtlCol="0" anchor="ctr">
+            <a:normAutofit/>
+          </a:bodyPr>
+          <a:lstStyle>
+            <a:lvl1pPr algn="l" defTabSz="914400" rtl="0" eaLnBrk="1" latinLnBrk="0" hangingPunct="1">
+              <a:lnSpc>
+                <a:spcPct val="90000"/>
+              </a:lnSpc>
+              <a:spcBef>
+                <a:spcPct val="0"/>
+              </a:spcBef>
+              <a:buNone/>
+              <a:defRPr sz="4400" kern="1200">
+                <a:solidFill>
+                  <a:schemeClr val="tx1"/>
+                </a:solidFill>
+                <a:latin typeface="+mj-lt"/>
+                <a:ea typeface="+mj-ea"/>
+                <a:cs typeface="+mj-cs"/>
+              </a:defRPr>
+            </a:lvl1pPr>
+          </a:lstStyle>
+          <a:p>
+            <a:r>
+              <a:rPr lang="en-US" sz="3200" dirty="0">
+                <a:solidFill>
+                  <a:schemeClr val="tx2">
+                    <a:lumMod val="75000"/>
+                    <a:lumOff val="25000"/>
+                  </a:schemeClr>
+                </a:solidFill>
+              </a:rPr>
+              <a:t>Check a text</a:t>
+            </a:r>
+          </a:p>
+        </p:txBody>
+      </p:sp>
+      <p:sp>
+        <p:nvSpPr>
+          <p:cNvPr id="55" name="Freeform: Shape 54">
+            <a:extLst>
+              <a:ext uri="{FF2B5EF4-FFF2-40B4-BE49-F238E27FC236}">
+                <a16:creationId xmlns:a16="http://schemas.microsoft.com/office/drawing/2014/main" id="{025B9512-6787-82E1-C373-EC110C4B94FD}"/>
+              </a:ext>
+            </a:extLst>
+          </p:cNvPr>
+          <p:cNvSpPr/>
+          <p:nvPr/>
+        </p:nvSpPr>
+        <p:spPr>
+          <a:xfrm>
+            <a:off x="6063199" y="1266021"/>
+            <a:ext cx="881460" cy="5557421"/>
+          </a:xfrm>
+          <a:custGeom>
+            <a:avLst/>
+            <a:gdLst>
+              <a:gd name="connsiteX0" fmla="*/ 153274 w 881460"/>
+              <a:gd name="connsiteY0" fmla="*/ 0 h 5557421"/>
+              <a:gd name="connsiteX1" fmla="*/ 623790 w 881460"/>
+              <a:gd name="connsiteY1" fmla="*/ 674703 h 5557421"/>
+              <a:gd name="connsiteX2" fmla="*/ 46742 w 881460"/>
+              <a:gd name="connsiteY2" fmla="*/ 1154097 h 5557421"/>
+              <a:gd name="connsiteX3" fmla="*/ 881243 w 881460"/>
+              <a:gd name="connsiteY3" fmla="*/ 1775534 h 5557421"/>
+              <a:gd name="connsiteX4" fmla="*/ 135519 w 881460"/>
+              <a:gd name="connsiteY4" fmla="*/ 2281561 h 5557421"/>
+              <a:gd name="connsiteX5" fmla="*/ 783589 w 881460"/>
+              <a:gd name="connsiteY5" fmla="*/ 2849732 h 5557421"/>
+              <a:gd name="connsiteX6" fmla="*/ 277561 w 881460"/>
+              <a:gd name="connsiteY6" fmla="*/ 3355759 h 5557421"/>
+              <a:gd name="connsiteX7" fmla="*/ 845732 w 881460"/>
+              <a:gd name="connsiteY7" fmla="*/ 3870664 h 5557421"/>
+              <a:gd name="connsiteX8" fmla="*/ 2354 w 881460"/>
+              <a:gd name="connsiteY8" fmla="*/ 4545367 h 5557421"/>
+              <a:gd name="connsiteX9" fmla="*/ 579402 w 881460"/>
+              <a:gd name="connsiteY9" fmla="*/ 4962617 h 5557421"/>
+              <a:gd name="connsiteX10" fmla="*/ 144396 w 881460"/>
+              <a:gd name="connsiteY10" fmla="*/ 5557421 h 5557421"/>
+            </a:gdLst>
+            <a:ahLst/>
+            <a:cxnLst>
+              <a:cxn ang="0">
+                <a:pos x="connsiteX0" y="connsiteY0"/>
+              </a:cxn>
+              <a:cxn ang="0">
+                <a:pos x="connsiteX1" y="connsiteY1"/>
+              </a:cxn>
+              <a:cxn ang="0">
+                <a:pos x="connsiteX2" y="connsiteY2"/>
+              </a:cxn>
+              <a:cxn ang="0">
+                <a:pos x="connsiteX3" y="connsiteY3"/>
+              </a:cxn>
+              <a:cxn ang="0">
+                <a:pos x="connsiteX4" y="connsiteY4"/>
+              </a:cxn>
+              <a:cxn ang="0">
+                <a:pos x="connsiteX5" y="connsiteY5"/>
+              </a:cxn>
+              <a:cxn ang="0">
+                <a:pos x="connsiteX6" y="connsiteY6"/>
+              </a:cxn>
+              <a:cxn ang="0">
+                <a:pos x="connsiteX7" y="connsiteY7"/>
+              </a:cxn>
+              <a:cxn ang="0">
+                <a:pos x="connsiteX8" y="connsiteY8"/>
+              </a:cxn>
+              <a:cxn ang="0">
+                <a:pos x="connsiteX9" y="connsiteY9"/>
+              </a:cxn>
+              <a:cxn ang="0">
+                <a:pos x="connsiteX10" y="connsiteY10"/>
+              </a:cxn>
+            </a:cxnLst>
+            <a:rect l="l" t="t" r="r" b="b"/>
+            <a:pathLst>
+              <a:path w="881460" h="5557421">
+                <a:moveTo>
+                  <a:pt x="153274" y="0"/>
+                </a:moveTo>
+                <a:cubicBezTo>
+                  <a:pt x="397409" y="241177"/>
+                  <a:pt x="641545" y="482354"/>
+                  <a:pt x="623790" y="674703"/>
+                </a:cubicBezTo>
+                <a:cubicBezTo>
+                  <a:pt x="606035" y="867053"/>
+                  <a:pt x="3833" y="970625"/>
+                  <a:pt x="46742" y="1154097"/>
+                </a:cubicBezTo>
+                <a:cubicBezTo>
+                  <a:pt x="89651" y="1337569"/>
+                  <a:pt x="866447" y="1587623"/>
+                  <a:pt x="881243" y="1775534"/>
+                </a:cubicBezTo>
+                <a:cubicBezTo>
+                  <a:pt x="896039" y="1963445"/>
+                  <a:pt x="151795" y="2102528"/>
+                  <a:pt x="135519" y="2281561"/>
+                </a:cubicBezTo>
+                <a:cubicBezTo>
+                  <a:pt x="119243" y="2460594"/>
+                  <a:pt x="759915" y="2670699"/>
+                  <a:pt x="783589" y="2849732"/>
+                </a:cubicBezTo>
+                <a:cubicBezTo>
+                  <a:pt x="807263" y="3028765"/>
+                  <a:pt x="267204" y="3185604"/>
+                  <a:pt x="277561" y="3355759"/>
+                </a:cubicBezTo>
+                <a:cubicBezTo>
+                  <a:pt x="287918" y="3525914"/>
+                  <a:pt x="891600" y="3672396"/>
+                  <a:pt x="845732" y="3870664"/>
+                </a:cubicBezTo>
+                <a:cubicBezTo>
+                  <a:pt x="799864" y="4068932"/>
+                  <a:pt x="46742" y="4363375"/>
+                  <a:pt x="2354" y="4545367"/>
+                </a:cubicBezTo>
+                <a:cubicBezTo>
+                  <a:pt x="-42034" y="4727359"/>
+                  <a:pt x="555728" y="4793941"/>
+                  <a:pt x="579402" y="4962617"/>
+                </a:cubicBezTo>
+                <a:cubicBezTo>
+                  <a:pt x="603076" y="5131293"/>
+                  <a:pt x="373736" y="5344357"/>
+                  <a:pt x="144396" y="5557421"/>
+                </a:cubicBezTo>
+              </a:path>
+            </a:pathLst>
+          </a:custGeom>
+          <a:ln/>
+        </p:spPr>
+        <p:style>
+          <a:lnRef idx="3">
+            <a:schemeClr val="accent2"/>
+          </a:lnRef>
+          <a:fillRef idx="0">
+            <a:schemeClr val="accent2"/>
+          </a:fillRef>
+          <a:effectRef idx="2">
+            <a:schemeClr val="accent2"/>
+          </a:effectRef>
+          <a:fontRef idx="minor">
+            <a:schemeClr val="tx1"/>
+          </a:fontRef>
+        </p:style>
+        <p:txBody>
+          <a:bodyPr rtlCol="0" anchor="ctr"/>
+          <a:lstStyle/>
+          <a:p>
+            <a:pPr algn="ctr"/>
+            <a:endParaRPr lang="en-US"/>
+          </a:p>
+        </p:txBody>
+      </p:sp>
+    </p:spTree>
+    <p:extLst>
+      <p:ext uri="{BB962C8B-B14F-4D97-AF65-F5344CB8AC3E}">
+        <p14:creationId xmlns:p14="http://schemas.microsoft.com/office/powerpoint/2010/main" val="1787826215"/>
       </p:ext>
     </p:extLst>
   </p:cSld>
@@ -3650,6 +5110,42 @@
           <a:chExt cx="0" cy="0"/>
         </a:xfrm>
       </p:grpSpPr>
+      <p:pic>
+        <p:nvPicPr>
+          <p:cNvPr id="4" name="Picture 3" descr="A red and white tag with white text&#10;&#10;Description automatically generated">
+            <a:extLst>
+              <a:ext uri="{FF2B5EF4-FFF2-40B4-BE49-F238E27FC236}">
+                <a16:creationId xmlns:a16="http://schemas.microsoft.com/office/drawing/2014/main" id="{AFCBF54E-4FE4-02F3-7050-5B9D1DF75B66}"/>
+              </a:ext>
+            </a:extLst>
+          </p:cNvPr>
+          <p:cNvPicPr>
+            <a:picLocks noChangeAspect="1"/>
+          </p:cNvPicPr>
+          <p:nvPr/>
+        </p:nvPicPr>
+        <p:blipFill>
+          <a:blip r:embed="rId2">
+            <a:extLst>
+              <a:ext uri="{28A0092B-C50C-407E-A947-70E740481C1C}">
+                <a14:useLocalDpi xmlns:a14="http://schemas.microsoft.com/office/drawing/2010/main" val="0"/>
+              </a:ext>
+            </a:extLst>
+          </a:blip>
+          <a:stretch>
+            <a:fillRect/>
+          </a:stretch>
+        </p:blipFill>
+        <p:spPr>
+          <a:xfrm>
+            <a:off x="3569286" y="2082414"/>
+            <a:ext cx="504825" cy="504825"/>
+          </a:xfrm>
+          <a:prstGeom prst="rect">
+            <a:avLst/>
+          </a:prstGeom>
+        </p:spPr>
+      </p:pic>
       <p:sp>
         <p:nvSpPr>
           <p:cNvPr id="2" name="Title 1">
@@ -4230,6 +5726,185 @@
   <p:cSld>
     <p:spTree>
       <p:nvGrpSpPr>
+        <p:cNvPr id="1" name="">
+          <a:extLst>
+            <a:ext uri="{FF2B5EF4-FFF2-40B4-BE49-F238E27FC236}">
+              <a16:creationId xmlns:a16="http://schemas.microsoft.com/office/drawing/2014/main" id="{35491859-865F-DEC1-CDFD-DC7B45ECD17D}"/>
+            </a:ext>
+          </a:extLst>
+        </p:cNvPr>
+        <p:cNvGrpSpPr/>
+        <p:nvPr/>
+      </p:nvGrpSpPr>
+      <p:grpSpPr>
+        <a:xfrm>
+          <a:off x="0" y="0"/>
+          <a:ext cx="0" cy="0"/>
+          <a:chOff x="0" y="0"/>
+          <a:chExt cx="0" cy="0"/>
+        </a:xfrm>
+      </p:grpSpPr>
+      <p:pic>
+        <p:nvPicPr>
+          <p:cNvPr id="9" name="Picture 8" descr="A red and white tag with white text&#10;&#10;Description automatically generated">
+            <a:extLst>
+              <a:ext uri="{FF2B5EF4-FFF2-40B4-BE49-F238E27FC236}">
+                <a16:creationId xmlns:a16="http://schemas.microsoft.com/office/drawing/2014/main" id="{A6FF4597-D405-290D-B155-B961B9A7DB79}"/>
+              </a:ext>
+            </a:extLst>
+          </p:cNvPr>
+          <p:cNvPicPr>
+            <a:picLocks noChangeAspect="1"/>
+          </p:cNvPicPr>
+          <p:nvPr/>
+        </p:nvPicPr>
+        <p:blipFill>
+          <a:blip r:embed="rId2">
+            <a:extLst>
+              <a:ext uri="{28A0092B-C50C-407E-A947-70E740481C1C}">
+                <a14:useLocalDpi xmlns:a14="http://schemas.microsoft.com/office/drawing/2010/main" val="0"/>
+              </a:ext>
+            </a:extLst>
+          </a:blip>
+          <a:stretch>
+            <a:fillRect/>
+          </a:stretch>
+        </p:blipFill>
+        <p:spPr>
+          <a:xfrm>
+            <a:off x="7235763" y="1336690"/>
+            <a:ext cx="504825" cy="504825"/>
+          </a:xfrm>
+          <a:prstGeom prst="rect">
+            <a:avLst/>
+          </a:prstGeom>
+        </p:spPr>
+      </p:pic>
+      <p:sp>
+        <p:nvSpPr>
+          <p:cNvPr id="2" name="Title 1">
+            <a:extLst>
+              <a:ext uri="{FF2B5EF4-FFF2-40B4-BE49-F238E27FC236}">
+                <a16:creationId xmlns:a16="http://schemas.microsoft.com/office/drawing/2014/main" id="{3F5D6987-8A7C-EF18-208A-7255EA476677}"/>
+              </a:ext>
+            </a:extLst>
+          </p:cNvPr>
+          <p:cNvSpPr>
+            <a:spLocks noGrp="1"/>
+          </p:cNvSpPr>
+          <p:nvPr>
+            <p:ph type="title"/>
+          </p:nvPr>
+        </p:nvSpPr>
+        <p:spPr/>
+        <p:txBody>
+          <a:bodyPr/>
+          <a:lstStyle/>
+          <a:p>
+            <a:r>
+              <a:rPr lang="en-US" dirty="0"/>
+              <a:t>Clean the Data</a:t>
+            </a:r>
+          </a:p>
+        </p:txBody>
+      </p:sp>
+      <p:sp>
+        <p:nvSpPr>
+          <p:cNvPr id="3" name="Content Placeholder 2">
+            <a:extLst>
+              <a:ext uri="{FF2B5EF4-FFF2-40B4-BE49-F238E27FC236}">
+                <a16:creationId xmlns:a16="http://schemas.microsoft.com/office/drawing/2014/main" id="{E50D8BDB-18E2-001C-F017-F1A04E850A70}"/>
+              </a:ext>
+            </a:extLst>
+          </p:cNvPr>
+          <p:cNvSpPr>
+            <a:spLocks noGrp="1"/>
+          </p:cNvSpPr>
+          <p:nvPr>
+            <p:ph idx="1"/>
+          </p:nvPr>
+        </p:nvSpPr>
+        <p:spPr>
+          <a:xfrm>
+            <a:off x="275208" y="1589103"/>
+            <a:ext cx="11078592" cy="4587860"/>
+          </a:xfrm>
+        </p:spPr>
+        <p:txBody>
+          <a:bodyPr/>
+          <a:lstStyle/>
+          <a:p>
+            <a:pPr marL="0" indent="0">
+              <a:buNone/>
+            </a:pPr>
+            <a:r>
+              <a:rPr lang="en-US" dirty="0">
+                <a:latin typeface="Georgia" panose="02040502050405020303" pitchFamily="18" charset="0"/>
+              </a:rPr>
+              <a:t>A standard process for cleaning speech data:</a:t>
+            </a:r>
+          </a:p>
+          <a:p>
+            <a:pPr marL="0" indent="0">
+              <a:buNone/>
+            </a:pPr>
+            <a:endParaRPr lang="en-US" b="1" dirty="0">
+              <a:latin typeface="Georgia" panose="02040502050405020303" pitchFamily="18" charset="0"/>
+            </a:endParaRPr>
+          </a:p>
+          <a:p>
+            <a:pPr marL="0" indent="0">
+              <a:buNone/>
+            </a:pPr>
+            <a:r>
+              <a:rPr lang="en-US" b="1" dirty="0">
+                <a:latin typeface="Georgia" panose="02040502050405020303" pitchFamily="18" charset="0"/>
+              </a:rPr>
+              <a:t>Pre-emphasis:</a:t>
+            </a:r>
+          </a:p>
+          <a:p>
+            <a:pPr marL="0" indent="0">
+              <a:buNone/>
+            </a:pPr>
+            <a:r>
+              <a:rPr lang="en-US" dirty="0">
+                <a:latin typeface="Georgia" panose="02040502050405020303" pitchFamily="18" charset="0"/>
+              </a:rPr>
+              <a:t>“Lowering the ceiling”</a:t>
+            </a:r>
+          </a:p>
+          <a:p>
+            <a:pPr marL="0" indent="0">
+              <a:buNone/>
+            </a:pPr>
+            <a:r>
+              <a:rPr lang="en-US" dirty="0">
+                <a:latin typeface="Georgia" panose="02040502050405020303" pitchFamily="18" charset="0"/>
+              </a:rPr>
+              <a:t>~ “reducing contrast”</a:t>
+            </a:r>
+          </a:p>
+        </p:txBody>
+      </p:sp>
+    </p:spTree>
+    <p:extLst>
+      <p:ext uri="{BB962C8B-B14F-4D97-AF65-F5344CB8AC3E}">
+        <p14:creationId xmlns:p14="http://schemas.microsoft.com/office/powerpoint/2010/main" val="1074737194"/>
+      </p:ext>
+    </p:extLst>
+  </p:cSld>
+  <p:clrMapOvr>
+    <a:masterClrMapping/>
+  </p:clrMapOvr>
+</p:sld>
+</file>
+
+<file path=ppt/slides/slide6.xml><?xml version="1.0" encoding="utf-8"?>
+<p:sld xmlns:a="http://schemas.openxmlformats.org/drawingml/2006/main" xmlns:r="http://schemas.openxmlformats.org/officeDocument/2006/relationships" xmlns:p="http://schemas.openxmlformats.org/presentationml/2006/main">
+  <p:cSld>
+    <p:spTree>
+      <p:nvGrpSpPr>
         <p:cNvPr id="1" name=""/>
         <p:cNvGrpSpPr/>
         <p:nvPr/>
@@ -4489,7 +6164,7 @@
 </p:sld>
 </file>
 
-<file path=ppt/slides/slide6.xml><?xml version="1.0" encoding="utf-8"?>
+<file path=ppt/slides/slide7.xml><?xml version="1.0" encoding="utf-8"?>
 <p:sld xmlns:a="http://schemas.openxmlformats.org/drawingml/2006/main" xmlns:r="http://schemas.openxmlformats.org/officeDocument/2006/relationships" xmlns:p="http://schemas.openxmlformats.org/presentationml/2006/main">
   <p:cSld>
     <p:spTree>
@@ -4759,7 +6434,7 @@
 </p:sld>
 </file>
 
-<file path=ppt/slides/slide7.xml><?xml version="1.0" encoding="utf-8"?>
+<file path=ppt/slides/slide8.xml><?xml version="1.0" encoding="utf-8"?>
 <p:sld xmlns:a="http://schemas.openxmlformats.org/drawingml/2006/main" xmlns:r="http://schemas.openxmlformats.org/officeDocument/2006/relationships" xmlns:p="http://schemas.openxmlformats.org/presentationml/2006/main">
   <p:cSld>
     <p:spTree>
@@ -5023,7 +6698,7 @@
 </p:sld>
 </file>
 
-<file path=ppt/slides/slide8.xml><?xml version="1.0" encoding="utf-8"?>
+<file path=ppt/slides/slide9.xml><?xml version="1.0" encoding="utf-8"?>
 <p:sld xmlns:a="http://schemas.openxmlformats.org/drawingml/2006/main" xmlns:r="http://schemas.openxmlformats.org/officeDocument/2006/relationships" xmlns:p="http://schemas.openxmlformats.org/presentationml/2006/main">
   <p:cSld>
     <p:spTree>
@@ -5062,7 +6737,12 @@
             <p:ph type="title"/>
           </p:nvPr>
         </p:nvSpPr>
-        <p:spPr/>
+        <p:spPr>
+          <a:xfrm>
+            <a:off x="838200" y="0"/>
+            <a:ext cx="10515600" cy="1325563"/>
+          </a:xfrm>
+        </p:spPr>
         <p:txBody>
           <a:bodyPr/>
           <a:lstStyle/>
@@ -5090,161 +6770,285 @@
             <p:ph idx="1"/>
           </p:nvPr>
         </p:nvSpPr>
-        <p:spPr/>
+        <p:spPr>
+          <a:xfrm>
+            <a:off x="65843" y="1325563"/>
+            <a:ext cx="10515600" cy="4351338"/>
+          </a:xfrm>
+        </p:spPr>
         <p:txBody>
           <a:bodyPr>
-            <a:normAutofit fontScale="47500" lnSpcReduction="20000"/>
+            <a:noAutofit/>
           </a:bodyPr>
           <a:lstStyle/>
           <a:p>
             <a:pPr marL="0" indent="0">
+              <a:lnSpc>
+                <a:spcPct val="120000"/>
+              </a:lnSpc>
               <a:buNone/>
             </a:pPr>
             <a:r>
-              <a:rPr lang="en-US" dirty="0"/>
-              <a:t>We can compare to an off-the-shelf solution (`</a:t>
-            </a:r>
-            <a:r>
-              <a:rPr lang="en-US" dirty="0" err="1"/>
+              <a:rPr lang="en-US" sz="1600" dirty="0">
+                <a:latin typeface="Georgia" panose="02040502050405020303" pitchFamily="18" charset="0"/>
+              </a:rPr>
+              <a:t>We can start with an off-the-shelf solution (`</a:t>
+            </a:r>
+            <a:r>
+              <a:rPr lang="en-US" sz="1600" dirty="0" err="1">
+                <a:latin typeface="Georgia" panose="02040502050405020303" pitchFamily="18" charset="0"/>
+              </a:rPr>
               <a:t>librosa</a:t>
             </a:r>
             <a:r>
-              <a:rPr lang="en-US" dirty="0"/>
+              <a:rPr lang="en-US" sz="1600" dirty="0">
+                <a:latin typeface="Georgia" panose="02040502050405020303" pitchFamily="18" charset="0"/>
+              </a:rPr>
               <a:t>` </a:t>
             </a:r>
             <a:r>
-              <a:rPr lang="en-US" dirty="0" err="1"/>
+              <a:rPr lang="en-US" sz="1600" dirty="0" err="1">
+                <a:latin typeface="Georgia" panose="02040502050405020303" pitchFamily="18" charset="0"/>
+              </a:rPr>
               <a:t>mfcc</a:t>
             </a:r>
             <a:r>
-              <a:rPr lang="en-US" dirty="0"/>
+              <a:rPr lang="en-US" sz="1600" dirty="0">
+                <a:latin typeface="Georgia" panose="02040502050405020303" pitchFamily="18" charset="0"/>
+              </a:rPr>
               <a:t> feature extraction):</a:t>
             </a:r>
           </a:p>
           <a:p>
             <a:pPr marL="0" indent="0">
+              <a:lnSpc>
+                <a:spcPct val="120000"/>
+              </a:lnSpc>
               <a:buNone/>
             </a:pPr>
             <a:r>
-              <a:rPr lang="en-US" dirty="0"/>
-              <a:t>This solution correctly identifies the correct forms, but it does not detect as much difference between the incorrect forms.</a:t>
+              <a:rPr lang="en-US" sz="1600" dirty="0">
+                <a:latin typeface="Georgia" panose="02040502050405020303" pitchFamily="18" charset="0"/>
+              </a:rPr>
+              <a:t>✔ This solution correctly identifies the correct forms, </a:t>
             </a:r>
           </a:p>
           <a:p>
             <a:pPr marL="0" indent="0">
+              <a:lnSpc>
+                <a:spcPct val="120000"/>
+              </a:lnSpc>
               <a:buNone/>
             </a:pPr>
             <a:r>
-              <a:rPr lang="en-US" dirty="0"/>
+              <a:rPr lang="en-US" sz="1600" dirty="0">
+                <a:latin typeface="Georgia" panose="02040502050405020303" pitchFamily="18" charset="0"/>
+              </a:rPr>
+              <a:t>❌ but it does not detect as much difference between the incorrect forms.</a:t>
+            </a:r>
+          </a:p>
+          <a:p>
+            <a:pPr marL="0" indent="0">
+              <a:lnSpc>
+                <a:spcPct val="120000"/>
+              </a:lnSpc>
+              <a:buNone/>
+            </a:pPr>
+            <a:r>
+              <a:rPr lang="en-US" sz="1600" dirty="0">
+                <a:latin typeface="Georgia" panose="02040502050405020303" pitchFamily="18" charset="0"/>
+              </a:rPr>
               <a:t>For keyword checking, it might be helpful to have a meaningful measure of how different the words are:</a:t>
             </a:r>
           </a:p>
           <a:p>
             <a:pPr marL="0" indent="0">
+              <a:lnSpc>
+                <a:spcPct val="120000"/>
+              </a:lnSpc>
               <a:buNone/>
             </a:pPr>
-            <a:endParaRPr lang="en-US" dirty="0"/>
+            <a:r>
+              <a:rPr lang="en-US" sz="1600" dirty="0">
+                <a:latin typeface="Georgia" panose="02040502050405020303" pitchFamily="18" charset="0"/>
+              </a:rPr>
+              <a:t>No clustering!</a:t>
+            </a:r>
           </a:p>
           <a:p>
             <a:pPr marL="0" indent="0">
+              <a:lnSpc>
+                <a:spcPct val="120000"/>
+              </a:lnSpc>
               <a:buNone/>
             </a:pPr>
-            <a:r>
-              <a:rPr lang="en-US"/>
-              <a:t>No clustering!</a:t>
-            </a:r>
-            <a:endParaRPr lang="en-US" dirty="0"/>
-          </a:p>
+            <a:endParaRPr lang="en-US" sz="1600" dirty="0">
+              <a:latin typeface="Georgia" panose="02040502050405020303" pitchFamily="18" charset="0"/>
+            </a:endParaRPr>
+          </a:p>
+        </p:txBody>
+      </p:sp>
+      <p:sp>
+        <p:nvSpPr>
+          <p:cNvPr id="5" name="TextBox 4">
+            <a:extLst>
+              <a:ext uri="{FF2B5EF4-FFF2-40B4-BE49-F238E27FC236}">
+                <a16:creationId xmlns:a16="http://schemas.microsoft.com/office/drawing/2014/main" id="{B404ADE4-A3D5-4A2D-F245-281AF0692A49}"/>
+              </a:ext>
+            </a:extLst>
+          </p:cNvPr>
+          <p:cNvSpPr txBox="1"/>
+          <p:nvPr/>
+        </p:nvSpPr>
+        <p:spPr>
+          <a:xfrm>
+            <a:off x="7217546" y="3364638"/>
+            <a:ext cx="5537446" cy="3386633"/>
+          </a:xfrm>
+          <a:prstGeom prst="rect">
+            <a:avLst/>
+          </a:prstGeom>
+          <a:noFill/>
+        </p:spPr>
+        <p:txBody>
+          <a:bodyPr wrap="square">
+            <a:spAutoFit/>
+          </a:bodyPr>
+          <a:lstStyle/>
           <a:p>
             <a:pPr marL="0" indent="0">
+              <a:lnSpc>
+                <a:spcPct val="120000"/>
+              </a:lnSpc>
               <a:buNone/>
             </a:pPr>
-            <a:endParaRPr lang="en-US" dirty="0"/>
+            <a:r>
+              <a:rPr lang="en-US" sz="1800" dirty="0">
+                <a:latin typeface="Georgia" panose="02040502050405020303" pitchFamily="18" charset="0"/>
+              </a:rPr>
+              <a:t>Similar to wilderness1.wav:</a:t>
+            </a:r>
           </a:p>
           <a:p>
             <a:pPr marL="0" indent="0">
+              <a:lnSpc>
+                <a:spcPct val="120000"/>
+              </a:lnSpc>
               <a:buNone/>
             </a:pPr>
             <a:r>
-              <a:rPr lang="en-US" dirty="0"/>
-              <a:t>Similar to wilderness1.wav:</a:t>
+              <a:rPr lang="en-US" sz="1800" dirty="0">
+                <a:latin typeface="Georgia" panose="02040502050405020303" pitchFamily="18" charset="0"/>
+              </a:rPr>
+              <a:t>wilderness1.wav: 0.9999999869496023</a:t>
             </a:r>
           </a:p>
           <a:p>
             <a:pPr marL="0" indent="0">
+              <a:lnSpc>
+                <a:spcPct val="120000"/>
+              </a:lnSpc>
               <a:buNone/>
             </a:pPr>
             <a:r>
-              <a:rPr lang="en-US" dirty="0"/>
-              <a:t>wilderness1.wav: 0.9999999869496023</a:t>
+              <a:rPr lang="en-US" sz="1800" dirty="0">
+                <a:latin typeface="Georgia" panose="02040502050405020303" pitchFamily="18" charset="0"/>
+              </a:rPr>
+              <a:t>wilderness2.wav: 0.9993146675340262</a:t>
             </a:r>
           </a:p>
           <a:p>
             <a:pPr marL="0" indent="0">
+              <a:lnSpc>
+                <a:spcPct val="120000"/>
+              </a:lnSpc>
               <a:buNone/>
             </a:pPr>
-            <a:r>
-              <a:rPr lang="en-US" dirty="0"/>
-              <a:t>wilderness2.wav: 0.9993146675340262</a:t>
-            </a:r>
+            <a:endParaRPr lang="en-US" sz="1800" dirty="0">
+              <a:latin typeface="Georgia" panose="02040502050405020303" pitchFamily="18" charset="0"/>
+            </a:endParaRPr>
           </a:p>
           <a:p>
             <a:pPr marL="0" indent="0">
+              <a:lnSpc>
+                <a:spcPct val="120000"/>
+              </a:lnSpc>
               <a:buNone/>
             </a:pPr>
-            <a:endParaRPr lang="en-US" dirty="0"/>
+            <a:r>
+              <a:rPr lang="en-US" sz="1800" dirty="0">
+                <a:latin typeface="Georgia" panose="02040502050405020303" pitchFamily="18" charset="0"/>
+              </a:rPr>
+              <a:t>God1.wav: 0.9987559253705995</a:t>
+            </a:r>
           </a:p>
           <a:p>
             <a:pPr marL="0" indent="0">
+              <a:lnSpc>
+                <a:spcPct val="120000"/>
+              </a:lnSpc>
               <a:buNone/>
             </a:pPr>
             <a:r>
-              <a:rPr lang="en-US" dirty="0"/>
-              <a:t>God1.wav: 0.9987559253705995</a:t>
+              <a:rPr lang="en-US" sz="1800" dirty="0">
+                <a:latin typeface="Georgia" panose="02040502050405020303" pitchFamily="18" charset="0"/>
+              </a:rPr>
+              <a:t>God2.wav: 0.9980986833151937</a:t>
             </a:r>
           </a:p>
           <a:p>
             <a:pPr marL="0" indent="0">
+              <a:lnSpc>
+                <a:spcPct val="120000"/>
+              </a:lnSpc>
               <a:buNone/>
             </a:pPr>
             <a:r>
-              <a:rPr lang="en-US" dirty="0"/>
-              <a:t>God2.wav: 0.9980986833151937</a:t>
+              <a:rPr lang="en-US" sz="1800" dirty="0">
+                <a:latin typeface="Georgia" panose="02040502050405020303" pitchFamily="18" charset="0"/>
+              </a:rPr>
+              <a:t>inTheBeginning1.wav: 0.9971207291637255</a:t>
             </a:r>
           </a:p>
           <a:p>
             <a:pPr marL="0" indent="0">
+              <a:lnSpc>
+                <a:spcPct val="120000"/>
+              </a:lnSpc>
               <a:buNone/>
             </a:pPr>
             <a:r>
-              <a:rPr lang="en-US" dirty="0"/>
-              <a:t>inTheBeginning1.wav: 0.9971207291637255</a:t>
+              <a:rPr lang="en-US" sz="1800" dirty="0">
+                <a:latin typeface="Georgia" panose="02040502050405020303" pitchFamily="18" charset="0"/>
+              </a:rPr>
+              <a:t>inTheBeginning2.wav: 0.9969806586039947</a:t>
             </a:r>
           </a:p>
           <a:p>
             <a:pPr marL="0" indent="0">
+              <a:lnSpc>
+                <a:spcPct val="120000"/>
+              </a:lnSpc>
               <a:buNone/>
             </a:pPr>
             <a:r>
-              <a:rPr lang="en-US" dirty="0"/>
-              <a:t>inTheBeginning2.wav: 0.9969806586039947</a:t>
+              <a:rPr lang="en-US" sz="1800" dirty="0">
+                <a:latin typeface="Georgia" panose="02040502050405020303" pitchFamily="18" charset="0"/>
+              </a:rPr>
+              <a:t>jesus2.wav: 0.9958133114595762</a:t>
             </a:r>
           </a:p>
           <a:p>
             <a:pPr marL="0" indent="0">
+              <a:lnSpc>
+                <a:spcPct val="120000"/>
+              </a:lnSpc>
               <a:buNone/>
             </a:pPr>
             <a:r>
-              <a:rPr lang="en-US" dirty="0"/>
-              <a:t>jesus2.wav: 0.9958133114595762</a:t>
-            </a:r>
-          </a:p>
-          <a:p>
-            <a:pPr marL="0" indent="0">
-              <a:buNone/>
-            </a:pPr>
-            <a:r>
-              <a:rPr lang="en-US" dirty="0"/>
+              <a:rPr lang="en-US" sz="1800" dirty="0">
+                <a:latin typeface="Georgia" panose="02040502050405020303" pitchFamily="18" charset="0"/>
+              </a:rPr>
               <a:t>jesus1.wav: 0.9942425674771389</a:t>
             </a:r>
           </a:p>
@@ -5254,157 +7058,6 @@
     <p:extLst>
       <p:ext uri="{BB962C8B-B14F-4D97-AF65-F5344CB8AC3E}">
         <p14:creationId xmlns:p14="http://schemas.microsoft.com/office/powerpoint/2010/main" val="3215222808"/>
-      </p:ext>
-    </p:extLst>
-  </p:cSld>
-  <p:clrMapOvr>
-    <a:masterClrMapping/>
-  </p:clrMapOvr>
-</p:sld>
-</file>
-
-<file path=ppt/slides/slide9.xml><?xml version="1.0" encoding="utf-8"?>
-<p:sld xmlns:a="http://schemas.openxmlformats.org/drawingml/2006/main" xmlns:r="http://schemas.openxmlformats.org/officeDocument/2006/relationships" xmlns:p="http://schemas.openxmlformats.org/presentationml/2006/main">
-  <p:cSld>
-    <p:spTree>
-      <p:nvGrpSpPr>
-        <p:cNvPr id="1" name=""/>
-        <p:cNvGrpSpPr/>
-        <p:nvPr/>
-      </p:nvGrpSpPr>
-      <p:grpSpPr>
-        <a:xfrm>
-          <a:off x="0" y="0"/>
-          <a:ext cx="0" cy="0"/>
-          <a:chOff x="0" y="0"/>
-          <a:chExt cx="0" cy="0"/>
-        </a:xfrm>
-      </p:grpSpPr>
-      <p:sp>
-        <p:nvSpPr>
-          <p:cNvPr id="2" name="Title 1">
-            <a:extLst>
-              <a:ext uri="{FF2B5EF4-FFF2-40B4-BE49-F238E27FC236}">
-                <a16:creationId xmlns:a16="http://schemas.microsoft.com/office/drawing/2014/main" id="{F07483F7-F105-EE9E-F945-2F2CB35CB47D}"/>
-              </a:ext>
-            </a:extLst>
-          </p:cNvPr>
-          <p:cNvSpPr>
-            <a:spLocks noGrp="1"/>
-          </p:cNvSpPr>
-          <p:nvPr>
-            <p:ph type="title"/>
-          </p:nvPr>
-        </p:nvSpPr>
-        <p:spPr/>
-        <p:txBody>
-          <a:bodyPr/>
-          <a:lstStyle/>
-          <a:p>
-            <a:r>
-              <a:rPr lang="en-US"/>
-              <a:t>Report:</a:t>
-            </a:r>
-          </a:p>
-        </p:txBody>
-      </p:sp>
-      <p:sp>
-        <p:nvSpPr>
-          <p:cNvPr id="3" name="Content Placeholder 2">
-            <a:extLst>
-              <a:ext uri="{FF2B5EF4-FFF2-40B4-BE49-F238E27FC236}">
-                <a16:creationId xmlns:a16="http://schemas.microsoft.com/office/drawing/2014/main" id="{33A656DA-C422-EF35-BC3F-B165CA0927E0}"/>
-              </a:ext>
-            </a:extLst>
-          </p:cNvPr>
-          <p:cNvSpPr>
-            <a:spLocks noGrp="1"/>
-          </p:cNvSpPr>
-          <p:nvPr>
-            <p:ph idx="1"/>
-          </p:nvPr>
-        </p:nvSpPr>
-        <p:spPr/>
-        <p:txBody>
-          <a:bodyPr>
-            <a:normAutofit/>
-          </a:bodyPr>
-          <a:lstStyle/>
-          <a:p>
-            <a:pPr marL="0" indent="0">
-              <a:buNone/>
-            </a:pPr>
-            <a:r>
-              <a:rPr lang="en-US" dirty="0"/>
-              <a:t>Similar to wilderness1.wav:</a:t>
-            </a:r>
-          </a:p>
-          <a:p>
-            <a:pPr marL="0" indent="0">
-              <a:buNone/>
-            </a:pPr>
-            <a:r>
-              <a:rPr lang="en-US" dirty="0"/>
-              <a:t>wilderness1.wav: 1</a:t>
-            </a:r>
-          </a:p>
-          <a:p>
-            <a:pPr marL="0" indent="0">
-              <a:buNone/>
-            </a:pPr>
-            <a:r>
-              <a:rPr lang="en-US" dirty="0"/>
-              <a:t>wilderness2.wav: 0.7229432647124682</a:t>
-            </a:r>
-          </a:p>
-          <a:p>
-            <a:pPr marL="0" indent="0">
-              <a:buNone/>
-            </a:pPr>
-            <a:endParaRPr lang="en-US" dirty="0"/>
-          </a:p>
-          <a:p>
-            <a:pPr marL="0" indent="0">
-              <a:buNone/>
-            </a:pPr>
-            <a:r>
-              <a:rPr lang="en-US" dirty="0"/>
-              <a:t>jesus2.wav: 0.3134769071964211</a:t>
-            </a:r>
-          </a:p>
-          <a:p>
-            <a:pPr marL="0" indent="0">
-              <a:buNone/>
-            </a:pPr>
-            <a:r>
-              <a:rPr lang="en-US" dirty="0"/>
-              <a:t>God1.wav: 0.23680512842732715</a:t>
-            </a:r>
-          </a:p>
-          <a:p>
-            <a:pPr marL="0" indent="0">
-              <a:buNone/>
-            </a:pPr>
-            <a:r>
-              <a:rPr lang="en-US" dirty="0"/>
-              <a:t>jesus1.wav: 0.21231795463558845</a:t>
-            </a:r>
-          </a:p>
-          <a:p>
-            <a:pPr marL="0" indent="0">
-              <a:buNone/>
-            </a:pPr>
-            <a:r>
-              <a:rPr lang="en-US" dirty="0"/>
-              <a:t>God2.wav: 0.1635381466180469 </a:t>
-            </a:r>
-          </a:p>
-        </p:txBody>
-      </p:sp>
-    </p:spTree>
-    <p:extLst>
-      <p:ext uri="{BB962C8B-B14F-4D97-AF65-F5344CB8AC3E}">
-        <p14:creationId xmlns:p14="http://schemas.microsoft.com/office/powerpoint/2010/main" val="2692368703"/>
       </p:ext>
     </p:extLst>
   </p:cSld>

--- a/Hackathon Presentation.pptx
+++ b/Hackathon Presentation.pptx
@@ -2,21 +2,25 @@
 <file path=ppt/presentation.xml><?xml version="1.0" encoding="utf-8"?>
 <p:presentation xmlns:a="http://schemas.openxmlformats.org/drawingml/2006/main" xmlns:r="http://schemas.openxmlformats.org/officeDocument/2006/relationships" xmlns:p="http://schemas.openxmlformats.org/presentationml/2006/main" saveSubsetFonts="1">
   <p:sldMasterIdLst>
-    <p:sldMasterId id="2147483648" r:id="rId1"/>
+    <p:sldMasterId id="2147483690" r:id="rId1"/>
   </p:sldMasterIdLst>
   <p:sldIdLst>
     <p:sldId id="258" r:id="rId2"/>
-    <p:sldId id="263" r:id="rId3"/>
-    <p:sldId id="261" r:id="rId4"/>
-    <p:sldId id="264" r:id="rId5"/>
-    <p:sldId id="267" r:id="rId6"/>
-    <p:sldId id="256" r:id="rId7"/>
-    <p:sldId id="262" r:id="rId8"/>
-    <p:sldId id="257" r:id="rId9"/>
-    <p:sldId id="260" r:id="rId10"/>
-    <p:sldId id="259" r:id="rId11"/>
-    <p:sldId id="265" r:id="rId12"/>
-    <p:sldId id="266" r:id="rId13"/>
+    <p:sldId id="271" r:id="rId3"/>
+    <p:sldId id="263" r:id="rId4"/>
+    <p:sldId id="261" r:id="rId5"/>
+    <p:sldId id="264" r:id="rId6"/>
+    <p:sldId id="267" r:id="rId7"/>
+    <p:sldId id="256" r:id="rId8"/>
+    <p:sldId id="262" r:id="rId9"/>
+    <p:sldId id="257" r:id="rId10"/>
+    <p:sldId id="268" r:id="rId11"/>
+    <p:sldId id="260" r:id="rId12"/>
+    <p:sldId id="259" r:id="rId13"/>
+    <p:sldId id="265" r:id="rId14"/>
+    <p:sldId id="266" r:id="rId15"/>
+    <p:sldId id="269" r:id="rId16"/>
+    <p:sldId id="270" r:id="rId17"/>
   </p:sldIdLst>
   <p:sldSz cx="12192000" cy="6858000"/>
   <p:notesSz cx="6858000" cy="9144000"/>
@@ -24,7 +28,7 @@
     <a:defPPr>
       <a:defRPr lang="en-US"/>
     </a:defPPr>
-    <a:lvl1pPr marL="0" algn="l" defTabSz="914400" rtl="0" eaLnBrk="1" latinLnBrk="0" hangingPunct="1">
+    <a:lvl1pPr marL="0" algn="l" defTabSz="457200" rtl="0" eaLnBrk="1" latinLnBrk="0" hangingPunct="1">
       <a:defRPr sz="1800" kern="1200">
         <a:solidFill>
           <a:schemeClr val="tx1"/>
@@ -34,7 +38,7 @@
         <a:cs typeface="+mn-cs"/>
       </a:defRPr>
     </a:lvl1pPr>
-    <a:lvl2pPr marL="457200" algn="l" defTabSz="914400" rtl="0" eaLnBrk="1" latinLnBrk="0" hangingPunct="1">
+    <a:lvl2pPr marL="457200" algn="l" defTabSz="457200" rtl="0" eaLnBrk="1" latinLnBrk="0" hangingPunct="1">
       <a:defRPr sz="1800" kern="1200">
         <a:solidFill>
           <a:schemeClr val="tx1"/>
@@ -44,7 +48,7 @@
         <a:cs typeface="+mn-cs"/>
       </a:defRPr>
     </a:lvl2pPr>
-    <a:lvl3pPr marL="914400" algn="l" defTabSz="914400" rtl="0" eaLnBrk="1" latinLnBrk="0" hangingPunct="1">
+    <a:lvl3pPr marL="914400" algn="l" defTabSz="457200" rtl="0" eaLnBrk="1" latinLnBrk="0" hangingPunct="1">
       <a:defRPr sz="1800" kern="1200">
         <a:solidFill>
           <a:schemeClr val="tx1"/>
@@ -54,7 +58,7 @@
         <a:cs typeface="+mn-cs"/>
       </a:defRPr>
     </a:lvl3pPr>
-    <a:lvl4pPr marL="1371600" algn="l" defTabSz="914400" rtl="0" eaLnBrk="1" latinLnBrk="0" hangingPunct="1">
+    <a:lvl4pPr marL="1371600" algn="l" defTabSz="457200" rtl="0" eaLnBrk="1" latinLnBrk="0" hangingPunct="1">
       <a:defRPr sz="1800" kern="1200">
         <a:solidFill>
           <a:schemeClr val="tx1"/>
@@ -64,7 +68,7 @@
         <a:cs typeface="+mn-cs"/>
       </a:defRPr>
     </a:lvl4pPr>
-    <a:lvl5pPr marL="1828800" algn="l" defTabSz="914400" rtl="0" eaLnBrk="1" latinLnBrk="0" hangingPunct="1">
+    <a:lvl5pPr marL="1828800" algn="l" defTabSz="457200" rtl="0" eaLnBrk="1" latinLnBrk="0" hangingPunct="1">
       <a:defRPr sz="1800" kern="1200">
         <a:solidFill>
           <a:schemeClr val="tx1"/>
@@ -74,7 +78,7 @@
         <a:cs typeface="+mn-cs"/>
       </a:defRPr>
     </a:lvl5pPr>
-    <a:lvl6pPr marL="2286000" algn="l" defTabSz="914400" rtl="0" eaLnBrk="1" latinLnBrk="0" hangingPunct="1">
+    <a:lvl6pPr marL="2286000" algn="l" defTabSz="457200" rtl="0" eaLnBrk="1" latinLnBrk="0" hangingPunct="1">
       <a:defRPr sz="1800" kern="1200">
         <a:solidFill>
           <a:schemeClr val="tx1"/>
@@ -84,7 +88,7 @@
         <a:cs typeface="+mn-cs"/>
       </a:defRPr>
     </a:lvl6pPr>
-    <a:lvl7pPr marL="2743200" algn="l" defTabSz="914400" rtl="0" eaLnBrk="1" latinLnBrk="0" hangingPunct="1">
+    <a:lvl7pPr marL="2743200" algn="l" defTabSz="457200" rtl="0" eaLnBrk="1" latinLnBrk="0" hangingPunct="1">
       <a:defRPr sz="1800" kern="1200">
         <a:solidFill>
           <a:schemeClr val="tx1"/>
@@ -94,7 +98,7 @@
         <a:cs typeface="+mn-cs"/>
       </a:defRPr>
     </a:lvl7pPr>
-    <a:lvl8pPr marL="3200400" algn="l" defTabSz="914400" rtl="0" eaLnBrk="1" latinLnBrk="0" hangingPunct="1">
+    <a:lvl8pPr marL="3200400" algn="l" defTabSz="457200" rtl="0" eaLnBrk="1" latinLnBrk="0" hangingPunct="1">
       <a:defRPr sz="1800" kern="1200">
         <a:solidFill>
           <a:schemeClr val="tx1"/>
@@ -104,7 +108,7 @@
         <a:cs typeface="+mn-cs"/>
       </a:defRPr>
     </a:lvl8pPr>
-    <a:lvl9pPr marL="3657600" algn="l" defTabSz="914400" rtl="0" eaLnBrk="1" latinLnBrk="0" hangingPunct="1">
+    <a:lvl9pPr marL="3657600" algn="l" defTabSz="457200" rtl="0" eaLnBrk="1" latinLnBrk="0" hangingPunct="1">
       <a:defRPr sz="1800" kern="1200">
         <a:solidFill>
           <a:schemeClr val="tx1"/>
@@ -142,13 +146,7 @@
       </p:grpSpPr>
       <p:sp>
         <p:nvSpPr>
-          <p:cNvPr id="2" name="Title 1">
-            <a:extLst>
-              <a:ext uri="{FF2B5EF4-FFF2-40B4-BE49-F238E27FC236}">
-                <a16:creationId xmlns:a16="http://schemas.microsoft.com/office/drawing/2014/main" id="{8B1439CA-DEC6-3879-99B5-16A5C357BDBE}"/>
-              </a:ext>
-            </a:extLst>
-          </p:cNvPr>
+          <p:cNvPr id="2" name="Title 1"/>
           <p:cNvSpPr>
             <a:spLocks noGrp="1"/>
           </p:cNvSpPr>
@@ -174,18 +172,13 @@
               <a:rPr lang="en-US"/>
               <a:t>Click to edit Master title style</a:t>
             </a:r>
-          </a:p>
-        </p:txBody>
-      </p:sp>
-      <p:sp>
-        <p:nvSpPr>
-          <p:cNvPr id="3" name="Subtitle 2">
-            <a:extLst>
-              <a:ext uri="{FF2B5EF4-FFF2-40B4-BE49-F238E27FC236}">
-                <a16:creationId xmlns:a16="http://schemas.microsoft.com/office/drawing/2014/main" id="{B71EC5CA-7D56-A8E4-8CFC-88ACE780ABCF}"/>
-              </a:ext>
-            </a:extLst>
-          </p:cNvPr>
+            <a:endParaRPr lang="en-US" dirty="0"/>
+          </a:p>
+        </p:txBody>
+      </p:sp>
+      <p:sp>
+        <p:nvSpPr>
+          <p:cNvPr id="3" name="Subtitle 2"/>
           <p:cNvSpPr>
             <a:spLocks noGrp="1"/>
           </p:cNvSpPr>
@@ -244,18 +237,13 @@
               <a:rPr lang="en-US"/>
               <a:t>Click to edit Master subtitle style</a:t>
             </a:r>
-          </a:p>
-        </p:txBody>
-      </p:sp>
-      <p:sp>
-        <p:nvSpPr>
-          <p:cNvPr id="4" name="Date Placeholder 3">
-            <a:extLst>
-              <a:ext uri="{FF2B5EF4-FFF2-40B4-BE49-F238E27FC236}">
-                <a16:creationId xmlns:a16="http://schemas.microsoft.com/office/drawing/2014/main" id="{3C97BA2D-4342-5826-3867-59C7FD733472}"/>
-              </a:ext>
-            </a:extLst>
-          </p:cNvPr>
+            <a:endParaRPr lang="en-US" dirty="0"/>
+          </a:p>
+        </p:txBody>
+      </p:sp>
+      <p:sp>
+        <p:nvSpPr>
+          <p:cNvPr id="4" name="Date Placeholder 3"/>
           <p:cNvSpPr>
             <a:spLocks noGrp="1"/>
           </p:cNvSpPr>
@@ -278,13 +266,7 @@
       </p:sp>
       <p:sp>
         <p:nvSpPr>
-          <p:cNvPr id="5" name="Footer Placeholder 4">
-            <a:extLst>
-              <a:ext uri="{FF2B5EF4-FFF2-40B4-BE49-F238E27FC236}">
-                <a16:creationId xmlns:a16="http://schemas.microsoft.com/office/drawing/2014/main" id="{6E5152A6-B992-5E13-A265-9A2D9B7E4F34}"/>
-              </a:ext>
-            </a:extLst>
-          </p:cNvPr>
+          <p:cNvPr id="5" name="Footer Placeholder 4"/>
           <p:cNvSpPr>
             <a:spLocks noGrp="1"/>
           </p:cNvSpPr>
@@ -303,13 +285,7 @@
       </p:sp>
       <p:sp>
         <p:nvSpPr>
-          <p:cNvPr id="6" name="Slide Number Placeholder 5">
-            <a:extLst>
-              <a:ext uri="{FF2B5EF4-FFF2-40B4-BE49-F238E27FC236}">
-                <a16:creationId xmlns:a16="http://schemas.microsoft.com/office/drawing/2014/main" id="{22445D78-DB4B-DA51-7E42-FE9D195BC967}"/>
-              </a:ext>
-            </a:extLst>
-          </p:cNvPr>
+          <p:cNvPr id="6" name="Slide Number Placeholder 5"/>
           <p:cNvSpPr>
             <a:spLocks noGrp="1"/>
           </p:cNvSpPr>
@@ -333,7 +309,7 @@
     </p:spTree>
     <p:extLst>
       <p:ext uri="{BB962C8B-B14F-4D97-AF65-F5344CB8AC3E}">
-        <p14:creationId xmlns:p14="http://schemas.microsoft.com/office/powerpoint/2010/main" val="3025534297"/>
+        <p14:creationId xmlns:p14="http://schemas.microsoft.com/office/powerpoint/2010/main" val="177779842"/>
       </p:ext>
     </p:extLst>
   </p:cSld>
@@ -362,13 +338,7 @@
       </p:grpSpPr>
       <p:sp>
         <p:nvSpPr>
-          <p:cNvPr id="2" name="Title 1">
-            <a:extLst>
-              <a:ext uri="{FF2B5EF4-FFF2-40B4-BE49-F238E27FC236}">
-                <a16:creationId xmlns:a16="http://schemas.microsoft.com/office/drawing/2014/main" id="{3D302463-4C9C-9B1A-876E-6422F7D003BA}"/>
-              </a:ext>
-            </a:extLst>
-          </p:cNvPr>
+          <p:cNvPr id="2" name="Title 1"/>
           <p:cNvSpPr>
             <a:spLocks noGrp="1"/>
           </p:cNvSpPr>
@@ -385,18 +355,13 @@
               <a:rPr lang="en-US"/>
               <a:t>Click to edit Master title style</a:t>
             </a:r>
-          </a:p>
-        </p:txBody>
-      </p:sp>
-      <p:sp>
-        <p:nvSpPr>
-          <p:cNvPr id="3" name="Vertical Text Placeholder 2">
-            <a:extLst>
-              <a:ext uri="{FF2B5EF4-FFF2-40B4-BE49-F238E27FC236}">
-                <a16:creationId xmlns:a16="http://schemas.microsoft.com/office/drawing/2014/main" id="{8710993C-6E29-F07C-559B-A1A545D02E23}"/>
-              </a:ext>
-            </a:extLst>
-          </p:cNvPr>
+            <a:endParaRPr lang="en-US" dirty="0"/>
+          </a:p>
+        </p:txBody>
+      </p:sp>
+      <p:sp>
+        <p:nvSpPr>
+          <p:cNvPr id="3" name="Vertical Text Placeholder 2"/>
           <p:cNvSpPr>
             <a:spLocks noGrp="1"/>
           </p:cNvSpPr>
@@ -442,18 +407,13 @@
               <a:rPr lang="en-US"/>
               <a:t>Fifth level</a:t>
             </a:r>
-          </a:p>
-        </p:txBody>
-      </p:sp>
-      <p:sp>
-        <p:nvSpPr>
-          <p:cNvPr id="4" name="Date Placeholder 3">
-            <a:extLst>
-              <a:ext uri="{FF2B5EF4-FFF2-40B4-BE49-F238E27FC236}">
-                <a16:creationId xmlns:a16="http://schemas.microsoft.com/office/drawing/2014/main" id="{B10EDE01-E1D6-F1A6-E13C-C85C19CA7608}"/>
-              </a:ext>
-            </a:extLst>
-          </p:cNvPr>
+            <a:endParaRPr lang="en-US" dirty="0"/>
+          </a:p>
+        </p:txBody>
+      </p:sp>
+      <p:sp>
+        <p:nvSpPr>
+          <p:cNvPr id="4" name="Date Placeholder 3"/>
           <p:cNvSpPr>
             <a:spLocks noGrp="1"/>
           </p:cNvSpPr>
@@ -476,13 +436,7 @@
       </p:sp>
       <p:sp>
         <p:nvSpPr>
-          <p:cNvPr id="5" name="Footer Placeholder 4">
-            <a:extLst>
-              <a:ext uri="{FF2B5EF4-FFF2-40B4-BE49-F238E27FC236}">
-                <a16:creationId xmlns:a16="http://schemas.microsoft.com/office/drawing/2014/main" id="{FD195C8C-D729-E986-846E-E4D0B4F0E011}"/>
-              </a:ext>
-            </a:extLst>
-          </p:cNvPr>
+          <p:cNvPr id="5" name="Footer Placeholder 4"/>
           <p:cNvSpPr>
             <a:spLocks noGrp="1"/>
           </p:cNvSpPr>
@@ -501,13 +455,7 @@
       </p:sp>
       <p:sp>
         <p:nvSpPr>
-          <p:cNvPr id="6" name="Slide Number Placeholder 5">
-            <a:extLst>
-              <a:ext uri="{FF2B5EF4-FFF2-40B4-BE49-F238E27FC236}">
-                <a16:creationId xmlns:a16="http://schemas.microsoft.com/office/drawing/2014/main" id="{E96EE259-55B8-F2D8-83C1-7C4A5EC3989C}"/>
-              </a:ext>
-            </a:extLst>
-          </p:cNvPr>
+          <p:cNvPr id="6" name="Slide Number Placeholder 5"/>
           <p:cNvSpPr>
             <a:spLocks noGrp="1"/>
           </p:cNvSpPr>
@@ -531,7 +479,7 @@
     </p:spTree>
     <p:extLst>
       <p:ext uri="{BB962C8B-B14F-4D97-AF65-F5344CB8AC3E}">
-        <p14:creationId xmlns:p14="http://schemas.microsoft.com/office/powerpoint/2010/main" val="2113525367"/>
+        <p14:creationId xmlns:p14="http://schemas.microsoft.com/office/powerpoint/2010/main" val="2424141819"/>
       </p:ext>
     </p:extLst>
   </p:cSld>
@@ -560,13 +508,7 @@
       </p:grpSpPr>
       <p:sp>
         <p:nvSpPr>
-          <p:cNvPr id="2" name="Vertical Title 1">
-            <a:extLst>
-              <a:ext uri="{FF2B5EF4-FFF2-40B4-BE49-F238E27FC236}">
-                <a16:creationId xmlns:a16="http://schemas.microsoft.com/office/drawing/2014/main" id="{BE4E191F-212C-0853-B726-31901BD1CF5F}"/>
-              </a:ext>
-            </a:extLst>
-          </p:cNvPr>
+          <p:cNvPr id="2" name="Vertical Title 1"/>
           <p:cNvSpPr>
             <a:spLocks noGrp="1"/>
           </p:cNvSpPr>
@@ -588,18 +530,13 @@
               <a:rPr lang="en-US"/>
               <a:t>Click to edit Master title style</a:t>
             </a:r>
-          </a:p>
-        </p:txBody>
-      </p:sp>
-      <p:sp>
-        <p:nvSpPr>
-          <p:cNvPr id="3" name="Vertical Text Placeholder 2">
-            <a:extLst>
-              <a:ext uri="{FF2B5EF4-FFF2-40B4-BE49-F238E27FC236}">
-                <a16:creationId xmlns:a16="http://schemas.microsoft.com/office/drawing/2014/main" id="{0BD7B1BA-2908-2B70-AB01-A7E59DEF872D}"/>
-              </a:ext>
-            </a:extLst>
-          </p:cNvPr>
+            <a:endParaRPr lang="en-US" dirty="0"/>
+          </a:p>
+        </p:txBody>
+      </p:sp>
+      <p:sp>
+        <p:nvSpPr>
+          <p:cNvPr id="3" name="Vertical Text Placeholder 2"/>
           <p:cNvSpPr>
             <a:spLocks noGrp="1"/>
           </p:cNvSpPr>
@@ -650,18 +587,13 @@
               <a:rPr lang="en-US"/>
               <a:t>Fifth level</a:t>
             </a:r>
-          </a:p>
-        </p:txBody>
-      </p:sp>
-      <p:sp>
-        <p:nvSpPr>
-          <p:cNvPr id="4" name="Date Placeholder 3">
-            <a:extLst>
-              <a:ext uri="{FF2B5EF4-FFF2-40B4-BE49-F238E27FC236}">
-                <a16:creationId xmlns:a16="http://schemas.microsoft.com/office/drawing/2014/main" id="{AE7E7964-2631-642D-CE06-C814D0FF02EB}"/>
-              </a:ext>
-            </a:extLst>
-          </p:cNvPr>
+            <a:endParaRPr lang="en-US" dirty="0"/>
+          </a:p>
+        </p:txBody>
+      </p:sp>
+      <p:sp>
+        <p:nvSpPr>
+          <p:cNvPr id="4" name="Date Placeholder 3"/>
           <p:cNvSpPr>
             <a:spLocks noGrp="1"/>
           </p:cNvSpPr>
@@ -684,13 +616,7 @@
       </p:sp>
       <p:sp>
         <p:nvSpPr>
-          <p:cNvPr id="5" name="Footer Placeholder 4">
-            <a:extLst>
-              <a:ext uri="{FF2B5EF4-FFF2-40B4-BE49-F238E27FC236}">
-                <a16:creationId xmlns:a16="http://schemas.microsoft.com/office/drawing/2014/main" id="{6644626A-D67C-7637-E64D-67674DF239AD}"/>
-              </a:ext>
-            </a:extLst>
-          </p:cNvPr>
+          <p:cNvPr id="5" name="Footer Placeholder 4"/>
           <p:cNvSpPr>
             <a:spLocks noGrp="1"/>
           </p:cNvSpPr>
@@ -709,13 +635,7 @@
       </p:sp>
       <p:sp>
         <p:nvSpPr>
-          <p:cNvPr id="6" name="Slide Number Placeholder 5">
-            <a:extLst>
-              <a:ext uri="{FF2B5EF4-FFF2-40B4-BE49-F238E27FC236}">
-                <a16:creationId xmlns:a16="http://schemas.microsoft.com/office/drawing/2014/main" id="{7E28EC5E-0E96-6079-FAF8-9AB1D2FCC389}"/>
-              </a:ext>
-            </a:extLst>
-          </p:cNvPr>
+          <p:cNvPr id="6" name="Slide Number Placeholder 5"/>
           <p:cNvSpPr>
             <a:spLocks noGrp="1"/>
           </p:cNvSpPr>
@@ -739,7 +659,7 @@
     </p:spTree>
     <p:extLst>
       <p:ext uri="{BB962C8B-B14F-4D97-AF65-F5344CB8AC3E}">
-        <p14:creationId xmlns:p14="http://schemas.microsoft.com/office/powerpoint/2010/main" val="3353869218"/>
+        <p14:creationId xmlns:p14="http://schemas.microsoft.com/office/powerpoint/2010/main" val="1057250654"/>
       </p:ext>
     </p:extLst>
   </p:cSld>
@@ -768,13 +688,7 @@
       </p:grpSpPr>
       <p:sp>
         <p:nvSpPr>
-          <p:cNvPr id="2" name="Title 1">
-            <a:extLst>
-              <a:ext uri="{FF2B5EF4-FFF2-40B4-BE49-F238E27FC236}">
-                <a16:creationId xmlns:a16="http://schemas.microsoft.com/office/drawing/2014/main" id="{54BDCCB5-B140-228E-B008-047C0ED58273}"/>
-              </a:ext>
-            </a:extLst>
-          </p:cNvPr>
+          <p:cNvPr id="2" name="Title 1"/>
           <p:cNvSpPr>
             <a:spLocks noGrp="1"/>
           </p:cNvSpPr>
@@ -791,18 +705,13 @@
               <a:rPr lang="en-US"/>
               <a:t>Click to edit Master title style</a:t>
             </a:r>
-          </a:p>
-        </p:txBody>
-      </p:sp>
-      <p:sp>
-        <p:nvSpPr>
-          <p:cNvPr id="3" name="Content Placeholder 2">
-            <a:extLst>
-              <a:ext uri="{FF2B5EF4-FFF2-40B4-BE49-F238E27FC236}">
-                <a16:creationId xmlns:a16="http://schemas.microsoft.com/office/drawing/2014/main" id="{94598F8D-A9FA-D946-8AE5-56A94B8E09F9}"/>
-              </a:ext>
-            </a:extLst>
-          </p:cNvPr>
+            <a:endParaRPr lang="en-US" dirty="0"/>
+          </a:p>
+        </p:txBody>
+      </p:sp>
+      <p:sp>
+        <p:nvSpPr>
+          <p:cNvPr id="3" name="Content Placeholder 2"/>
           <p:cNvSpPr>
             <a:spLocks noGrp="1"/>
           </p:cNvSpPr>
@@ -848,18 +757,13 @@
               <a:rPr lang="en-US"/>
               <a:t>Fifth level</a:t>
             </a:r>
-          </a:p>
-        </p:txBody>
-      </p:sp>
-      <p:sp>
-        <p:nvSpPr>
-          <p:cNvPr id="4" name="Date Placeholder 3">
-            <a:extLst>
-              <a:ext uri="{FF2B5EF4-FFF2-40B4-BE49-F238E27FC236}">
-                <a16:creationId xmlns:a16="http://schemas.microsoft.com/office/drawing/2014/main" id="{74BB9EF6-3ADF-5040-EB53-A62C92249FAC}"/>
-              </a:ext>
-            </a:extLst>
-          </p:cNvPr>
+            <a:endParaRPr lang="en-US" dirty="0"/>
+          </a:p>
+        </p:txBody>
+      </p:sp>
+      <p:sp>
+        <p:nvSpPr>
+          <p:cNvPr id="4" name="Date Placeholder 3"/>
           <p:cNvSpPr>
             <a:spLocks noGrp="1"/>
           </p:cNvSpPr>
@@ -882,13 +786,7 @@
       </p:sp>
       <p:sp>
         <p:nvSpPr>
-          <p:cNvPr id="5" name="Footer Placeholder 4">
-            <a:extLst>
-              <a:ext uri="{FF2B5EF4-FFF2-40B4-BE49-F238E27FC236}">
-                <a16:creationId xmlns:a16="http://schemas.microsoft.com/office/drawing/2014/main" id="{3197EAF0-9015-035C-947F-2AFCD5D3260E}"/>
-              </a:ext>
-            </a:extLst>
-          </p:cNvPr>
+          <p:cNvPr id="5" name="Footer Placeholder 4"/>
           <p:cNvSpPr>
             <a:spLocks noGrp="1"/>
           </p:cNvSpPr>
@@ -907,13 +805,7 @@
       </p:sp>
       <p:sp>
         <p:nvSpPr>
-          <p:cNvPr id="6" name="Slide Number Placeholder 5">
-            <a:extLst>
-              <a:ext uri="{FF2B5EF4-FFF2-40B4-BE49-F238E27FC236}">
-                <a16:creationId xmlns:a16="http://schemas.microsoft.com/office/drawing/2014/main" id="{793EA16D-7090-7A0E-7A9A-0837B0B698DA}"/>
-              </a:ext>
-            </a:extLst>
-          </p:cNvPr>
+          <p:cNvPr id="6" name="Slide Number Placeholder 5"/>
           <p:cNvSpPr>
             <a:spLocks noGrp="1"/>
           </p:cNvSpPr>
@@ -937,7 +829,7 @@
     </p:spTree>
     <p:extLst>
       <p:ext uri="{BB962C8B-B14F-4D97-AF65-F5344CB8AC3E}">
-        <p14:creationId xmlns:p14="http://schemas.microsoft.com/office/powerpoint/2010/main" val="528083252"/>
+        <p14:creationId xmlns:p14="http://schemas.microsoft.com/office/powerpoint/2010/main" val="1427400567"/>
       </p:ext>
     </p:extLst>
   </p:cSld>
@@ -966,13 +858,7 @@
       </p:grpSpPr>
       <p:sp>
         <p:nvSpPr>
-          <p:cNvPr id="2" name="Title 1">
-            <a:extLst>
-              <a:ext uri="{FF2B5EF4-FFF2-40B4-BE49-F238E27FC236}">
-                <a16:creationId xmlns:a16="http://schemas.microsoft.com/office/drawing/2014/main" id="{AA479FD8-311B-AC94-05FC-F0DD4784EDAF}"/>
-              </a:ext>
-            </a:extLst>
-          </p:cNvPr>
+          <p:cNvPr id="2" name="Title 1"/>
           <p:cNvSpPr>
             <a:spLocks noGrp="1"/>
           </p:cNvSpPr>
@@ -998,18 +884,13 @@
               <a:rPr lang="en-US"/>
               <a:t>Click to edit Master title style</a:t>
             </a:r>
-          </a:p>
-        </p:txBody>
-      </p:sp>
-      <p:sp>
-        <p:nvSpPr>
-          <p:cNvPr id="3" name="Text Placeholder 2">
-            <a:extLst>
-              <a:ext uri="{FF2B5EF4-FFF2-40B4-BE49-F238E27FC236}">
-                <a16:creationId xmlns:a16="http://schemas.microsoft.com/office/drawing/2014/main" id="{E985F50A-8C58-8271-BC3A-7C9890CF2E3E}"/>
-              </a:ext>
-            </a:extLst>
-          </p:cNvPr>
+            <a:endParaRPr lang="en-US" dirty="0"/>
+          </a:p>
+        </p:txBody>
+      </p:sp>
+      <p:sp>
+        <p:nvSpPr>
+          <p:cNvPr id="3" name="Text Placeholder 2"/>
           <p:cNvSpPr>
             <a:spLocks noGrp="1"/>
           </p:cNvSpPr>
@@ -1031,7 +912,7 @@
               <a:defRPr sz="2400">
                 <a:solidFill>
                   <a:schemeClr val="tx1">
-                    <a:tint val="82000"/>
+                    <a:shade val="82000"/>
                   </a:schemeClr>
                 </a:solidFill>
               </a:defRPr>
@@ -1041,7 +922,7 @@
               <a:defRPr sz="2000">
                 <a:solidFill>
                   <a:schemeClr val="tx1">
-                    <a:tint val="82000"/>
+                    <a:shade val="82000"/>
                   </a:schemeClr>
                 </a:solidFill>
               </a:defRPr>
@@ -1051,7 +932,7 @@
               <a:defRPr sz="1800">
                 <a:solidFill>
                   <a:schemeClr val="tx1">
-                    <a:tint val="82000"/>
+                    <a:shade val="82000"/>
                   </a:schemeClr>
                 </a:solidFill>
               </a:defRPr>
@@ -1061,7 +942,7 @@
               <a:defRPr sz="1600">
                 <a:solidFill>
                   <a:schemeClr val="tx1">
-                    <a:tint val="82000"/>
+                    <a:shade val="82000"/>
                   </a:schemeClr>
                 </a:solidFill>
               </a:defRPr>
@@ -1071,7 +952,7 @@
               <a:defRPr sz="1600">
                 <a:solidFill>
                   <a:schemeClr val="tx1">
-                    <a:tint val="82000"/>
+                    <a:shade val="82000"/>
                   </a:schemeClr>
                 </a:solidFill>
               </a:defRPr>
@@ -1081,7 +962,7 @@
               <a:defRPr sz="1600">
                 <a:solidFill>
                   <a:schemeClr val="tx1">
-                    <a:tint val="82000"/>
+                    <a:shade val="82000"/>
                   </a:schemeClr>
                 </a:solidFill>
               </a:defRPr>
@@ -1091,7 +972,7 @@
               <a:defRPr sz="1600">
                 <a:solidFill>
                   <a:schemeClr val="tx1">
-                    <a:tint val="82000"/>
+                    <a:shade val="82000"/>
                   </a:schemeClr>
                 </a:solidFill>
               </a:defRPr>
@@ -1101,7 +982,7 @@
               <a:defRPr sz="1600">
                 <a:solidFill>
                   <a:schemeClr val="tx1">
-                    <a:tint val="82000"/>
+                    <a:shade val="82000"/>
                   </a:schemeClr>
                 </a:solidFill>
               </a:defRPr>
@@ -1111,7 +992,7 @@
               <a:defRPr sz="1600">
                 <a:solidFill>
                   <a:schemeClr val="tx1">
-                    <a:tint val="82000"/>
+                    <a:shade val="82000"/>
                   </a:schemeClr>
                 </a:solidFill>
               </a:defRPr>
@@ -1128,13 +1009,7 @@
       </p:sp>
       <p:sp>
         <p:nvSpPr>
-          <p:cNvPr id="4" name="Date Placeholder 3">
-            <a:extLst>
-              <a:ext uri="{FF2B5EF4-FFF2-40B4-BE49-F238E27FC236}">
-                <a16:creationId xmlns:a16="http://schemas.microsoft.com/office/drawing/2014/main" id="{2AA93F9D-0037-1A7E-8A01-90211C0EACC7}"/>
-              </a:ext>
-            </a:extLst>
-          </p:cNvPr>
+          <p:cNvPr id="4" name="Date Placeholder 3"/>
           <p:cNvSpPr>
             <a:spLocks noGrp="1"/>
           </p:cNvSpPr>
@@ -1157,13 +1032,7 @@
       </p:sp>
       <p:sp>
         <p:nvSpPr>
-          <p:cNvPr id="5" name="Footer Placeholder 4">
-            <a:extLst>
-              <a:ext uri="{FF2B5EF4-FFF2-40B4-BE49-F238E27FC236}">
-                <a16:creationId xmlns:a16="http://schemas.microsoft.com/office/drawing/2014/main" id="{5D2C82A2-EDA3-D1EF-1E0E-CF4ADB99E001}"/>
-              </a:ext>
-            </a:extLst>
-          </p:cNvPr>
+          <p:cNvPr id="5" name="Footer Placeholder 4"/>
           <p:cNvSpPr>
             <a:spLocks noGrp="1"/>
           </p:cNvSpPr>
@@ -1182,13 +1051,7 @@
       </p:sp>
       <p:sp>
         <p:nvSpPr>
-          <p:cNvPr id="6" name="Slide Number Placeholder 5">
-            <a:extLst>
-              <a:ext uri="{FF2B5EF4-FFF2-40B4-BE49-F238E27FC236}">
-                <a16:creationId xmlns:a16="http://schemas.microsoft.com/office/drawing/2014/main" id="{80A6969F-F5D5-94BC-CE05-682E691FF1DF}"/>
-              </a:ext>
-            </a:extLst>
-          </p:cNvPr>
+          <p:cNvPr id="6" name="Slide Number Placeholder 5"/>
           <p:cNvSpPr>
             <a:spLocks noGrp="1"/>
           </p:cNvSpPr>
@@ -1212,7 +1075,7 @@
     </p:spTree>
     <p:extLst>
       <p:ext uri="{BB962C8B-B14F-4D97-AF65-F5344CB8AC3E}">
-        <p14:creationId xmlns:p14="http://schemas.microsoft.com/office/powerpoint/2010/main" val="151365885"/>
+        <p14:creationId xmlns:p14="http://schemas.microsoft.com/office/powerpoint/2010/main" val="3255432261"/>
       </p:ext>
     </p:extLst>
   </p:cSld>
@@ -1241,13 +1104,7 @@
       </p:grpSpPr>
       <p:sp>
         <p:nvSpPr>
-          <p:cNvPr id="2" name="Title 1">
-            <a:extLst>
-              <a:ext uri="{FF2B5EF4-FFF2-40B4-BE49-F238E27FC236}">
-                <a16:creationId xmlns:a16="http://schemas.microsoft.com/office/drawing/2014/main" id="{1C3DDE6E-AA03-C47A-499E-6861B88C8D20}"/>
-              </a:ext>
-            </a:extLst>
-          </p:cNvPr>
+          <p:cNvPr id="2" name="Title 1"/>
           <p:cNvSpPr>
             <a:spLocks noGrp="1"/>
           </p:cNvSpPr>
@@ -1264,18 +1121,13 @@
               <a:rPr lang="en-US"/>
               <a:t>Click to edit Master title style</a:t>
             </a:r>
-          </a:p>
-        </p:txBody>
-      </p:sp>
-      <p:sp>
-        <p:nvSpPr>
-          <p:cNvPr id="3" name="Content Placeholder 2">
-            <a:extLst>
-              <a:ext uri="{FF2B5EF4-FFF2-40B4-BE49-F238E27FC236}">
-                <a16:creationId xmlns:a16="http://schemas.microsoft.com/office/drawing/2014/main" id="{CC6C6539-F79A-D67E-5C69-ABBCBEFA43F5}"/>
-              </a:ext>
-            </a:extLst>
-          </p:cNvPr>
+            <a:endParaRPr lang="en-US" dirty="0"/>
+          </a:p>
+        </p:txBody>
+      </p:sp>
+      <p:sp>
+        <p:nvSpPr>
+          <p:cNvPr id="3" name="Content Placeholder 2"/>
           <p:cNvSpPr>
             <a:spLocks noGrp="1"/>
           </p:cNvSpPr>
@@ -1326,18 +1178,13 @@
               <a:rPr lang="en-US"/>
               <a:t>Fifth level</a:t>
             </a:r>
-          </a:p>
-        </p:txBody>
-      </p:sp>
-      <p:sp>
-        <p:nvSpPr>
-          <p:cNvPr id="4" name="Content Placeholder 3">
-            <a:extLst>
-              <a:ext uri="{FF2B5EF4-FFF2-40B4-BE49-F238E27FC236}">
-                <a16:creationId xmlns:a16="http://schemas.microsoft.com/office/drawing/2014/main" id="{1E20C9A7-F006-B117-9EF9-B64F06446A29}"/>
-              </a:ext>
-            </a:extLst>
-          </p:cNvPr>
+            <a:endParaRPr lang="en-US" dirty="0"/>
+          </a:p>
+        </p:txBody>
+      </p:sp>
+      <p:sp>
+        <p:nvSpPr>
+          <p:cNvPr id="4" name="Content Placeholder 3"/>
           <p:cNvSpPr>
             <a:spLocks noGrp="1"/>
           </p:cNvSpPr>
@@ -1388,18 +1235,13 @@
               <a:rPr lang="en-US"/>
               <a:t>Fifth level</a:t>
             </a:r>
-          </a:p>
-        </p:txBody>
-      </p:sp>
-      <p:sp>
-        <p:nvSpPr>
-          <p:cNvPr id="5" name="Date Placeholder 4">
-            <a:extLst>
-              <a:ext uri="{FF2B5EF4-FFF2-40B4-BE49-F238E27FC236}">
-                <a16:creationId xmlns:a16="http://schemas.microsoft.com/office/drawing/2014/main" id="{C6F0B025-065B-8574-D67E-14F211D9455A}"/>
-              </a:ext>
-            </a:extLst>
-          </p:cNvPr>
+            <a:endParaRPr lang="en-US" dirty="0"/>
+          </a:p>
+        </p:txBody>
+      </p:sp>
+      <p:sp>
+        <p:nvSpPr>
+          <p:cNvPr id="5" name="Date Placeholder 4"/>
           <p:cNvSpPr>
             <a:spLocks noGrp="1"/>
           </p:cNvSpPr>
@@ -1422,13 +1264,7 @@
       </p:sp>
       <p:sp>
         <p:nvSpPr>
-          <p:cNvPr id="6" name="Footer Placeholder 5">
-            <a:extLst>
-              <a:ext uri="{FF2B5EF4-FFF2-40B4-BE49-F238E27FC236}">
-                <a16:creationId xmlns:a16="http://schemas.microsoft.com/office/drawing/2014/main" id="{578A7086-B538-59AB-F1A9-94227F488D47}"/>
-              </a:ext>
-            </a:extLst>
-          </p:cNvPr>
+          <p:cNvPr id="6" name="Footer Placeholder 5"/>
           <p:cNvSpPr>
             <a:spLocks noGrp="1"/>
           </p:cNvSpPr>
@@ -1447,13 +1283,7 @@
       </p:sp>
       <p:sp>
         <p:nvSpPr>
-          <p:cNvPr id="7" name="Slide Number Placeholder 6">
-            <a:extLst>
-              <a:ext uri="{FF2B5EF4-FFF2-40B4-BE49-F238E27FC236}">
-                <a16:creationId xmlns:a16="http://schemas.microsoft.com/office/drawing/2014/main" id="{BD654C81-D2DE-8F6A-4D7C-0C932F83CC02}"/>
-              </a:ext>
-            </a:extLst>
-          </p:cNvPr>
+          <p:cNvPr id="7" name="Slide Number Placeholder 6"/>
           <p:cNvSpPr>
             <a:spLocks noGrp="1"/>
           </p:cNvSpPr>
@@ -1477,7 +1307,7 @@
     </p:spTree>
     <p:extLst>
       <p:ext uri="{BB962C8B-B14F-4D97-AF65-F5344CB8AC3E}">
-        <p14:creationId xmlns:p14="http://schemas.microsoft.com/office/powerpoint/2010/main" val="955612741"/>
+        <p14:creationId xmlns:p14="http://schemas.microsoft.com/office/powerpoint/2010/main" val="1939221207"/>
       </p:ext>
     </p:extLst>
   </p:cSld>
@@ -1506,13 +1336,7 @@
       </p:grpSpPr>
       <p:sp>
         <p:nvSpPr>
-          <p:cNvPr id="2" name="Title 1">
-            <a:extLst>
-              <a:ext uri="{FF2B5EF4-FFF2-40B4-BE49-F238E27FC236}">
-                <a16:creationId xmlns:a16="http://schemas.microsoft.com/office/drawing/2014/main" id="{3A87160A-F1A2-049A-9943-249F8C5A47D2}"/>
-              </a:ext>
-            </a:extLst>
-          </p:cNvPr>
+          <p:cNvPr id="2" name="Title 1"/>
           <p:cNvSpPr>
             <a:spLocks noGrp="1"/>
           </p:cNvSpPr>
@@ -1534,18 +1358,13 @@
               <a:rPr lang="en-US"/>
               <a:t>Click to edit Master title style</a:t>
             </a:r>
-          </a:p>
-        </p:txBody>
-      </p:sp>
-      <p:sp>
-        <p:nvSpPr>
-          <p:cNvPr id="3" name="Text Placeholder 2">
-            <a:extLst>
-              <a:ext uri="{FF2B5EF4-FFF2-40B4-BE49-F238E27FC236}">
-                <a16:creationId xmlns:a16="http://schemas.microsoft.com/office/drawing/2014/main" id="{AC46B21A-288D-527A-C140-3FD99BF94F0D}"/>
-              </a:ext>
-            </a:extLst>
-          </p:cNvPr>
+            <a:endParaRPr lang="en-US" dirty="0"/>
+          </a:p>
+        </p:txBody>
+      </p:sp>
+      <p:sp>
+        <p:nvSpPr>
+          <p:cNvPr id="3" name="Text Placeholder 2"/>
           <p:cNvSpPr>
             <a:spLocks noGrp="1"/>
           </p:cNvSpPr>
@@ -1610,13 +1429,7 @@
       </p:sp>
       <p:sp>
         <p:nvSpPr>
-          <p:cNvPr id="4" name="Content Placeholder 3">
-            <a:extLst>
-              <a:ext uri="{FF2B5EF4-FFF2-40B4-BE49-F238E27FC236}">
-                <a16:creationId xmlns:a16="http://schemas.microsoft.com/office/drawing/2014/main" id="{0AF52209-AF77-A29E-C806-65213DE69373}"/>
-              </a:ext>
-            </a:extLst>
-          </p:cNvPr>
+          <p:cNvPr id="4" name="Content Placeholder 3"/>
           <p:cNvSpPr>
             <a:spLocks noGrp="1"/>
           </p:cNvSpPr>
@@ -1667,18 +1480,13 @@
               <a:rPr lang="en-US"/>
               <a:t>Fifth level</a:t>
             </a:r>
-          </a:p>
-        </p:txBody>
-      </p:sp>
-      <p:sp>
-        <p:nvSpPr>
-          <p:cNvPr id="5" name="Text Placeholder 4">
-            <a:extLst>
-              <a:ext uri="{FF2B5EF4-FFF2-40B4-BE49-F238E27FC236}">
-                <a16:creationId xmlns:a16="http://schemas.microsoft.com/office/drawing/2014/main" id="{5BE738F8-3B1B-07DD-A29B-054F1BA5BA25}"/>
-              </a:ext>
-            </a:extLst>
-          </p:cNvPr>
+            <a:endParaRPr lang="en-US" dirty="0"/>
+          </a:p>
+        </p:txBody>
+      </p:sp>
+      <p:sp>
+        <p:nvSpPr>
+          <p:cNvPr id="5" name="Text Placeholder 4"/>
           <p:cNvSpPr>
             <a:spLocks noGrp="1"/>
           </p:cNvSpPr>
@@ -1743,13 +1551,7 @@
       </p:sp>
       <p:sp>
         <p:nvSpPr>
-          <p:cNvPr id="6" name="Content Placeholder 5">
-            <a:extLst>
-              <a:ext uri="{FF2B5EF4-FFF2-40B4-BE49-F238E27FC236}">
-                <a16:creationId xmlns:a16="http://schemas.microsoft.com/office/drawing/2014/main" id="{05615ABD-04D8-2921-D7BA-7EB1C36D598D}"/>
-              </a:ext>
-            </a:extLst>
-          </p:cNvPr>
+          <p:cNvPr id="6" name="Content Placeholder 5"/>
           <p:cNvSpPr>
             <a:spLocks noGrp="1"/>
           </p:cNvSpPr>
@@ -1800,18 +1602,13 @@
               <a:rPr lang="en-US"/>
               <a:t>Fifth level</a:t>
             </a:r>
-          </a:p>
-        </p:txBody>
-      </p:sp>
-      <p:sp>
-        <p:nvSpPr>
-          <p:cNvPr id="7" name="Date Placeholder 6">
-            <a:extLst>
-              <a:ext uri="{FF2B5EF4-FFF2-40B4-BE49-F238E27FC236}">
-                <a16:creationId xmlns:a16="http://schemas.microsoft.com/office/drawing/2014/main" id="{07D7970B-F5DF-18E2-D00F-14F6BF83CC7E}"/>
-              </a:ext>
-            </a:extLst>
-          </p:cNvPr>
+            <a:endParaRPr lang="en-US" dirty="0"/>
+          </a:p>
+        </p:txBody>
+      </p:sp>
+      <p:sp>
+        <p:nvSpPr>
+          <p:cNvPr id="7" name="Date Placeholder 6"/>
           <p:cNvSpPr>
             <a:spLocks noGrp="1"/>
           </p:cNvSpPr>
@@ -1834,13 +1631,7 @@
       </p:sp>
       <p:sp>
         <p:nvSpPr>
-          <p:cNvPr id="8" name="Footer Placeholder 7">
-            <a:extLst>
-              <a:ext uri="{FF2B5EF4-FFF2-40B4-BE49-F238E27FC236}">
-                <a16:creationId xmlns:a16="http://schemas.microsoft.com/office/drawing/2014/main" id="{81CACB0D-0760-1501-6266-175A5E437D5E}"/>
-              </a:ext>
-            </a:extLst>
-          </p:cNvPr>
+          <p:cNvPr id="8" name="Footer Placeholder 7"/>
           <p:cNvSpPr>
             <a:spLocks noGrp="1"/>
           </p:cNvSpPr>
@@ -1859,13 +1650,7 @@
       </p:sp>
       <p:sp>
         <p:nvSpPr>
-          <p:cNvPr id="9" name="Slide Number Placeholder 8">
-            <a:extLst>
-              <a:ext uri="{FF2B5EF4-FFF2-40B4-BE49-F238E27FC236}">
-                <a16:creationId xmlns:a16="http://schemas.microsoft.com/office/drawing/2014/main" id="{1D9B6210-909C-2867-AD7A-93D56F9FAC15}"/>
-              </a:ext>
-            </a:extLst>
-          </p:cNvPr>
+          <p:cNvPr id="9" name="Slide Number Placeholder 8"/>
           <p:cNvSpPr>
             <a:spLocks noGrp="1"/>
           </p:cNvSpPr>
@@ -1889,7 +1674,7 @@
     </p:spTree>
     <p:extLst>
       <p:ext uri="{BB962C8B-B14F-4D97-AF65-F5344CB8AC3E}">
-        <p14:creationId xmlns:p14="http://schemas.microsoft.com/office/powerpoint/2010/main" val="396903102"/>
+        <p14:creationId xmlns:p14="http://schemas.microsoft.com/office/powerpoint/2010/main" val="682032797"/>
       </p:ext>
     </p:extLst>
   </p:cSld>
@@ -1918,13 +1703,7 @@
       </p:grpSpPr>
       <p:sp>
         <p:nvSpPr>
-          <p:cNvPr id="2" name="Title 1">
-            <a:extLst>
-              <a:ext uri="{FF2B5EF4-FFF2-40B4-BE49-F238E27FC236}">
-                <a16:creationId xmlns:a16="http://schemas.microsoft.com/office/drawing/2014/main" id="{958374AA-F2D3-06D8-08C2-8B687704F1C3}"/>
-              </a:ext>
-            </a:extLst>
-          </p:cNvPr>
+          <p:cNvPr id="2" name="Title 1"/>
           <p:cNvSpPr>
             <a:spLocks noGrp="1"/>
           </p:cNvSpPr>
@@ -1941,18 +1720,13 @@
               <a:rPr lang="en-US"/>
               <a:t>Click to edit Master title style</a:t>
             </a:r>
-          </a:p>
-        </p:txBody>
-      </p:sp>
-      <p:sp>
-        <p:nvSpPr>
-          <p:cNvPr id="3" name="Date Placeholder 2">
-            <a:extLst>
-              <a:ext uri="{FF2B5EF4-FFF2-40B4-BE49-F238E27FC236}">
-                <a16:creationId xmlns:a16="http://schemas.microsoft.com/office/drawing/2014/main" id="{DBF4793E-E3AA-BFF1-773D-C264D5309C81}"/>
-              </a:ext>
-            </a:extLst>
-          </p:cNvPr>
+            <a:endParaRPr lang="en-US" dirty="0"/>
+          </a:p>
+        </p:txBody>
+      </p:sp>
+      <p:sp>
+        <p:nvSpPr>
+          <p:cNvPr id="3" name="Date Placeholder 2"/>
           <p:cNvSpPr>
             <a:spLocks noGrp="1"/>
           </p:cNvSpPr>
@@ -1975,13 +1749,7 @@
       </p:sp>
       <p:sp>
         <p:nvSpPr>
-          <p:cNvPr id="4" name="Footer Placeholder 3">
-            <a:extLst>
-              <a:ext uri="{FF2B5EF4-FFF2-40B4-BE49-F238E27FC236}">
-                <a16:creationId xmlns:a16="http://schemas.microsoft.com/office/drawing/2014/main" id="{B014F7AB-AC68-83CA-DB22-75B0E3454BE6}"/>
-              </a:ext>
-            </a:extLst>
-          </p:cNvPr>
+          <p:cNvPr id="4" name="Footer Placeholder 3"/>
           <p:cNvSpPr>
             <a:spLocks noGrp="1"/>
           </p:cNvSpPr>
@@ -2000,13 +1768,7 @@
       </p:sp>
       <p:sp>
         <p:nvSpPr>
-          <p:cNvPr id="5" name="Slide Number Placeholder 4">
-            <a:extLst>
-              <a:ext uri="{FF2B5EF4-FFF2-40B4-BE49-F238E27FC236}">
-                <a16:creationId xmlns:a16="http://schemas.microsoft.com/office/drawing/2014/main" id="{40813CA2-09E5-6C86-CE9C-46752B21A0F0}"/>
-              </a:ext>
-            </a:extLst>
-          </p:cNvPr>
+          <p:cNvPr id="5" name="Slide Number Placeholder 4"/>
           <p:cNvSpPr>
             <a:spLocks noGrp="1"/>
           </p:cNvSpPr>
@@ -2030,7 +1792,7 @@
     </p:spTree>
     <p:extLst>
       <p:ext uri="{BB962C8B-B14F-4D97-AF65-F5344CB8AC3E}">
-        <p14:creationId xmlns:p14="http://schemas.microsoft.com/office/powerpoint/2010/main" val="1400119468"/>
+        <p14:creationId xmlns:p14="http://schemas.microsoft.com/office/powerpoint/2010/main" val="935239756"/>
       </p:ext>
     </p:extLst>
   </p:cSld>
@@ -2059,13 +1821,7 @@
       </p:grpSpPr>
       <p:sp>
         <p:nvSpPr>
-          <p:cNvPr id="2" name="Date Placeholder 1">
-            <a:extLst>
-              <a:ext uri="{FF2B5EF4-FFF2-40B4-BE49-F238E27FC236}">
-                <a16:creationId xmlns:a16="http://schemas.microsoft.com/office/drawing/2014/main" id="{52FF02DF-0D00-C0F3-BEF1-DBCFDB7FAAE0}"/>
-              </a:ext>
-            </a:extLst>
-          </p:cNvPr>
+          <p:cNvPr id="2" name="Date Placeholder 1"/>
           <p:cNvSpPr>
             <a:spLocks noGrp="1"/>
           </p:cNvSpPr>
@@ -2088,13 +1844,7 @@
       </p:sp>
       <p:sp>
         <p:nvSpPr>
-          <p:cNvPr id="3" name="Footer Placeholder 2">
-            <a:extLst>
-              <a:ext uri="{FF2B5EF4-FFF2-40B4-BE49-F238E27FC236}">
-                <a16:creationId xmlns:a16="http://schemas.microsoft.com/office/drawing/2014/main" id="{1BC0CF54-F1BF-1417-07DF-1FF1E3D5C23F}"/>
-              </a:ext>
-            </a:extLst>
-          </p:cNvPr>
+          <p:cNvPr id="3" name="Footer Placeholder 2"/>
           <p:cNvSpPr>
             <a:spLocks noGrp="1"/>
           </p:cNvSpPr>
@@ -2113,13 +1863,7 @@
       </p:sp>
       <p:sp>
         <p:nvSpPr>
-          <p:cNvPr id="4" name="Slide Number Placeholder 3">
-            <a:extLst>
-              <a:ext uri="{FF2B5EF4-FFF2-40B4-BE49-F238E27FC236}">
-                <a16:creationId xmlns:a16="http://schemas.microsoft.com/office/drawing/2014/main" id="{58C2076B-C8D2-F5A0-7317-693F89CDB56F}"/>
-              </a:ext>
-            </a:extLst>
-          </p:cNvPr>
+          <p:cNvPr id="4" name="Slide Number Placeholder 3"/>
           <p:cNvSpPr>
             <a:spLocks noGrp="1"/>
           </p:cNvSpPr>
@@ -2143,7 +1887,7 @@
     </p:spTree>
     <p:extLst>
       <p:ext uri="{BB962C8B-B14F-4D97-AF65-F5344CB8AC3E}">
-        <p14:creationId xmlns:p14="http://schemas.microsoft.com/office/powerpoint/2010/main" val="2775126502"/>
+        <p14:creationId xmlns:p14="http://schemas.microsoft.com/office/powerpoint/2010/main" val="4257206410"/>
       </p:ext>
     </p:extLst>
   </p:cSld>
@@ -2172,13 +1916,7 @@
       </p:grpSpPr>
       <p:sp>
         <p:nvSpPr>
-          <p:cNvPr id="2" name="Title 1">
-            <a:extLst>
-              <a:ext uri="{FF2B5EF4-FFF2-40B4-BE49-F238E27FC236}">
-                <a16:creationId xmlns:a16="http://schemas.microsoft.com/office/drawing/2014/main" id="{25FDCFF7-791D-0666-DF4D-542F5977A10B}"/>
-              </a:ext>
-            </a:extLst>
-          </p:cNvPr>
+          <p:cNvPr id="2" name="Title 1"/>
           <p:cNvSpPr>
             <a:spLocks noGrp="1"/>
           </p:cNvSpPr>
@@ -2204,18 +1942,13 @@
               <a:rPr lang="en-US"/>
               <a:t>Click to edit Master title style</a:t>
             </a:r>
-          </a:p>
-        </p:txBody>
-      </p:sp>
-      <p:sp>
-        <p:nvSpPr>
-          <p:cNvPr id="3" name="Content Placeholder 2">
-            <a:extLst>
-              <a:ext uri="{FF2B5EF4-FFF2-40B4-BE49-F238E27FC236}">
-                <a16:creationId xmlns:a16="http://schemas.microsoft.com/office/drawing/2014/main" id="{CA88CE89-7D3F-2923-B4EC-A3839807E876}"/>
-              </a:ext>
-            </a:extLst>
-          </p:cNvPr>
+            <a:endParaRPr lang="en-US" dirty="0"/>
+          </a:p>
+        </p:txBody>
+      </p:sp>
+      <p:sp>
+        <p:nvSpPr>
+          <p:cNvPr id="3" name="Content Placeholder 2"/>
           <p:cNvSpPr>
             <a:spLocks noGrp="1"/>
           </p:cNvSpPr>
@@ -2294,18 +2027,13 @@
               <a:rPr lang="en-US"/>
               <a:t>Fifth level</a:t>
             </a:r>
-          </a:p>
-        </p:txBody>
-      </p:sp>
-      <p:sp>
-        <p:nvSpPr>
-          <p:cNvPr id="4" name="Text Placeholder 3">
-            <a:extLst>
-              <a:ext uri="{FF2B5EF4-FFF2-40B4-BE49-F238E27FC236}">
-                <a16:creationId xmlns:a16="http://schemas.microsoft.com/office/drawing/2014/main" id="{760CF01A-03A8-DAAD-1D4C-A00EE6E53BCF}"/>
-              </a:ext>
-            </a:extLst>
-          </p:cNvPr>
+            <a:endParaRPr lang="en-US" dirty="0"/>
+          </a:p>
+        </p:txBody>
+      </p:sp>
+      <p:sp>
+        <p:nvSpPr>
+          <p:cNvPr id="4" name="Text Placeholder 3"/>
           <p:cNvSpPr>
             <a:spLocks noGrp="1"/>
           </p:cNvSpPr>
@@ -2370,13 +2098,7 @@
       </p:sp>
       <p:sp>
         <p:nvSpPr>
-          <p:cNvPr id="5" name="Date Placeholder 4">
-            <a:extLst>
-              <a:ext uri="{FF2B5EF4-FFF2-40B4-BE49-F238E27FC236}">
-                <a16:creationId xmlns:a16="http://schemas.microsoft.com/office/drawing/2014/main" id="{25B09383-CC49-CA76-0F1A-CF5BBE127E50}"/>
-              </a:ext>
-            </a:extLst>
-          </p:cNvPr>
+          <p:cNvPr id="5" name="Date Placeholder 4"/>
           <p:cNvSpPr>
             <a:spLocks noGrp="1"/>
           </p:cNvSpPr>
@@ -2399,13 +2121,7 @@
       </p:sp>
       <p:sp>
         <p:nvSpPr>
-          <p:cNvPr id="6" name="Footer Placeholder 5">
-            <a:extLst>
-              <a:ext uri="{FF2B5EF4-FFF2-40B4-BE49-F238E27FC236}">
-                <a16:creationId xmlns:a16="http://schemas.microsoft.com/office/drawing/2014/main" id="{72B10F66-497C-6FC5-E2C4-6BF626828925}"/>
-              </a:ext>
-            </a:extLst>
-          </p:cNvPr>
+          <p:cNvPr id="6" name="Footer Placeholder 5"/>
           <p:cNvSpPr>
             <a:spLocks noGrp="1"/>
           </p:cNvSpPr>
@@ -2424,13 +2140,7 @@
       </p:sp>
       <p:sp>
         <p:nvSpPr>
-          <p:cNvPr id="7" name="Slide Number Placeholder 6">
-            <a:extLst>
-              <a:ext uri="{FF2B5EF4-FFF2-40B4-BE49-F238E27FC236}">
-                <a16:creationId xmlns:a16="http://schemas.microsoft.com/office/drawing/2014/main" id="{C6EF5761-F7C4-8D15-1776-23C0415B0BA4}"/>
-              </a:ext>
-            </a:extLst>
-          </p:cNvPr>
+          <p:cNvPr id="7" name="Slide Number Placeholder 6"/>
           <p:cNvSpPr>
             <a:spLocks noGrp="1"/>
           </p:cNvSpPr>
@@ -2454,7 +2164,7 @@
     </p:spTree>
     <p:extLst>
       <p:ext uri="{BB962C8B-B14F-4D97-AF65-F5344CB8AC3E}">
-        <p14:creationId xmlns:p14="http://schemas.microsoft.com/office/powerpoint/2010/main" val="2471920112"/>
+        <p14:creationId xmlns:p14="http://schemas.microsoft.com/office/powerpoint/2010/main" val="3338606909"/>
       </p:ext>
     </p:extLst>
   </p:cSld>
@@ -2483,13 +2193,7 @@
       </p:grpSpPr>
       <p:sp>
         <p:nvSpPr>
-          <p:cNvPr id="2" name="Title 1">
-            <a:extLst>
-              <a:ext uri="{FF2B5EF4-FFF2-40B4-BE49-F238E27FC236}">
-                <a16:creationId xmlns:a16="http://schemas.microsoft.com/office/drawing/2014/main" id="{0B7D25FD-9AD9-3876-70D0-1AE6F77E6B80}"/>
-              </a:ext>
-            </a:extLst>
-          </p:cNvPr>
+          <p:cNvPr id="2" name="Title 1"/>
           <p:cNvSpPr>
             <a:spLocks noGrp="1"/>
           </p:cNvSpPr>
@@ -2515,20 +2219,15 @@
               <a:rPr lang="en-US"/>
               <a:t>Click to edit Master title style</a:t>
             </a:r>
-          </a:p>
-        </p:txBody>
-      </p:sp>
-      <p:sp>
-        <p:nvSpPr>
-          <p:cNvPr id="3" name="Picture Placeholder 2">
-            <a:extLst>
-              <a:ext uri="{FF2B5EF4-FFF2-40B4-BE49-F238E27FC236}">
-                <a16:creationId xmlns:a16="http://schemas.microsoft.com/office/drawing/2014/main" id="{C9827778-3D59-03F8-C360-233D040F7D2C}"/>
-              </a:ext>
-            </a:extLst>
-          </p:cNvPr>
-          <p:cNvSpPr>
-            <a:spLocks noGrp="1"/>
+            <a:endParaRPr lang="en-US" dirty="0"/>
+          </a:p>
+        </p:txBody>
+      </p:sp>
+      <p:sp>
+        <p:nvSpPr>
+          <p:cNvPr id="3" name="Picture Placeholder 2"/>
+          <p:cNvSpPr>
+            <a:spLocks noGrp="1" noChangeAspect="1"/>
           </p:cNvSpPr>
           <p:nvPr>
             <p:ph type="pic" idx="1"/>
@@ -2541,77 +2240,75 @@
           </a:xfrm>
         </p:spPr>
         <p:txBody>
+          <a:bodyPr anchor="t"/>
+          <a:lstStyle>
+            <a:lvl1pPr marL="0" indent="0">
+              <a:buNone/>
+              <a:defRPr sz="3200"/>
+            </a:lvl1pPr>
+            <a:lvl2pPr marL="457200" indent="0">
+              <a:buNone/>
+              <a:defRPr sz="2800"/>
+            </a:lvl2pPr>
+            <a:lvl3pPr marL="914400" indent="0">
+              <a:buNone/>
+              <a:defRPr sz="2400"/>
+            </a:lvl3pPr>
+            <a:lvl4pPr marL="1371600" indent="0">
+              <a:buNone/>
+              <a:defRPr sz="2000"/>
+            </a:lvl4pPr>
+            <a:lvl5pPr marL="1828800" indent="0">
+              <a:buNone/>
+              <a:defRPr sz="2000"/>
+            </a:lvl5pPr>
+            <a:lvl6pPr marL="2286000" indent="0">
+              <a:buNone/>
+              <a:defRPr sz="2000"/>
+            </a:lvl6pPr>
+            <a:lvl7pPr marL="2743200" indent="0">
+              <a:buNone/>
+              <a:defRPr sz="2000"/>
+            </a:lvl7pPr>
+            <a:lvl8pPr marL="3200400" indent="0">
+              <a:buNone/>
+              <a:defRPr sz="2000"/>
+            </a:lvl8pPr>
+            <a:lvl9pPr marL="3657600" indent="0">
+              <a:buNone/>
+              <a:defRPr sz="2000"/>
+            </a:lvl9pPr>
+          </a:lstStyle>
+          <a:p>
+            <a:r>
+              <a:rPr lang="en-US"/>
+              <a:t>Click icon to add picture</a:t>
+            </a:r>
+            <a:endParaRPr lang="en-US" dirty="0"/>
+          </a:p>
+        </p:txBody>
+      </p:sp>
+      <p:sp>
+        <p:nvSpPr>
+          <p:cNvPr id="4" name="Text Placeholder 3"/>
+          <p:cNvSpPr>
+            <a:spLocks noGrp="1"/>
+          </p:cNvSpPr>
+          <p:nvPr>
+            <p:ph type="body" sz="half" idx="2"/>
+          </p:nvPr>
+        </p:nvSpPr>
+        <p:spPr>
+          <a:xfrm>
+            <a:off x="839788" y="2057400"/>
+            <a:ext cx="3932237" cy="3811588"/>
+          </a:xfrm>
+        </p:spPr>
+        <p:txBody>
           <a:bodyPr/>
           <a:lstStyle>
             <a:lvl1pPr marL="0" indent="0">
               <a:buNone/>
-              <a:defRPr sz="3200"/>
-            </a:lvl1pPr>
-            <a:lvl2pPr marL="457200" indent="0">
-              <a:buNone/>
-              <a:defRPr sz="2800"/>
-            </a:lvl2pPr>
-            <a:lvl3pPr marL="914400" indent="0">
-              <a:buNone/>
-              <a:defRPr sz="2400"/>
-            </a:lvl3pPr>
-            <a:lvl4pPr marL="1371600" indent="0">
-              <a:buNone/>
-              <a:defRPr sz="2000"/>
-            </a:lvl4pPr>
-            <a:lvl5pPr marL="1828800" indent="0">
-              <a:buNone/>
-              <a:defRPr sz="2000"/>
-            </a:lvl5pPr>
-            <a:lvl6pPr marL="2286000" indent="0">
-              <a:buNone/>
-              <a:defRPr sz="2000"/>
-            </a:lvl6pPr>
-            <a:lvl7pPr marL="2743200" indent="0">
-              <a:buNone/>
-              <a:defRPr sz="2000"/>
-            </a:lvl7pPr>
-            <a:lvl8pPr marL="3200400" indent="0">
-              <a:buNone/>
-              <a:defRPr sz="2000"/>
-            </a:lvl8pPr>
-            <a:lvl9pPr marL="3657600" indent="0">
-              <a:buNone/>
-              <a:defRPr sz="2000"/>
-            </a:lvl9pPr>
-          </a:lstStyle>
-          <a:p>
-            <a:endParaRPr lang="en-US"/>
-          </a:p>
-        </p:txBody>
-      </p:sp>
-      <p:sp>
-        <p:nvSpPr>
-          <p:cNvPr id="4" name="Text Placeholder 3">
-            <a:extLst>
-              <a:ext uri="{FF2B5EF4-FFF2-40B4-BE49-F238E27FC236}">
-                <a16:creationId xmlns:a16="http://schemas.microsoft.com/office/drawing/2014/main" id="{1442465D-A08E-5E27-21A6-AA03CDBFC06A}"/>
-              </a:ext>
-            </a:extLst>
-          </p:cNvPr>
-          <p:cNvSpPr>
-            <a:spLocks noGrp="1"/>
-          </p:cNvSpPr>
-          <p:nvPr>
-            <p:ph type="body" sz="half" idx="2"/>
-          </p:nvPr>
-        </p:nvSpPr>
-        <p:spPr>
-          <a:xfrm>
-            <a:off x="839788" y="2057400"/>
-            <a:ext cx="3932237" cy="3811588"/>
-          </a:xfrm>
-        </p:spPr>
-        <p:txBody>
-          <a:bodyPr/>
-          <a:lstStyle>
-            <a:lvl1pPr marL="0" indent="0">
-              <a:buNone/>
               <a:defRPr sz="1600"/>
             </a:lvl1pPr>
             <a:lvl2pPr marL="457200" indent="0">
@@ -2658,13 +2355,7 @@
       </p:sp>
       <p:sp>
         <p:nvSpPr>
-          <p:cNvPr id="5" name="Date Placeholder 4">
-            <a:extLst>
-              <a:ext uri="{FF2B5EF4-FFF2-40B4-BE49-F238E27FC236}">
-                <a16:creationId xmlns:a16="http://schemas.microsoft.com/office/drawing/2014/main" id="{941AE921-CBEE-6046-68B2-F27C66A1188F}"/>
-              </a:ext>
-            </a:extLst>
-          </p:cNvPr>
+          <p:cNvPr id="5" name="Date Placeholder 4"/>
           <p:cNvSpPr>
             <a:spLocks noGrp="1"/>
           </p:cNvSpPr>
@@ -2687,13 +2378,7 @@
       </p:sp>
       <p:sp>
         <p:nvSpPr>
-          <p:cNvPr id="6" name="Footer Placeholder 5">
-            <a:extLst>
-              <a:ext uri="{FF2B5EF4-FFF2-40B4-BE49-F238E27FC236}">
-                <a16:creationId xmlns:a16="http://schemas.microsoft.com/office/drawing/2014/main" id="{31918B43-4E11-36EE-6A1B-5156A56E6C05}"/>
-              </a:ext>
-            </a:extLst>
-          </p:cNvPr>
+          <p:cNvPr id="6" name="Footer Placeholder 5"/>
           <p:cNvSpPr>
             <a:spLocks noGrp="1"/>
           </p:cNvSpPr>
@@ -2712,13 +2397,7 @@
       </p:sp>
       <p:sp>
         <p:nvSpPr>
-          <p:cNvPr id="7" name="Slide Number Placeholder 6">
-            <a:extLst>
-              <a:ext uri="{FF2B5EF4-FFF2-40B4-BE49-F238E27FC236}">
-                <a16:creationId xmlns:a16="http://schemas.microsoft.com/office/drawing/2014/main" id="{82B133F9-623D-9339-72EE-A035EF6B52B5}"/>
-              </a:ext>
-            </a:extLst>
-          </p:cNvPr>
+          <p:cNvPr id="7" name="Slide Number Placeholder 6"/>
           <p:cNvSpPr>
             <a:spLocks noGrp="1"/>
           </p:cNvSpPr>
@@ -2742,7 +2421,7 @@
     </p:spTree>
     <p:extLst>
       <p:ext uri="{BB962C8B-B14F-4D97-AF65-F5344CB8AC3E}">
-        <p14:creationId xmlns:p14="http://schemas.microsoft.com/office/powerpoint/2010/main" val="3604105927"/>
+        <p14:creationId xmlns:p14="http://schemas.microsoft.com/office/powerpoint/2010/main" val="3593507802"/>
       </p:ext>
     </p:extLst>
   </p:cSld>
@@ -2776,13 +2455,7 @@
       </p:grpSpPr>
       <p:sp>
         <p:nvSpPr>
-          <p:cNvPr id="2" name="Title Placeholder 1">
-            <a:extLst>
-              <a:ext uri="{FF2B5EF4-FFF2-40B4-BE49-F238E27FC236}">
-                <a16:creationId xmlns:a16="http://schemas.microsoft.com/office/drawing/2014/main" id="{F9B3E602-36AB-3C0B-15F0-E4C979D03BA6}"/>
-              </a:ext>
-            </a:extLst>
-          </p:cNvPr>
+          <p:cNvPr id="2" name="Title Placeholder 1"/>
           <p:cNvSpPr>
             <a:spLocks noGrp="1"/>
           </p:cNvSpPr>
@@ -2809,18 +2482,13 @@
               <a:rPr lang="en-US"/>
               <a:t>Click to edit Master title style</a:t>
             </a:r>
-          </a:p>
-        </p:txBody>
-      </p:sp>
-      <p:sp>
-        <p:nvSpPr>
-          <p:cNvPr id="3" name="Text Placeholder 2">
-            <a:extLst>
-              <a:ext uri="{FF2B5EF4-FFF2-40B4-BE49-F238E27FC236}">
-                <a16:creationId xmlns:a16="http://schemas.microsoft.com/office/drawing/2014/main" id="{4091BF2A-2CBE-6DA6-4765-1356B991E5D3}"/>
-              </a:ext>
-            </a:extLst>
-          </p:cNvPr>
+            <a:endParaRPr lang="en-US" dirty="0"/>
+          </a:p>
+        </p:txBody>
+      </p:sp>
+      <p:sp>
+        <p:nvSpPr>
+          <p:cNvPr id="3" name="Text Placeholder 2"/>
           <p:cNvSpPr>
             <a:spLocks noGrp="1"/>
           </p:cNvSpPr>
@@ -2876,18 +2544,13 @@
               <a:rPr lang="en-US"/>
               <a:t>Fifth level</a:t>
             </a:r>
-          </a:p>
-        </p:txBody>
-      </p:sp>
-      <p:sp>
-        <p:nvSpPr>
-          <p:cNvPr id="4" name="Date Placeholder 3">
-            <a:extLst>
-              <a:ext uri="{FF2B5EF4-FFF2-40B4-BE49-F238E27FC236}">
-                <a16:creationId xmlns:a16="http://schemas.microsoft.com/office/drawing/2014/main" id="{7740F6AB-C9A7-C989-7D4C-19B5B1F5BA90}"/>
-              </a:ext>
-            </a:extLst>
-          </p:cNvPr>
+            <a:endParaRPr lang="en-US" dirty="0"/>
+          </a:p>
+        </p:txBody>
+      </p:sp>
+      <p:sp>
+        <p:nvSpPr>
+          <p:cNvPr id="4" name="Date Placeholder 3"/>
           <p:cNvSpPr>
             <a:spLocks noGrp="1"/>
           </p:cNvSpPr>
@@ -2911,7 +2574,7 @@
               <a:defRPr sz="1200">
                 <a:solidFill>
                   <a:schemeClr val="tx1">
-                    <a:tint val="82000"/>
+                    <a:shade val="82000"/>
                   </a:schemeClr>
                 </a:solidFill>
               </a:defRPr>
@@ -2928,13 +2591,7 @@
       </p:sp>
       <p:sp>
         <p:nvSpPr>
-          <p:cNvPr id="5" name="Footer Placeholder 4">
-            <a:extLst>
-              <a:ext uri="{FF2B5EF4-FFF2-40B4-BE49-F238E27FC236}">
-                <a16:creationId xmlns:a16="http://schemas.microsoft.com/office/drawing/2014/main" id="{15356F5C-D005-4E55-4DCE-5ADC28AAEA86}"/>
-              </a:ext>
-            </a:extLst>
-          </p:cNvPr>
+          <p:cNvPr id="5" name="Footer Placeholder 4"/>
           <p:cNvSpPr>
             <a:spLocks noGrp="1"/>
           </p:cNvSpPr>
@@ -2958,7 +2615,7 @@
               <a:defRPr sz="1200">
                 <a:solidFill>
                   <a:schemeClr val="tx1">
-                    <a:tint val="82000"/>
+                    <a:shade val="82000"/>
                   </a:schemeClr>
                 </a:solidFill>
               </a:defRPr>
@@ -2971,13 +2628,7 @@
       </p:sp>
       <p:sp>
         <p:nvSpPr>
-          <p:cNvPr id="6" name="Slide Number Placeholder 5">
-            <a:extLst>
-              <a:ext uri="{FF2B5EF4-FFF2-40B4-BE49-F238E27FC236}">
-                <a16:creationId xmlns:a16="http://schemas.microsoft.com/office/drawing/2014/main" id="{19CE5D35-D4B3-6080-E5C2-8ECA86686552}"/>
-              </a:ext>
-            </a:extLst>
-          </p:cNvPr>
+          <p:cNvPr id="6" name="Slide Number Placeholder 5"/>
           <p:cNvSpPr>
             <a:spLocks noGrp="1"/>
           </p:cNvSpPr>
@@ -3001,7 +2652,7 @@
               <a:defRPr sz="1200">
                 <a:solidFill>
                   <a:schemeClr val="tx1">
-                    <a:tint val="82000"/>
+                    <a:shade val="82000"/>
                   </a:schemeClr>
                 </a:solidFill>
               </a:defRPr>
@@ -3019,23 +2670,23 @@
     </p:spTree>
     <p:extLst>
       <p:ext uri="{BB962C8B-B14F-4D97-AF65-F5344CB8AC3E}">
-        <p14:creationId xmlns:p14="http://schemas.microsoft.com/office/powerpoint/2010/main" val="1192855021"/>
+        <p14:creationId xmlns:p14="http://schemas.microsoft.com/office/powerpoint/2010/main" val="2725010251"/>
       </p:ext>
     </p:extLst>
   </p:cSld>
-  <p:clrMap bg1="lt1" tx1="dk1" bg2="lt2" tx2="dk2" accent1="accent1" accent2="accent2" accent3="accent3" accent4="accent4" accent5="accent5" accent6="accent6" hlink="hlink" folHlink="folHlink"/>
+  <p:clrMap bg1="dk1" tx1="lt1" bg2="dk2" tx2="lt2" accent1="accent1" accent2="accent2" accent3="accent3" accent4="accent4" accent5="accent5" accent6="accent6" hlink="hlink" folHlink="folHlink"/>
   <p:sldLayoutIdLst>
-    <p:sldLayoutId id="2147483649" r:id="rId1"/>
-    <p:sldLayoutId id="2147483650" r:id="rId2"/>
-    <p:sldLayoutId id="2147483651" r:id="rId3"/>
-    <p:sldLayoutId id="2147483652" r:id="rId4"/>
-    <p:sldLayoutId id="2147483653" r:id="rId5"/>
-    <p:sldLayoutId id="2147483654" r:id="rId6"/>
-    <p:sldLayoutId id="2147483655" r:id="rId7"/>
-    <p:sldLayoutId id="2147483656" r:id="rId8"/>
-    <p:sldLayoutId id="2147483657" r:id="rId9"/>
-    <p:sldLayoutId id="2147483658" r:id="rId10"/>
-    <p:sldLayoutId id="2147483659" r:id="rId11"/>
+    <p:sldLayoutId id="2147483691" r:id="rId1"/>
+    <p:sldLayoutId id="2147483692" r:id="rId2"/>
+    <p:sldLayoutId id="2147483693" r:id="rId3"/>
+    <p:sldLayoutId id="2147483694" r:id="rId4"/>
+    <p:sldLayoutId id="2147483695" r:id="rId5"/>
+    <p:sldLayoutId id="2147483696" r:id="rId6"/>
+    <p:sldLayoutId id="2147483697" r:id="rId7"/>
+    <p:sldLayoutId id="2147483698" r:id="rId8"/>
+    <p:sldLayoutId id="2147483699" r:id="rId9"/>
+    <p:sldLayoutId id="2147483700" r:id="rId10"/>
+    <p:sldLayoutId id="2147483701" r:id="rId11"/>
   </p:sldLayoutIdLst>
   <p:txStyles>
     <p:titleStyle>
@@ -3354,6 +3005,34 @@
         <p:blipFill>
           <a:blip r:embed="rId2">
             <a:extLst>
+              <a:ext uri="{BEBA8EAE-BF5A-486C-A8C5-ECC9F3942E4B}">
+                <a14:imgProps xmlns:a14="http://schemas.microsoft.com/office/drawing/2010/main">
+                  <a14:imgLayer r:embed="rId3">
+                    <a14:imgEffect>
+                      <a14:backgroundRemoval t="10000" b="90000" l="10000" r="90000">
+                        <a14:foregroundMark x1="23242" y1="34277" x2="19922" y2="49902"/>
+                        <a14:foregroundMark x1="19922" y1="49902" x2="27051" y2="56055"/>
+                        <a14:foregroundMark x1="27051" y1="56055" x2="35547" y2="50195"/>
+                        <a14:foregroundMark x1="35547" y1="50195" x2="33398" y2="36719"/>
+                        <a14:foregroundMark x1="33398" y1="36719" x2="25195" y2="33301"/>
+                        <a14:foregroundMark x1="25195" y1="33301" x2="23438" y2="33984"/>
+                        <a14:foregroundMark x1="28809" y1="37012" x2="25195" y2="45801"/>
+                        <a14:foregroundMark x1="25195" y1="45801" x2="30371" y2="49512"/>
+                        <a14:foregroundMark x1="42480" y1="34863" x2="42773" y2="43555"/>
+                        <a14:foregroundMark x1="42773" y1="43555" x2="50488" y2="40918"/>
+                        <a14:foregroundMark x1="50488" y1="40918" x2="59961" y2="41211"/>
+                        <a14:foregroundMark x1="59961" y1="41211" x2="79492" y2="34961"/>
+                        <a14:foregroundMark x1="79492" y1="34961" x2="79395" y2="39063"/>
+                        <a14:foregroundMark x1="57715" y1="33301" x2="56934" y2="42969"/>
+                        <a14:foregroundMark x1="70703" y1="34180" x2="80664" y2="30566"/>
+                        <a14:foregroundMark x1="80664" y1="30566" x2="80957" y2="30273"/>
+                        <a14:foregroundMark x1="23535" y1="60449" x2="72754" y2="47070"/>
+                        <a14:foregroundMark x1="77344" y1="46289" x2="81738" y2="51367"/>
+                      </a14:backgroundRemoval>
+                    </a14:imgEffect>
+                  </a14:imgLayer>
+                </a14:imgProps>
+              </a:ext>
               <a:ext uri="{28A0092B-C50C-407E-A947-70E740481C1C}">
                 <a14:useLocalDpi xmlns:a14="http://schemas.microsoft.com/office/drawing/2010/main" val="0"/>
               </a:ext>
@@ -3365,8 +3044,8 @@
         </p:blipFill>
         <p:spPr>
           <a:xfrm>
-            <a:off x="11101387" y="1194647"/>
-            <a:ext cx="504825" cy="504825"/>
+            <a:off x="11117020" y="1210280"/>
+            <a:ext cx="473560" cy="473560"/>
           </a:xfrm>
           <a:prstGeom prst="rect">
             <a:avLst/>
@@ -3633,7 +3312,7 @@
           <p:cNvPr id="2" name="Title 1">
             <a:extLst>
               <a:ext uri="{FF2B5EF4-FFF2-40B4-BE49-F238E27FC236}">
-                <a16:creationId xmlns:a16="http://schemas.microsoft.com/office/drawing/2014/main" id="{F07483F7-F105-EE9E-F945-2F2CB35CB47D}"/>
+                <a16:creationId xmlns:a16="http://schemas.microsoft.com/office/drawing/2014/main" id="{980A703F-D695-0D75-C50B-52CD67D53E9D}"/>
               </a:ext>
             </a:extLst>
           </p:cNvPr>
@@ -3649,157 +3328,85 @@
           <a:bodyPr/>
           <a:lstStyle/>
           <a:p>
-            <a:r>
-              <a:rPr lang="en-US"/>
-              <a:t>Report:</a:t>
-            </a:r>
-          </a:p>
-        </p:txBody>
-      </p:sp>
-      <p:sp>
-        <p:nvSpPr>
-          <p:cNvPr id="3" name="Content Placeholder 2">
-            <a:extLst>
-              <a:ext uri="{FF2B5EF4-FFF2-40B4-BE49-F238E27FC236}">
-                <a16:creationId xmlns:a16="http://schemas.microsoft.com/office/drawing/2014/main" id="{33A656DA-C422-EF35-BC3F-B165CA0927E0}"/>
-              </a:ext>
-            </a:extLst>
-          </p:cNvPr>
-          <p:cNvSpPr>
-            <a:spLocks noGrp="1"/>
-          </p:cNvSpPr>
-          <p:nvPr>
-            <p:ph idx="1"/>
-          </p:nvPr>
-        </p:nvSpPr>
-        <p:spPr/>
-        <p:txBody>
-          <a:bodyPr>
-            <a:normAutofit/>
-          </a:bodyPr>
-          <a:lstStyle/>
-          <a:p>
-            <a:pPr marL="0" indent="0">
-              <a:buNone/>
-            </a:pPr>
-            <a:r>
-              <a:rPr lang="en-US" dirty="0"/>
-              <a:t>Similar to wilderness1.wav:</a:t>
-            </a:r>
-          </a:p>
-          <a:p>
-            <a:pPr marL="0" indent="0">
-              <a:buNone/>
-            </a:pPr>
-            <a:r>
-              <a:rPr lang="en-US" dirty="0"/>
-              <a:t>wilderness1.wav: 1</a:t>
-            </a:r>
-          </a:p>
-          <a:p>
-            <a:pPr marL="0" indent="0">
-              <a:buNone/>
-            </a:pPr>
-            <a:r>
-              <a:rPr lang="en-US" dirty="0"/>
-              <a:t>wilderness2.wav: 0.7229432647124682</a:t>
-            </a:r>
-          </a:p>
-          <a:p>
-            <a:pPr marL="0" indent="0">
-              <a:buNone/>
-            </a:pPr>
-            <a:endParaRPr lang="en-US" dirty="0"/>
-          </a:p>
-          <a:p>
-            <a:pPr marL="0" indent="0">
-              <a:buNone/>
-            </a:pPr>
-            <a:r>
-              <a:rPr lang="en-US" dirty="0"/>
-              <a:t>jesus2.wav: 0.3134769071964211</a:t>
-            </a:r>
-          </a:p>
-          <a:p>
-            <a:pPr marL="0" indent="0">
-              <a:buNone/>
-            </a:pPr>
-            <a:r>
-              <a:rPr lang="en-US" dirty="0"/>
-              <a:t>God1.wav: 0.23680512842732715</a:t>
-            </a:r>
-          </a:p>
-          <a:p>
-            <a:pPr marL="0" indent="0">
-              <a:buNone/>
-            </a:pPr>
-            <a:r>
-              <a:rPr lang="en-US" dirty="0"/>
-              <a:t>jesus1.wav: 0.21231795463558845</a:t>
-            </a:r>
-          </a:p>
-          <a:p>
-            <a:pPr marL="0" indent="0">
-              <a:buNone/>
-            </a:pPr>
-            <a:r>
-              <a:rPr lang="en-US" dirty="0"/>
-              <a:t>God2.wav: 0.1635381466180469 </a:t>
-            </a:r>
+            <a:endParaRPr lang="en-US"/>
           </a:p>
         </p:txBody>
       </p:sp>
       <p:pic>
         <p:nvPicPr>
-          <p:cNvPr id="1026" name="Picture 2" descr="works on my machine, starburst">
+          <p:cNvPr id="5" name="Content Placeholder 4" descr="A blue and white image of a blue and white image&#10;&#10;Description automatically generated with medium confidence">
             <a:extLst>
               <a:ext uri="{FF2B5EF4-FFF2-40B4-BE49-F238E27FC236}">
-                <a16:creationId xmlns:a16="http://schemas.microsoft.com/office/drawing/2014/main" id="{BB8EF7DC-FBE5-822B-4324-2DAEFC2EC8BF}"/>
+                <a16:creationId xmlns:a16="http://schemas.microsoft.com/office/drawing/2014/main" id="{214F0FF7-A7AD-0CC6-BF30-50C617DAA340}"/>
               </a:ext>
             </a:extLst>
           </p:cNvPr>
           <p:cNvPicPr>
-            <a:picLocks noChangeAspect="1" noChangeArrowheads="1"/>
+            <a:picLocks noGrp="1" noChangeAspect="1"/>
+          </p:cNvPicPr>
+          <p:nvPr>
+            <p:ph idx="1"/>
+          </p:nvPr>
+        </p:nvPicPr>
+        <p:blipFill>
+          <a:blip r:embed="rId2">
+            <a:extLst>
+              <a:ext uri="{28A0092B-C50C-407E-A947-70E740481C1C}">
+                <a14:useLocalDpi xmlns:a14="http://schemas.microsoft.com/office/drawing/2010/main" val="0"/>
+              </a:ext>
+            </a:extLst>
+          </a:blip>
+          <a:stretch>
+            <a:fillRect/>
+          </a:stretch>
+        </p:blipFill>
+        <p:spPr>
+          <a:xfrm>
+            <a:off x="136840" y="719219"/>
+            <a:ext cx="7260350" cy="4297689"/>
+          </a:xfrm>
+        </p:spPr>
+      </p:pic>
+      <p:pic>
+        <p:nvPicPr>
+          <p:cNvPr id="7" name="Picture 6" descr="A graph of a diagram&#10;&#10;Description automatically generated with medium confidence">
+            <a:extLst>
+              <a:ext uri="{FF2B5EF4-FFF2-40B4-BE49-F238E27FC236}">
+                <a16:creationId xmlns:a16="http://schemas.microsoft.com/office/drawing/2014/main" id="{BC74B65F-2CDB-A2BD-6D2A-C77D31BD305C}"/>
+              </a:ext>
+            </a:extLst>
+          </p:cNvPr>
+          <p:cNvPicPr>
+            <a:picLocks noChangeAspect="1"/>
           </p:cNvPicPr>
           <p:nvPr/>
         </p:nvPicPr>
         <p:blipFill>
-          <a:blip r:embed="rId2">
+          <a:blip r:embed="rId3">
             <a:extLst>
               <a:ext uri="{28A0092B-C50C-407E-A947-70E740481C1C}">
                 <a14:useLocalDpi xmlns:a14="http://schemas.microsoft.com/office/drawing/2010/main" val="0"/>
               </a:ext>
             </a:extLst>
           </a:blip>
-          <a:srcRect/>
           <a:stretch>
             <a:fillRect/>
           </a:stretch>
         </p:blipFill>
-        <p:spPr bwMode="auto">
+        <p:spPr>
           <a:xfrm>
-            <a:off x="8064253" y="838994"/>
-            <a:ext cx="1905000" cy="1838325"/>
+            <a:off x="4404041" y="2319601"/>
+            <a:ext cx="7260350" cy="4297689"/>
           </a:xfrm>
           <a:prstGeom prst="rect">
             <a:avLst/>
           </a:prstGeom>
-          <a:noFill/>
-          <a:extLst>
-            <a:ext uri="{909E8E84-426E-40DD-AFC4-6F175D3DCCD1}">
-              <a14:hiddenFill xmlns:a14="http://schemas.microsoft.com/office/drawing/2010/main">
-                <a:solidFill>
-                  <a:srgbClr val="FFFFFF"/>
-                </a:solidFill>
-              </a14:hiddenFill>
-            </a:ext>
-          </a:extLst>
         </p:spPr>
       </p:pic>
     </p:spTree>
     <p:extLst>
       <p:ext uri="{BB962C8B-B14F-4D97-AF65-F5344CB8AC3E}">
-        <p14:creationId xmlns:p14="http://schemas.microsoft.com/office/powerpoint/2010/main" val="2692368703"/>
+        <p14:creationId xmlns:p14="http://schemas.microsoft.com/office/powerpoint/2010/main" val="3325462642"/>
       </p:ext>
     </p:extLst>
   </p:cSld>
@@ -3810,6 +3417,375 @@
 </file>
 
 <file path=ppt/slides/slide11.xml><?xml version="1.0" encoding="utf-8"?>
+<p:sld xmlns:a="http://schemas.openxmlformats.org/drawingml/2006/main" xmlns:r="http://schemas.openxmlformats.org/officeDocument/2006/relationships" xmlns:p="http://schemas.openxmlformats.org/presentationml/2006/main">
+  <p:cSld>
+    <p:spTree>
+      <p:nvGrpSpPr>
+        <p:cNvPr id="1" name="">
+          <a:extLst>
+            <a:ext uri="{FF2B5EF4-FFF2-40B4-BE49-F238E27FC236}">
+              <a16:creationId xmlns:a16="http://schemas.microsoft.com/office/drawing/2014/main" id="{A89F8F60-84E6-3ED5-2959-E206DD4A2A50}"/>
+            </a:ext>
+          </a:extLst>
+        </p:cNvPr>
+        <p:cNvGrpSpPr/>
+        <p:nvPr/>
+      </p:nvGrpSpPr>
+      <p:grpSpPr>
+        <a:xfrm>
+          <a:off x="0" y="0"/>
+          <a:ext cx="0" cy="0"/>
+          <a:chOff x="0" y="0"/>
+          <a:chExt cx="0" cy="0"/>
+        </a:xfrm>
+      </p:grpSpPr>
+      <p:sp>
+        <p:nvSpPr>
+          <p:cNvPr id="2" name="Title 1">
+            <a:extLst>
+              <a:ext uri="{FF2B5EF4-FFF2-40B4-BE49-F238E27FC236}">
+                <a16:creationId xmlns:a16="http://schemas.microsoft.com/office/drawing/2014/main" id="{FD185580-4369-A629-C6F8-8A11F1D22E3C}"/>
+              </a:ext>
+            </a:extLst>
+          </p:cNvPr>
+          <p:cNvSpPr>
+            <a:spLocks noGrp="1"/>
+          </p:cNvSpPr>
+          <p:nvPr>
+            <p:ph type="title"/>
+          </p:nvPr>
+        </p:nvSpPr>
+        <p:spPr>
+          <a:xfrm>
+            <a:off x="838200" y="0"/>
+            <a:ext cx="10515600" cy="1325563"/>
+          </a:xfrm>
+        </p:spPr>
+        <p:txBody>
+          <a:bodyPr/>
+          <a:lstStyle/>
+          <a:p>
+            <a:r>
+              <a:rPr lang="en-US" dirty="0"/>
+              <a:t>Off-the-Shelf Solution</a:t>
+            </a:r>
+          </a:p>
+        </p:txBody>
+      </p:sp>
+      <p:sp>
+        <p:nvSpPr>
+          <p:cNvPr id="3" name="Content Placeholder 2">
+            <a:extLst>
+              <a:ext uri="{FF2B5EF4-FFF2-40B4-BE49-F238E27FC236}">
+                <a16:creationId xmlns:a16="http://schemas.microsoft.com/office/drawing/2014/main" id="{30306755-292D-D24C-E837-78CA4B505359}"/>
+              </a:ext>
+            </a:extLst>
+          </p:cNvPr>
+          <p:cNvSpPr>
+            <a:spLocks noGrp="1"/>
+          </p:cNvSpPr>
+          <p:nvPr>
+            <p:ph idx="1"/>
+          </p:nvPr>
+        </p:nvSpPr>
+        <p:spPr>
+          <a:xfrm>
+            <a:off x="65843" y="1325563"/>
+            <a:ext cx="10515600" cy="4351338"/>
+          </a:xfrm>
+        </p:spPr>
+        <p:txBody>
+          <a:bodyPr>
+            <a:noAutofit/>
+          </a:bodyPr>
+          <a:lstStyle/>
+          <a:p>
+            <a:pPr marL="0" indent="0">
+              <a:lnSpc>
+                <a:spcPct val="120000"/>
+              </a:lnSpc>
+              <a:buNone/>
+            </a:pPr>
+            <a:r>
+              <a:rPr lang="en-US" sz="1600" dirty="0">
+                <a:latin typeface="Georgia" panose="02040502050405020303" pitchFamily="18" charset="0"/>
+              </a:rPr>
+              <a:t>We can start with an off-the-shelf solution (`</a:t>
+            </a:r>
+            <a:r>
+              <a:rPr lang="en-US" sz="1600" dirty="0" err="1">
+                <a:latin typeface="Georgia" panose="02040502050405020303" pitchFamily="18" charset="0"/>
+              </a:rPr>
+              <a:t>librosa</a:t>
+            </a:r>
+            <a:r>
+              <a:rPr lang="en-US" sz="1600" dirty="0">
+                <a:latin typeface="Georgia" panose="02040502050405020303" pitchFamily="18" charset="0"/>
+              </a:rPr>
+              <a:t>` </a:t>
+            </a:r>
+            <a:r>
+              <a:rPr lang="en-US" sz="1600" dirty="0" err="1">
+                <a:latin typeface="Georgia" panose="02040502050405020303" pitchFamily="18" charset="0"/>
+              </a:rPr>
+              <a:t>mfcc</a:t>
+            </a:r>
+            <a:r>
+              <a:rPr lang="en-US" sz="1600" dirty="0">
+                <a:latin typeface="Georgia" panose="02040502050405020303" pitchFamily="18" charset="0"/>
+              </a:rPr>
+              <a:t> feature extraction):</a:t>
+            </a:r>
+          </a:p>
+          <a:p>
+            <a:pPr marL="0" indent="0">
+              <a:lnSpc>
+                <a:spcPct val="120000"/>
+              </a:lnSpc>
+              <a:buNone/>
+            </a:pPr>
+            <a:r>
+              <a:rPr lang="en-US" sz="1600" dirty="0">
+                <a:latin typeface="Georgia" panose="02040502050405020303" pitchFamily="18" charset="0"/>
+              </a:rPr>
+              <a:t>✔ This solution correctly identifies the correct forms, </a:t>
+            </a:r>
+          </a:p>
+          <a:p>
+            <a:pPr marL="0" indent="0">
+              <a:lnSpc>
+                <a:spcPct val="120000"/>
+              </a:lnSpc>
+              <a:buNone/>
+            </a:pPr>
+            <a:r>
+              <a:rPr lang="en-US" sz="1600" dirty="0">
+                <a:latin typeface="Georgia" panose="02040502050405020303" pitchFamily="18" charset="0"/>
+              </a:rPr>
+              <a:t>❌ but it does not detect as much difference between the incorrect forms.</a:t>
+            </a:r>
+          </a:p>
+          <a:p>
+            <a:pPr marL="0" indent="0">
+              <a:lnSpc>
+                <a:spcPct val="120000"/>
+              </a:lnSpc>
+              <a:buNone/>
+            </a:pPr>
+            <a:r>
+              <a:rPr lang="en-US" sz="1600" dirty="0">
+                <a:latin typeface="Georgia" panose="02040502050405020303" pitchFamily="18" charset="0"/>
+              </a:rPr>
+              <a:t>For keyword checking, it might be helpful to have a meaningful measure of how different the words are:</a:t>
+            </a:r>
+          </a:p>
+          <a:p>
+            <a:pPr marL="0" indent="0">
+              <a:lnSpc>
+                <a:spcPct val="120000"/>
+              </a:lnSpc>
+              <a:buNone/>
+            </a:pPr>
+            <a:r>
+              <a:rPr lang="en-US" sz="1600" dirty="0">
+                <a:latin typeface="Georgia" panose="02040502050405020303" pitchFamily="18" charset="0"/>
+              </a:rPr>
+              <a:t>No clustering!</a:t>
+            </a:r>
+          </a:p>
+          <a:p>
+            <a:pPr marL="0" indent="0">
+              <a:lnSpc>
+                <a:spcPct val="120000"/>
+              </a:lnSpc>
+              <a:buNone/>
+            </a:pPr>
+            <a:endParaRPr lang="en-US" sz="1600" dirty="0">
+              <a:latin typeface="Georgia" panose="02040502050405020303" pitchFamily="18" charset="0"/>
+            </a:endParaRPr>
+          </a:p>
+        </p:txBody>
+      </p:sp>
+      <p:sp>
+        <p:nvSpPr>
+          <p:cNvPr id="5" name="TextBox 4">
+            <a:extLst>
+              <a:ext uri="{FF2B5EF4-FFF2-40B4-BE49-F238E27FC236}">
+                <a16:creationId xmlns:a16="http://schemas.microsoft.com/office/drawing/2014/main" id="{B404ADE4-A3D5-4A2D-F245-281AF0692A49}"/>
+              </a:ext>
+            </a:extLst>
+          </p:cNvPr>
+          <p:cNvSpPr txBox="1"/>
+          <p:nvPr/>
+        </p:nvSpPr>
+        <p:spPr>
+          <a:xfrm>
+            <a:off x="7217546" y="3364638"/>
+            <a:ext cx="5537446" cy="3386633"/>
+          </a:xfrm>
+          <a:prstGeom prst="rect">
+            <a:avLst/>
+          </a:prstGeom>
+          <a:noFill/>
+        </p:spPr>
+        <p:txBody>
+          <a:bodyPr wrap="square">
+            <a:spAutoFit/>
+          </a:bodyPr>
+          <a:lstStyle/>
+          <a:p>
+            <a:pPr marL="0" indent="0">
+              <a:lnSpc>
+                <a:spcPct val="120000"/>
+              </a:lnSpc>
+              <a:buNone/>
+            </a:pPr>
+            <a:r>
+              <a:rPr lang="en-US" sz="1800" dirty="0">
+                <a:latin typeface="Georgia" panose="02040502050405020303" pitchFamily="18" charset="0"/>
+              </a:rPr>
+              <a:t>Similar to wilderness1.wav:</a:t>
+            </a:r>
+          </a:p>
+          <a:p>
+            <a:pPr marL="0" indent="0">
+              <a:lnSpc>
+                <a:spcPct val="120000"/>
+              </a:lnSpc>
+              <a:buNone/>
+            </a:pPr>
+            <a:r>
+              <a:rPr lang="en-US" sz="1800" dirty="0">
+                <a:latin typeface="Georgia" panose="02040502050405020303" pitchFamily="18" charset="0"/>
+              </a:rPr>
+              <a:t>wilderness1.wav: 0.9999999869496023</a:t>
+            </a:r>
+          </a:p>
+          <a:p>
+            <a:pPr marL="0" indent="0">
+              <a:lnSpc>
+                <a:spcPct val="120000"/>
+              </a:lnSpc>
+              <a:buNone/>
+            </a:pPr>
+            <a:r>
+              <a:rPr lang="en-US" sz="1800" dirty="0">
+                <a:latin typeface="Georgia" panose="02040502050405020303" pitchFamily="18" charset="0"/>
+              </a:rPr>
+              <a:t>wilderness2.wav: 0.9993146675340262</a:t>
+            </a:r>
+          </a:p>
+          <a:p>
+            <a:pPr marL="0" indent="0">
+              <a:lnSpc>
+                <a:spcPct val="120000"/>
+              </a:lnSpc>
+              <a:buNone/>
+            </a:pPr>
+            <a:endParaRPr lang="en-US" sz="1800" dirty="0">
+              <a:latin typeface="Georgia" panose="02040502050405020303" pitchFamily="18" charset="0"/>
+            </a:endParaRPr>
+          </a:p>
+          <a:p>
+            <a:pPr marL="0" indent="0">
+              <a:lnSpc>
+                <a:spcPct val="120000"/>
+              </a:lnSpc>
+              <a:buNone/>
+            </a:pPr>
+            <a:r>
+              <a:rPr lang="en-US" sz="1800" dirty="0">
+                <a:latin typeface="Georgia" panose="02040502050405020303" pitchFamily="18" charset="0"/>
+              </a:rPr>
+              <a:t>God1.wav: 0.9987559253705995</a:t>
+            </a:r>
+          </a:p>
+          <a:p>
+            <a:pPr marL="0" indent="0">
+              <a:lnSpc>
+                <a:spcPct val="120000"/>
+              </a:lnSpc>
+              <a:buNone/>
+            </a:pPr>
+            <a:r>
+              <a:rPr lang="en-US" sz="1800" dirty="0">
+                <a:latin typeface="Georgia" panose="02040502050405020303" pitchFamily="18" charset="0"/>
+              </a:rPr>
+              <a:t>God2.wav: 0.9980986833151937</a:t>
+            </a:r>
+          </a:p>
+          <a:p>
+            <a:pPr marL="0" indent="0">
+              <a:lnSpc>
+                <a:spcPct val="120000"/>
+              </a:lnSpc>
+              <a:buNone/>
+            </a:pPr>
+            <a:r>
+              <a:rPr lang="en-US" sz="1800" dirty="0">
+                <a:latin typeface="Georgia" panose="02040502050405020303" pitchFamily="18" charset="0"/>
+              </a:rPr>
+              <a:t>inTheBeginning1.wav: 0.9971207291637255</a:t>
+            </a:r>
+          </a:p>
+          <a:p>
+            <a:pPr marL="0" indent="0">
+              <a:lnSpc>
+                <a:spcPct val="120000"/>
+              </a:lnSpc>
+              <a:buNone/>
+            </a:pPr>
+            <a:r>
+              <a:rPr lang="en-US" sz="1800" dirty="0">
+                <a:latin typeface="Georgia" panose="02040502050405020303" pitchFamily="18" charset="0"/>
+              </a:rPr>
+              <a:t>inTheBeginning2.wav: 0.9969806586039947</a:t>
+            </a:r>
+          </a:p>
+          <a:p>
+            <a:pPr marL="0" indent="0">
+              <a:lnSpc>
+                <a:spcPct val="120000"/>
+              </a:lnSpc>
+              <a:buNone/>
+            </a:pPr>
+            <a:r>
+              <a:rPr lang="en-US" sz="1800" dirty="0">
+                <a:latin typeface="Georgia" panose="02040502050405020303" pitchFamily="18" charset="0"/>
+              </a:rPr>
+              <a:t>jesus2.wav: 0.9958133114595762</a:t>
+            </a:r>
+          </a:p>
+          <a:p>
+            <a:pPr marL="0" indent="0">
+              <a:lnSpc>
+                <a:spcPct val="120000"/>
+              </a:lnSpc>
+              <a:buNone/>
+            </a:pPr>
+            <a:r>
+              <a:rPr lang="en-US" sz="1800" dirty="0">
+                <a:latin typeface="Georgia" panose="02040502050405020303" pitchFamily="18" charset="0"/>
+              </a:rPr>
+              <a:t>jesus1.wav: 0.9942425674771389</a:t>
+            </a:r>
+          </a:p>
+        </p:txBody>
+      </p:sp>
+    </p:spTree>
+    <p:extLst>
+      <p:ext uri="{BB962C8B-B14F-4D97-AF65-F5344CB8AC3E}">
+        <p14:creationId xmlns:p14="http://schemas.microsoft.com/office/powerpoint/2010/main" val="3215222808"/>
+      </p:ext>
+    </p:extLst>
+  </p:cSld>
+  <p:clrMapOvr>
+    <a:masterClrMapping/>
+  </p:clrMapOvr>
+</p:sld>
+</file>
+
+<file path=ppt/slides/slide12.xml><?xml version="1.0" encoding="utf-8"?>
 <p:sld xmlns:a="http://schemas.openxmlformats.org/drawingml/2006/main" xmlns:r="http://schemas.openxmlformats.org/officeDocument/2006/relationships" xmlns:p="http://schemas.openxmlformats.org/presentationml/2006/main">
   <p:cSld>
     <p:spTree>
@@ -3831,6 +3807,204 @@
           <p:cNvPr id="2" name="Title 1">
             <a:extLst>
               <a:ext uri="{FF2B5EF4-FFF2-40B4-BE49-F238E27FC236}">
+                <a16:creationId xmlns:a16="http://schemas.microsoft.com/office/drawing/2014/main" id="{F07483F7-F105-EE9E-F945-2F2CB35CB47D}"/>
+              </a:ext>
+            </a:extLst>
+          </p:cNvPr>
+          <p:cNvSpPr>
+            <a:spLocks noGrp="1"/>
+          </p:cNvSpPr>
+          <p:nvPr>
+            <p:ph type="title"/>
+          </p:nvPr>
+        </p:nvSpPr>
+        <p:spPr/>
+        <p:txBody>
+          <a:bodyPr/>
+          <a:lstStyle/>
+          <a:p>
+            <a:r>
+              <a:rPr lang="en-US"/>
+              <a:t>Report:</a:t>
+            </a:r>
+          </a:p>
+        </p:txBody>
+      </p:sp>
+      <p:sp>
+        <p:nvSpPr>
+          <p:cNvPr id="3" name="Content Placeholder 2">
+            <a:extLst>
+              <a:ext uri="{FF2B5EF4-FFF2-40B4-BE49-F238E27FC236}">
+                <a16:creationId xmlns:a16="http://schemas.microsoft.com/office/drawing/2014/main" id="{33A656DA-C422-EF35-BC3F-B165CA0927E0}"/>
+              </a:ext>
+            </a:extLst>
+          </p:cNvPr>
+          <p:cNvSpPr>
+            <a:spLocks noGrp="1"/>
+          </p:cNvSpPr>
+          <p:nvPr>
+            <p:ph idx="1"/>
+          </p:nvPr>
+        </p:nvSpPr>
+        <p:spPr/>
+        <p:txBody>
+          <a:bodyPr>
+            <a:normAutofit/>
+          </a:bodyPr>
+          <a:lstStyle/>
+          <a:p>
+            <a:pPr marL="0" indent="0">
+              <a:buNone/>
+            </a:pPr>
+            <a:r>
+              <a:rPr lang="en-US" dirty="0"/>
+              <a:t>Similar to wilderness1.wav:</a:t>
+            </a:r>
+          </a:p>
+          <a:p>
+            <a:pPr marL="0" indent="0">
+              <a:buNone/>
+            </a:pPr>
+            <a:r>
+              <a:rPr lang="en-US" dirty="0"/>
+              <a:t>wilderness1.wav: 1</a:t>
+            </a:r>
+          </a:p>
+          <a:p>
+            <a:pPr marL="0" indent="0">
+              <a:buNone/>
+            </a:pPr>
+            <a:r>
+              <a:rPr lang="en-US" dirty="0"/>
+              <a:t>wilderness2.wav: 0.7229432647124682</a:t>
+            </a:r>
+          </a:p>
+          <a:p>
+            <a:pPr marL="0" indent="0">
+              <a:buNone/>
+            </a:pPr>
+            <a:endParaRPr lang="en-US" dirty="0"/>
+          </a:p>
+          <a:p>
+            <a:pPr marL="0" indent="0">
+              <a:buNone/>
+            </a:pPr>
+            <a:r>
+              <a:rPr lang="en-US" dirty="0"/>
+              <a:t>jesus2.wav: 0.3134769071964211</a:t>
+            </a:r>
+          </a:p>
+          <a:p>
+            <a:pPr marL="0" indent="0">
+              <a:buNone/>
+            </a:pPr>
+            <a:r>
+              <a:rPr lang="en-US" dirty="0"/>
+              <a:t>God1.wav: 0.23680512842732715</a:t>
+            </a:r>
+          </a:p>
+          <a:p>
+            <a:pPr marL="0" indent="0">
+              <a:buNone/>
+            </a:pPr>
+            <a:r>
+              <a:rPr lang="en-US" dirty="0"/>
+              <a:t>jesus1.wav: 0.21231795463558845</a:t>
+            </a:r>
+          </a:p>
+          <a:p>
+            <a:pPr marL="0" indent="0">
+              <a:buNone/>
+            </a:pPr>
+            <a:r>
+              <a:rPr lang="en-US" dirty="0"/>
+              <a:t>God2.wav: 0.1635381466180469 </a:t>
+            </a:r>
+          </a:p>
+        </p:txBody>
+      </p:sp>
+      <p:pic>
+        <p:nvPicPr>
+          <p:cNvPr id="1026" name="Picture 2" descr="works on my machine, starburst">
+            <a:extLst>
+              <a:ext uri="{FF2B5EF4-FFF2-40B4-BE49-F238E27FC236}">
+                <a16:creationId xmlns:a16="http://schemas.microsoft.com/office/drawing/2014/main" id="{BB8EF7DC-FBE5-822B-4324-2DAEFC2EC8BF}"/>
+              </a:ext>
+            </a:extLst>
+          </p:cNvPr>
+          <p:cNvPicPr>
+            <a:picLocks noChangeAspect="1" noChangeArrowheads="1"/>
+          </p:cNvPicPr>
+          <p:nvPr/>
+        </p:nvPicPr>
+        <p:blipFill>
+          <a:blip r:embed="rId2">
+            <a:extLst>
+              <a:ext uri="{28A0092B-C50C-407E-A947-70E740481C1C}">
+                <a14:useLocalDpi xmlns:a14="http://schemas.microsoft.com/office/drawing/2010/main" val="0"/>
+              </a:ext>
+            </a:extLst>
+          </a:blip>
+          <a:srcRect/>
+          <a:stretch>
+            <a:fillRect/>
+          </a:stretch>
+        </p:blipFill>
+        <p:spPr bwMode="auto">
+          <a:xfrm>
+            <a:off x="8064253" y="838994"/>
+            <a:ext cx="1905000" cy="1838325"/>
+          </a:xfrm>
+          <a:prstGeom prst="rect">
+            <a:avLst/>
+          </a:prstGeom>
+          <a:noFill/>
+          <a:extLst>
+            <a:ext uri="{909E8E84-426E-40DD-AFC4-6F175D3DCCD1}">
+              <a14:hiddenFill xmlns:a14="http://schemas.microsoft.com/office/drawing/2010/main">
+                <a:solidFill>
+                  <a:srgbClr val="FFFFFF"/>
+                </a:solidFill>
+              </a14:hiddenFill>
+            </a:ext>
+          </a:extLst>
+        </p:spPr>
+      </p:pic>
+    </p:spTree>
+    <p:extLst>
+      <p:ext uri="{BB962C8B-B14F-4D97-AF65-F5344CB8AC3E}">
+        <p14:creationId xmlns:p14="http://schemas.microsoft.com/office/powerpoint/2010/main" val="2692368703"/>
+      </p:ext>
+    </p:extLst>
+  </p:cSld>
+  <p:clrMapOvr>
+    <a:masterClrMapping/>
+  </p:clrMapOvr>
+</p:sld>
+</file>
+
+<file path=ppt/slides/slide13.xml><?xml version="1.0" encoding="utf-8"?>
+<p:sld xmlns:a="http://schemas.openxmlformats.org/drawingml/2006/main" xmlns:r="http://schemas.openxmlformats.org/officeDocument/2006/relationships" xmlns:p="http://schemas.openxmlformats.org/presentationml/2006/main">
+  <p:cSld>
+    <p:spTree>
+      <p:nvGrpSpPr>
+        <p:cNvPr id="1" name=""/>
+        <p:cNvGrpSpPr/>
+        <p:nvPr/>
+      </p:nvGrpSpPr>
+      <p:grpSpPr>
+        <a:xfrm>
+          <a:off x="0" y="0"/>
+          <a:ext cx="0" cy="0"/>
+          <a:chOff x="0" y="0"/>
+          <a:chExt cx="0" cy="0"/>
+        </a:xfrm>
+      </p:grpSpPr>
+      <p:sp>
+        <p:nvSpPr>
+          <p:cNvPr id="2" name="Title 1">
+            <a:extLst>
+              <a:ext uri="{FF2B5EF4-FFF2-40B4-BE49-F238E27FC236}">
                 <a16:creationId xmlns:a16="http://schemas.microsoft.com/office/drawing/2014/main" id="{5B24CD70-B7ED-27E6-4EAD-F9192B5AB679}"/>
               </a:ext>
             </a:extLst>
@@ -3904,7 +4078,7 @@
 </p:sld>
 </file>
 
-<file path=ppt/slides/slide12.xml><?xml version="1.0" encoding="utf-8"?>
+<file path=ppt/slides/slide14.xml><?xml version="1.0" encoding="utf-8"?>
 <p:sld xmlns:a="http://schemas.openxmlformats.org/drawingml/2006/main" xmlns:r="http://schemas.openxmlformats.org/officeDocument/2006/relationships" xmlns:p="http://schemas.openxmlformats.org/presentationml/2006/main">
   <p:cSld>
     <p:spTree>
@@ -5087,7 +5261,511 @@
 </p:sld>
 </file>
 
+<file path=ppt/slides/slide15.xml><?xml version="1.0" encoding="utf-8"?>
+<p:sld xmlns:a="http://schemas.openxmlformats.org/drawingml/2006/main" xmlns:r="http://schemas.openxmlformats.org/officeDocument/2006/relationships" xmlns:p="http://schemas.openxmlformats.org/presentationml/2006/main">
+  <p:cSld>
+    <p:spTree>
+      <p:nvGrpSpPr>
+        <p:cNvPr id="1" name="">
+          <a:extLst>
+            <a:ext uri="{FF2B5EF4-FFF2-40B4-BE49-F238E27FC236}">
+              <a16:creationId xmlns:a16="http://schemas.microsoft.com/office/drawing/2014/main" id="{1FCC7695-75EC-2122-53A1-EACEC67AE159}"/>
+            </a:ext>
+          </a:extLst>
+        </p:cNvPr>
+        <p:cNvGrpSpPr/>
+        <p:nvPr/>
+      </p:nvGrpSpPr>
+      <p:grpSpPr>
+        <a:xfrm>
+          <a:off x="0" y="0"/>
+          <a:ext cx="0" cy="0"/>
+          <a:chOff x="0" y="0"/>
+          <a:chExt cx="0" cy="0"/>
+        </a:xfrm>
+      </p:grpSpPr>
+      <p:sp>
+        <p:nvSpPr>
+          <p:cNvPr id="2" name="Title 1">
+            <a:extLst>
+              <a:ext uri="{FF2B5EF4-FFF2-40B4-BE49-F238E27FC236}">
+                <a16:creationId xmlns:a16="http://schemas.microsoft.com/office/drawing/2014/main" id="{F0CE6BDC-A7E4-907D-6372-B8AC1EEBD578}"/>
+              </a:ext>
+            </a:extLst>
+          </p:cNvPr>
+          <p:cNvSpPr>
+            <a:spLocks noGrp="1"/>
+          </p:cNvSpPr>
+          <p:nvPr>
+            <p:ph type="title"/>
+          </p:nvPr>
+        </p:nvSpPr>
+        <p:spPr/>
+        <p:txBody>
+          <a:bodyPr/>
+          <a:lstStyle/>
+          <a:p>
+            <a:r>
+              <a:rPr lang="en-US" dirty="0"/>
+              <a:t>(Analytical) Limitations</a:t>
+            </a:r>
+          </a:p>
+        </p:txBody>
+      </p:sp>
+      <p:sp>
+        <p:nvSpPr>
+          <p:cNvPr id="3" name="Content Placeholder 2">
+            <a:extLst>
+              <a:ext uri="{FF2B5EF4-FFF2-40B4-BE49-F238E27FC236}">
+                <a16:creationId xmlns:a16="http://schemas.microsoft.com/office/drawing/2014/main" id="{AB2D4B4D-1B91-FC3E-15CA-3651AA7854E3}"/>
+              </a:ext>
+            </a:extLst>
+          </p:cNvPr>
+          <p:cNvSpPr>
+            <a:spLocks noGrp="1"/>
+          </p:cNvSpPr>
+          <p:nvPr>
+            <p:ph idx="1"/>
+          </p:nvPr>
+        </p:nvSpPr>
+        <p:spPr/>
+        <p:txBody>
+          <a:bodyPr/>
+          <a:lstStyle/>
+          <a:p>
+            <a:pPr marL="0" indent="0">
+              <a:buNone/>
+            </a:pPr>
+            <a:r>
+              <a:rPr lang="en-US" dirty="0"/>
+              <a:t>- Supervised method:</a:t>
+            </a:r>
+          </a:p>
+          <a:p>
+            <a:pPr marL="0" indent="0">
+              <a:buNone/>
+            </a:pPr>
+            <a:r>
+              <a:rPr lang="en-US" i="1" dirty="0"/>
+              <a:t>	- </a:t>
+            </a:r>
+            <a:r>
+              <a:rPr lang="en-US" dirty="0"/>
+              <a:t>Requires tagged data</a:t>
+            </a:r>
+          </a:p>
+          <a:p>
+            <a:pPr marL="0" indent="0">
+              <a:buNone/>
+            </a:pPr>
+            <a:endParaRPr lang="en-US" i="1" dirty="0"/>
+          </a:p>
+          <a:p>
+            <a:pPr marL="0" indent="0">
+              <a:buNone/>
+            </a:pPr>
+            <a:r>
+              <a:rPr lang="en-US" i="1" dirty="0"/>
+              <a:t>- </a:t>
+            </a:r>
+            <a:r>
+              <a:rPr lang="en-US" dirty="0"/>
+              <a:t>Poverty of stimulus:</a:t>
+            </a:r>
+          </a:p>
+          <a:p>
+            <a:pPr marL="0" indent="0">
+              <a:buNone/>
+            </a:pPr>
+            <a:r>
+              <a:rPr lang="en-US" i="1" dirty="0"/>
+              <a:t>	-</a:t>
+            </a:r>
+            <a:r>
+              <a:rPr lang="en-US" dirty="0"/>
+              <a:t> Needs to collect more data </a:t>
+            </a:r>
+            <a:r>
+              <a:rPr lang="en-US"/>
+              <a:t>over time</a:t>
+            </a:r>
+            <a:endParaRPr lang="en-US" i="1" dirty="0"/>
+          </a:p>
+          <a:p>
+            <a:pPr marL="0" indent="0">
+              <a:buNone/>
+            </a:pPr>
+            <a:endParaRPr lang="en-US" dirty="0"/>
+          </a:p>
+        </p:txBody>
+      </p:sp>
+    </p:spTree>
+    <p:extLst>
+      <p:ext uri="{BB962C8B-B14F-4D97-AF65-F5344CB8AC3E}">
+        <p14:creationId xmlns:p14="http://schemas.microsoft.com/office/powerpoint/2010/main" val="445627313"/>
+      </p:ext>
+    </p:extLst>
+  </p:cSld>
+  <p:clrMapOvr>
+    <a:masterClrMapping/>
+  </p:clrMapOvr>
+</p:sld>
+</file>
+
+<file path=ppt/slides/slide16.xml><?xml version="1.0" encoding="utf-8"?>
+<p:sld xmlns:a="http://schemas.openxmlformats.org/drawingml/2006/main" xmlns:r="http://schemas.openxmlformats.org/officeDocument/2006/relationships" xmlns:p="http://schemas.openxmlformats.org/presentationml/2006/main">
+  <p:cSld>
+    <p:spTree>
+      <p:nvGrpSpPr>
+        <p:cNvPr id="1" name="">
+          <a:extLst>
+            <a:ext uri="{FF2B5EF4-FFF2-40B4-BE49-F238E27FC236}">
+              <a16:creationId xmlns:a16="http://schemas.microsoft.com/office/drawing/2014/main" id="{6D89CB16-FC26-D779-3F51-EF4D27618D47}"/>
+            </a:ext>
+          </a:extLst>
+        </p:cNvPr>
+        <p:cNvGrpSpPr/>
+        <p:nvPr/>
+      </p:nvGrpSpPr>
+      <p:grpSpPr>
+        <a:xfrm>
+          <a:off x="0" y="0"/>
+          <a:ext cx="0" cy="0"/>
+          <a:chOff x="0" y="0"/>
+          <a:chExt cx="0" cy="0"/>
+        </a:xfrm>
+      </p:grpSpPr>
+      <p:sp>
+        <p:nvSpPr>
+          <p:cNvPr id="2" name="Title 1">
+            <a:extLst>
+              <a:ext uri="{FF2B5EF4-FFF2-40B4-BE49-F238E27FC236}">
+                <a16:creationId xmlns:a16="http://schemas.microsoft.com/office/drawing/2014/main" id="{7F3CB485-135B-6C6C-F8FB-C43F8E63E21B}"/>
+              </a:ext>
+            </a:extLst>
+          </p:cNvPr>
+          <p:cNvSpPr>
+            <a:spLocks noGrp="1"/>
+          </p:cNvSpPr>
+          <p:nvPr>
+            <p:ph type="title"/>
+          </p:nvPr>
+        </p:nvSpPr>
+        <p:spPr/>
+        <p:txBody>
+          <a:bodyPr/>
+          <a:lstStyle/>
+          <a:p>
+            <a:r>
+              <a:rPr lang="en-US" dirty="0"/>
+              <a:t>(Practical) Limitations</a:t>
+            </a:r>
+          </a:p>
+        </p:txBody>
+      </p:sp>
+      <p:sp>
+        <p:nvSpPr>
+          <p:cNvPr id="3" name="Content Placeholder 2">
+            <a:extLst>
+              <a:ext uri="{FF2B5EF4-FFF2-40B4-BE49-F238E27FC236}">
+                <a16:creationId xmlns:a16="http://schemas.microsoft.com/office/drawing/2014/main" id="{C95656B2-B138-5272-9F61-23B4F80A8F93}"/>
+              </a:ext>
+            </a:extLst>
+          </p:cNvPr>
+          <p:cNvSpPr>
+            <a:spLocks noGrp="1"/>
+          </p:cNvSpPr>
+          <p:nvPr>
+            <p:ph idx="1"/>
+          </p:nvPr>
+        </p:nvSpPr>
+        <p:spPr/>
+        <p:txBody>
+          <a:bodyPr/>
+          <a:lstStyle/>
+          <a:p>
+            <a:pPr marL="0" indent="0">
+              <a:buNone/>
+            </a:pPr>
+            <a:r>
+              <a:rPr lang="en-US" dirty="0"/>
+              <a:t>- Requires Internet access</a:t>
+            </a:r>
+          </a:p>
+          <a:p>
+            <a:pPr marL="0" indent="0">
+              <a:buNone/>
+            </a:pPr>
+            <a:r>
+              <a:rPr lang="en-US" dirty="0"/>
+              <a:t>	- Also requires transmitting entire audio file</a:t>
+            </a:r>
+          </a:p>
+          <a:p>
+            <a:pPr marL="0" indent="0">
+              <a:buNone/>
+            </a:pPr>
+            <a:r>
+              <a:rPr lang="en-US" dirty="0"/>
+              <a:t>	- ⁉ Possible to port to JS ? </a:t>
+            </a:r>
+            <a:r>
+              <a:rPr lang="en-US" dirty="0">
+                <a:sym typeface="Wingdings" panose="05000000000000000000" pitchFamily="2" charset="2"/>
+              </a:rPr>
+              <a:t> Transmit “Fingerprint”</a:t>
+            </a:r>
+            <a:r>
+              <a:rPr lang="en-US" dirty="0"/>
+              <a:t> </a:t>
+            </a:r>
+          </a:p>
+          <a:p>
+            <a:pPr marL="0" indent="0">
+              <a:buNone/>
+            </a:pPr>
+            <a:endParaRPr lang="en-US" dirty="0"/>
+          </a:p>
+          <a:p>
+            <a:pPr marL="0" indent="0">
+              <a:buNone/>
+            </a:pPr>
+            <a:r>
+              <a:rPr lang="en-US" dirty="0"/>
+              <a:t>- </a:t>
+            </a:r>
+            <a:r>
+              <a:rPr lang="en-US" b="1" dirty="0"/>
+              <a:t>File format </a:t>
+            </a:r>
+            <a:r>
+              <a:rPr lang="en-US" dirty="0"/>
+              <a:t>impedance:</a:t>
+            </a:r>
+          </a:p>
+          <a:p>
+            <a:pPr marL="0" indent="0">
+              <a:buNone/>
+            </a:pPr>
+            <a:r>
+              <a:rPr lang="en-US" dirty="0"/>
+              <a:t>	Web audio uses </a:t>
+            </a:r>
+            <a:r>
+              <a:rPr lang="en-US" i="1" dirty="0" err="1"/>
+              <a:t>webm</a:t>
+            </a:r>
+            <a:r>
+              <a:rPr lang="en-US" i="1" dirty="0"/>
+              <a:t>/</a:t>
+            </a:r>
+            <a:r>
+              <a:rPr lang="en-US" i="1" dirty="0" err="1"/>
+              <a:t>ogg</a:t>
+            </a:r>
+            <a:r>
+              <a:rPr lang="en-US" i="1" dirty="0"/>
+              <a:t>, </a:t>
+            </a:r>
+            <a:br>
+              <a:rPr lang="en-US" i="1" dirty="0"/>
+            </a:br>
+            <a:r>
+              <a:rPr lang="en-US" i="1" dirty="0"/>
+              <a:t>	</a:t>
+            </a:r>
+            <a:r>
+              <a:rPr lang="en-US" dirty="0"/>
+              <a:t>but analysis libraries use </a:t>
+            </a:r>
+            <a:r>
+              <a:rPr lang="en-US" i="1" dirty="0"/>
+              <a:t>wav/mp3</a:t>
+            </a:r>
+          </a:p>
+          <a:p>
+            <a:pPr marL="0" indent="0">
+              <a:buNone/>
+            </a:pPr>
+            <a:endParaRPr lang="en-US" dirty="0"/>
+          </a:p>
+        </p:txBody>
+      </p:sp>
+    </p:spTree>
+    <p:extLst>
+      <p:ext uri="{BB962C8B-B14F-4D97-AF65-F5344CB8AC3E}">
+        <p14:creationId xmlns:p14="http://schemas.microsoft.com/office/powerpoint/2010/main" val="2097374177"/>
+      </p:ext>
+    </p:extLst>
+  </p:cSld>
+  <p:clrMapOvr>
+    <a:masterClrMapping/>
+  </p:clrMapOvr>
+</p:sld>
+</file>
+
 <file path=ppt/slides/slide2.xml><?xml version="1.0" encoding="utf-8"?>
+<p:sld xmlns:a="http://schemas.openxmlformats.org/drawingml/2006/main" xmlns:r="http://schemas.openxmlformats.org/officeDocument/2006/relationships" xmlns:p="http://schemas.openxmlformats.org/presentationml/2006/main">
+  <p:cSld>
+    <p:spTree>
+      <p:nvGrpSpPr>
+        <p:cNvPr id="1" name="">
+          <a:extLst>
+            <a:ext uri="{FF2B5EF4-FFF2-40B4-BE49-F238E27FC236}">
+              <a16:creationId xmlns:a16="http://schemas.microsoft.com/office/drawing/2014/main" id="{22DF9C79-3E28-99C8-7637-4083F42174A5}"/>
+            </a:ext>
+          </a:extLst>
+        </p:cNvPr>
+        <p:cNvGrpSpPr/>
+        <p:nvPr/>
+      </p:nvGrpSpPr>
+      <p:grpSpPr>
+        <a:xfrm>
+          <a:off x="0" y="0"/>
+          <a:ext cx="0" cy="0"/>
+          <a:chOff x="0" y="0"/>
+          <a:chExt cx="0" cy="0"/>
+        </a:xfrm>
+      </p:grpSpPr>
+      <p:sp>
+        <p:nvSpPr>
+          <p:cNvPr id="2" name="Title 1">
+            <a:extLst>
+              <a:ext uri="{FF2B5EF4-FFF2-40B4-BE49-F238E27FC236}">
+                <a16:creationId xmlns:a16="http://schemas.microsoft.com/office/drawing/2014/main" id="{3111F55A-5E9D-E1FD-1E9E-E03CF38D1192}"/>
+              </a:ext>
+            </a:extLst>
+          </p:cNvPr>
+          <p:cNvSpPr>
+            <a:spLocks noGrp="1"/>
+          </p:cNvSpPr>
+          <p:nvPr>
+            <p:ph type="title"/>
+          </p:nvPr>
+        </p:nvSpPr>
+        <p:spPr/>
+        <p:txBody>
+          <a:bodyPr/>
+          <a:lstStyle/>
+          <a:p>
+            <a:r>
+              <a:rPr lang="en-US" dirty="0" err="1"/>
+              <a:t>uW</a:t>
+            </a:r>
+            <a:r>
+              <a:rPr lang="en-US" dirty="0"/>
+              <a:t> Hackathon – 2024</a:t>
+            </a:r>
+          </a:p>
+        </p:txBody>
+      </p:sp>
+      <p:sp>
+        <p:nvSpPr>
+          <p:cNvPr id="3" name="Content Placeholder 2">
+            <a:extLst>
+              <a:ext uri="{FF2B5EF4-FFF2-40B4-BE49-F238E27FC236}">
+                <a16:creationId xmlns:a16="http://schemas.microsoft.com/office/drawing/2014/main" id="{6897B471-8C70-2B80-6711-11F968847A27}"/>
+              </a:ext>
+            </a:extLst>
+          </p:cNvPr>
+          <p:cNvSpPr>
+            <a:spLocks noGrp="1"/>
+          </p:cNvSpPr>
+          <p:nvPr>
+            <p:ph idx="1"/>
+          </p:nvPr>
+        </p:nvSpPr>
+        <p:spPr>
+          <a:xfrm>
+            <a:off x="328246" y="2076167"/>
+            <a:ext cx="11025554" cy="4511064"/>
+          </a:xfrm>
+        </p:spPr>
+        <p:txBody>
+          <a:bodyPr>
+            <a:normAutofit/>
+          </a:bodyPr>
+          <a:lstStyle/>
+          <a:p>
+            <a:pPr marL="0" indent="0">
+              <a:lnSpc>
+                <a:spcPct val="120000"/>
+              </a:lnSpc>
+              <a:buNone/>
+            </a:pPr>
+            <a:r>
+              <a:rPr lang="en-US" sz="3600" dirty="0">
+                <a:latin typeface="Georgia" panose="02040502050405020303" pitchFamily="18" charset="0"/>
+              </a:rPr>
+              <a:t>Keyword checking prototype </a:t>
+            </a:r>
+          </a:p>
+          <a:p>
+            <a:pPr marL="0" indent="0">
+              <a:lnSpc>
+                <a:spcPct val="120000"/>
+              </a:lnSpc>
+              <a:buNone/>
+            </a:pPr>
+            <a:r>
+              <a:rPr lang="en-US" sz="3600" dirty="0">
+                <a:latin typeface="Georgia" panose="02040502050405020303" pitchFamily="18" charset="0"/>
+              </a:rPr>
+              <a:t>AKA – “Is this thing on?”</a:t>
+            </a:r>
+          </a:p>
+        </p:txBody>
+      </p:sp>
+      <p:pic>
+        <p:nvPicPr>
+          <p:cNvPr id="6" name="Picture 5" descr="A person standing on a stage holding a box with a microphone&#10;&#10;Description automatically generated">
+            <a:extLst>
+              <a:ext uri="{FF2B5EF4-FFF2-40B4-BE49-F238E27FC236}">
+                <a16:creationId xmlns:a16="http://schemas.microsoft.com/office/drawing/2014/main" id="{BA41436D-E2B5-32E3-074C-4D0A7FA9BEC1}"/>
+              </a:ext>
+            </a:extLst>
+          </p:cNvPr>
+          <p:cNvPicPr>
+            <a:picLocks noChangeAspect="1"/>
+          </p:cNvPicPr>
+          <p:nvPr/>
+        </p:nvPicPr>
+        <p:blipFill>
+          <a:blip r:embed="rId2">
+            <a:extLst>
+              <a:ext uri="{28A0092B-C50C-407E-A947-70E740481C1C}">
+                <a14:useLocalDpi xmlns:a14="http://schemas.microsoft.com/office/drawing/2010/main" val="0"/>
+              </a:ext>
+            </a:extLst>
+          </a:blip>
+          <a:stretch>
+            <a:fillRect/>
+          </a:stretch>
+        </p:blipFill>
+        <p:spPr>
+          <a:xfrm>
+            <a:off x="7246815" y="2076167"/>
+            <a:ext cx="4763477" cy="4763477"/>
+          </a:xfrm>
+          <a:prstGeom prst="rect">
+            <a:avLst/>
+          </a:prstGeom>
+        </p:spPr>
+      </p:pic>
+    </p:spTree>
+    <p:extLst>
+      <p:ext uri="{BB962C8B-B14F-4D97-AF65-F5344CB8AC3E}">
+        <p14:creationId xmlns:p14="http://schemas.microsoft.com/office/powerpoint/2010/main" val="907859234"/>
+      </p:ext>
+    </p:extLst>
+  </p:cSld>
+  <p:clrMapOvr>
+    <a:masterClrMapping/>
+  </p:clrMapOvr>
+</p:sld>
+</file>
+
+<file path=ppt/slides/slide3.xml><?xml version="1.0" encoding="utf-8"?>
 <p:sld xmlns:a="http://schemas.openxmlformats.org/drawingml/2006/main" xmlns:r="http://schemas.openxmlformats.org/officeDocument/2006/relationships" xmlns:p="http://schemas.openxmlformats.org/presentationml/2006/main">
   <p:cSld>
     <p:spTree>
@@ -5110,12 +5788,148 @@
           <a:chExt cx="0" cy="0"/>
         </a:xfrm>
       </p:grpSpPr>
+      <p:sp>
+        <p:nvSpPr>
+          <p:cNvPr id="3" name="Content Placeholder 2">
+            <a:extLst>
+              <a:ext uri="{FF2B5EF4-FFF2-40B4-BE49-F238E27FC236}">
+                <a16:creationId xmlns:a16="http://schemas.microsoft.com/office/drawing/2014/main" id="{9D090549-E39A-95CD-1921-17A8F4E3F1A5}"/>
+              </a:ext>
+            </a:extLst>
+          </p:cNvPr>
+          <p:cNvSpPr>
+            <a:spLocks noGrp="1"/>
+          </p:cNvSpPr>
+          <p:nvPr>
+            <p:ph idx="1"/>
+          </p:nvPr>
+        </p:nvSpPr>
+        <p:spPr/>
+        <p:txBody>
+          <a:bodyPr>
+            <a:normAutofit/>
+          </a:bodyPr>
+          <a:lstStyle/>
+          <a:p>
+            <a:pPr marL="0" indent="0">
+              <a:buNone/>
+            </a:pPr>
+            <a:r>
+              <a:rPr lang="en-US" dirty="0"/>
+              <a:t>Method:</a:t>
+            </a:r>
+          </a:p>
+          <a:p>
+            <a:pPr marL="0" indent="0">
+              <a:buNone/>
+            </a:pPr>
+            <a:r>
+              <a:rPr lang="en-US" dirty="0"/>
+              <a:t>Python packages:</a:t>
+            </a:r>
+          </a:p>
+          <a:p>
+            <a:pPr marL="0" indent="0">
+              <a:buNone/>
+            </a:pPr>
+            <a:r>
+              <a:rPr lang="en-US" dirty="0"/>
+              <a:t>- </a:t>
+            </a:r>
+            <a:r>
+              <a:rPr lang="en-US" dirty="0" err="1"/>
+              <a:t>librosa</a:t>
+            </a:r>
+            <a:r>
+              <a:rPr lang="en-US" dirty="0"/>
+              <a:t>	Encoding audio data</a:t>
+            </a:r>
+          </a:p>
+          <a:p>
+            <a:pPr marL="0" indent="0">
+              <a:buNone/>
+            </a:pPr>
+            <a:endParaRPr lang="en-US" dirty="0"/>
+          </a:p>
+          <a:p>
+            <a:pPr marL="514350" indent="-514350">
+              <a:buAutoNum type="arabicPeriod"/>
+            </a:pPr>
+            <a:r>
+              <a:rPr lang="en-US" dirty="0"/>
+              <a:t>Collect the Data</a:t>
+            </a:r>
+          </a:p>
+          <a:p>
+            <a:pPr marL="514350" indent="-514350">
+              <a:buAutoNum type="arabicPeriod"/>
+            </a:pPr>
+            <a:r>
+              <a:rPr lang="en-US" dirty="0"/>
+              <a:t>Clean the Data</a:t>
+            </a:r>
+          </a:p>
+          <a:p>
+            <a:pPr marL="514350" indent="-514350">
+              <a:buAutoNum type="arabicPeriod"/>
+            </a:pPr>
+            <a:r>
+              <a:rPr lang="en-US" dirty="0"/>
+              <a:t>Explore/Visualize the Data</a:t>
+            </a:r>
+          </a:p>
+          <a:p>
+            <a:pPr marL="0" indent="0">
+              <a:buNone/>
+            </a:pPr>
+            <a:endParaRPr lang="en-US" dirty="0"/>
+          </a:p>
+          <a:p>
+            <a:pPr marL="0" indent="0">
+              <a:buNone/>
+            </a:pPr>
+            <a:endParaRPr lang="en-US" dirty="0"/>
+          </a:p>
+        </p:txBody>
+      </p:sp>
+      <p:sp>
+        <p:nvSpPr>
+          <p:cNvPr id="2" name="Title 1">
+            <a:extLst>
+              <a:ext uri="{FF2B5EF4-FFF2-40B4-BE49-F238E27FC236}">
+                <a16:creationId xmlns:a16="http://schemas.microsoft.com/office/drawing/2014/main" id="{186F3137-2A61-B919-17E2-7AE5D8C49FDE}"/>
+              </a:ext>
+            </a:extLst>
+          </p:cNvPr>
+          <p:cNvSpPr>
+            <a:spLocks noGrp="1"/>
+          </p:cNvSpPr>
+          <p:nvPr>
+            <p:ph type="title"/>
+          </p:nvPr>
+        </p:nvSpPr>
+        <p:spPr/>
+        <p:txBody>
+          <a:bodyPr/>
+          <a:lstStyle/>
+          <a:p>
+            <a:r>
+              <a:rPr lang="en-US" dirty="0" err="1"/>
+              <a:t>uW</a:t>
+            </a:r>
+            <a:r>
+              <a:rPr lang="en-US" dirty="0"/>
+              <a:t> Hackathon – 2024</a:t>
+            </a:r>
+          </a:p>
+        </p:txBody>
+      </p:sp>
       <p:pic>
         <p:nvPicPr>
-          <p:cNvPr id="4" name="Picture 3" descr="A red and white tag with white text&#10;&#10;Description automatically generated">
+          <p:cNvPr id="5" name="Picture 4" descr="A red and white tag with white text&#10;&#10;Description automatically generated">
             <a:extLst>
               <a:ext uri="{FF2B5EF4-FFF2-40B4-BE49-F238E27FC236}">
-                <a16:creationId xmlns:a16="http://schemas.microsoft.com/office/drawing/2014/main" id="{AFCBF54E-4FE4-02F3-7050-5B9D1DF75B66}"/>
+                <a16:creationId xmlns:a16="http://schemas.microsoft.com/office/drawing/2014/main" id="{AED5D47C-E738-287E-2DDC-2F4377258A6C}"/>
               </a:ext>
             </a:extLst>
           </p:cNvPr>
@@ -5127,6 +5941,34 @@
         <p:blipFill>
           <a:blip r:embed="rId2">
             <a:extLst>
+              <a:ext uri="{BEBA8EAE-BF5A-486C-A8C5-ECC9F3942E4B}">
+                <a14:imgProps xmlns:a14="http://schemas.microsoft.com/office/drawing/2010/main">
+                  <a14:imgLayer r:embed="rId3">
+                    <a14:imgEffect>
+                      <a14:backgroundRemoval t="10000" b="90000" l="10000" r="90000">
+                        <a14:foregroundMark x1="23242" y1="34277" x2="19922" y2="49902"/>
+                        <a14:foregroundMark x1="19922" y1="49902" x2="27051" y2="56055"/>
+                        <a14:foregroundMark x1="27051" y1="56055" x2="35547" y2="50195"/>
+                        <a14:foregroundMark x1="35547" y1="50195" x2="33398" y2="36719"/>
+                        <a14:foregroundMark x1="33398" y1="36719" x2="25195" y2="33301"/>
+                        <a14:foregroundMark x1="25195" y1="33301" x2="23438" y2="33984"/>
+                        <a14:foregroundMark x1="28809" y1="37012" x2="25195" y2="45801"/>
+                        <a14:foregroundMark x1="25195" y1="45801" x2="30371" y2="49512"/>
+                        <a14:foregroundMark x1="42480" y1="34863" x2="42773" y2="43555"/>
+                        <a14:foregroundMark x1="42773" y1="43555" x2="50488" y2="40918"/>
+                        <a14:foregroundMark x1="50488" y1="40918" x2="59961" y2="41211"/>
+                        <a14:foregroundMark x1="59961" y1="41211" x2="79492" y2="34961"/>
+                        <a14:foregroundMark x1="79492" y1="34961" x2="79395" y2="39063"/>
+                        <a14:foregroundMark x1="57715" y1="33301" x2="56934" y2="42969"/>
+                        <a14:foregroundMark x1="70703" y1="34180" x2="80664" y2="30566"/>
+                        <a14:foregroundMark x1="80664" y1="30566" x2="80957" y2="30273"/>
+                        <a14:foregroundMark x1="23535" y1="60449" x2="72754" y2="47070"/>
+                        <a14:foregroundMark x1="77344" y1="46289" x2="81738" y2="51367"/>
+                      </a14:backgroundRemoval>
+                    </a14:imgEffect>
+                  </a14:imgLayer>
+                </a14:imgProps>
+              </a:ext>
               <a:ext uri="{28A0092B-C50C-407E-A947-70E740481C1C}">
                 <a14:useLocalDpi xmlns:a14="http://schemas.microsoft.com/office/drawing/2010/main" val="0"/>
               </a:ext>
@@ -5138,150 +5980,14 @@
         </p:blipFill>
         <p:spPr>
           <a:xfrm>
-            <a:off x="3569286" y="2082414"/>
-            <a:ext cx="504825" cy="504825"/>
+            <a:off x="3582989" y="2109049"/>
+            <a:ext cx="473560" cy="473560"/>
           </a:xfrm>
           <a:prstGeom prst="rect">
             <a:avLst/>
           </a:prstGeom>
         </p:spPr>
       </p:pic>
-      <p:sp>
-        <p:nvSpPr>
-          <p:cNvPr id="2" name="Title 1">
-            <a:extLst>
-              <a:ext uri="{FF2B5EF4-FFF2-40B4-BE49-F238E27FC236}">
-                <a16:creationId xmlns:a16="http://schemas.microsoft.com/office/drawing/2014/main" id="{186F3137-2A61-B919-17E2-7AE5D8C49FDE}"/>
-              </a:ext>
-            </a:extLst>
-          </p:cNvPr>
-          <p:cNvSpPr>
-            <a:spLocks noGrp="1"/>
-          </p:cNvSpPr>
-          <p:nvPr>
-            <p:ph type="title"/>
-          </p:nvPr>
-        </p:nvSpPr>
-        <p:spPr/>
-        <p:txBody>
-          <a:bodyPr/>
-          <a:lstStyle/>
-          <a:p>
-            <a:r>
-              <a:rPr lang="en-US" dirty="0" err="1"/>
-              <a:t>uW</a:t>
-            </a:r>
-            <a:r>
-              <a:rPr lang="en-US" dirty="0"/>
-              <a:t> Hackathon – 2024</a:t>
-            </a:r>
-          </a:p>
-        </p:txBody>
-      </p:sp>
-      <p:sp>
-        <p:nvSpPr>
-          <p:cNvPr id="3" name="Content Placeholder 2">
-            <a:extLst>
-              <a:ext uri="{FF2B5EF4-FFF2-40B4-BE49-F238E27FC236}">
-                <a16:creationId xmlns:a16="http://schemas.microsoft.com/office/drawing/2014/main" id="{9D090549-E39A-95CD-1921-17A8F4E3F1A5}"/>
-              </a:ext>
-            </a:extLst>
-          </p:cNvPr>
-          <p:cNvSpPr>
-            <a:spLocks noGrp="1"/>
-          </p:cNvSpPr>
-          <p:nvPr>
-            <p:ph idx="1"/>
-          </p:nvPr>
-        </p:nvSpPr>
-        <p:spPr/>
-        <p:txBody>
-          <a:bodyPr>
-            <a:normAutofit/>
-          </a:bodyPr>
-          <a:lstStyle/>
-          <a:p>
-            <a:pPr marL="0" indent="0">
-              <a:buNone/>
-            </a:pPr>
-            <a:r>
-              <a:rPr lang="en-US" dirty="0"/>
-              <a:t>Method:</a:t>
-            </a:r>
-          </a:p>
-          <a:p>
-            <a:pPr marL="0" indent="0">
-              <a:buNone/>
-            </a:pPr>
-            <a:r>
-              <a:rPr lang="en-US" dirty="0"/>
-              <a:t>Python packages:</a:t>
-            </a:r>
-          </a:p>
-          <a:p>
-            <a:pPr marL="0" indent="0">
-              <a:buNone/>
-            </a:pPr>
-            <a:r>
-              <a:rPr lang="en-US" dirty="0"/>
-              <a:t>- </a:t>
-            </a:r>
-            <a:r>
-              <a:rPr lang="en-US" dirty="0" err="1"/>
-              <a:t>librosa</a:t>
-            </a:r>
-            <a:r>
-              <a:rPr lang="en-US" dirty="0"/>
-              <a:t>	Encoding audio data</a:t>
-            </a:r>
-          </a:p>
-          <a:p>
-            <a:pPr marL="0" indent="0">
-              <a:buNone/>
-            </a:pPr>
-            <a:endParaRPr lang="en-US" dirty="0"/>
-          </a:p>
-          <a:p>
-            <a:pPr marL="514350" indent="-514350">
-              <a:buAutoNum type="arabicPeriod"/>
-            </a:pPr>
-            <a:r>
-              <a:rPr lang="en-US" dirty="0"/>
-              <a:t>Collect the Data</a:t>
-            </a:r>
-          </a:p>
-          <a:p>
-            <a:pPr marL="514350" indent="-514350">
-              <a:buAutoNum type="arabicPeriod"/>
-            </a:pPr>
-            <a:r>
-              <a:rPr lang="en-US" dirty="0"/>
-              <a:t>Clean the Data</a:t>
-            </a:r>
-          </a:p>
-          <a:p>
-            <a:pPr marL="514350" indent="-514350">
-              <a:buAutoNum type="arabicPeriod"/>
-            </a:pPr>
-            <a:r>
-              <a:rPr lang="en-US" dirty="0"/>
-              <a:t>Explore/Visualize the Data</a:t>
-            </a:r>
-          </a:p>
-          <a:p>
-            <a:pPr marL="0" indent="0">
-              <a:buNone/>
-            </a:pPr>
-            <a:endParaRPr lang="en-US" dirty="0"/>
-          </a:p>
-          <a:p>
-            <a:pPr marL="0" indent="0">
-              <a:buNone/>
-            </a:pPr>
-            <a:endParaRPr lang="en-US" dirty="0"/>
-          </a:p>
-        </p:txBody>
-      </p:sp>
     </p:spTree>
     <p:extLst>
       <p:ext uri="{BB962C8B-B14F-4D97-AF65-F5344CB8AC3E}">
@@ -5295,7 +6001,7 @@
 </p:sld>
 </file>
 
-<file path=ppt/slides/slide3.xml><?xml version="1.0" encoding="utf-8"?>
+<file path=ppt/slides/slide4.xml><?xml version="1.0" encoding="utf-8"?>
 <p:sld xmlns:a="http://schemas.openxmlformats.org/drawingml/2006/main" xmlns:r="http://schemas.openxmlformats.org/officeDocument/2006/relationships" xmlns:p="http://schemas.openxmlformats.org/presentationml/2006/main">
   <p:cSld>
     <p:spTree>
@@ -5378,7 +6084,7 @@
 </p:sld>
 </file>
 
-<file path=ppt/slides/slide4.xml><?xml version="1.0" encoding="utf-8"?>
+<file path=ppt/slides/slide5.xml><?xml version="1.0" encoding="utf-8"?>
 <p:sld xmlns:a="http://schemas.openxmlformats.org/drawingml/2006/main" xmlns:r="http://schemas.openxmlformats.org/officeDocument/2006/relationships" xmlns:p="http://schemas.openxmlformats.org/presentationml/2006/main">
   <p:cSld>
     <p:spTree>
@@ -5721,7 +6427,7 @@
 </p:sld>
 </file>
 
-<file path=ppt/slides/slide5.xml><?xml version="1.0" encoding="utf-8"?>
+<file path=ppt/slides/slide6.xml><?xml version="1.0" encoding="utf-8"?>
 <p:sld xmlns:a="http://schemas.openxmlformats.org/drawingml/2006/main" xmlns:r="http://schemas.openxmlformats.org/officeDocument/2006/relationships" xmlns:p="http://schemas.openxmlformats.org/presentationml/2006/main">
   <p:cSld>
     <p:spTree>
@@ -5744,12 +6450,119 @@
           <a:chExt cx="0" cy="0"/>
         </a:xfrm>
       </p:grpSpPr>
+      <p:sp>
+        <p:nvSpPr>
+          <p:cNvPr id="2" name="Title 1">
+            <a:extLst>
+              <a:ext uri="{FF2B5EF4-FFF2-40B4-BE49-F238E27FC236}">
+                <a16:creationId xmlns:a16="http://schemas.microsoft.com/office/drawing/2014/main" id="{3F5D6987-8A7C-EF18-208A-7255EA476677}"/>
+              </a:ext>
+            </a:extLst>
+          </p:cNvPr>
+          <p:cNvSpPr>
+            <a:spLocks noGrp="1"/>
+          </p:cNvSpPr>
+          <p:nvPr>
+            <p:ph type="title"/>
+          </p:nvPr>
+        </p:nvSpPr>
+        <p:spPr/>
+        <p:txBody>
+          <a:bodyPr/>
+          <a:lstStyle/>
+          <a:p>
+            <a:r>
+              <a:rPr lang="en-US" dirty="0"/>
+              <a:t>Clean the Data</a:t>
+            </a:r>
+          </a:p>
+        </p:txBody>
+      </p:sp>
+      <p:sp>
+        <p:nvSpPr>
+          <p:cNvPr id="3" name="Content Placeholder 2">
+            <a:extLst>
+              <a:ext uri="{FF2B5EF4-FFF2-40B4-BE49-F238E27FC236}">
+                <a16:creationId xmlns:a16="http://schemas.microsoft.com/office/drawing/2014/main" id="{E50D8BDB-18E2-001C-F017-F1A04E850A70}"/>
+              </a:ext>
+            </a:extLst>
+          </p:cNvPr>
+          <p:cNvSpPr>
+            <a:spLocks noGrp="1"/>
+          </p:cNvSpPr>
+          <p:nvPr>
+            <p:ph idx="1"/>
+          </p:nvPr>
+        </p:nvSpPr>
+        <p:spPr>
+          <a:xfrm>
+            <a:off x="275208" y="1589103"/>
+            <a:ext cx="11078592" cy="4587860"/>
+          </a:xfrm>
+        </p:spPr>
+        <p:txBody>
+          <a:bodyPr/>
+          <a:lstStyle/>
+          <a:p>
+            <a:pPr marL="0" indent="0">
+              <a:buNone/>
+            </a:pPr>
+            <a:r>
+              <a:rPr lang="en-US" dirty="0">
+                <a:latin typeface="Georgia" panose="02040502050405020303" pitchFamily="18" charset="0"/>
+              </a:rPr>
+              <a:t>A standard process for cleaning speech data:</a:t>
+            </a:r>
+          </a:p>
+          <a:p>
+            <a:pPr marL="0" indent="0">
+              <a:buNone/>
+            </a:pPr>
+            <a:endParaRPr lang="en-US" b="1" dirty="0">
+              <a:latin typeface="Georgia" panose="02040502050405020303" pitchFamily="18" charset="0"/>
+            </a:endParaRPr>
+          </a:p>
+          <a:p>
+            <a:pPr marL="0" indent="0">
+              <a:buNone/>
+            </a:pPr>
+            <a:r>
+              <a:rPr lang="en-US" b="1" dirty="0">
+                <a:latin typeface="Georgia" panose="02040502050405020303" pitchFamily="18" charset="0"/>
+              </a:rPr>
+              <a:t>Pre-emphasis:</a:t>
+            </a:r>
+          </a:p>
+          <a:p>
+            <a:pPr marL="0" indent="0">
+              <a:buNone/>
+            </a:pPr>
+            <a:r>
+              <a:rPr lang="en-US" dirty="0">
+                <a:latin typeface="Georgia" panose="02040502050405020303" pitchFamily="18" charset="0"/>
+              </a:rPr>
+              <a:t>“Lowering the ceiling”</a:t>
+            </a:r>
+          </a:p>
+          <a:p>
+            <a:pPr marL="0" indent="0">
+              <a:buNone/>
+            </a:pPr>
+            <a:r>
+              <a:rPr lang="en-US" dirty="0">
+                <a:latin typeface="Georgia" panose="02040502050405020303" pitchFamily="18" charset="0"/>
+              </a:rPr>
+              <a:t>~ “reducing contrast”</a:t>
+            </a:r>
+          </a:p>
+        </p:txBody>
+      </p:sp>
       <p:pic>
         <p:nvPicPr>
-          <p:cNvPr id="9" name="Picture 8" descr="A red and white tag with white text&#10;&#10;Description automatically generated">
+          <p:cNvPr id="4" name="Picture 3" descr="A red and white tag with white text&#10;&#10;Description automatically generated">
             <a:extLst>
               <a:ext uri="{FF2B5EF4-FFF2-40B4-BE49-F238E27FC236}">
-                <a16:creationId xmlns:a16="http://schemas.microsoft.com/office/drawing/2014/main" id="{A6FF4597-D405-290D-B155-B961B9A7DB79}"/>
+                <a16:creationId xmlns:a16="http://schemas.microsoft.com/office/drawing/2014/main" id="{7CC6E6B0-72DA-9141-A7B3-D53A6E5FF667}"/>
               </a:ext>
             </a:extLst>
           </p:cNvPr>
@@ -5761,6 +6574,34 @@
         <p:blipFill>
           <a:blip r:embed="rId2">
             <a:extLst>
+              <a:ext uri="{BEBA8EAE-BF5A-486C-A8C5-ECC9F3942E4B}">
+                <a14:imgProps xmlns:a14="http://schemas.microsoft.com/office/drawing/2010/main">
+                  <a14:imgLayer r:embed="rId3">
+                    <a14:imgEffect>
+                      <a14:backgroundRemoval t="10000" b="90000" l="10000" r="90000">
+                        <a14:foregroundMark x1="23242" y1="34277" x2="19922" y2="49902"/>
+                        <a14:foregroundMark x1="19922" y1="49902" x2="27051" y2="56055"/>
+                        <a14:foregroundMark x1="27051" y1="56055" x2="35547" y2="50195"/>
+                        <a14:foregroundMark x1="35547" y1="50195" x2="33398" y2="36719"/>
+                        <a14:foregroundMark x1="33398" y1="36719" x2="25195" y2="33301"/>
+                        <a14:foregroundMark x1="25195" y1="33301" x2="23438" y2="33984"/>
+                        <a14:foregroundMark x1="28809" y1="37012" x2="25195" y2="45801"/>
+                        <a14:foregroundMark x1="25195" y1="45801" x2="30371" y2="49512"/>
+                        <a14:foregroundMark x1="42480" y1="34863" x2="42773" y2="43555"/>
+                        <a14:foregroundMark x1="42773" y1="43555" x2="50488" y2="40918"/>
+                        <a14:foregroundMark x1="50488" y1="40918" x2="59961" y2="41211"/>
+                        <a14:foregroundMark x1="59961" y1="41211" x2="79492" y2="34961"/>
+                        <a14:foregroundMark x1="79492" y1="34961" x2="79395" y2="39063"/>
+                        <a14:foregroundMark x1="57715" y1="33301" x2="56934" y2="42969"/>
+                        <a14:foregroundMark x1="70703" y1="34180" x2="80664" y2="30566"/>
+                        <a14:foregroundMark x1="80664" y1="30566" x2="80957" y2="30273"/>
+                        <a14:foregroundMark x1="23535" y1="60449" x2="72754" y2="47070"/>
+                        <a14:foregroundMark x1="77344" y1="46289" x2="81738" y2="51367"/>
+                      </a14:backgroundRemoval>
+                    </a14:imgEffect>
+                  </a14:imgLayer>
+                </a14:imgProps>
+              </a:ext>
               <a:ext uri="{28A0092B-C50C-407E-A947-70E740481C1C}">
                 <a14:useLocalDpi xmlns:a14="http://schemas.microsoft.com/office/drawing/2010/main" val="0"/>
               </a:ext>
@@ -5772,121 +6613,14 @@
         </p:blipFill>
         <p:spPr>
           <a:xfrm>
-            <a:off x="7235763" y="1336690"/>
-            <a:ext cx="504825" cy="504825"/>
+            <a:off x="7310927" y="1352323"/>
+            <a:ext cx="473560" cy="473560"/>
           </a:xfrm>
           <a:prstGeom prst="rect">
             <a:avLst/>
           </a:prstGeom>
         </p:spPr>
       </p:pic>
-      <p:sp>
-        <p:nvSpPr>
-          <p:cNvPr id="2" name="Title 1">
-            <a:extLst>
-              <a:ext uri="{FF2B5EF4-FFF2-40B4-BE49-F238E27FC236}">
-                <a16:creationId xmlns:a16="http://schemas.microsoft.com/office/drawing/2014/main" id="{3F5D6987-8A7C-EF18-208A-7255EA476677}"/>
-              </a:ext>
-            </a:extLst>
-          </p:cNvPr>
-          <p:cNvSpPr>
-            <a:spLocks noGrp="1"/>
-          </p:cNvSpPr>
-          <p:nvPr>
-            <p:ph type="title"/>
-          </p:nvPr>
-        </p:nvSpPr>
-        <p:spPr/>
-        <p:txBody>
-          <a:bodyPr/>
-          <a:lstStyle/>
-          <a:p>
-            <a:r>
-              <a:rPr lang="en-US" dirty="0"/>
-              <a:t>Clean the Data</a:t>
-            </a:r>
-          </a:p>
-        </p:txBody>
-      </p:sp>
-      <p:sp>
-        <p:nvSpPr>
-          <p:cNvPr id="3" name="Content Placeholder 2">
-            <a:extLst>
-              <a:ext uri="{FF2B5EF4-FFF2-40B4-BE49-F238E27FC236}">
-                <a16:creationId xmlns:a16="http://schemas.microsoft.com/office/drawing/2014/main" id="{E50D8BDB-18E2-001C-F017-F1A04E850A70}"/>
-              </a:ext>
-            </a:extLst>
-          </p:cNvPr>
-          <p:cNvSpPr>
-            <a:spLocks noGrp="1"/>
-          </p:cNvSpPr>
-          <p:nvPr>
-            <p:ph idx="1"/>
-          </p:nvPr>
-        </p:nvSpPr>
-        <p:spPr>
-          <a:xfrm>
-            <a:off x="275208" y="1589103"/>
-            <a:ext cx="11078592" cy="4587860"/>
-          </a:xfrm>
-        </p:spPr>
-        <p:txBody>
-          <a:bodyPr/>
-          <a:lstStyle/>
-          <a:p>
-            <a:pPr marL="0" indent="0">
-              <a:buNone/>
-            </a:pPr>
-            <a:r>
-              <a:rPr lang="en-US" dirty="0">
-                <a:latin typeface="Georgia" panose="02040502050405020303" pitchFamily="18" charset="0"/>
-              </a:rPr>
-              <a:t>A standard process for cleaning speech data:</a:t>
-            </a:r>
-          </a:p>
-          <a:p>
-            <a:pPr marL="0" indent="0">
-              <a:buNone/>
-            </a:pPr>
-            <a:endParaRPr lang="en-US" b="1" dirty="0">
-              <a:latin typeface="Georgia" panose="02040502050405020303" pitchFamily="18" charset="0"/>
-            </a:endParaRPr>
-          </a:p>
-          <a:p>
-            <a:pPr marL="0" indent="0">
-              <a:buNone/>
-            </a:pPr>
-            <a:r>
-              <a:rPr lang="en-US" b="1" dirty="0">
-                <a:latin typeface="Georgia" panose="02040502050405020303" pitchFamily="18" charset="0"/>
-              </a:rPr>
-              <a:t>Pre-emphasis:</a:t>
-            </a:r>
-          </a:p>
-          <a:p>
-            <a:pPr marL="0" indent="0">
-              <a:buNone/>
-            </a:pPr>
-            <a:r>
-              <a:rPr lang="en-US" dirty="0">
-                <a:latin typeface="Georgia" panose="02040502050405020303" pitchFamily="18" charset="0"/>
-              </a:rPr>
-              <a:t>“Lowering the ceiling”</a:t>
-            </a:r>
-          </a:p>
-          <a:p>
-            <a:pPr marL="0" indent="0">
-              <a:buNone/>
-            </a:pPr>
-            <a:r>
-              <a:rPr lang="en-US" dirty="0">
-                <a:latin typeface="Georgia" panose="02040502050405020303" pitchFamily="18" charset="0"/>
-              </a:rPr>
-              <a:t>~ “reducing contrast”</a:t>
-            </a:r>
-          </a:p>
-        </p:txBody>
-      </p:sp>
     </p:spTree>
     <p:extLst>
       <p:ext uri="{BB962C8B-B14F-4D97-AF65-F5344CB8AC3E}">
@@ -5900,7 +6634,7 @@
 </p:sld>
 </file>
 
-<file path=ppt/slides/slide6.xml><?xml version="1.0" encoding="utf-8"?>
+<file path=ppt/slides/slide7.xml><?xml version="1.0" encoding="utf-8"?>
 <p:sld xmlns:a="http://schemas.openxmlformats.org/drawingml/2006/main" xmlns:r="http://schemas.openxmlformats.org/officeDocument/2006/relationships" xmlns:p="http://schemas.openxmlformats.org/presentationml/2006/main">
   <p:cSld>
     <p:spTree>
@@ -6164,7 +6898,7 @@
 </p:sld>
 </file>
 
-<file path=ppt/slides/slide7.xml><?xml version="1.0" encoding="utf-8"?>
+<file path=ppt/slides/slide8.xml><?xml version="1.0" encoding="utf-8"?>
 <p:sld xmlns:a="http://schemas.openxmlformats.org/drawingml/2006/main" xmlns:r="http://schemas.openxmlformats.org/officeDocument/2006/relationships" xmlns:p="http://schemas.openxmlformats.org/presentationml/2006/main">
   <p:cSld>
     <p:spTree>
@@ -6434,7 +7168,7 @@
 </p:sld>
 </file>
 
-<file path=ppt/slides/slide8.xml><?xml version="1.0" encoding="utf-8"?>
+<file path=ppt/slides/slide9.xml><?xml version="1.0" encoding="utf-8"?>
 <p:sld xmlns:a="http://schemas.openxmlformats.org/drawingml/2006/main" xmlns:r="http://schemas.openxmlformats.org/officeDocument/2006/relationships" xmlns:p="http://schemas.openxmlformats.org/presentationml/2006/main">
   <p:cSld>
     <p:spTree>
@@ -6698,379 +7432,10 @@
 </p:sld>
 </file>
 
-<file path=ppt/slides/slide9.xml><?xml version="1.0" encoding="utf-8"?>
-<p:sld xmlns:a="http://schemas.openxmlformats.org/drawingml/2006/main" xmlns:r="http://schemas.openxmlformats.org/officeDocument/2006/relationships" xmlns:p="http://schemas.openxmlformats.org/presentationml/2006/main">
-  <p:cSld>
-    <p:spTree>
-      <p:nvGrpSpPr>
-        <p:cNvPr id="1" name="">
-          <a:extLst>
-            <a:ext uri="{FF2B5EF4-FFF2-40B4-BE49-F238E27FC236}">
-              <a16:creationId xmlns:a16="http://schemas.microsoft.com/office/drawing/2014/main" id="{A89F8F60-84E6-3ED5-2959-E206DD4A2A50}"/>
-            </a:ext>
-          </a:extLst>
-        </p:cNvPr>
-        <p:cNvGrpSpPr/>
-        <p:nvPr/>
-      </p:nvGrpSpPr>
-      <p:grpSpPr>
-        <a:xfrm>
-          <a:off x="0" y="0"/>
-          <a:ext cx="0" cy="0"/>
-          <a:chOff x="0" y="0"/>
-          <a:chExt cx="0" cy="0"/>
-        </a:xfrm>
-      </p:grpSpPr>
-      <p:sp>
-        <p:nvSpPr>
-          <p:cNvPr id="2" name="Title 1">
-            <a:extLst>
-              <a:ext uri="{FF2B5EF4-FFF2-40B4-BE49-F238E27FC236}">
-                <a16:creationId xmlns:a16="http://schemas.microsoft.com/office/drawing/2014/main" id="{FD185580-4369-A629-C6F8-8A11F1D22E3C}"/>
-              </a:ext>
-            </a:extLst>
-          </p:cNvPr>
-          <p:cNvSpPr>
-            <a:spLocks noGrp="1"/>
-          </p:cNvSpPr>
-          <p:nvPr>
-            <p:ph type="title"/>
-          </p:nvPr>
-        </p:nvSpPr>
-        <p:spPr>
-          <a:xfrm>
-            <a:off x="838200" y="0"/>
-            <a:ext cx="10515600" cy="1325563"/>
-          </a:xfrm>
-        </p:spPr>
-        <p:txBody>
-          <a:bodyPr/>
-          <a:lstStyle/>
-          <a:p>
-            <a:r>
-              <a:rPr lang="en-US" dirty="0"/>
-              <a:t>Off-the-Shelf Solution</a:t>
-            </a:r>
-          </a:p>
-        </p:txBody>
-      </p:sp>
-      <p:sp>
-        <p:nvSpPr>
-          <p:cNvPr id="3" name="Content Placeholder 2">
-            <a:extLst>
-              <a:ext uri="{FF2B5EF4-FFF2-40B4-BE49-F238E27FC236}">
-                <a16:creationId xmlns:a16="http://schemas.microsoft.com/office/drawing/2014/main" id="{30306755-292D-D24C-E837-78CA4B505359}"/>
-              </a:ext>
-            </a:extLst>
-          </p:cNvPr>
-          <p:cNvSpPr>
-            <a:spLocks noGrp="1"/>
-          </p:cNvSpPr>
-          <p:nvPr>
-            <p:ph idx="1"/>
-          </p:nvPr>
-        </p:nvSpPr>
-        <p:spPr>
-          <a:xfrm>
-            <a:off x="65843" y="1325563"/>
-            <a:ext cx="10515600" cy="4351338"/>
-          </a:xfrm>
-        </p:spPr>
-        <p:txBody>
-          <a:bodyPr>
-            <a:noAutofit/>
-          </a:bodyPr>
-          <a:lstStyle/>
-          <a:p>
-            <a:pPr marL="0" indent="0">
-              <a:lnSpc>
-                <a:spcPct val="120000"/>
-              </a:lnSpc>
-              <a:buNone/>
-            </a:pPr>
-            <a:r>
-              <a:rPr lang="en-US" sz="1600" dirty="0">
-                <a:latin typeface="Georgia" panose="02040502050405020303" pitchFamily="18" charset="0"/>
-              </a:rPr>
-              <a:t>We can start with an off-the-shelf solution (`</a:t>
-            </a:r>
-            <a:r>
-              <a:rPr lang="en-US" sz="1600" dirty="0" err="1">
-                <a:latin typeface="Georgia" panose="02040502050405020303" pitchFamily="18" charset="0"/>
-              </a:rPr>
-              <a:t>librosa</a:t>
-            </a:r>
-            <a:r>
-              <a:rPr lang="en-US" sz="1600" dirty="0">
-                <a:latin typeface="Georgia" panose="02040502050405020303" pitchFamily="18" charset="0"/>
-              </a:rPr>
-              <a:t>` </a:t>
-            </a:r>
-            <a:r>
-              <a:rPr lang="en-US" sz="1600" dirty="0" err="1">
-                <a:latin typeface="Georgia" panose="02040502050405020303" pitchFamily="18" charset="0"/>
-              </a:rPr>
-              <a:t>mfcc</a:t>
-            </a:r>
-            <a:r>
-              <a:rPr lang="en-US" sz="1600" dirty="0">
-                <a:latin typeface="Georgia" panose="02040502050405020303" pitchFamily="18" charset="0"/>
-              </a:rPr>
-              <a:t> feature extraction):</a:t>
-            </a:r>
-          </a:p>
-          <a:p>
-            <a:pPr marL="0" indent="0">
-              <a:lnSpc>
-                <a:spcPct val="120000"/>
-              </a:lnSpc>
-              <a:buNone/>
-            </a:pPr>
-            <a:r>
-              <a:rPr lang="en-US" sz="1600" dirty="0">
-                <a:latin typeface="Georgia" panose="02040502050405020303" pitchFamily="18" charset="0"/>
-              </a:rPr>
-              <a:t>✔ This solution correctly identifies the correct forms, </a:t>
-            </a:r>
-          </a:p>
-          <a:p>
-            <a:pPr marL="0" indent="0">
-              <a:lnSpc>
-                <a:spcPct val="120000"/>
-              </a:lnSpc>
-              <a:buNone/>
-            </a:pPr>
-            <a:r>
-              <a:rPr lang="en-US" sz="1600" dirty="0">
-                <a:latin typeface="Georgia" panose="02040502050405020303" pitchFamily="18" charset="0"/>
-              </a:rPr>
-              <a:t>❌ but it does not detect as much difference between the incorrect forms.</a:t>
-            </a:r>
-          </a:p>
-          <a:p>
-            <a:pPr marL="0" indent="0">
-              <a:lnSpc>
-                <a:spcPct val="120000"/>
-              </a:lnSpc>
-              <a:buNone/>
-            </a:pPr>
-            <a:r>
-              <a:rPr lang="en-US" sz="1600" dirty="0">
-                <a:latin typeface="Georgia" panose="02040502050405020303" pitchFamily="18" charset="0"/>
-              </a:rPr>
-              <a:t>For keyword checking, it might be helpful to have a meaningful measure of how different the words are:</a:t>
-            </a:r>
-          </a:p>
-          <a:p>
-            <a:pPr marL="0" indent="0">
-              <a:lnSpc>
-                <a:spcPct val="120000"/>
-              </a:lnSpc>
-              <a:buNone/>
-            </a:pPr>
-            <a:r>
-              <a:rPr lang="en-US" sz="1600" dirty="0">
-                <a:latin typeface="Georgia" panose="02040502050405020303" pitchFamily="18" charset="0"/>
-              </a:rPr>
-              <a:t>No clustering!</a:t>
-            </a:r>
-          </a:p>
-          <a:p>
-            <a:pPr marL="0" indent="0">
-              <a:lnSpc>
-                <a:spcPct val="120000"/>
-              </a:lnSpc>
-              <a:buNone/>
-            </a:pPr>
-            <a:endParaRPr lang="en-US" sz="1600" dirty="0">
-              <a:latin typeface="Georgia" panose="02040502050405020303" pitchFamily="18" charset="0"/>
-            </a:endParaRPr>
-          </a:p>
-        </p:txBody>
-      </p:sp>
-      <p:sp>
-        <p:nvSpPr>
-          <p:cNvPr id="5" name="TextBox 4">
-            <a:extLst>
-              <a:ext uri="{FF2B5EF4-FFF2-40B4-BE49-F238E27FC236}">
-                <a16:creationId xmlns:a16="http://schemas.microsoft.com/office/drawing/2014/main" id="{B404ADE4-A3D5-4A2D-F245-281AF0692A49}"/>
-              </a:ext>
-            </a:extLst>
-          </p:cNvPr>
-          <p:cNvSpPr txBox="1"/>
-          <p:nvPr/>
-        </p:nvSpPr>
-        <p:spPr>
-          <a:xfrm>
-            <a:off x="7217546" y="3364638"/>
-            <a:ext cx="5537446" cy="3386633"/>
-          </a:xfrm>
-          <a:prstGeom prst="rect">
-            <a:avLst/>
-          </a:prstGeom>
-          <a:noFill/>
-        </p:spPr>
-        <p:txBody>
-          <a:bodyPr wrap="square">
-            <a:spAutoFit/>
-          </a:bodyPr>
-          <a:lstStyle/>
-          <a:p>
-            <a:pPr marL="0" indent="0">
-              <a:lnSpc>
-                <a:spcPct val="120000"/>
-              </a:lnSpc>
-              <a:buNone/>
-            </a:pPr>
-            <a:r>
-              <a:rPr lang="en-US" sz="1800" dirty="0">
-                <a:latin typeface="Georgia" panose="02040502050405020303" pitchFamily="18" charset="0"/>
-              </a:rPr>
-              <a:t>Similar to wilderness1.wav:</a:t>
-            </a:r>
-          </a:p>
-          <a:p>
-            <a:pPr marL="0" indent="0">
-              <a:lnSpc>
-                <a:spcPct val="120000"/>
-              </a:lnSpc>
-              <a:buNone/>
-            </a:pPr>
-            <a:r>
-              <a:rPr lang="en-US" sz="1800" dirty="0">
-                <a:latin typeface="Georgia" panose="02040502050405020303" pitchFamily="18" charset="0"/>
-              </a:rPr>
-              <a:t>wilderness1.wav: 0.9999999869496023</a:t>
-            </a:r>
-          </a:p>
-          <a:p>
-            <a:pPr marL="0" indent="0">
-              <a:lnSpc>
-                <a:spcPct val="120000"/>
-              </a:lnSpc>
-              <a:buNone/>
-            </a:pPr>
-            <a:r>
-              <a:rPr lang="en-US" sz="1800" dirty="0">
-                <a:latin typeface="Georgia" panose="02040502050405020303" pitchFamily="18" charset="0"/>
-              </a:rPr>
-              <a:t>wilderness2.wav: 0.9993146675340262</a:t>
-            </a:r>
-          </a:p>
-          <a:p>
-            <a:pPr marL="0" indent="0">
-              <a:lnSpc>
-                <a:spcPct val="120000"/>
-              </a:lnSpc>
-              <a:buNone/>
-            </a:pPr>
-            <a:endParaRPr lang="en-US" sz="1800" dirty="0">
-              <a:latin typeface="Georgia" panose="02040502050405020303" pitchFamily="18" charset="0"/>
-            </a:endParaRPr>
-          </a:p>
-          <a:p>
-            <a:pPr marL="0" indent="0">
-              <a:lnSpc>
-                <a:spcPct val="120000"/>
-              </a:lnSpc>
-              <a:buNone/>
-            </a:pPr>
-            <a:r>
-              <a:rPr lang="en-US" sz="1800" dirty="0">
-                <a:latin typeface="Georgia" panose="02040502050405020303" pitchFamily="18" charset="0"/>
-              </a:rPr>
-              <a:t>God1.wav: 0.9987559253705995</a:t>
-            </a:r>
-          </a:p>
-          <a:p>
-            <a:pPr marL="0" indent="0">
-              <a:lnSpc>
-                <a:spcPct val="120000"/>
-              </a:lnSpc>
-              <a:buNone/>
-            </a:pPr>
-            <a:r>
-              <a:rPr lang="en-US" sz="1800" dirty="0">
-                <a:latin typeface="Georgia" panose="02040502050405020303" pitchFamily="18" charset="0"/>
-              </a:rPr>
-              <a:t>God2.wav: 0.9980986833151937</a:t>
-            </a:r>
-          </a:p>
-          <a:p>
-            <a:pPr marL="0" indent="0">
-              <a:lnSpc>
-                <a:spcPct val="120000"/>
-              </a:lnSpc>
-              <a:buNone/>
-            </a:pPr>
-            <a:r>
-              <a:rPr lang="en-US" sz="1800" dirty="0">
-                <a:latin typeface="Georgia" panose="02040502050405020303" pitchFamily="18" charset="0"/>
-              </a:rPr>
-              <a:t>inTheBeginning1.wav: 0.9971207291637255</a:t>
-            </a:r>
-          </a:p>
-          <a:p>
-            <a:pPr marL="0" indent="0">
-              <a:lnSpc>
-                <a:spcPct val="120000"/>
-              </a:lnSpc>
-              <a:buNone/>
-            </a:pPr>
-            <a:r>
-              <a:rPr lang="en-US" sz="1800" dirty="0">
-                <a:latin typeface="Georgia" panose="02040502050405020303" pitchFamily="18" charset="0"/>
-              </a:rPr>
-              <a:t>inTheBeginning2.wav: 0.9969806586039947</a:t>
-            </a:r>
-          </a:p>
-          <a:p>
-            <a:pPr marL="0" indent="0">
-              <a:lnSpc>
-                <a:spcPct val="120000"/>
-              </a:lnSpc>
-              <a:buNone/>
-            </a:pPr>
-            <a:r>
-              <a:rPr lang="en-US" sz="1800" dirty="0">
-                <a:latin typeface="Georgia" panose="02040502050405020303" pitchFamily="18" charset="0"/>
-              </a:rPr>
-              <a:t>jesus2.wav: 0.9958133114595762</a:t>
-            </a:r>
-          </a:p>
-          <a:p>
-            <a:pPr marL="0" indent="0">
-              <a:lnSpc>
-                <a:spcPct val="120000"/>
-              </a:lnSpc>
-              <a:buNone/>
-            </a:pPr>
-            <a:r>
-              <a:rPr lang="en-US" sz="1800" dirty="0">
-                <a:latin typeface="Georgia" panose="02040502050405020303" pitchFamily="18" charset="0"/>
-              </a:rPr>
-              <a:t>jesus1.wav: 0.9942425674771389</a:t>
-            </a:r>
-          </a:p>
-        </p:txBody>
-      </p:sp>
-    </p:spTree>
-    <p:extLst>
-      <p:ext uri="{BB962C8B-B14F-4D97-AF65-F5344CB8AC3E}">
-        <p14:creationId xmlns:p14="http://schemas.microsoft.com/office/powerpoint/2010/main" val="3215222808"/>
-      </p:ext>
-    </p:extLst>
-  </p:cSld>
-  <p:clrMapOvr>
-    <a:masterClrMapping/>
-  </p:clrMapOvr>
-</p:sld>
-</file>
-
 <file path=ppt/theme/theme1.xml><?xml version="1.0" encoding="utf-8"?>
 <a:theme xmlns:a="http://schemas.openxmlformats.org/drawingml/2006/main" name="Office Theme">
   <a:themeElements>
-    <a:clrScheme name="Office">
+    <a:clrScheme name="Office Theme">
       <a:dk1>
         <a:sysClr val="windowText" lastClr="000000"/>
       </a:dk1>
@@ -7102,13 +7467,13 @@
         <a:srgbClr val="4EA72E"/>
       </a:accent6>
       <a:hlink>
-        <a:srgbClr val="467886"/>
+        <a:srgbClr val="538D9D"/>
       </a:hlink>
       <a:folHlink>
-        <a:srgbClr val="96607D"/>
+        <a:srgbClr val="A5738E"/>
       </a:folHlink>
     </a:clrScheme>
-    <a:fontScheme name="Office">
+    <a:fontScheme name="Office Theme">
       <a:majorFont>
         <a:latin typeface="Aptos Display" panose="02110004020202020204"/>
         <a:ea typeface=""/>
@@ -7214,7 +7579,7 @@
         <a:font script="Tfng" typeface="Ebrima"/>
       </a:minorFont>
     </a:fontScheme>
-    <a:fmtScheme name="Office">
+    <a:fmtScheme name="Office Theme">
       <a:fillStyleLst>
         <a:solidFill>
           <a:schemeClr val="phClr"/>
@@ -7376,7 +7741,7 @@
   <a:extraClrSchemeLst/>
   <a:extLst>
     <a:ext uri="{05A4C25C-085E-4340-85A3-A5531E510DB2}">
-      <thm15:themeFamily xmlns:thm15="http://schemas.microsoft.com/office/thememl/2012/main" name="Office Theme" id="{2E142A2C-CD16-42D6-873A-C26D2A0506FA}" vid="{1BDDFF52-6CD6-40A5-AB3C-68EB2F1E4D0A}"/>
+      <thm15:themeFamily xmlns:thm15="http://schemas.microsoft.com/office/thememl/2012/main" name="Office Theme" id="{2E142A2C-CD16-42D6-873A-C26D2A0506FA}" vid="{3A418E6B-C5F0-4B95-8D77-61E3EF3B5DF5}"/>
     </a:ext>
   </a:extLst>
 </a:theme>

--- a/Hackathon Presentation.pptx
+++ b/Hackathon Presentation.pptx
@@ -6,21 +6,22 @@
   </p:sldMasterIdLst>
   <p:sldIdLst>
     <p:sldId id="258" r:id="rId2"/>
-    <p:sldId id="271" r:id="rId3"/>
-    <p:sldId id="263" r:id="rId4"/>
-    <p:sldId id="261" r:id="rId5"/>
-    <p:sldId id="264" r:id="rId6"/>
-    <p:sldId id="267" r:id="rId7"/>
-    <p:sldId id="256" r:id="rId8"/>
-    <p:sldId id="262" r:id="rId9"/>
-    <p:sldId id="257" r:id="rId10"/>
-    <p:sldId id="268" r:id="rId11"/>
-    <p:sldId id="260" r:id="rId12"/>
-    <p:sldId id="259" r:id="rId13"/>
-    <p:sldId id="265" r:id="rId14"/>
-    <p:sldId id="266" r:id="rId15"/>
-    <p:sldId id="269" r:id="rId16"/>
-    <p:sldId id="270" r:id="rId17"/>
+    <p:sldId id="272" r:id="rId3"/>
+    <p:sldId id="271" r:id="rId4"/>
+    <p:sldId id="263" r:id="rId5"/>
+    <p:sldId id="261" r:id="rId6"/>
+    <p:sldId id="264" r:id="rId7"/>
+    <p:sldId id="267" r:id="rId8"/>
+    <p:sldId id="256" r:id="rId9"/>
+    <p:sldId id="262" r:id="rId10"/>
+    <p:sldId id="257" r:id="rId11"/>
+    <p:sldId id="268" r:id="rId12"/>
+    <p:sldId id="260" r:id="rId13"/>
+    <p:sldId id="259" r:id="rId14"/>
+    <p:sldId id="265" r:id="rId15"/>
+    <p:sldId id="266" r:id="rId16"/>
+    <p:sldId id="269" r:id="rId17"/>
+    <p:sldId id="270" r:id="rId18"/>
   </p:sldIdLst>
   <p:sldSz cx="12192000" cy="6858000"/>
   <p:notesSz cx="6858000" cy="9144000"/>
@@ -258,7 +259,7 @@
           <a:p>
             <a:fld id="{6986CF5C-6924-4266-9F77-91BD27A93A3F}" type="datetimeFigureOut">
               <a:rPr lang="en-US" smtClean="0"/>
-              <a:t>3/6/2024</a:t>
+              <a:t>3/8/2024</a:t>
             </a:fld>
             <a:endParaRPr lang="en-US"/>
           </a:p>
@@ -428,7 +429,7 @@
           <a:p>
             <a:fld id="{6986CF5C-6924-4266-9F77-91BD27A93A3F}" type="datetimeFigureOut">
               <a:rPr lang="en-US" smtClean="0"/>
-              <a:t>3/6/2024</a:t>
+              <a:t>3/8/2024</a:t>
             </a:fld>
             <a:endParaRPr lang="en-US"/>
           </a:p>
@@ -608,7 +609,7 @@
           <a:p>
             <a:fld id="{6986CF5C-6924-4266-9F77-91BD27A93A3F}" type="datetimeFigureOut">
               <a:rPr lang="en-US" smtClean="0"/>
-              <a:t>3/6/2024</a:t>
+              <a:t>3/8/2024</a:t>
             </a:fld>
             <a:endParaRPr lang="en-US"/>
           </a:p>
@@ -778,7 +779,7 @@
           <a:p>
             <a:fld id="{6986CF5C-6924-4266-9F77-91BD27A93A3F}" type="datetimeFigureOut">
               <a:rPr lang="en-US" smtClean="0"/>
-              <a:t>3/6/2024</a:t>
+              <a:t>3/8/2024</a:t>
             </a:fld>
             <a:endParaRPr lang="en-US"/>
           </a:p>
@@ -1024,7 +1025,7 @@
           <a:p>
             <a:fld id="{6986CF5C-6924-4266-9F77-91BD27A93A3F}" type="datetimeFigureOut">
               <a:rPr lang="en-US" smtClean="0"/>
-              <a:t>3/6/2024</a:t>
+              <a:t>3/8/2024</a:t>
             </a:fld>
             <a:endParaRPr lang="en-US"/>
           </a:p>
@@ -1256,7 +1257,7 @@
           <a:p>
             <a:fld id="{6986CF5C-6924-4266-9F77-91BD27A93A3F}" type="datetimeFigureOut">
               <a:rPr lang="en-US" smtClean="0"/>
-              <a:t>3/6/2024</a:t>
+              <a:t>3/8/2024</a:t>
             </a:fld>
             <a:endParaRPr lang="en-US"/>
           </a:p>
@@ -1623,7 +1624,7 @@
           <a:p>
             <a:fld id="{6986CF5C-6924-4266-9F77-91BD27A93A3F}" type="datetimeFigureOut">
               <a:rPr lang="en-US" smtClean="0"/>
-              <a:t>3/6/2024</a:t>
+              <a:t>3/8/2024</a:t>
             </a:fld>
             <a:endParaRPr lang="en-US"/>
           </a:p>
@@ -1741,7 +1742,7 @@
           <a:p>
             <a:fld id="{6986CF5C-6924-4266-9F77-91BD27A93A3F}" type="datetimeFigureOut">
               <a:rPr lang="en-US" smtClean="0"/>
-              <a:t>3/6/2024</a:t>
+              <a:t>3/8/2024</a:t>
             </a:fld>
             <a:endParaRPr lang="en-US"/>
           </a:p>
@@ -1836,7 +1837,7 @@
           <a:p>
             <a:fld id="{6986CF5C-6924-4266-9F77-91BD27A93A3F}" type="datetimeFigureOut">
               <a:rPr lang="en-US" smtClean="0"/>
-              <a:t>3/6/2024</a:t>
+              <a:t>3/8/2024</a:t>
             </a:fld>
             <a:endParaRPr lang="en-US"/>
           </a:p>
@@ -2113,7 +2114,7 @@
           <a:p>
             <a:fld id="{6986CF5C-6924-4266-9F77-91BD27A93A3F}" type="datetimeFigureOut">
               <a:rPr lang="en-US" smtClean="0"/>
-              <a:t>3/6/2024</a:t>
+              <a:t>3/8/2024</a:t>
             </a:fld>
             <a:endParaRPr lang="en-US"/>
           </a:p>
@@ -2370,7 +2371,7 @@
           <a:p>
             <a:fld id="{6986CF5C-6924-4266-9F77-91BD27A93A3F}" type="datetimeFigureOut">
               <a:rPr lang="en-US" smtClean="0"/>
-              <a:t>3/6/2024</a:t>
+              <a:t>3/8/2024</a:t>
             </a:fld>
             <a:endParaRPr lang="en-US"/>
           </a:p>
@@ -2583,7 +2584,7 @@
           <a:p>
             <a:fld id="{6986CF5C-6924-4266-9F77-91BD27A93A3F}" type="datetimeFigureOut">
               <a:rPr lang="en-US" smtClean="0"/>
-              <a:t>3/6/2024</a:t>
+              <a:t>3/8/2024</a:t>
             </a:fld>
             <a:endParaRPr lang="en-US"/>
           </a:p>
@@ -3307,6 +3308,270 @@
           <a:chExt cx="0" cy="0"/>
         </a:xfrm>
       </p:grpSpPr>
+      <p:pic>
+        <p:nvPicPr>
+          <p:cNvPr id="5" name="Picture 4" descr="A blue and red graph&#10;&#10;Description automatically generated with medium confidence">
+            <a:extLst>
+              <a:ext uri="{FF2B5EF4-FFF2-40B4-BE49-F238E27FC236}">
+                <a16:creationId xmlns:a16="http://schemas.microsoft.com/office/drawing/2014/main" id="{5A066BEE-C736-2228-3440-6F09BEEDCDE5}"/>
+              </a:ext>
+            </a:extLst>
+          </p:cNvPr>
+          <p:cNvPicPr>
+            <a:picLocks noChangeAspect="1"/>
+          </p:cNvPicPr>
+          <p:nvPr/>
+        </p:nvPicPr>
+        <p:blipFill>
+          <a:blip r:embed="rId2">
+            <a:extLst>
+              <a:ext uri="{28A0092B-C50C-407E-A947-70E740481C1C}">
+                <a14:useLocalDpi xmlns:a14="http://schemas.microsoft.com/office/drawing/2010/main" val="0"/>
+              </a:ext>
+            </a:extLst>
+          </a:blip>
+          <a:stretch>
+            <a:fillRect/>
+          </a:stretch>
+        </p:blipFill>
+        <p:spPr>
+          <a:xfrm>
+            <a:off x="895885" y="1371600"/>
+            <a:ext cx="4690663" cy="2743200"/>
+          </a:xfrm>
+          <a:prstGeom prst="rect">
+            <a:avLst/>
+          </a:prstGeom>
+        </p:spPr>
+      </p:pic>
+      <p:pic>
+        <p:nvPicPr>
+          <p:cNvPr id="7" name="Picture 6" descr="A blue and white screen&#10;&#10;Description automatically generated with medium confidence">
+            <a:extLst>
+              <a:ext uri="{FF2B5EF4-FFF2-40B4-BE49-F238E27FC236}">
+                <a16:creationId xmlns:a16="http://schemas.microsoft.com/office/drawing/2014/main" id="{3E897AA9-E6CF-0EF5-1E81-FB46379FE636}"/>
+              </a:ext>
+            </a:extLst>
+          </p:cNvPr>
+          <p:cNvPicPr>
+            <a:picLocks noChangeAspect="1"/>
+          </p:cNvPicPr>
+          <p:nvPr/>
+        </p:nvPicPr>
+        <p:blipFill>
+          <a:blip r:embed="rId3">
+            <a:extLst>
+              <a:ext uri="{28A0092B-C50C-407E-A947-70E740481C1C}">
+                <a14:useLocalDpi xmlns:a14="http://schemas.microsoft.com/office/drawing/2010/main" val="0"/>
+              </a:ext>
+            </a:extLst>
+          </a:blip>
+          <a:stretch>
+            <a:fillRect/>
+          </a:stretch>
+        </p:blipFill>
+        <p:spPr>
+          <a:xfrm>
+            <a:off x="895884" y="4114800"/>
+            <a:ext cx="4516159" cy="2743200"/>
+          </a:xfrm>
+          <a:prstGeom prst="rect">
+            <a:avLst/>
+          </a:prstGeom>
+        </p:spPr>
+      </p:pic>
+      <p:pic>
+        <p:nvPicPr>
+          <p:cNvPr id="9" name="Picture 8" descr="A blue screen with white lines&#10;&#10;Description automatically generated">
+            <a:extLst>
+              <a:ext uri="{FF2B5EF4-FFF2-40B4-BE49-F238E27FC236}">
+                <a16:creationId xmlns:a16="http://schemas.microsoft.com/office/drawing/2014/main" id="{4283C9BC-28B4-CCFC-49AC-F55A2761DFD4}"/>
+              </a:ext>
+            </a:extLst>
+          </p:cNvPr>
+          <p:cNvPicPr>
+            <a:picLocks noChangeAspect="1"/>
+          </p:cNvPicPr>
+          <p:nvPr/>
+        </p:nvPicPr>
+        <p:blipFill>
+          <a:blip r:embed="rId4">
+            <a:extLst>
+              <a:ext uri="{28A0092B-C50C-407E-A947-70E740481C1C}">
+                <a14:useLocalDpi xmlns:a14="http://schemas.microsoft.com/office/drawing/2010/main" val="0"/>
+              </a:ext>
+            </a:extLst>
+          </a:blip>
+          <a:stretch>
+            <a:fillRect/>
+          </a:stretch>
+        </p:blipFill>
+        <p:spPr>
+          <a:xfrm>
+            <a:off x="6655294" y="1371600"/>
+            <a:ext cx="4516159" cy="2743200"/>
+          </a:xfrm>
+          <a:prstGeom prst="rect">
+            <a:avLst/>
+          </a:prstGeom>
+        </p:spPr>
+      </p:pic>
+      <p:pic>
+        <p:nvPicPr>
+          <p:cNvPr id="11" name="Picture 10" descr="A blue screen with white lines&#10;&#10;Description automatically generated">
+            <a:extLst>
+              <a:ext uri="{FF2B5EF4-FFF2-40B4-BE49-F238E27FC236}">
+                <a16:creationId xmlns:a16="http://schemas.microsoft.com/office/drawing/2014/main" id="{170419DD-F4F4-7033-C47B-EEC047BE1D7D}"/>
+              </a:ext>
+            </a:extLst>
+          </p:cNvPr>
+          <p:cNvPicPr>
+            <a:picLocks noChangeAspect="1"/>
+          </p:cNvPicPr>
+          <p:nvPr/>
+        </p:nvPicPr>
+        <p:blipFill>
+          <a:blip r:embed="rId5">
+            <a:extLst>
+              <a:ext uri="{28A0092B-C50C-407E-A947-70E740481C1C}">
+                <a14:useLocalDpi xmlns:a14="http://schemas.microsoft.com/office/drawing/2010/main" val="0"/>
+              </a:ext>
+            </a:extLst>
+          </a:blip>
+          <a:stretch>
+            <a:fillRect/>
+          </a:stretch>
+        </p:blipFill>
+        <p:spPr>
+          <a:xfrm>
+            <a:off x="6655293" y="4114800"/>
+            <a:ext cx="4516159" cy="2743200"/>
+          </a:xfrm>
+          <a:prstGeom prst="rect">
+            <a:avLst/>
+          </a:prstGeom>
+        </p:spPr>
+      </p:pic>
+      <p:sp>
+        <p:nvSpPr>
+          <p:cNvPr id="2" name="Title 1">
+            <a:extLst>
+              <a:ext uri="{FF2B5EF4-FFF2-40B4-BE49-F238E27FC236}">
+                <a16:creationId xmlns:a16="http://schemas.microsoft.com/office/drawing/2014/main" id="{52A374CE-A32F-D188-5958-2820E4BDC9D9}"/>
+              </a:ext>
+            </a:extLst>
+          </p:cNvPr>
+          <p:cNvSpPr txBox="1">
+            <a:spLocks/>
+          </p:cNvSpPr>
+          <p:nvPr/>
+        </p:nvSpPr>
+        <p:spPr>
+          <a:xfrm>
+            <a:off x="838200" y="107673"/>
+            <a:ext cx="10515600" cy="904382"/>
+          </a:xfrm>
+          <a:prstGeom prst="rect">
+            <a:avLst/>
+          </a:prstGeom>
+        </p:spPr>
+        <p:txBody>
+          <a:bodyPr vert="horz" lIns="91440" tIns="45720" rIns="91440" bIns="45720" rtlCol="0" anchor="b">
+            <a:normAutofit lnSpcReduction="10000"/>
+          </a:bodyPr>
+          <a:lstStyle>
+            <a:lvl1pPr algn="ctr" defTabSz="914400" rtl="0" eaLnBrk="1" latinLnBrk="0" hangingPunct="1">
+              <a:lnSpc>
+                <a:spcPct val="90000"/>
+              </a:lnSpc>
+              <a:spcBef>
+                <a:spcPct val="0"/>
+              </a:spcBef>
+              <a:buNone/>
+              <a:defRPr sz="6000" kern="1200">
+                <a:solidFill>
+                  <a:schemeClr val="tx1"/>
+                </a:solidFill>
+                <a:latin typeface="+mj-lt"/>
+                <a:ea typeface="+mj-ea"/>
+                <a:cs typeface="+mj-cs"/>
+              </a:defRPr>
+            </a:lvl1pPr>
+          </a:lstStyle>
+          <a:p>
+            <a:r>
+              <a:rPr lang="en-US" dirty="0"/>
+              <a:t>Explore/Visualize the Data</a:t>
+            </a:r>
+          </a:p>
+        </p:txBody>
+      </p:sp>
+      <p:cxnSp>
+        <p:nvCxnSpPr>
+          <p:cNvPr id="3" name="Straight Connector 2">
+            <a:extLst>
+              <a:ext uri="{FF2B5EF4-FFF2-40B4-BE49-F238E27FC236}">
+                <a16:creationId xmlns:a16="http://schemas.microsoft.com/office/drawing/2014/main" id="{69F028A0-17F1-DE2C-397E-311FD527E14F}"/>
+              </a:ext>
+            </a:extLst>
+          </p:cNvPr>
+          <p:cNvCxnSpPr/>
+          <p:nvPr/>
+        </p:nvCxnSpPr>
+        <p:spPr>
+          <a:xfrm>
+            <a:off x="5930283" y="1340528"/>
+            <a:ext cx="0" cy="5255581"/>
+          </a:xfrm>
+          <a:prstGeom prst="line">
+            <a:avLst/>
+          </a:prstGeom>
+        </p:spPr>
+        <p:style>
+          <a:lnRef idx="2">
+            <a:schemeClr val="accent1"/>
+          </a:lnRef>
+          <a:fillRef idx="0">
+            <a:schemeClr val="accent1"/>
+          </a:fillRef>
+          <a:effectRef idx="1">
+            <a:schemeClr val="accent1"/>
+          </a:effectRef>
+          <a:fontRef idx="minor">
+            <a:schemeClr val="tx1"/>
+          </a:fontRef>
+        </p:style>
+      </p:cxnSp>
+    </p:spTree>
+    <p:extLst>
+      <p:ext uri="{BB962C8B-B14F-4D97-AF65-F5344CB8AC3E}">
+        <p14:creationId xmlns:p14="http://schemas.microsoft.com/office/powerpoint/2010/main" val="2066331840"/>
+      </p:ext>
+    </p:extLst>
+  </p:cSld>
+  <p:clrMapOvr>
+    <a:masterClrMapping/>
+  </p:clrMapOvr>
+</p:sld>
+</file>
+
+<file path=ppt/slides/slide11.xml><?xml version="1.0" encoding="utf-8"?>
+<p:sld xmlns:a="http://schemas.openxmlformats.org/drawingml/2006/main" xmlns:r="http://schemas.openxmlformats.org/officeDocument/2006/relationships" xmlns:p="http://schemas.openxmlformats.org/presentationml/2006/main">
+  <p:cSld>
+    <p:spTree>
+      <p:nvGrpSpPr>
+        <p:cNvPr id="1" name=""/>
+        <p:cNvGrpSpPr/>
+        <p:nvPr/>
+      </p:nvGrpSpPr>
+      <p:grpSpPr>
+        <a:xfrm>
+          <a:off x="0" y="0"/>
+          <a:ext cx="0" cy="0"/>
+          <a:chOff x="0" y="0"/>
+          <a:chExt cx="0" cy="0"/>
+        </a:xfrm>
+      </p:grpSpPr>
       <p:sp>
         <p:nvSpPr>
           <p:cNvPr id="2" name="Title 1">
@@ -3416,7 +3681,7 @@
 </p:sld>
 </file>
 
-<file path=ppt/slides/slide11.xml><?xml version="1.0" encoding="utf-8"?>
+<file path=ppt/slides/slide12.xml><?xml version="1.0" encoding="utf-8"?>
 <p:sld xmlns:a="http://schemas.openxmlformats.org/drawingml/2006/main" xmlns:r="http://schemas.openxmlformats.org/officeDocument/2006/relationships" xmlns:p="http://schemas.openxmlformats.org/presentationml/2006/main">
   <p:cSld>
     <p:spTree>
@@ -3776,204 +4041,6 @@
     <p:extLst>
       <p:ext uri="{BB962C8B-B14F-4D97-AF65-F5344CB8AC3E}">
         <p14:creationId xmlns:p14="http://schemas.microsoft.com/office/powerpoint/2010/main" val="3215222808"/>
-      </p:ext>
-    </p:extLst>
-  </p:cSld>
-  <p:clrMapOvr>
-    <a:masterClrMapping/>
-  </p:clrMapOvr>
-</p:sld>
-</file>
-
-<file path=ppt/slides/slide12.xml><?xml version="1.0" encoding="utf-8"?>
-<p:sld xmlns:a="http://schemas.openxmlformats.org/drawingml/2006/main" xmlns:r="http://schemas.openxmlformats.org/officeDocument/2006/relationships" xmlns:p="http://schemas.openxmlformats.org/presentationml/2006/main">
-  <p:cSld>
-    <p:spTree>
-      <p:nvGrpSpPr>
-        <p:cNvPr id="1" name=""/>
-        <p:cNvGrpSpPr/>
-        <p:nvPr/>
-      </p:nvGrpSpPr>
-      <p:grpSpPr>
-        <a:xfrm>
-          <a:off x="0" y="0"/>
-          <a:ext cx="0" cy="0"/>
-          <a:chOff x="0" y="0"/>
-          <a:chExt cx="0" cy="0"/>
-        </a:xfrm>
-      </p:grpSpPr>
-      <p:sp>
-        <p:nvSpPr>
-          <p:cNvPr id="2" name="Title 1">
-            <a:extLst>
-              <a:ext uri="{FF2B5EF4-FFF2-40B4-BE49-F238E27FC236}">
-                <a16:creationId xmlns:a16="http://schemas.microsoft.com/office/drawing/2014/main" id="{F07483F7-F105-EE9E-F945-2F2CB35CB47D}"/>
-              </a:ext>
-            </a:extLst>
-          </p:cNvPr>
-          <p:cNvSpPr>
-            <a:spLocks noGrp="1"/>
-          </p:cNvSpPr>
-          <p:nvPr>
-            <p:ph type="title"/>
-          </p:nvPr>
-        </p:nvSpPr>
-        <p:spPr/>
-        <p:txBody>
-          <a:bodyPr/>
-          <a:lstStyle/>
-          <a:p>
-            <a:r>
-              <a:rPr lang="en-US"/>
-              <a:t>Report:</a:t>
-            </a:r>
-          </a:p>
-        </p:txBody>
-      </p:sp>
-      <p:sp>
-        <p:nvSpPr>
-          <p:cNvPr id="3" name="Content Placeholder 2">
-            <a:extLst>
-              <a:ext uri="{FF2B5EF4-FFF2-40B4-BE49-F238E27FC236}">
-                <a16:creationId xmlns:a16="http://schemas.microsoft.com/office/drawing/2014/main" id="{33A656DA-C422-EF35-BC3F-B165CA0927E0}"/>
-              </a:ext>
-            </a:extLst>
-          </p:cNvPr>
-          <p:cNvSpPr>
-            <a:spLocks noGrp="1"/>
-          </p:cNvSpPr>
-          <p:nvPr>
-            <p:ph idx="1"/>
-          </p:nvPr>
-        </p:nvSpPr>
-        <p:spPr/>
-        <p:txBody>
-          <a:bodyPr>
-            <a:normAutofit/>
-          </a:bodyPr>
-          <a:lstStyle/>
-          <a:p>
-            <a:pPr marL="0" indent="0">
-              <a:buNone/>
-            </a:pPr>
-            <a:r>
-              <a:rPr lang="en-US" dirty="0"/>
-              <a:t>Similar to wilderness1.wav:</a:t>
-            </a:r>
-          </a:p>
-          <a:p>
-            <a:pPr marL="0" indent="0">
-              <a:buNone/>
-            </a:pPr>
-            <a:r>
-              <a:rPr lang="en-US" dirty="0"/>
-              <a:t>wilderness1.wav: 1</a:t>
-            </a:r>
-          </a:p>
-          <a:p>
-            <a:pPr marL="0" indent="0">
-              <a:buNone/>
-            </a:pPr>
-            <a:r>
-              <a:rPr lang="en-US" dirty="0"/>
-              <a:t>wilderness2.wav: 0.7229432647124682</a:t>
-            </a:r>
-          </a:p>
-          <a:p>
-            <a:pPr marL="0" indent="0">
-              <a:buNone/>
-            </a:pPr>
-            <a:endParaRPr lang="en-US" dirty="0"/>
-          </a:p>
-          <a:p>
-            <a:pPr marL="0" indent="0">
-              <a:buNone/>
-            </a:pPr>
-            <a:r>
-              <a:rPr lang="en-US" dirty="0"/>
-              <a:t>jesus2.wav: 0.3134769071964211</a:t>
-            </a:r>
-          </a:p>
-          <a:p>
-            <a:pPr marL="0" indent="0">
-              <a:buNone/>
-            </a:pPr>
-            <a:r>
-              <a:rPr lang="en-US" dirty="0"/>
-              <a:t>God1.wav: 0.23680512842732715</a:t>
-            </a:r>
-          </a:p>
-          <a:p>
-            <a:pPr marL="0" indent="0">
-              <a:buNone/>
-            </a:pPr>
-            <a:r>
-              <a:rPr lang="en-US" dirty="0"/>
-              <a:t>jesus1.wav: 0.21231795463558845</a:t>
-            </a:r>
-          </a:p>
-          <a:p>
-            <a:pPr marL="0" indent="0">
-              <a:buNone/>
-            </a:pPr>
-            <a:r>
-              <a:rPr lang="en-US" dirty="0"/>
-              <a:t>God2.wav: 0.1635381466180469 </a:t>
-            </a:r>
-          </a:p>
-        </p:txBody>
-      </p:sp>
-      <p:pic>
-        <p:nvPicPr>
-          <p:cNvPr id="1026" name="Picture 2" descr="works on my machine, starburst">
-            <a:extLst>
-              <a:ext uri="{FF2B5EF4-FFF2-40B4-BE49-F238E27FC236}">
-                <a16:creationId xmlns:a16="http://schemas.microsoft.com/office/drawing/2014/main" id="{BB8EF7DC-FBE5-822B-4324-2DAEFC2EC8BF}"/>
-              </a:ext>
-            </a:extLst>
-          </p:cNvPr>
-          <p:cNvPicPr>
-            <a:picLocks noChangeAspect="1" noChangeArrowheads="1"/>
-          </p:cNvPicPr>
-          <p:nvPr/>
-        </p:nvPicPr>
-        <p:blipFill>
-          <a:blip r:embed="rId2">
-            <a:extLst>
-              <a:ext uri="{28A0092B-C50C-407E-A947-70E740481C1C}">
-                <a14:useLocalDpi xmlns:a14="http://schemas.microsoft.com/office/drawing/2010/main" val="0"/>
-              </a:ext>
-            </a:extLst>
-          </a:blip>
-          <a:srcRect/>
-          <a:stretch>
-            <a:fillRect/>
-          </a:stretch>
-        </p:blipFill>
-        <p:spPr bwMode="auto">
-          <a:xfrm>
-            <a:off x="8064253" y="838994"/>
-            <a:ext cx="1905000" cy="1838325"/>
-          </a:xfrm>
-          <a:prstGeom prst="rect">
-            <a:avLst/>
-          </a:prstGeom>
-          <a:noFill/>
-          <a:extLst>
-            <a:ext uri="{909E8E84-426E-40DD-AFC4-6F175D3DCCD1}">
-              <a14:hiddenFill xmlns:a14="http://schemas.microsoft.com/office/drawing/2010/main">
-                <a:solidFill>
-                  <a:srgbClr val="FFFFFF"/>
-                </a:solidFill>
-              </a14:hiddenFill>
-            </a:ext>
-          </a:extLst>
-        </p:spPr>
-      </p:pic>
-    </p:spTree>
-    <p:extLst>
-      <p:ext uri="{BB962C8B-B14F-4D97-AF65-F5344CB8AC3E}">
-        <p14:creationId xmlns:p14="http://schemas.microsoft.com/office/powerpoint/2010/main" val="2692368703"/>
       </p:ext>
     </p:extLst>
   </p:cSld>
@@ -4005,6 +4072,204 @@
           <p:cNvPr id="2" name="Title 1">
             <a:extLst>
               <a:ext uri="{FF2B5EF4-FFF2-40B4-BE49-F238E27FC236}">
+                <a16:creationId xmlns:a16="http://schemas.microsoft.com/office/drawing/2014/main" id="{F07483F7-F105-EE9E-F945-2F2CB35CB47D}"/>
+              </a:ext>
+            </a:extLst>
+          </p:cNvPr>
+          <p:cNvSpPr>
+            <a:spLocks noGrp="1"/>
+          </p:cNvSpPr>
+          <p:nvPr>
+            <p:ph type="title"/>
+          </p:nvPr>
+        </p:nvSpPr>
+        <p:spPr/>
+        <p:txBody>
+          <a:bodyPr/>
+          <a:lstStyle/>
+          <a:p>
+            <a:r>
+              <a:rPr lang="en-US"/>
+              <a:t>Report:</a:t>
+            </a:r>
+          </a:p>
+        </p:txBody>
+      </p:sp>
+      <p:sp>
+        <p:nvSpPr>
+          <p:cNvPr id="3" name="Content Placeholder 2">
+            <a:extLst>
+              <a:ext uri="{FF2B5EF4-FFF2-40B4-BE49-F238E27FC236}">
+                <a16:creationId xmlns:a16="http://schemas.microsoft.com/office/drawing/2014/main" id="{33A656DA-C422-EF35-BC3F-B165CA0927E0}"/>
+              </a:ext>
+            </a:extLst>
+          </p:cNvPr>
+          <p:cNvSpPr>
+            <a:spLocks noGrp="1"/>
+          </p:cNvSpPr>
+          <p:nvPr>
+            <p:ph idx="1"/>
+          </p:nvPr>
+        </p:nvSpPr>
+        <p:spPr/>
+        <p:txBody>
+          <a:bodyPr>
+            <a:normAutofit/>
+          </a:bodyPr>
+          <a:lstStyle/>
+          <a:p>
+            <a:pPr marL="0" indent="0">
+              <a:buNone/>
+            </a:pPr>
+            <a:r>
+              <a:rPr lang="en-US" dirty="0"/>
+              <a:t>Similar to wilderness1.wav:</a:t>
+            </a:r>
+          </a:p>
+          <a:p>
+            <a:pPr marL="0" indent="0">
+              <a:buNone/>
+            </a:pPr>
+            <a:r>
+              <a:rPr lang="en-US" dirty="0"/>
+              <a:t>wilderness1.wav: 1</a:t>
+            </a:r>
+          </a:p>
+          <a:p>
+            <a:pPr marL="0" indent="0">
+              <a:buNone/>
+            </a:pPr>
+            <a:r>
+              <a:rPr lang="en-US" dirty="0"/>
+              <a:t>wilderness2.wav: 0.7229432647124682</a:t>
+            </a:r>
+          </a:p>
+          <a:p>
+            <a:pPr marL="0" indent="0">
+              <a:buNone/>
+            </a:pPr>
+            <a:endParaRPr lang="en-US" dirty="0"/>
+          </a:p>
+          <a:p>
+            <a:pPr marL="0" indent="0">
+              <a:buNone/>
+            </a:pPr>
+            <a:r>
+              <a:rPr lang="en-US" dirty="0"/>
+              <a:t>jesus2.wav: 0.3134769071964211</a:t>
+            </a:r>
+          </a:p>
+          <a:p>
+            <a:pPr marL="0" indent="0">
+              <a:buNone/>
+            </a:pPr>
+            <a:r>
+              <a:rPr lang="en-US" dirty="0"/>
+              <a:t>God1.wav: 0.23680512842732715</a:t>
+            </a:r>
+          </a:p>
+          <a:p>
+            <a:pPr marL="0" indent="0">
+              <a:buNone/>
+            </a:pPr>
+            <a:r>
+              <a:rPr lang="en-US" dirty="0"/>
+              <a:t>jesus1.wav: 0.21231795463558845</a:t>
+            </a:r>
+          </a:p>
+          <a:p>
+            <a:pPr marL="0" indent="0">
+              <a:buNone/>
+            </a:pPr>
+            <a:r>
+              <a:rPr lang="en-US" dirty="0"/>
+              <a:t>God2.wav: 0.1635381466180469 </a:t>
+            </a:r>
+          </a:p>
+        </p:txBody>
+      </p:sp>
+      <p:pic>
+        <p:nvPicPr>
+          <p:cNvPr id="1026" name="Picture 2" descr="works on my machine, starburst">
+            <a:extLst>
+              <a:ext uri="{FF2B5EF4-FFF2-40B4-BE49-F238E27FC236}">
+                <a16:creationId xmlns:a16="http://schemas.microsoft.com/office/drawing/2014/main" id="{BB8EF7DC-FBE5-822B-4324-2DAEFC2EC8BF}"/>
+              </a:ext>
+            </a:extLst>
+          </p:cNvPr>
+          <p:cNvPicPr>
+            <a:picLocks noChangeAspect="1" noChangeArrowheads="1"/>
+          </p:cNvPicPr>
+          <p:nvPr/>
+        </p:nvPicPr>
+        <p:blipFill>
+          <a:blip r:embed="rId2">
+            <a:extLst>
+              <a:ext uri="{28A0092B-C50C-407E-A947-70E740481C1C}">
+                <a14:useLocalDpi xmlns:a14="http://schemas.microsoft.com/office/drawing/2010/main" val="0"/>
+              </a:ext>
+            </a:extLst>
+          </a:blip>
+          <a:srcRect/>
+          <a:stretch>
+            <a:fillRect/>
+          </a:stretch>
+        </p:blipFill>
+        <p:spPr bwMode="auto">
+          <a:xfrm>
+            <a:off x="8064253" y="838994"/>
+            <a:ext cx="1905000" cy="1838325"/>
+          </a:xfrm>
+          <a:prstGeom prst="rect">
+            <a:avLst/>
+          </a:prstGeom>
+          <a:noFill/>
+          <a:extLst>
+            <a:ext uri="{909E8E84-426E-40DD-AFC4-6F175D3DCCD1}">
+              <a14:hiddenFill xmlns:a14="http://schemas.microsoft.com/office/drawing/2010/main">
+                <a:solidFill>
+                  <a:srgbClr val="FFFFFF"/>
+                </a:solidFill>
+              </a14:hiddenFill>
+            </a:ext>
+          </a:extLst>
+        </p:spPr>
+      </p:pic>
+    </p:spTree>
+    <p:extLst>
+      <p:ext uri="{BB962C8B-B14F-4D97-AF65-F5344CB8AC3E}">
+        <p14:creationId xmlns:p14="http://schemas.microsoft.com/office/powerpoint/2010/main" val="2692368703"/>
+      </p:ext>
+    </p:extLst>
+  </p:cSld>
+  <p:clrMapOvr>
+    <a:masterClrMapping/>
+  </p:clrMapOvr>
+</p:sld>
+</file>
+
+<file path=ppt/slides/slide14.xml><?xml version="1.0" encoding="utf-8"?>
+<p:sld xmlns:a="http://schemas.openxmlformats.org/drawingml/2006/main" xmlns:r="http://schemas.openxmlformats.org/officeDocument/2006/relationships" xmlns:p="http://schemas.openxmlformats.org/presentationml/2006/main">
+  <p:cSld>
+    <p:spTree>
+      <p:nvGrpSpPr>
+        <p:cNvPr id="1" name=""/>
+        <p:cNvGrpSpPr/>
+        <p:nvPr/>
+      </p:nvGrpSpPr>
+      <p:grpSpPr>
+        <a:xfrm>
+          <a:off x="0" y="0"/>
+          <a:ext cx="0" cy="0"/>
+          <a:chOff x="0" y="0"/>
+          <a:chExt cx="0" cy="0"/>
+        </a:xfrm>
+      </p:grpSpPr>
+      <p:sp>
+        <p:nvSpPr>
+          <p:cNvPr id="2" name="Title 1">
+            <a:extLst>
+              <a:ext uri="{FF2B5EF4-FFF2-40B4-BE49-F238E27FC236}">
                 <a16:creationId xmlns:a16="http://schemas.microsoft.com/office/drawing/2014/main" id="{5B24CD70-B7ED-27E6-4EAD-F9192B5AB679}"/>
               </a:ext>
             </a:extLst>
@@ -4078,7 +4343,7 @@
 </p:sld>
 </file>
 
-<file path=ppt/slides/slide14.xml><?xml version="1.0" encoding="utf-8"?>
+<file path=ppt/slides/slide15.xml><?xml version="1.0" encoding="utf-8"?>
 <p:sld xmlns:a="http://schemas.openxmlformats.org/drawingml/2006/main" xmlns:r="http://schemas.openxmlformats.org/officeDocument/2006/relationships" xmlns:p="http://schemas.openxmlformats.org/presentationml/2006/main">
   <p:cSld>
     <p:spTree>
@@ -5261,7 +5526,7 @@
 </p:sld>
 </file>
 
-<file path=ppt/slides/slide15.xml><?xml version="1.0" encoding="utf-8"?>
+<file path=ppt/slides/slide16.xml><?xml version="1.0" encoding="utf-8"?>
 <p:sld xmlns:a="http://schemas.openxmlformats.org/drawingml/2006/main" xmlns:r="http://schemas.openxmlformats.org/officeDocument/2006/relationships" xmlns:p="http://schemas.openxmlformats.org/presentationml/2006/main">
   <p:cSld>
     <p:spTree>
@@ -5412,7 +5677,7 @@
 </p:sld>
 </file>
 
-<file path=ppt/slides/slide16.xml><?xml version="1.0" encoding="utf-8"?>
+<file path=ppt/slides/slide17.xml><?xml version="1.0" encoding="utf-8"?>
 <p:sld xmlns:a="http://schemas.openxmlformats.org/drawingml/2006/main" xmlns:r="http://schemas.openxmlformats.org/officeDocument/2006/relationships" xmlns:p="http://schemas.openxmlformats.org/presentationml/2006/main">
   <p:cSld>
     <p:spTree>
@@ -5612,7 +5877,7 @@
         <p:cNvPr id="1" name="">
           <a:extLst>
             <a:ext uri="{FF2B5EF4-FFF2-40B4-BE49-F238E27FC236}">
-              <a16:creationId xmlns:a16="http://schemas.microsoft.com/office/drawing/2014/main" id="{22DF9C79-3E28-99C8-7637-4083F42174A5}"/>
+              <a16:creationId xmlns:a16="http://schemas.microsoft.com/office/drawing/2014/main" id="{97C0E83A-6F52-BF5D-795A-D800AC06C377}"/>
             </a:ext>
           </a:extLst>
         </p:cNvPr>
@@ -5627,309 +5892,12 @@
           <a:chExt cx="0" cy="0"/>
         </a:xfrm>
       </p:grpSpPr>
-      <p:sp>
-        <p:nvSpPr>
-          <p:cNvPr id="2" name="Title 1">
-            <a:extLst>
-              <a:ext uri="{FF2B5EF4-FFF2-40B4-BE49-F238E27FC236}">
-                <a16:creationId xmlns:a16="http://schemas.microsoft.com/office/drawing/2014/main" id="{3111F55A-5E9D-E1FD-1E9E-E03CF38D1192}"/>
-              </a:ext>
-            </a:extLst>
-          </p:cNvPr>
-          <p:cNvSpPr>
-            <a:spLocks noGrp="1"/>
-          </p:cNvSpPr>
-          <p:nvPr>
-            <p:ph type="title"/>
-          </p:nvPr>
-        </p:nvSpPr>
-        <p:spPr/>
-        <p:txBody>
-          <a:bodyPr/>
-          <a:lstStyle/>
-          <a:p>
-            <a:r>
-              <a:rPr lang="en-US" dirty="0" err="1"/>
-              <a:t>uW</a:t>
-            </a:r>
-            <a:r>
-              <a:rPr lang="en-US" dirty="0"/>
-              <a:t> Hackathon – 2024</a:t>
-            </a:r>
-          </a:p>
-        </p:txBody>
-      </p:sp>
-      <p:sp>
-        <p:nvSpPr>
-          <p:cNvPr id="3" name="Content Placeholder 2">
-            <a:extLst>
-              <a:ext uri="{FF2B5EF4-FFF2-40B4-BE49-F238E27FC236}">
-                <a16:creationId xmlns:a16="http://schemas.microsoft.com/office/drawing/2014/main" id="{6897B471-8C70-2B80-6711-11F968847A27}"/>
-              </a:ext>
-            </a:extLst>
-          </p:cNvPr>
-          <p:cNvSpPr>
-            <a:spLocks noGrp="1"/>
-          </p:cNvSpPr>
-          <p:nvPr>
-            <p:ph idx="1"/>
-          </p:nvPr>
-        </p:nvSpPr>
-        <p:spPr>
-          <a:xfrm>
-            <a:off x="328246" y="2076167"/>
-            <a:ext cx="11025554" cy="4511064"/>
-          </a:xfrm>
-        </p:spPr>
-        <p:txBody>
-          <a:bodyPr>
-            <a:normAutofit/>
-          </a:bodyPr>
-          <a:lstStyle/>
-          <a:p>
-            <a:pPr marL="0" indent="0">
-              <a:lnSpc>
-                <a:spcPct val="120000"/>
-              </a:lnSpc>
-              <a:buNone/>
-            </a:pPr>
-            <a:r>
-              <a:rPr lang="en-US" sz="3600" dirty="0">
-                <a:latin typeface="Georgia" panose="02040502050405020303" pitchFamily="18" charset="0"/>
-              </a:rPr>
-              <a:t>Keyword checking prototype </a:t>
-            </a:r>
-          </a:p>
-          <a:p>
-            <a:pPr marL="0" indent="0">
-              <a:lnSpc>
-                <a:spcPct val="120000"/>
-              </a:lnSpc>
-              <a:buNone/>
-            </a:pPr>
-            <a:r>
-              <a:rPr lang="en-US" sz="3600" dirty="0">
-                <a:latin typeface="Georgia" panose="02040502050405020303" pitchFamily="18" charset="0"/>
-              </a:rPr>
-              <a:t>AKA – “Is this thing on?”</a:t>
-            </a:r>
-          </a:p>
-        </p:txBody>
-      </p:sp>
       <p:pic>
         <p:nvPicPr>
-          <p:cNvPr id="6" name="Picture 5" descr="A person standing on a stage holding a box with a microphone&#10;&#10;Description automatically generated">
+          <p:cNvPr id="4" name="Picture 3" descr="A red and white tag with white text&#10;&#10;Description automatically generated">
             <a:extLst>
               <a:ext uri="{FF2B5EF4-FFF2-40B4-BE49-F238E27FC236}">
-                <a16:creationId xmlns:a16="http://schemas.microsoft.com/office/drawing/2014/main" id="{BA41436D-E2B5-32E3-074C-4D0A7FA9BEC1}"/>
-              </a:ext>
-            </a:extLst>
-          </p:cNvPr>
-          <p:cNvPicPr>
-            <a:picLocks noChangeAspect="1"/>
-          </p:cNvPicPr>
-          <p:nvPr/>
-        </p:nvPicPr>
-        <p:blipFill>
-          <a:blip r:embed="rId2">
-            <a:extLst>
-              <a:ext uri="{28A0092B-C50C-407E-A947-70E740481C1C}">
-                <a14:useLocalDpi xmlns:a14="http://schemas.microsoft.com/office/drawing/2010/main" val="0"/>
-              </a:ext>
-            </a:extLst>
-          </a:blip>
-          <a:stretch>
-            <a:fillRect/>
-          </a:stretch>
-        </p:blipFill>
-        <p:spPr>
-          <a:xfrm>
-            <a:off x="7246815" y="2076167"/>
-            <a:ext cx="4763477" cy="4763477"/>
-          </a:xfrm>
-          <a:prstGeom prst="rect">
-            <a:avLst/>
-          </a:prstGeom>
-        </p:spPr>
-      </p:pic>
-    </p:spTree>
-    <p:extLst>
-      <p:ext uri="{BB962C8B-B14F-4D97-AF65-F5344CB8AC3E}">
-        <p14:creationId xmlns:p14="http://schemas.microsoft.com/office/powerpoint/2010/main" val="907859234"/>
-      </p:ext>
-    </p:extLst>
-  </p:cSld>
-  <p:clrMapOvr>
-    <a:masterClrMapping/>
-  </p:clrMapOvr>
-</p:sld>
-</file>
-
-<file path=ppt/slides/slide3.xml><?xml version="1.0" encoding="utf-8"?>
-<p:sld xmlns:a="http://schemas.openxmlformats.org/drawingml/2006/main" xmlns:r="http://schemas.openxmlformats.org/officeDocument/2006/relationships" xmlns:p="http://schemas.openxmlformats.org/presentationml/2006/main">
-  <p:cSld>
-    <p:spTree>
-      <p:nvGrpSpPr>
-        <p:cNvPr id="1" name="">
-          <a:extLst>
-            <a:ext uri="{FF2B5EF4-FFF2-40B4-BE49-F238E27FC236}">
-              <a16:creationId xmlns:a16="http://schemas.microsoft.com/office/drawing/2014/main" id="{0EA09A20-E3F8-FA3B-6E2C-A5A930467781}"/>
-            </a:ext>
-          </a:extLst>
-        </p:cNvPr>
-        <p:cNvGrpSpPr/>
-        <p:nvPr/>
-      </p:nvGrpSpPr>
-      <p:grpSpPr>
-        <a:xfrm>
-          <a:off x="0" y="0"/>
-          <a:ext cx="0" cy="0"/>
-          <a:chOff x="0" y="0"/>
-          <a:chExt cx="0" cy="0"/>
-        </a:xfrm>
-      </p:grpSpPr>
-      <p:sp>
-        <p:nvSpPr>
-          <p:cNvPr id="3" name="Content Placeholder 2">
-            <a:extLst>
-              <a:ext uri="{FF2B5EF4-FFF2-40B4-BE49-F238E27FC236}">
-                <a16:creationId xmlns:a16="http://schemas.microsoft.com/office/drawing/2014/main" id="{9D090549-E39A-95CD-1921-17A8F4E3F1A5}"/>
-              </a:ext>
-            </a:extLst>
-          </p:cNvPr>
-          <p:cNvSpPr>
-            <a:spLocks noGrp="1"/>
-          </p:cNvSpPr>
-          <p:nvPr>
-            <p:ph idx="1"/>
-          </p:nvPr>
-        </p:nvSpPr>
-        <p:spPr/>
-        <p:txBody>
-          <a:bodyPr>
-            <a:normAutofit/>
-          </a:bodyPr>
-          <a:lstStyle/>
-          <a:p>
-            <a:pPr marL="0" indent="0">
-              <a:buNone/>
-            </a:pPr>
-            <a:r>
-              <a:rPr lang="en-US" dirty="0"/>
-              <a:t>Method:</a:t>
-            </a:r>
-          </a:p>
-          <a:p>
-            <a:pPr marL="0" indent="0">
-              <a:buNone/>
-            </a:pPr>
-            <a:r>
-              <a:rPr lang="en-US" dirty="0"/>
-              <a:t>Python packages:</a:t>
-            </a:r>
-          </a:p>
-          <a:p>
-            <a:pPr marL="0" indent="0">
-              <a:buNone/>
-            </a:pPr>
-            <a:r>
-              <a:rPr lang="en-US" dirty="0"/>
-              <a:t>- </a:t>
-            </a:r>
-            <a:r>
-              <a:rPr lang="en-US" dirty="0" err="1"/>
-              <a:t>librosa</a:t>
-            </a:r>
-            <a:r>
-              <a:rPr lang="en-US" dirty="0"/>
-              <a:t>	Encoding audio data</a:t>
-            </a:r>
-          </a:p>
-          <a:p>
-            <a:pPr marL="0" indent="0">
-              <a:buNone/>
-            </a:pPr>
-            <a:endParaRPr lang="en-US" dirty="0"/>
-          </a:p>
-          <a:p>
-            <a:pPr marL="514350" indent="-514350">
-              <a:buAutoNum type="arabicPeriod"/>
-            </a:pPr>
-            <a:r>
-              <a:rPr lang="en-US" dirty="0"/>
-              <a:t>Collect the Data</a:t>
-            </a:r>
-          </a:p>
-          <a:p>
-            <a:pPr marL="514350" indent="-514350">
-              <a:buAutoNum type="arabicPeriod"/>
-            </a:pPr>
-            <a:r>
-              <a:rPr lang="en-US" dirty="0"/>
-              <a:t>Clean the Data</a:t>
-            </a:r>
-          </a:p>
-          <a:p>
-            <a:pPr marL="514350" indent="-514350">
-              <a:buAutoNum type="arabicPeriod"/>
-            </a:pPr>
-            <a:r>
-              <a:rPr lang="en-US" dirty="0"/>
-              <a:t>Explore/Visualize the Data</a:t>
-            </a:r>
-          </a:p>
-          <a:p>
-            <a:pPr marL="0" indent="0">
-              <a:buNone/>
-            </a:pPr>
-            <a:endParaRPr lang="en-US" dirty="0"/>
-          </a:p>
-          <a:p>
-            <a:pPr marL="0" indent="0">
-              <a:buNone/>
-            </a:pPr>
-            <a:endParaRPr lang="en-US" dirty="0"/>
-          </a:p>
-        </p:txBody>
-      </p:sp>
-      <p:sp>
-        <p:nvSpPr>
-          <p:cNvPr id="2" name="Title 1">
-            <a:extLst>
-              <a:ext uri="{FF2B5EF4-FFF2-40B4-BE49-F238E27FC236}">
-                <a16:creationId xmlns:a16="http://schemas.microsoft.com/office/drawing/2014/main" id="{186F3137-2A61-B919-17E2-7AE5D8C49FDE}"/>
-              </a:ext>
-            </a:extLst>
-          </p:cNvPr>
-          <p:cNvSpPr>
-            <a:spLocks noGrp="1"/>
-          </p:cNvSpPr>
-          <p:nvPr>
-            <p:ph type="title"/>
-          </p:nvPr>
-        </p:nvSpPr>
-        <p:spPr/>
-        <p:txBody>
-          <a:bodyPr/>
-          <a:lstStyle/>
-          <a:p>
-            <a:r>
-              <a:rPr lang="en-US" dirty="0" err="1"/>
-              <a:t>uW</a:t>
-            </a:r>
-            <a:r>
-              <a:rPr lang="en-US" dirty="0"/>
-              <a:t> Hackathon – 2024</a:t>
-            </a:r>
-          </a:p>
-        </p:txBody>
-      </p:sp>
-      <p:pic>
-        <p:nvPicPr>
-          <p:cNvPr id="5" name="Picture 4" descr="A red and white tag with white text&#10;&#10;Description automatically generated">
-            <a:extLst>
-              <a:ext uri="{FF2B5EF4-FFF2-40B4-BE49-F238E27FC236}">
-                <a16:creationId xmlns:a16="http://schemas.microsoft.com/office/drawing/2014/main" id="{AED5D47C-E738-287E-2DDC-2F4377258A6C}"/>
+                <a16:creationId xmlns:a16="http://schemas.microsoft.com/office/drawing/2014/main" id="{3D627B4B-8EB7-DE39-02C0-F5DB71765DF7}"/>
               </a:ext>
             </a:extLst>
           </p:cNvPr>
@@ -5980,6 +5948,543 @@
         </p:blipFill>
         <p:spPr>
           <a:xfrm>
+            <a:off x="11117020" y="1210280"/>
+            <a:ext cx="473560" cy="473560"/>
+          </a:xfrm>
+          <a:prstGeom prst="rect">
+            <a:avLst/>
+          </a:prstGeom>
+        </p:spPr>
+      </p:pic>
+      <p:sp>
+        <p:nvSpPr>
+          <p:cNvPr id="2" name="Title 1">
+            <a:extLst>
+              <a:ext uri="{FF2B5EF4-FFF2-40B4-BE49-F238E27FC236}">
+                <a16:creationId xmlns:a16="http://schemas.microsoft.com/office/drawing/2014/main" id="{F48BAF01-A3E1-C6C6-CD1F-DACA7357555C}"/>
+              </a:ext>
+            </a:extLst>
+          </p:cNvPr>
+          <p:cNvSpPr>
+            <a:spLocks noGrp="1"/>
+          </p:cNvSpPr>
+          <p:nvPr>
+            <p:ph type="title"/>
+          </p:nvPr>
+        </p:nvSpPr>
+        <p:spPr/>
+        <p:txBody>
+          <a:bodyPr/>
+          <a:lstStyle/>
+          <a:p>
+            <a:r>
+              <a:rPr lang="en-US" dirty="0" err="1"/>
+              <a:t>uW</a:t>
+            </a:r>
+            <a:r>
+              <a:rPr lang="en-US" dirty="0"/>
+              <a:t> Hackathon – 2024</a:t>
+            </a:r>
+          </a:p>
+        </p:txBody>
+      </p:sp>
+      <p:sp>
+        <p:nvSpPr>
+          <p:cNvPr id="3" name="Content Placeholder 2">
+            <a:extLst>
+              <a:ext uri="{FF2B5EF4-FFF2-40B4-BE49-F238E27FC236}">
+                <a16:creationId xmlns:a16="http://schemas.microsoft.com/office/drawing/2014/main" id="{3DCB4847-4956-EC1B-6BA1-CF49E7545679}"/>
+              </a:ext>
+            </a:extLst>
+          </p:cNvPr>
+          <p:cNvSpPr>
+            <a:spLocks noGrp="1"/>
+          </p:cNvSpPr>
+          <p:nvPr>
+            <p:ph idx="1"/>
+          </p:nvPr>
+        </p:nvSpPr>
+        <p:spPr>
+          <a:xfrm>
+            <a:off x="1180730" y="1447060"/>
+            <a:ext cx="10173070" cy="5140171"/>
+          </a:xfrm>
+        </p:spPr>
+        <p:txBody>
+          <a:bodyPr>
+            <a:normAutofit/>
+          </a:bodyPr>
+          <a:lstStyle/>
+          <a:p>
+            <a:pPr marL="0" indent="0">
+              <a:lnSpc>
+                <a:spcPct val="120000"/>
+              </a:lnSpc>
+              <a:buNone/>
+            </a:pPr>
+            <a:endParaRPr lang="en-US" sz="2000" dirty="0">
+              <a:latin typeface="Georgia" panose="02040502050405020303" pitchFamily="18" charset="0"/>
+            </a:endParaRPr>
+          </a:p>
+          <a:p>
+            <a:pPr marL="0" indent="0">
+              <a:lnSpc>
+                <a:spcPct val="120000"/>
+              </a:lnSpc>
+              <a:buNone/>
+            </a:pPr>
+            <a:r>
+              <a:rPr lang="en-US" sz="2000" b="1" dirty="0">
+                <a:latin typeface="Georgia" panose="02040502050405020303" pitchFamily="18" charset="0"/>
+              </a:rPr>
+              <a:t>Thesis</a:t>
+            </a:r>
+            <a:r>
+              <a:rPr lang="en-US" sz="2000" dirty="0">
+                <a:latin typeface="Georgia" panose="02040502050405020303" pitchFamily="18" charset="0"/>
+              </a:rPr>
+              <a:t>: Find a stable method for recognizing individual words in low-resource languages.</a:t>
+            </a:r>
+          </a:p>
+          <a:p>
+            <a:pPr marL="0" indent="0">
+              <a:lnSpc>
+                <a:spcPct val="120000"/>
+              </a:lnSpc>
+              <a:buNone/>
+            </a:pPr>
+            <a:r>
+              <a:rPr lang="en-US" sz="2000" dirty="0">
+                <a:latin typeface="Georgia" panose="02040502050405020303" pitchFamily="18" charset="0"/>
+              </a:rPr>
+              <a:t>Here, we propose a model to recognize individual spoken words in </a:t>
+            </a:r>
+            <a:r>
+              <a:rPr lang="en-US" sz="2000" dirty="0" err="1">
+                <a:latin typeface="Georgia" panose="02040502050405020303" pitchFamily="18" charset="0"/>
+              </a:rPr>
+              <a:t>Dholuo</a:t>
+            </a:r>
+            <a:r>
+              <a:rPr lang="en-US" sz="2000" dirty="0">
+                <a:latin typeface="Georgia" panose="02040502050405020303" pitchFamily="18" charset="0"/>
+              </a:rPr>
+              <a:t>.</a:t>
+            </a:r>
+          </a:p>
+          <a:p>
+            <a:pPr marL="0" indent="0">
+              <a:lnSpc>
+                <a:spcPct val="120000"/>
+              </a:lnSpc>
+              <a:buNone/>
+            </a:pPr>
+            <a:endParaRPr lang="en-US" sz="2000" dirty="0">
+              <a:latin typeface="Georgia" panose="02040502050405020303" pitchFamily="18" charset="0"/>
+            </a:endParaRPr>
+          </a:p>
+          <a:p>
+            <a:pPr marL="0" indent="0">
+              <a:lnSpc>
+                <a:spcPct val="120000"/>
+              </a:lnSpc>
+              <a:buNone/>
+            </a:pPr>
+            <a:endParaRPr lang="en-US" sz="2000" dirty="0">
+              <a:latin typeface="Georgia" panose="02040502050405020303" pitchFamily="18" charset="0"/>
+            </a:endParaRPr>
+          </a:p>
+        </p:txBody>
+      </p:sp>
+    </p:spTree>
+    <p:extLst>
+      <p:ext uri="{BB962C8B-B14F-4D97-AF65-F5344CB8AC3E}">
+        <p14:creationId xmlns:p14="http://schemas.microsoft.com/office/powerpoint/2010/main" val="3108004200"/>
+      </p:ext>
+    </p:extLst>
+  </p:cSld>
+  <p:clrMapOvr>
+    <a:masterClrMapping/>
+  </p:clrMapOvr>
+</p:sld>
+</file>
+
+<file path=ppt/slides/slide3.xml><?xml version="1.0" encoding="utf-8"?>
+<p:sld xmlns:a="http://schemas.openxmlformats.org/drawingml/2006/main" xmlns:r="http://schemas.openxmlformats.org/officeDocument/2006/relationships" xmlns:p="http://schemas.openxmlformats.org/presentationml/2006/main">
+  <p:cSld>
+    <p:spTree>
+      <p:nvGrpSpPr>
+        <p:cNvPr id="1" name="">
+          <a:extLst>
+            <a:ext uri="{FF2B5EF4-FFF2-40B4-BE49-F238E27FC236}">
+              <a16:creationId xmlns:a16="http://schemas.microsoft.com/office/drawing/2014/main" id="{22DF9C79-3E28-99C8-7637-4083F42174A5}"/>
+            </a:ext>
+          </a:extLst>
+        </p:cNvPr>
+        <p:cNvGrpSpPr/>
+        <p:nvPr/>
+      </p:nvGrpSpPr>
+      <p:grpSpPr>
+        <a:xfrm>
+          <a:off x="0" y="0"/>
+          <a:ext cx="0" cy="0"/>
+          <a:chOff x="0" y="0"/>
+          <a:chExt cx="0" cy="0"/>
+        </a:xfrm>
+      </p:grpSpPr>
+      <p:sp>
+        <p:nvSpPr>
+          <p:cNvPr id="2" name="Title 1">
+            <a:extLst>
+              <a:ext uri="{FF2B5EF4-FFF2-40B4-BE49-F238E27FC236}">
+                <a16:creationId xmlns:a16="http://schemas.microsoft.com/office/drawing/2014/main" id="{3111F55A-5E9D-E1FD-1E9E-E03CF38D1192}"/>
+              </a:ext>
+            </a:extLst>
+          </p:cNvPr>
+          <p:cNvSpPr>
+            <a:spLocks noGrp="1"/>
+          </p:cNvSpPr>
+          <p:nvPr>
+            <p:ph type="title"/>
+          </p:nvPr>
+        </p:nvSpPr>
+        <p:spPr/>
+        <p:txBody>
+          <a:bodyPr/>
+          <a:lstStyle/>
+          <a:p>
+            <a:r>
+              <a:rPr lang="en-US" dirty="0" err="1"/>
+              <a:t>uW</a:t>
+            </a:r>
+            <a:r>
+              <a:rPr lang="en-US" dirty="0"/>
+              <a:t> Hackathon – 2024</a:t>
+            </a:r>
+          </a:p>
+        </p:txBody>
+      </p:sp>
+      <p:sp>
+        <p:nvSpPr>
+          <p:cNvPr id="3" name="Content Placeholder 2">
+            <a:extLst>
+              <a:ext uri="{FF2B5EF4-FFF2-40B4-BE49-F238E27FC236}">
+                <a16:creationId xmlns:a16="http://schemas.microsoft.com/office/drawing/2014/main" id="{6897B471-8C70-2B80-6711-11F968847A27}"/>
+              </a:ext>
+            </a:extLst>
+          </p:cNvPr>
+          <p:cNvSpPr>
+            <a:spLocks noGrp="1"/>
+          </p:cNvSpPr>
+          <p:nvPr>
+            <p:ph idx="1"/>
+          </p:nvPr>
+        </p:nvSpPr>
+        <p:spPr>
+          <a:xfrm>
+            <a:off x="328246" y="2076167"/>
+            <a:ext cx="11025554" cy="4511064"/>
+          </a:xfrm>
+        </p:spPr>
+        <p:txBody>
+          <a:bodyPr>
+            <a:normAutofit/>
+          </a:bodyPr>
+          <a:lstStyle/>
+          <a:p>
+            <a:pPr marL="0" indent="0">
+              <a:lnSpc>
+                <a:spcPct val="120000"/>
+              </a:lnSpc>
+              <a:buNone/>
+            </a:pPr>
+            <a:r>
+              <a:rPr lang="en-US" sz="3600" dirty="0">
+                <a:latin typeface="Georgia" panose="02040502050405020303" pitchFamily="18" charset="0"/>
+              </a:rPr>
+              <a:t>Keyword checking prototype </a:t>
+            </a:r>
+          </a:p>
+          <a:p>
+            <a:pPr marL="0" indent="0">
+              <a:lnSpc>
+                <a:spcPct val="120000"/>
+              </a:lnSpc>
+              <a:buNone/>
+            </a:pPr>
+            <a:r>
+              <a:rPr lang="en-US" sz="3600" dirty="0">
+                <a:latin typeface="Georgia" panose="02040502050405020303" pitchFamily="18" charset="0"/>
+              </a:rPr>
+              <a:t>AKA – “Is this thing on?”</a:t>
+            </a:r>
+          </a:p>
+        </p:txBody>
+      </p:sp>
+      <p:pic>
+        <p:nvPicPr>
+          <p:cNvPr id="6" name="Picture 5" descr="A person standing on a stage holding a box with a microphone&#10;&#10;Description automatically generated">
+            <a:extLst>
+              <a:ext uri="{FF2B5EF4-FFF2-40B4-BE49-F238E27FC236}">
+                <a16:creationId xmlns:a16="http://schemas.microsoft.com/office/drawing/2014/main" id="{BA41436D-E2B5-32E3-074C-4D0A7FA9BEC1}"/>
+              </a:ext>
+            </a:extLst>
+          </p:cNvPr>
+          <p:cNvPicPr>
+            <a:picLocks noChangeAspect="1"/>
+          </p:cNvPicPr>
+          <p:nvPr/>
+        </p:nvPicPr>
+        <p:blipFill>
+          <a:blip r:embed="rId2">
+            <a:extLst>
+              <a:ext uri="{28A0092B-C50C-407E-A947-70E740481C1C}">
+                <a14:useLocalDpi xmlns:a14="http://schemas.microsoft.com/office/drawing/2010/main" val="0"/>
+              </a:ext>
+            </a:extLst>
+          </a:blip>
+          <a:stretch>
+            <a:fillRect/>
+          </a:stretch>
+        </p:blipFill>
+        <p:spPr>
+          <a:xfrm>
+            <a:off x="7246815" y="2076167"/>
+            <a:ext cx="4763477" cy="4763477"/>
+          </a:xfrm>
+          <a:prstGeom prst="rect">
+            <a:avLst/>
+          </a:prstGeom>
+        </p:spPr>
+      </p:pic>
+    </p:spTree>
+    <p:extLst>
+      <p:ext uri="{BB962C8B-B14F-4D97-AF65-F5344CB8AC3E}">
+        <p14:creationId xmlns:p14="http://schemas.microsoft.com/office/powerpoint/2010/main" val="907859234"/>
+      </p:ext>
+    </p:extLst>
+  </p:cSld>
+  <p:clrMapOvr>
+    <a:masterClrMapping/>
+  </p:clrMapOvr>
+</p:sld>
+</file>
+
+<file path=ppt/slides/slide4.xml><?xml version="1.0" encoding="utf-8"?>
+<p:sld xmlns:a="http://schemas.openxmlformats.org/drawingml/2006/main" xmlns:r="http://schemas.openxmlformats.org/officeDocument/2006/relationships" xmlns:p="http://schemas.openxmlformats.org/presentationml/2006/main">
+  <p:cSld>
+    <p:spTree>
+      <p:nvGrpSpPr>
+        <p:cNvPr id="1" name="">
+          <a:extLst>
+            <a:ext uri="{FF2B5EF4-FFF2-40B4-BE49-F238E27FC236}">
+              <a16:creationId xmlns:a16="http://schemas.microsoft.com/office/drawing/2014/main" id="{0EA09A20-E3F8-FA3B-6E2C-A5A930467781}"/>
+            </a:ext>
+          </a:extLst>
+        </p:cNvPr>
+        <p:cNvGrpSpPr/>
+        <p:nvPr/>
+      </p:nvGrpSpPr>
+      <p:grpSpPr>
+        <a:xfrm>
+          <a:off x="0" y="0"/>
+          <a:ext cx="0" cy="0"/>
+          <a:chOff x="0" y="0"/>
+          <a:chExt cx="0" cy="0"/>
+        </a:xfrm>
+      </p:grpSpPr>
+      <p:sp>
+        <p:nvSpPr>
+          <p:cNvPr id="3" name="Content Placeholder 2">
+            <a:extLst>
+              <a:ext uri="{FF2B5EF4-FFF2-40B4-BE49-F238E27FC236}">
+                <a16:creationId xmlns:a16="http://schemas.microsoft.com/office/drawing/2014/main" id="{9D090549-E39A-95CD-1921-17A8F4E3F1A5}"/>
+              </a:ext>
+            </a:extLst>
+          </p:cNvPr>
+          <p:cNvSpPr>
+            <a:spLocks noGrp="1"/>
+          </p:cNvSpPr>
+          <p:nvPr>
+            <p:ph idx="1"/>
+          </p:nvPr>
+        </p:nvSpPr>
+        <p:spPr/>
+        <p:txBody>
+          <a:bodyPr>
+            <a:normAutofit/>
+          </a:bodyPr>
+          <a:lstStyle/>
+          <a:p>
+            <a:pPr marL="0" indent="0">
+              <a:buNone/>
+            </a:pPr>
+            <a:r>
+              <a:rPr lang="en-US" dirty="0"/>
+              <a:t>Method:</a:t>
+            </a:r>
+          </a:p>
+          <a:p>
+            <a:pPr marL="0" indent="0">
+              <a:buNone/>
+            </a:pPr>
+            <a:r>
+              <a:rPr lang="en-US" dirty="0"/>
+              <a:t>Python packages:</a:t>
+            </a:r>
+          </a:p>
+          <a:p>
+            <a:pPr marL="0" indent="0">
+              <a:buNone/>
+            </a:pPr>
+            <a:r>
+              <a:rPr lang="en-US" dirty="0"/>
+              <a:t>- </a:t>
+            </a:r>
+            <a:r>
+              <a:rPr lang="en-US" dirty="0" err="1"/>
+              <a:t>librosa</a:t>
+            </a:r>
+            <a:r>
+              <a:rPr lang="en-US" dirty="0"/>
+              <a:t>	Encoding audio data</a:t>
+            </a:r>
+          </a:p>
+          <a:p>
+            <a:pPr marL="0" indent="0">
+              <a:buNone/>
+            </a:pPr>
+            <a:endParaRPr lang="en-US" dirty="0"/>
+          </a:p>
+          <a:p>
+            <a:pPr marL="514350" indent="-514350">
+              <a:buAutoNum type="arabicPeriod"/>
+            </a:pPr>
+            <a:r>
+              <a:rPr lang="en-US" dirty="0"/>
+              <a:t>Collect the Data</a:t>
+            </a:r>
+          </a:p>
+          <a:p>
+            <a:pPr marL="514350" indent="-514350">
+              <a:buAutoNum type="arabicPeriod"/>
+            </a:pPr>
+            <a:r>
+              <a:rPr lang="en-US" dirty="0"/>
+              <a:t>Clean the Data</a:t>
+            </a:r>
+          </a:p>
+          <a:p>
+            <a:pPr marL="514350" indent="-514350">
+              <a:buAutoNum type="arabicPeriod"/>
+            </a:pPr>
+            <a:r>
+              <a:rPr lang="en-US" dirty="0"/>
+              <a:t>Explore/Visualize the Data</a:t>
+            </a:r>
+          </a:p>
+          <a:p>
+            <a:pPr marL="0" indent="0">
+              <a:buNone/>
+            </a:pPr>
+            <a:endParaRPr lang="en-US" dirty="0"/>
+          </a:p>
+          <a:p>
+            <a:pPr marL="0" indent="0">
+              <a:buNone/>
+            </a:pPr>
+            <a:endParaRPr lang="en-US" dirty="0"/>
+          </a:p>
+        </p:txBody>
+      </p:sp>
+      <p:sp>
+        <p:nvSpPr>
+          <p:cNvPr id="2" name="Title 1">
+            <a:extLst>
+              <a:ext uri="{FF2B5EF4-FFF2-40B4-BE49-F238E27FC236}">
+                <a16:creationId xmlns:a16="http://schemas.microsoft.com/office/drawing/2014/main" id="{186F3137-2A61-B919-17E2-7AE5D8C49FDE}"/>
+              </a:ext>
+            </a:extLst>
+          </p:cNvPr>
+          <p:cNvSpPr>
+            <a:spLocks noGrp="1"/>
+          </p:cNvSpPr>
+          <p:nvPr>
+            <p:ph type="title"/>
+          </p:nvPr>
+        </p:nvSpPr>
+        <p:spPr/>
+        <p:txBody>
+          <a:bodyPr/>
+          <a:lstStyle/>
+          <a:p>
+            <a:r>
+              <a:rPr lang="en-US" dirty="0" err="1"/>
+              <a:t>uW</a:t>
+            </a:r>
+            <a:r>
+              <a:rPr lang="en-US" dirty="0"/>
+              <a:t> Hackathon – 2024</a:t>
+            </a:r>
+          </a:p>
+        </p:txBody>
+      </p:sp>
+      <p:pic>
+        <p:nvPicPr>
+          <p:cNvPr id="5" name="Picture 4" descr="A red and white tag with white text&#10;&#10;Description automatically generated">
+            <a:extLst>
+              <a:ext uri="{FF2B5EF4-FFF2-40B4-BE49-F238E27FC236}">
+                <a16:creationId xmlns:a16="http://schemas.microsoft.com/office/drawing/2014/main" id="{AED5D47C-E738-287E-2DDC-2F4377258A6C}"/>
+              </a:ext>
+            </a:extLst>
+          </p:cNvPr>
+          <p:cNvPicPr>
+            <a:picLocks noChangeAspect="1"/>
+          </p:cNvPicPr>
+          <p:nvPr/>
+        </p:nvPicPr>
+        <p:blipFill>
+          <a:blip r:embed="rId2">
+            <a:extLst>
+              <a:ext uri="{BEBA8EAE-BF5A-486C-A8C5-ECC9F3942E4B}">
+                <a14:imgProps xmlns:a14="http://schemas.microsoft.com/office/drawing/2010/main">
+                  <a14:imgLayer r:embed="rId3">
+                    <a14:imgEffect>
+                      <a14:backgroundRemoval t="10000" b="90000" l="10000" r="90000">
+                        <a14:foregroundMark x1="23242" y1="34277" x2="19922" y2="49902"/>
+                        <a14:foregroundMark x1="19922" y1="49902" x2="27051" y2="56055"/>
+                        <a14:foregroundMark x1="27051" y1="56055" x2="35547" y2="50195"/>
+                        <a14:foregroundMark x1="35547" y1="50195" x2="33398" y2="36719"/>
+                        <a14:foregroundMark x1="33398" y1="36719" x2="25195" y2="33301"/>
+                        <a14:foregroundMark x1="25195" y1="33301" x2="23438" y2="33984"/>
+                        <a14:foregroundMark x1="28809" y1="37012" x2="25195" y2="45801"/>
+                        <a14:foregroundMark x1="25195" y1="45801" x2="30371" y2="49512"/>
+                        <a14:foregroundMark x1="42480" y1="34863" x2="42773" y2="43555"/>
+                        <a14:foregroundMark x1="42773" y1="43555" x2="50488" y2="40918"/>
+                        <a14:foregroundMark x1="50488" y1="40918" x2="59961" y2="41211"/>
+                        <a14:foregroundMark x1="59961" y1="41211" x2="79492" y2="34961"/>
+                        <a14:foregroundMark x1="79492" y1="34961" x2="79395" y2="39063"/>
+                        <a14:foregroundMark x1="57715" y1="33301" x2="56934" y2="42969"/>
+                        <a14:foregroundMark x1="70703" y1="34180" x2="80664" y2="30566"/>
+                        <a14:foregroundMark x1="80664" y1="30566" x2="80957" y2="30273"/>
+                        <a14:foregroundMark x1="23535" y1="60449" x2="72754" y2="47070"/>
+                        <a14:foregroundMark x1="77344" y1="46289" x2="81738" y2="51367"/>
+                      </a14:backgroundRemoval>
+                    </a14:imgEffect>
+                  </a14:imgLayer>
+                </a14:imgProps>
+              </a:ext>
+              <a:ext uri="{28A0092B-C50C-407E-A947-70E740481C1C}">
+                <a14:useLocalDpi xmlns:a14="http://schemas.microsoft.com/office/drawing/2010/main" val="0"/>
+              </a:ext>
+            </a:extLst>
+          </a:blip>
+          <a:stretch>
+            <a:fillRect/>
+          </a:stretch>
+        </p:blipFill>
+        <p:spPr>
+          <a:xfrm>
             <a:off x="3582989" y="2109049"/>
             <a:ext cx="473560" cy="473560"/>
           </a:xfrm>
@@ -6001,7 +6506,7 @@
 </p:sld>
 </file>
 
-<file path=ppt/slides/slide4.xml><?xml version="1.0" encoding="utf-8"?>
+<file path=ppt/slides/slide5.xml><?xml version="1.0" encoding="utf-8"?>
 <p:sld xmlns:a="http://schemas.openxmlformats.org/drawingml/2006/main" xmlns:r="http://schemas.openxmlformats.org/officeDocument/2006/relationships" xmlns:p="http://schemas.openxmlformats.org/presentationml/2006/main">
   <p:cSld>
     <p:spTree>
@@ -6084,7 +6589,7 @@
 </p:sld>
 </file>
 
-<file path=ppt/slides/slide5.xml><?xml version="1.0" encoding="utf-8"?>
+<file path=ppt/slides/slide6.xml><?xml version="1.0" encoding="utf-8"?>
 <p:sld xmlns:a="http://schemas.openxmlformats.org/drawingml/2006/main" xmlns:r="http://schemas.openxmlformats.org/officeDocument/2006/relationships" xmlns:p="http://schemas.openxmlformats.org/presentationml/2006/main">
   <p:cSld>
     <p:spTree>
@@ -6181,7 +6686,7 @@
         </p:blipFill>
         <p:spPr>
           <a:xfrm>
-            <a:off x="163496" y="1923017"/>
+            <a:off x="163496" y="1930832"/>
             <a:ext cx="2954417" cy="2181529"/>
           </a:xfrm>
           <a:prstGeom prst="rect">
@@ -6226,7 +6731,7 @@
         </p:blipFill>
         <p:spPr>
           <a:xfrm>
-            <a:off x="4672271" y="1923018"/>
+            <a:off x="4672271" y="1930833"/>
             <a:ext cx="3600953" cy="2181529"/>
           </a:xfrm>
           <a:prstGeom prst="rect">
@@ -6244,6 +6749,7 @@
             </a:extLst>
           </p:cNvPr>
           <p:cNvCxnSpPr>
+            <a:cxnSpLocks/>
             <a:stCxn id="5" idx="3"/>
             <a:endCxn id="6" idx="1"/>
           </p:cNvCxnSpPr>
@@ -6251,7 +6757,7 @@
         </p:nvCxnSpPr>
         <p:spPr>
           <a:xfrm>
-            <a:off x="3117913" y="3013782"/>
+            <a:off x="3117913" y="3021597"/>
             <a:ext cx="1554358" cy="1"/>
           </a:xfrm>
           <a:prstGeom prst="straightConnector1">
@@ -6326,7 +6832,7 @@
         </p:nvSpPr>
         <p:spPr>
           <a:xfrm>
-            <a:off x="9827582" y="1923018"/>
+            <a:off x="9827582" y="1930833"/>
             <a:ext cx="2200922" cy="2181529"/>
           </a:xfrm>
           <a:prstGeom prst="flowChartProcess">
@@ -6383,7 +6889,7 @@
         </p:nvCxnSpPr>
         <p:spPr>
           <a:xfrm>
-            <a:off x="8273224" y="3013783"/>
+            <a:off x="8273224" y="3021598"/>
             <a:ext cx="1554358" cy="0"/>
           </a:xfrm>
           <a:prstGeom prst="straightConnector1">
@@ -6427,7 +6933,7 @@
 </p:sld>
 </file>
 
-<file path=ppt/slides/slide6.xml><?xml version="1.0" encoding="utf-8"?>
+<file path=ppt/slides/slide7.xml><?xml version="1.0" encoding="utf-8"?>
 <p:sld xmlns:a="http://schemas.openxmlformats.org/drawingml/2006/main" xmlns:r="http://schemas.openxmlformats.org/officeDocument/2006/relationships" xmlns:p="http://schemas.openxmlformats.org/presentationml/2006/main">
   <p:cSld>
     <p:spTree>
@@ -6634,7 +7140,7 @@
 </p:sld>
 </file>
 
-<file path=ppt/slides/slide7.xml><?xml version="1.0" encoding="utf-8"?>
+<file path=ppt/slides/slide8.xml><?xml version="1.0" encoding="utf-8"?>
 <p:sld xmlns:a="http://schemas.openxmlformats.org/drawingml/2006/main" xmlns:r="http://schemas.openxmlformats.org/officeDocument/2006/relationships" xmlns:p="http://schemas.openxmlformats.org/presentationml/2006/main">
   <p:cSld>
     <p:spTree>
@@ -6898,7 +7404,7 @@
 </p:sld>
 </file>
 
-<file path=ppt/slides/slide8.xml><?xml version="1.0" encoding="utf-8"?>
+<file path=ppt/slides/slide9.xml><?xml version="1.0" encoding="utf-8"?>
 <p:sld xmlns:a="http://schemas.openxmlformats.org/drawingml/2006/main" xmlns:r="http://schemas.openxmlformats.org/officeDocument/2006/relationships" xmlns:p="http://schemas.openxmlformats.org/presentationml/2006/main">
   <p:cSld>
     <p:spTree>
@@ -7159,270 +7665,6 @@
     <p:extLst>
       <p:ext uri="{BB962C8B-B14F-4D97-AF65-F5344CB8AC3E}">
         <p14:creationId xmlns:p14="http://schemas.microsoft.com/office/powerpoint/2010/main" val="1935979333"/>
-      </p:ext>
-    </p:extLst>
-  </p:cSld>
-  <p:clrMapOvr>
-    <a:masterClrMapping/>
-  </p:clrMapOvr>
-</p:sld>
-</file>
-
-<file path=ppt/slides/slide9.xml><?xml version="1.0" encoding="utf-8"?>
-<p:sld xmlns:a="http://schemas.openxmlformats.org/drawingml/2006/main" xmlns:r="http://schemas.openxmlformats.org/officeDocument/2006/relationships" xmlns:p="http://schemas.openxmlformats.org/presentationml/2006/main">
-  <p:cSld>
-    <p:spTree>
-      <p:nvGrpSpPr>
-        <p:cNvPr id="1" name=""/>
-        <p:cNvGrpSpPr/>
-        <p:nvPr/>
-      </p:nvGrpSpPr>
-      <p:grpSpPr>
-        <a:xfrm>
-          <a:off x="0" y="0"/>
-          <a:ext cx="0" cy="0"/>
-          <a:chOff x="0" y="0"/>
-          <a:chExt cx="0" cy="0"/>
-        </a:xfrm>
-      </p:grpSpPr>
-      <p:pic>
-        <p:nvPicPr>
-          <p:cNvPr id="5" name="Picture 4" descr="A blue and red graph&#10;&#10;Description automatically generated with medium confidence">
-            <a:extLst>
-              <a:ext uri="{FF2B5EF4-FFF2-40B4-BE49-F238E27FC236}">
-                <a16:creationId xmlns:a16="http://schemas.microsoft.com/office/drawing/2014/main" id="{5A066BEE-C736-2228-3440-6F09BEEDCDE5}"/>
-              </a:ext>
-            </a:extLst>
-          </p:cNvPr>
-          <p:cNvPicPr>
-            <a:picLocks noChangeAspect="1"/>
-          </p:cNvPicPr>
-          <p:nvPr/>
-        </p:nvPicPr>
-        <p:blipFill>
-          <a:blip r:embed="rId2">
-            <a:extLst>
-              <a:ext uri="{28A0092B-C50C-407E-A947-70E740481C1C}">
-                <a14:useLocalDpi xmlns:a14="http://schemas.microsoft.com/office/drawing/2010/main" val="0"/>
-              </a:ext>
-            </a:extLst>
-          </a:blip>
-          <a:stretch>
-            <a:fillRect/>
-          </a:stretch>
-        </p:blipFill>
-        <p:spPr>
-          <a:xfrm>
-            <a:off x="895885" y="1371600"/>
-            <a:ext cx="4690663" cy="2743200"/>
-          </a:xfrm>
-          <a:prstGeom prst="rect">
-            <a:avLst/>
-          </a:prstGeom>
-        </p:spPr>
-      </p:pic>
-      <p:pic>
-        <p:nvPicPr>
-          <p:cNvPr id="7" name="Picture 6" descr="A blue and white screen&#10;&#10;Description automatically generated with medium confidence">
-            <a:extLst>
-              <a:ext uri="{FF2B5EF4-FFF2-40B4-BE49-F238E27FC236}">
-                <a16:creationId xmlns:a16="http://schemas.microsoft.com/office/drawing/2014/main" id="{3E897AA9-E6CF-0EF5-1E81-FB46379FE636}"/>
-              </a:ext>
-            </a:extLst>
-          </p:cNvPr>
-          <p:cNvPicPr>
-            <a:picLocks noChangeAspect="1"/>
-          </p:cNvPicPr>
-          <p:nvPr/>
-        </p:nvPicPr>
-        <p:blipFill>
-          <a:blip r:embed="rId3">
-            <a:extLst>
-              <a:ext uri="{28A0092B-C50C-407E-A947-70E740481C1C}">
-                <a14:useLocalDpi xmlns:a14="http://schemas.microsoft.com/office/drawing/2010/main" val="0"/>
-              </a:ext>
-            </a:extLst>
-          </a:blip>
-          <a:stretch>
-            <a:fillRect/>
-          </a:stretch>
-        </p:blipFill>
-        <p:spPr>
-          <a:xfrm>
-            <a:off x="895884" y="4114800"/>
-            <a:ext cx="4516159" cy="2743200"/>
-          </a:xfrm>
-          <a:prstGeom prst="rect">
-            <a:avLst/>
-          </a:prstGeom>
-        </p:spPr>
-      </p:pic>
-      <p:pic>
-        <p:nvPicPr>
-          <p:cNvPr id="9" name="Picture 8" descr="A blue screen with white lines&#10;&#10;Description automatically generated">
-            <a:extLst>
-              <a:ext uri="{FF2B5EF4-FFF2-40B4-BE49-F238E27FC236}">
-                <a16:creationId xmlns:a16="http://schemas.microsoft.com/office/drawing/2014/main" id="{4283C9BC-28B4-CCFC-49AC-F55A2761DFD4}"/>
-              </a:ext>
-            </a:extLst>
-          </p:cNvPr>
-          <p:cNvPicPr>
-            <a:picLocks noChangeAspect="1"/>
-          </p:cNvPicPr>
-          <p:nvPr/>
-        </p:nvPicPr>
-        <p:blipFill>
-          <a:blip r:embed="rId4">
-            <a:extLst>
-              <a:ext uri="{28A0092B-C50C-407E-A947-70E740481C1C}">
-                <a14:useLocalDpi xmlns:a14="http://schemas.microsoft.com/office/drawing/2010/main" val="0"/>
-              </a:ext>
-            </a:extLst>
-          </a:blip>
-          <a:stretch>
-            <a:fillRect/>
-          </a:stretch>
-        </p:blipFill>
-        <p:spPr>
-          <a:xfrm>
-            <a:off x="6655294" y="1371600"/>
-            <a:ext cx="4516159" cy="2743200"/>
-          </a:xfrm>
-          <a:prstGeom prst="rect">
-            <a:avLst/>
-          </a:prstGeom>
-        </p:spPr>
-      </p:pic>
-      <p:pic>
-        <p:nvPicPr>
-          <p:cNvPr id="11" name="Picture 10" descr="A blue screen with white lines&#10;&#10;Description automatically generated">
-            <a:extLst>
-              <a:ext uri="{FF2B5EF4-FFF2-40B4-BE49-F238E27FC236}">
-                <a16:creationId xmlns:a16="http://schemas.microsoft.com/office/drawing/2014/main" id="{170419DD-F4F4-7033-C47B-EEC047BE1D7D}"/>
-              </a:ext>
-            </a:extLst>
-          </p:cNvPr>
-          <p:cNvPicPr>
-            <a:picLocks noChangeAspect="1"/>
-          </p:cNvPicPr>
-          <p:nvPr/>
-        </p:nvPicPr>
-        <p:blipFill>
-          <a:blip r:embed="rId5">
-            <a:extLst>
-              <a:ext uri="{28A0092B-C50C-407E-A947-70E740481C1C}">
-                <a14:useLocalDpi xmlns:a14="http://schemas.microsoft.com/office/drawing/2010/main" val="0"/>
-              </a:ext>
-            </a:extLst>
-          </a:blip>
-          <a:stretch>
-            <a:fillRect/>
-          </a:stretch>
-        </p:blipFill>
-        <p:spPr>
-          <a:xfrm>
-            <a:off x="6655293" y="4114800"/>
-            <a:ext cx="4516159" cy="2743200"/>
-          </a:xfrm>
-          <a:prstGeom prst="rect">
-            <a:avLst/>
-          </a:prstGeom>
-        </p:spPr>
-      </p:pic>
-      <p:sp>
-        <p:nvSpPr>
-          <p:cNvPr id="2" name="Title 1">
-            <a:extLst>
-              <a:ext uri="{FF2B5EF4-FFF2-40B4-BE49-F238E27FC236}">
-                <a16:creationId xmlns:a16="http://schemas.microsoft.com/office/drawing/2014/main" id="{52A374CE-A32F-D188-5958-2820E4BDC9D9}"/>
-              </a:ext>
-            </a:extLst>
-          </p:cNvPr>
-          <p:cNvSpPr txBox="1">
-            <a:spLocks/>
-          </p:cNvSpPr>
-          <p:nvPr/>
-        </p:nvSpPr>
-        <p:spPr>
-          <a:xfrm>
-            <a:off x="838200" y="107673"/>
-            <a:ext cx="10515600" cy="904382"/>
-          </a:xfrm>
-          <a:prstGeom prst="rect">
-            <a:avLst/>
-          </a:prstGeom>
-        </p:spPr>
-        <p:txBody>
-          <a:bodyPr vert="horz" lIns="91440" tIns="45720" rIns="91440" bIns="45720" rtlCol="0" anchor="b">
-            <a:normAutofit lnSpcReduction="10000"/>
-          </a:bodyPr>
-          <a:lstStyle>
-            <a:lvl1pPr algn="ctr" defTabSz="914400" rtl="0" eaLnBrk="1" latinLnBrk="0" hangingPunct="1">
-              <a:lnSpc>
-                <a:spcPct val="90000"/>
-              </a:lnSpc>
-              <a:spcBef>
-                <a:spcPct val="0"/>
-              </a:spcBef>
-              <a:buNone/>
-              <a:defRPr sz="6000" kern="1200">
-                <a:solidFill>
-                  <a:schemeClr val="tx1"/>
-                </a:solidFill>
-                <a:latin typeface="+mj-lt"/>
-                <a:ea typeface="+mj-ea"/>
-                <a:cs typeface="+mj-cs"/>
-              </a:defRPr>
-            </a:lvl1pPr>
-          </a:lstStyle>
-          <a:p>
-            <a:r>
-              <a:rPr lang="en-US" dirty="0"/>
-              <a:t>Explore/Visualize the Data</a:t>
-            </a:r>
-          </a:p>
-        </p:txBody>
-      </p:sp>
-      <p:cxnSp>
-        <p:nvCxnSpPr>
-          <p:cNvPr id="3" name="Straight Connector 2">
-            <a:extLst>
-              <a:ext uri="{FF2B5EF4-FFF2-40B4-BE49-F238E27FC236}">
-                <a16:creationId xmlns:a16="http://schemas.microsoft.com/office/drawing/2014/main" id="{69F028A0-17F1-DE2C-397E-311FD527E14F}"/>
-              </a:ext>
-            </a:extLst>
-          </p:cNvPr>
-          <p:cNvCxnSpPr/>
-          <p:nvPr/>
-        </p:nvCxnSpPr>
-        <p:spPr>
-          <a:xfrm>
-            <a:off x="5930283" y="1340528"/>
-            <a:ext cx="0" cy="5255581"/>
-          </a:xfrm>
-          <a:prstGeom prst="line">
-            <a:avLst/>
-          </a:prstGeom>
-        </p:spPr>
-        <p:style>
-          <a:lnRef idx="2">
-            <a:schemeClr val="accent1"/>
-          </a:lnRef>
-          <a:fillRef idx="0">
-            <a:schemeClr val="accent1"/>
-          </a:fillRef>
-          <a:effectRef idx="1">
-            <a:schemeClr val="accent1"/>
-          </a:effectRef>
-          <a:fontRef idx="minor">
-            <a:schemeClr val="tx1"/>
-          </a:fontRef>
-        </p:style>
-      </p:cxnSp>
-    </p:spTree>
-    <p:extLst>
-      <p:ext uri="{BB962C8B-B14F-4D97-AF65-F5344CB8AC3E}">
-        <p14:creationId xmlns:p14="http://schemas.microsoft.com/office/powerpoint/2010/main" val="2066331840"/>
       </p:ext>
     </p:extLst>
   </p:cSld>

--- a/Hackathon Presentation.pptx
+++ b/Hackathon Presentation.pptx
@@ -18,10 +18,16 @@
     <p:sldId id="268" r:id="rId12"/>
     <p:sldId id="260" r:id="rId13"/>
     <p:sldId id="259" r:id="rId14"/>
-    <p:sldId id="265" r:id="rId15"/>
-    <p:sldId id="266" r:id="rId16"/>
-    <p:sldId id="269" r:id="rId17"/>
-    <p:sldId id="270" r:id="rId18"/>
+    <p:sldId id="266" r:id="rId15"/>
+    <p:sldId id="273" r:id="rId16"/>
+    <p:sldId id="270" r:id="rId17"/>
+    <p:sldId id="269" r:id="rId18"/>
+    <p:sldId id="278" r:id="rId19"/>
+    <p:sldId id="277" r:id="rId20"/>
+    <p:sldId id="276" r:id="rId21"/>
+    <p:sldId id="275" r:id="rId22"/>
+    <p:sldId id="274" r:id="rId23"/>
+    <p:sldId id="279" r:id="rId24"/>
   </p:sldIdLst>
   <p:sldSz cx="12192000" cy="6858000"/>
   <p:notesSz cx="6858000" cy="9144000"/>
@@ -3841,7 +3847,19 @@
               <a:rPr lang="en-US" sz="1600" dirty="0">
                 <a:latin typeface="Georgia" panose="02040502050405020303" pitchFamily="18" charset="0"/>
               </a:rPr>
-              <a:t>For keyword checking, it might be helpful to have a meaningful measure of how different the words are:</a:t>
+              <a:t>For keyword checking, it might be helpful to have a meaningful measure of </a:t>
+            </a:r>
+            <a:r>
+              <a:rPr lang="en-US" sz="1600" b="1" dirty="0">
+                <a:latin typeface="Georgia" panose="02040502050405020303" pitchFamily="18" charset="0"/>
+              </a:rPr>
+              <a:t>how different </a:t>
+            </a:r>
+            <a:r>
+              <a:rPr lang="en-US" sz="1600" dirty="0">
+                <a:latin typeface="Georgia" panose="02040502050405020303" pitchFamily="18" charset="0"/>
+              </a:rPr>
+              <a:t>the words are:</a:t>
             </a:r>
           </a:p>
           <a:p>
@@ -4037,6 +4055,53 @@
           </a:p>
         </p:txBody>
       </p:sp>
+      <p:pic>
+        <p:nvPicPr>
+          <p:cNvPr id="2050" name="Picture 2" descr="Output image">
+            <a:extLst>
+              <a:ext uri="{FF2B5EF4-FFF2-40B4-BE49-F238E27FC236}">
+                <a16:creationId xmlns:a16="http://schemas.microsoft.com/office/drawing/2014/main" id="{401C8EB4-3612-0C22-ACD5-FF3C822264C7}"/>
+              </a:ext>
+            </a:extLst>
+          </p:cNvPr>
+          <p:cNvPicPr>
+            <a:picLocks noChangeAspect="1" noChangeArrowheads="1"/>
+          </p:cNvPicPr>
+          <p:nvPr/>
+        </p:nvPicPr>
+        <p:blipFill>
+          <a:blip r:embed="rId2">
+            <a:extLst>
+              <a:ext uri="{28A0092B-C50C-407E-A947-70E740481C1C}">
+                <a14:useLocalDpi xmlns:a14="http://schemas.microsoft.com/office/drawing/2010/main" val="0"/>
+              </a:ext>
+            </a:extLst>
+          </a:blip>
+          <a:srcRect/>
+          <a:stretch>
+            <a:fillRect/>
+          </a:stretch>
+        </p:blipFill>
+        <p:spPr bwMode="auto">
+          <a:xfrm>
+            <a:off x="1400205" y="3405696"/>
+            <a:ext cx="5571725" cy="3322271"/>
+          </a:xfrm>
+          <a:prstGeom prst="rect">
+            <a:avLst/>
+          </a:prstGeom>
+          <a:noFill/>
+          <a:extLst>
+            <a:ext uri="{909E8E84-426E-40DD-AFC4-6F175D3DCCD1}">
+              <a14:hiddenFill xmlns:a14="http://schemas.microsoft.com/office/drawing/2010/main">
+                <a:solidFill>
+                  <a:srgbClr val="FFFFFF"/>
+                </a:solidFill>
+              </a14:hiddenFill>
+            </a:ext>
+          </a:extLst>
+        </p:spPr>
+      </p:pic>
     </p:spTree>
     <p:extLst>
       <p:ext uri="{BB962C8B-B14F-4D97-AF65-F5344CB8AC3E}">
@@ -4089,8 +4154,12 @@
           <a:lstStyle/>
           <a:p>
             <a:r>
+              <a:rPr lang="en-US" dirty="0"/>
+              <a:t>Report</a:t>
+            </a:r>
+            <a:r>
               <a:rPr lang="en-US"/>
-              <a:t>Report:</a:t>
+              <a:t>: Training/Testing</a:t>
             </a:r>
           </a:p>
         </p:txBody>
@@ -4111,7 +4180,12 @@
             <p:ph idx="1"/>
           </p:nvPr>
         </p:nvSpPr>
-        <p:spPr/>
+        <p:spPr>
+          <a:xfrm>
+            <a:off x="187726" y="1947068"/>
+            <a:ext cx="10515600" cy="4351338"/>
+          </a:xfrm>
+        </p:spPr>
         <p:txBody>
           <a:bodyPr>
             <a:normAutofit/>
@@ -4122,7 +4196,7 @@
               <a:buNone/>
             </a:pPr>
             <a:r>
-              <a:rPr lang="en-US" dirty="0"/>
+              <a:rPr lang="en-US" sz="2000" dirty="0"/>
               <a:t>Similar to wilderness1.wav:</a:t>
             </a:r>
           </a:p>
@@ -4131,7 +4205,7 @@
               <a:buNone/>
             </a:pPr>
             <a:r>
-              <a:rPr lang="en-US" dirty="0"/>
+              <a:rPr lang="en-US" sz="2000" dirty="0"/>
               <a:t>wilderness1.wav: 1</a:t>
             </a:r>
           </a:p>
@@ -4140,7 +4214,7 @@
               <a:buNone/>
             </a:pPr>
             <a:r>
-              <a:rPr lang="en-US" dirty="0"/>
+              <a:rPr lang="en-US" sz="2000" dirty="0"/>
               <a:t>wilderness2.wav: 0.7229432647124682</a:t>
             </a:r>
           </a:p>
@@ -4148,14 +4222,14 @@
             <a:pPr marL="0" indent="0">
               <a:buNone/>
             </a:pPr>
-            <a:endParaRPr lang="en-US" dirty="0"/>
+            <a:endParaRPr lang="en-US" sz="2000" dirty="0"/>
           </a:p>
           <a:p>
             <a:pPr marL="0" indent="0">
               <a:buNone/>
             </a:pPr>
             <a:r>
-              <a:rPr lang="en-US" dirty="0"/>
+              <a:rPr lang="en-US" sz="2000" dirty="0"/>
               <a:t>jesus2.wav: 0.3134769071964211</a:t>
             </a:r>
           </a:p>
@@ -4164,7 +4238,7 @@
               <a:buNone/>
             </a:pPr>
             <a:r>
-              <a:rPr lang="en-US" dirty="0"/>
+              <a:rPr lang="en-US" sz="2000" dirty="0"/>
               <a:t>God1.wav: 0.23680512842732715</a:t>
             </a:r>
           </a:p>
@@ -4173,7 +4247,7 @@
               <a:buNone/>
             </a:pPr>
             <a:r>
-              <a:rPr lang="en-US" dirty="0"/>
+              <a:rPr lang="en-US" sz="2000" dirty="0"/>
               <a:t>jesus1.wav: 0.21231795463558845</a:t>
             </a:r>
           </a:p>
@@ -4182,7 +4256,7 @@
               <a:buNone/>
             </a:pPr>
             <a:r>
-              <a:rPr lang="en-US" dirty="0"/>
+              <a:rPr lang="en-US" sz="2000" dirty="0"/>
               <a:t>God2.wav: 0.1635381466180469 </a:t>
             </a:r>
           </a:p>
@@ -4217,8 +4291,55 @@
         </p:blipFill>
         <p:spPr bwMode="auto">
           <a:xfrm>
-            <a:off x="8064253" y="838994"/>
+            <a:off x="10052851" y="108743"/>
             <a:ext cx="1905000" cy="1838325"/>
+          </a:xfrm>
+          <a:prstGeom prst="rect">
+            <a:avLst/>
+          </a:prstGeom>
+          <a:noFill/>
+          <a:extLst>
+            <a:ext uri="{909E8E84-426E-40DD-AFC4-6F175D3DCCD1}">
+              <a14:hiddenFill xmlns:a14="http://schemas.microsoft.com/office/drawing/2010/main">
+                <a:solidFill>
+                  <a:srgbClr val="FFFFFF"/>
+                </a:solidFill>
+              </a14:hiddenFill>
+            </a:ext>
+          </a:extLst>
+        </p:spPr>
+      </p:pic>
+      <p:pic>
+        <p:nvPicPr>
+          <p:cNvPr id="4098" name="Picture 2" descr="Output image">
+            <a:extLst>
+              <a:ext uri="{FF2B5EF4-FFF2-40B4-BE49-F238E27FC236}">
+                <a16:creationId xmlns:a16="http://schemas.microsoft.com/office/drawing/2014/main" id="{27DC4CD9-FCAB-C0E5-35A4-38F71179842D}"/>
+              </a:ext>
+            </a:extLst>
+          </p:cNvPr>
+          <p:cNvPicPr>
+            <a:picLocks noChangeAspect="1" noChangeArrowheads="1"/>
+          </p:cNvPicPr>
+          <p:nvPr/>
+        </p:nvPicPr>
+        <p:blipFill>
+          <a:blip r:embed="rId3">
+            <a:extLst>
+              <a:ext uri="{28A0092B-C50C-407E-A947-70E740481C1C}">
+                <a14:useLocalDpi xmlns:a14="http://schemas.microsoft.com/office/drawing/2010/main" val="0"/>
+              </a:ext>
+            </a:extLst>
+          </a:blip>
+          <a:srcRect/>
+          <a:stretch>
+            <a:fillRect/>
+          </a:stretch>
+        </p:blipFill>
+        <p:spPr bwMode="auto">
+          <a:xfrm>
+            <a:off x="5641702" y="2760954"/>
+            <a:ext cx="6362571" cy="3793831"/>
           </a:xfrm>
           <a:prstGeom prst="rect">
             <a:avLst/>
@@ -4249,101 +4370,6 @@
 </file>
 
 <file path=ppt/slides/slide14.xml><?xml version="1.0" encoding="utf-8"?>
-<p:sld xmlns:a="http://schemas.openxmlformats.org/drawingml/2006/main" xmlns:r="http://schemas.openxmlformats.org/officeDocument/2006/relationships" xmlns:p="http://schemas.openxmlformats.org/presentationml/2006/main">
-  <p:cSld>
-    <p:spTree>
-      <p:nvGrpSpPr>
-        <p:cNvPr id="1" name=""/>
-        <p:cNvGrpSpPr/>
-        <p:nvPr/>
-      </p:nvGrpSpPr>
-      <p:grpSpPr>
-        <a:xfrm>
-          <a:off x="0" y="0"/>
-          <a:ext cx="0" cy="0"/>
-          <a:chOff x="0" y="0"/>
-          <a:chExt cx="0" cy="0"/>
-        </a:xfrm>
-      </p:grpSpPr>
-      <p:sp>
-        <p:nvSpPr>
-          <p:cNvPr id="2" name="Title 1">
-            <a:extLst>
-              <a:ext uri="{FF2B5EF4-FFF2-40B4-BE49-F238E27FC236}">
-                <a16:creationId xmlns:a16="http://schemas.microsoft.com/office/drawing/2014/main" id="{5B24CD70-B7ED-27E6-4EAD-F9192B5AB679}"/>
-              </a:ext>
-            </a:extLst>
-          </p:cNvPr>
-          <p:cNvSpPr>
-            <a:spLocks noGrp="1"/>
-          </p:cNvSpPr>
-          <p:nvPr>
-            <p:ph type="title"/>
-          </p:nvPr>
-        </p:nvSpPr>
-        <p:spPr/>
-        <p:txBody>
-          <a:bodyPr/>
-          <a:lstStyle/>
-          <a:p>
-            <a:r>
-              <a:rPr lang="en-US" dirty="0"/>
-              <a:t>Application</a:t>
-            </a:r>
-          </a:p>
-        </p:txBody>
-      </p:sp>
-      <p:sp>
-        <p:nvSpPr>
-          <p:cNvPr id="3" name="Content Placeholder 2">
-            <a:extLst>
-              <a:ext uri="{FF2B5EF4-FFF2-40B4-BE49-F238E27FC236}">
-                <a16:creationId xmlns:a16="http://schemas.microsoft.com/office/drawing/2014/main" id="{C068963F-0C43-2331-DD23-0DE426ADE049}"/>
-              </a:ext>
-            </a:extLst>
-          </p:cNvPr>
-          <p:cNvSpPr>
-            <a:spLocks noGrp="1"/>
-          </p:cNvSpPr>
-          <p:nvPr>
-            <p:ph idx="1"/>
-          </p:nvPr>
-        </p:nvSpPr>
-        <p:spPr/>
-        <p:txBody>
-          <a:bodyPr/>
-          <a:lstStyle/>
-          <a:p>
-            <a:pPr marL="0" indent="0">
-              <a:buNone/>
-            </a:pPr>
-            <a:r>
-              <a:rPr lang="en-US" dirty="0"/>
-              <a:t>Keyword checking</a:t>
-            </a:r>
-          </a:p>
-          <a:p>
-            <a:pPr marL="0" indent="0">
-              <a:buNone/>
-            </a:pPr>
-            <a:endParaRPr lang="en-US" dirty="0"/>
-          </a:p>
-        </p:txBody>
-      </p:sp>
-    </p:spTree>
-    <p:extLst>
-      <p:ext uri="{BB962C8B-B14F-4D97-AF65-F5344CB8AC3E}">
-        <p14:creationId xmlns:p14="http://schemas.microsoft.com/office/powerpoint/2010/main" val="3742979302"/>
-      </p:ext>
-    </p:extLst>
-  </p:cSld>
-  <p:clrMapOvr>
-    <a:masterClrMapping/>
-  </p:clrMapOvr>
-</p:sld>
-</file>
-
-<file path=ppt/slides/slide15.xml><?xml version="1.0" encoding="utf-8"?>
 <p:sld xmlns:a="http://schemas.openxmlformats.org/drawingml/2006/main" xmlns:r="http://schemas.openxmlformats.org/officeDocument/2006/relationships" xmlns:p="http://schemas.openxmlformats.org/presentationml/2006/main">
   <p:cSld>
     <p:spTree>
@@ -5526,7 +5552,730 @@
 </p:sld>
 </file>
 
+<file path=ppt/slides/slide15.xml><?xml version="1.0" encoding="utf-8"?>
+<p:sld xmlns:a="http://schemas.openxmlformats.org/drawingml/2006/main" xmlns:r="http://schemas.openxmlformats.org/officeDocument/2006/relationships" xmlns:p="http://schemas.openxmlformats.org/presentationml/2006/main">
+  <p:cSld>
+    <p:spTree>
+      <p:nvGrpSpPr>
+        <p:cNvPr id="1" name=""/>
+        <p:cNvGrpSpPr/>
+        <p:nvPr/>
+      </p:nvGrpSpPr>
+      <p:grpSpPr>
+        <a:xfrm>
+          <a:off x="0" y="0"/>
+          <a:ext cx="0" cy="0"/>
+          <a:chOff x="0" y="0"/>
+          <a:chExt cx="0" cy="0"/>
+        </a:xfrm>
+      </p:grpSpPr>
+      <p:sp>
+        <p:nvSpPr>
+          <p:cNvPr id="2" name="Title 1">
+            <a:extLst>
+              <a:ext uri="{FF2B5EF4-FFF2-40B4-BE49-F238E27FC236}">
+                <a16:creationId xmlns:a16="http://schemas.microsoft.com/office/drawing/2014/main" id="{D48E0A16-6954-EEFC-7D30-6D88BF47A2FC}"/>
+              </a:ext>
+            </a:extLst>
+          </p:cNvPr>
+          <p:cNvSpPr>
+            <a:spLocks noGrp="1"/>
+          </p:cNvSpPr>
+          <p:nvPr>
+            <p:ph type="title"/>
+          </p:nvPr>
+        </p:nvSpPr>
+        <p:spPr/>
+        <p:txBody>
+          <a:bodyPr/>
+          <a:lstStyle/>
+          <a:p>
+            <a:r>
+              <a:rPr lang="en-US" dirty="0"/>
+              <a:t>Demo</a:t>
+            </a:r>
+          </a:p>
+        </p:txBody>
+      </p:sp>
+      <p:sp>
+        <p:nvSpPr>
+          <p:cNvPr id="3" name="Content Placeholder 2">
+            <a:extLst>
+              <a:ext uri="{FF2B5EF4-FFF2-40B4-BE49-F238E27FC236}">
+                <a16:creationId xmlns:a16="http://schemas.microsoft.com/office/drawing/2014/main" id="{0E397249-A552-2097-2132-108EA2436EAD}"/>
+              </a:ext>
+            </a:extLst>
+          </p:cNvPr>
+          <p:cNvSpPr>
+            <a:spLocks noGrp="1"/>
+          </p:cNvSpPr>
+          <p:nvPr>
+            <p:ph idx="1"/>
+          </p:nvPr>
+        </p:nvSpPr>
+        <p:spPr/>
+        <p:txBody>
+          <a:bodyPr/>
+          <a:lstStyle/>
+          <a:p>
+            <a:endParaRPr lang="en-US" dirty="0"/>
+          </a:p>
+        </p:txBody>
+      </p:sp>
+      <p:pic>
+        <p:nvPicPr>
+          <p:cNvPr id="5" name="Picture 4">
+            <a:extLst>
+              <a:ext uri="{FF2B5EF4-FFF2-40B4-BE49-F238E27FC236}">
+                <a16:creationId xmlns:a16="http://schemas.microsoft.com/office/drawing/2014/main" id="{2258677D-46A7-E7C1-9006-FF3C9B3C073C}"/>
+              </a:ext>
+            </a:extLst>
+          </p:cNvPr>
+          <p:cNvPicPr>
+            <a:picLocks noChangeAspect="1"/>
+          </p:cNvPicPr>
+          <p:nvPr/>
+        </p:nvPicPr>
+        <p:blipFill>
+          <a:blip r:embed="rId2"/>
+          <a:stretch>
+            <a:fillRect/>
+          </a:stretch>
+        </p:blipFill>
+        <p:spPr>
+          <a:xfrm>
+            <a:off x="6442083" y="406522"/>
+            <a:ext cx="3835486" cy="6029325"/>
+          </a:xfrm>
+          <a:prstGeom prst="rect">
+            <a:avLst/>
+          </a:prstGeom>
+        </p:spPr>
+      </p:pic>
+    </p:spTree>
+    <p:extLst>
+      <p:ext uri="{BB962C8B-B14F-4D97-AF65-F5344CB8AC3E}">
+        <p14:creationId xmlns:p14="http://schemas.microsoft.com/office/powerpoint/2010/main" val="3691959087"/>
+      </p:ext>
+    </p:extLst>
+  </p:cSld>
+  <p:clrMapOvr>
+    <a:masterClrMapping/>
+  </p:clrMapOvr>
+</p:sld>
+</file>
+
 <file path=ppt/slides/slide16.xml><?xml version="1.0" encoding="utf-8"?>
+<p:sld xmlns:a="http://schemas.openxmlformats.org/drawingml/2006/main" xmlns:r="http://schemas.openxmlformats.org/officeDocument/2006/relationships" xmlns:p="http://schemas.openxmlformats.org/presentationml/2006/main">
+  <p:cSld>
+    <p:spTree>
+      <p:nvGrpSpPr>
+        <p:cNvPr id="1" name="">
+          <a:extLst>
+            <a:ext uri="{FF2B5EF4-FFF2-40B4-BE49-F238E27FC236}">
+              <a16:creationId xmlns:a16="http://schemas.microsoft.com/office/drawing/2014/main" id="{6D89CB16-FC26-D779-3F51-EF4D27618D47}"/>
+            </a:ext>
+          </a:extLst>
+        </p:cNvPr>
+        <p:cNvGrpSpPr/>
+        <p:nvPr/>
+      </p:nvGrpSpPr>
+      <p:grpSpPr>
+        <a:xfrm>
+          <a:off x="0" y="0"/>
+          <a:ext cx="0" cy="0"/>
+          <a:chOff x="0" y="0"/>
+          <a:chExt cx="0" cy="0"/>
+        </a:xfrm>
+      </p:grpSpPr>
+      <p:sp>
+        <p:nvSpPr>
+          <p:cNvPr id="2" name="Title 1">
+            <a:extLst>
+              <a:ext uri="{FF2B5EF4-FFF2-40B4-BE49-F238E27FC236}">
+                <a16:creationId xmlns:a16="http://schemas.microsoft.com/office/drawing/2014/main" id="{7F3CB485-135B-6C6C-F8FB-C43F8E63E21B}"/>
+              </a:ext>
+            </a:extLst>
+          </p:cNvPr>
+          <p:cNvSpPr>
+            <a:spLocks noGrp="1"/>
+          </p:cNvSpPr>
+          <p:nvPr>
+            <p:ph type="title"/>
+          </p:nvPr>
+        </p:nvSpPr>
+        <p:spPr/>
+        <p:txBody>
+          <a:bodyPr/>
+          <a:lstStyle/>
+          <a:p>
+            <a:r>
+              <a:rPr lang="en-US" dirty="0"/>
+              <a:t>(Practical) Limitations</a:t>
+            </a:r>
+          </a:p>
+        </p:txBody>
+      </p:sp>
+      <p:sp>
+        <p:nvSpPr>
+          <p:cNvPr id="3" name="Content Placeholder 2">
+            <a:extLst>
+              <a:ext uri="{FF2B5EF4-FFF2-40B4-BE49-F238E27FC236}">
+                <a16:creationId xmlns:a16="http://schemas.microsoft.com/office/drawing/2014/main" id="{C95656B2-B138-5272-9F61-23B4F80A8F93}"/>
+              </a:ext>
+            </a:extLst>
+          </p:cNvPr>
+          <p:cNvSpPr>
+            <a:spLocks noGrp="1"/>
+          </p:cNvSpPr>
+          <p:nvPr>
+            <p:ph idx="1"/>
+          </p:nvPr>
+        </p:nvSpPr>
+        <p:spPr>
+          <a:xfrm>
+            <a:off x="838200" y="1825625"/>
+            <a:ext cx="10515600" cy="4895606"/>
+          </a:xfrm>
+        </p:spPr>
+        <p:txBody>
+          <a:bodyPr>
+            <a:normAutofit lnSpcReduction="10000"/>
+          </a:bodyPr>
+          <a:lstStyle/>
+          <a:p>
+            <a:pPr marL="0" indent="0">
+              <a:buNone/>
+            </a:pPr>
+            <a:r>
+              <a:rPr lang="en-US" b="1" dirty="0"/>
+              <a:t>- Requires Internet access</a:t>
+            </a:r>
+          </a:p>
+          <a:p>
+            <a:pPr marL="0" indent="0">
+              <a:buNone/>
+            </a:pPr>
+            <a:r>
+              <a:rPr lang="en-US" dirty="0"/>
+              <a:t>	- Also requires transmitting entire audio file</a:t>
+            </a:r>
+          </a:p>
+          <a:p>
+            <a:pPr marL="0" indent="0">
+              <a:buNone/>
+            </a:pPr>
+            <a:r>
+              <a:rPr lang="en-US" dirty="0"/>
+              <a:t>	- ⁉ Possible to port to JS ? </a:t>
+            </a:r>
+            <a:r>
+              <a:rPr lang="en-US" dirty="0">
+                <a:sym typeface="Wingdings" panose="05000000000000000000" pitchFamily="2" charset="2"/>
+              </a:rPr>
+              <a:t> Transmit “Fingerprint”</a:t>
+            </a:r>
+            <a:r>
+              <a:rPr lang="en-US" dirty="0"/>
+              <a:t> </a:t>
+            </a:r>
+          </a:p>
+          <a:p>
+            <a:pPr marL="0" indent="0">
+              <a:buNone/>
+            </a:pPr>
+            <a:endParaRPr lang="en-US" dirty="0"/>
+          </a:p>
+          <a:p>
+            <a:pPr marL="0" indent="0">
+              <a:buNone/>
+            </a:pPr>
+            <a:endParaRPr lang="en-US" dirty="0"/>
+          </a:p>
+          <a:p>
+            <a:pPr marL="0" indent="0">
+              <a:buNone/>
+            </a:pPr>
+            <a:endParaRPr lang="en-US" dirty="0"/>
+          </a:p>
+          <a:p>
+            <a:pPr marL="0" indent="0">
+              <a:buNone/>
+            </a:pPr>
+            <a:endParaRPr lang="en-US" dirty="0"/>
+          </a:p>
+          <a:p>
+            <a:pPr marL="0" indent="0">
+              <a:buNone/>
+            </a:pPr>
+            <a:r>
+              <a:rPr lang="en-US" dirty="0"/>
+              <a:t>- </a:t>
+            </a:r>
+            <a:r>
+              <a:rPr lang="en-US" b="1" dirty="0"/>
+              <a:t>File format </a:t>
+            </a:r>
+            <a:r>
+              <a:rPr lang="en-US" dirty="0"/>
+              <a:t>impedance:</a:t>
+            </a:r>
+          </a:p>
+          <a:p>
+            <a:pPr marL="0" indent="0">
+              <a:buNone/>
+            </a:pPr>
+            <a:r>
+              <a:rPr lang="en-US" dirty="0"/>
+              <a:t>	Web audio uses </a:t>
+            </a:r>
+            <a:r>
+              <a:rPr lang="en-US" i="1" dirty="0" err="1"/>
+              <a:t>webm</a:t>
+            </a:r>
+            <a:r>
+              <a:rPr lang="en-US" i="1" dirty="0"/>
+              <a:t>/</a:t>
+            </a:r>
+            <a:r>
+              <a:rPr lang="en-US" i="1" dirty="0" err="1"/>
+              <a:t>ogg</a:t>
+            </a:r>
+            <a:r>
+              <a:rPr lang="en-US" i="1" dirty="0"/>
+              <a:t>, </a:t>
+            </a:r>
+            <a:br>
+              <a:rPr lang="en-US" i="1" dirty="0"/>
+            </a:br>
+            <a:r>
+              <a:rPr lang="en-US" i="1" dirty="0"/>
+              <a:t>	</a:t>
+            </a:r>
+            <a:r>
+              <a:rPr lang="en-US" dirty="0"/>
+              <a:t>but analysis libraries use </a:t>
+            </a:r>
+            <a:r>
+              <a:rPr lang="en-US" i="1" dirty="0"/>
+              <a:t>wav/mp3</a:t>
+            </a:r>
+          </a:p>
+        </p:txBody>
+      </p:sp>
+      <p:sp>
+        <p:nvSpPr>
+          <p:cNvPr id="4" name="Rectangle: Diagonal Corners Rounded 3">
+            <a:extLst>
+              <a:ext uri="{FF2B5EF4-FFF2-40B4-BE49-F238E27FC236}">
+                <a16:creationId xmlns:a16="http://schemas.microsoft.com/office/drawing/2014/main" id="{A8274B99-E212-F72A-68C7-FB778F765336}"/>
+              </a:ext>
+            </a:extLst>
+          </p:cNvPr>
+          <p:cNvSpPr/>
+          <p:nvPr/>
+        </p:nvSpPr>
+        <p:spPr>
+          <a:xfrm>
+            <a:off x="2152836" y="3562166"/>
+            <a:ext cx="1060882" cy="1054223"/>
+          </a:xfrm>
+          <a:prstGeom prst="round2DiagRect">
+            <a:avLst/>
+          </a:prstGeom>
+        </p:spPr>
+        <p:style>
+          <a:lnRef idx="2">
+            <a:schemeClr val="accent1">
+              <a:shade val="15000"/>
+            </a:schemeClr>
+          </a:lnRef>
+          <a:fillRef idx="1">
+            <a:schemeClr val="accent1"/>
+          </a:fillRef>
+          <a:effectRef idx="0">
+            <a:schemeClr val="accent1"/>
+          </a:effectRef>
+          <a:fontRef idx="minor">
+            <a:schemeClr val="lt1"/>
+          </a:fontRef>
+        </p:style>
+        <p:txBody>
+          <a:bodyPr rtlCol="0" anchor="ctr"/>
+          <a:lstStyle/>
+          <a:p>
+            <a:pPr algn="ctr"/>
+            <a:r>
+              <a:rPr lang="en-US" dirty="0"/>
+              <a:t>🔊</a:t>
+            </a:r>
+          </a:p>
+        </p:txBody>
+      </p:sp>
+      <p:sp>
+        <p:nvSpPr>
+          <p:cNvPr id="6" name="Rectangle 5">
+            <a:extLst>
+              <a:ext uri="{FF2B5EF4-FFF2-40B4-BE49-F238E27FC236}">
+                <a16:creationId xmlns:a16="http://schemas.microsoft.com/office/drawing/2014/main" id="{341D5902-71A3-2E81-C88F-1658BD6914A2}"/>
+              </a:ext>
+            </a:extLst>
+          </p:cNvPr>
+          <p:cNvSpPr/>
+          <p:nvPr/>
+        </p:nvSpPr>
+        <p:spPr>
+          <a:xfrm>
+            <a:off x="3728621" y="3525545"/>
+            <a:ext cx="1704513" cy="1127464"/>
+          </a:xfrm>
+          <a:prstGeom prst="rect">
+            <a:avLst/>
+          </a:prstGeom>
+        </p:spPr>
+        <p:style>
+          <a:lnRef idx="2">
+            <a:schemeClr val="accent1">
+              <a:shade val="15000"/>
+            </a:schemeClr>
+          </a:lnRef>
+          <a:fillRef idx="1">
+            <a:schemeClr val="accent1"/>
+          </a:fillRef>
+          <a:effectRef idx="0">
+            <a:schemeClr val="accent1"/>
+          </a:effectRef>
+          <a:fontRef idx="minor">
+            <a:schemeClr val="lt1"/>
+          </a:fontRef>
+        </p:style>
+        <p:txBody>
+          <a:bodyPr rtlCol="0" anchor="ctr"/>
+          <a:lstStyle/>
+          <a:p>
+            <a:pPr algn="ctr"/>
+            <a:r>
+              <a:rPr lang="en-US" dirty="0"/>
+              <a:t>Dimensionality Reduction</a:t>
+            </a:r>
+          </a:p>
+        </p:txBody>
+      </p:sp>
+      <p:sp>
+        <p:nvSpPr>
+          <p:cNvPr id="7" name="Rectangle 6">
+            <a:extLst>
+              <a:ext uri="{FF2B5EF4-FFF2-40B4-BE49-F238E27FC236}">
+                <a16:creationId xmlns:a16="http://schemas.microsoft.com/office/drawing/2014/main" id="{28CE95ED-ABEB-DD18-BF04-A3702F9D738F}"/>
+              </a:ext>
+            </a:extLst>
+          </p:cNvPr>
+          <p:cNvSpPr/>
+          <p:nvPr/>
+        </p:nvSpPr>
+        <p:spPr>
+          <a:xfrm>
+            <a:off x="8636492" y="3525545"/>
+            <a:ext cx="1704513" cy="1127464"/>
+          </a:xfrm>
+          <a:prstGeom prst="rect">
+            <a:avLst/>
+          </a:prstGeom>
+        </p:spPr>
+        <p:style>
+          <a:lnRef idx="2">
+            <a:schemeClr val="accent1">
+              <a:shade val="15000"/>
+            </a:schemeClr>
+          </a:lnRef>
+          <a:fillRef idx="1">
+            <a:schemeClr val="accent1"/>
+          </a:fillRef>
+          <a:effectRef idx="0">
+            <a:schemeClr val="accent1"/>
+          </a:effectRef>
+          <a:fontRef idx="minor">
+            <a:schemeClr val="lt1"/>
+          </a:fontRef>
+        </p:style>
+        <p:txBody>
+          <a:bodyPr rtlCol="0" anchor="ctr"/>
+          <a:lstStyle/>
+          <a:p>
+            <a:pPr algn="ctr"/>
+            <a:r>
+              <a:rPr lang="en-US" dirty="0"/>
+              <a:t>Find Matches</a:t>
+            </a:r>
+          </a:p>
+        </p:txBody>
+      </p:sp>
+      <p:sp>
+        <p:nvSpPr>
+          <p:cNvPr id="8" name="Cylinder 7">
+            <a:extLst>
+              <a:ext uri="{FF2B5EF4-FFF2-40B4-BE49-F238E27FC236}">
+                <a16:creationId xmlns:a16="http://schemas.microsoft.com/office/drawing/2014/main" id="{56469465-C75E-6670-C43D-B0FD91CEE98B}"/>
+              </a:ext>
+            </a:extLst>
+          </p:cNvPr>
+          <p:cNvSpPr/>
+          <p:nvPr/>
+        </p:nvSpPr>
+        <p:spPr>
+          <a:xfrm>
+            <a:off x="9668882" y="4341921"/>
+            <a:ext cx="1344246" cy="584444"/>
+          </a:xfrm>
+          <a:prstGeom prst="can">
+            <a:avLst/>
+          </a:prstGeom>
+        </p:spPr>
+        <p:style>
+          <a:lnRef idx="2">
+            <a:schemeClr val="accent1">
+              <a:shade val="15000"/>
+            </a:schemeClr>
+          </a:lnRef>
+          <a:fillRef idx="1">
+            <a:schemeClr val="accent1"/>
+          </a:fillRef>
+          <a:effectRef idx="0">
+            <a:schemeClr val="accent1"/>
+          </a:effectRef>
+          <a:fontRef idx="minor">
+            <a:schemeClr val="lt1"/>
+          </a:fontRef>
+        </p:style>
+        <p:txBody>
+          <a:bodyPr rtlCol="0" anchor="ctr"/>
+          <a:lstStyle/>
+          <a:p>
+            <a:pPr algn="ctr"/>
+            <a:r>
+              <a:rPr lang="en-US" dirty="0"/>
+              <a:t>Samples</a:t>
+            </a:r>
+          </a:p>
+        </p:txBody>
+      </p:sp>
+      <p:sp>
+        <p:nvSpPr>
+          <p:cNvPr id="9" name="Cloud 8">
+            <a:extLst>
+              <a:ext uri="{FF2B5EF4-FFF2-40B4-BE49-F238E27FC236}">
+                <a16:creationId xmlns:a16="http://schemas.microsoft.com/office/drawing/2014/main" id="{918679CB-359F-A16C-CE8F-0B172F59E3F5}"/>
+              </a:ext>
+            </a:extLst>
+          </p:cNvPr>
+          <p:cNvSpPr/>
+          <p:nvPr/>
+        </p:nvSpPr>
+        <p:spPr>
+          <a:xfrm>
+            <a:off x="6489577" y="3720854"/>
+            <a:ext cx="1287262" cy="736847"/>
+          </a:xfrm>
+          <a:prstGeom prst="cloud">
+            <a:avLst/>
+          </a:prstGeom>
+        </p:spPr>
+        <p:style>
+          <a:lnRef idx="2">
+            <a:schemeClr val="accent4"/>
+          </a:lnRef>
+          <a:fillRef idx="1">
+            <a:schemeClr val="lt1"/>
+          </a:fillRef>
+          <a:effectRef idx="0">
+            <a:schemeClr val="accent4"/>
+          </a:effectRef>
+          <a:fontRef idx="minor">
+            <a:schemeClr val="dk1"/>
+          </a:fontRef>
+        </p:style>
+        <p:txBody>
+          <a:bodyPr rtlCol="0" anchor="ctr"/>
+          <a:lstStyle/>
+          <a:p>
+            <a:pPr algn="ctr"/>
+            <a:endParaRPr lang="en-US"/>
+          </a:p>
+        </p:txBody>
+      </p:sp>
+      <p:cxnSp>
+        <p:nvCxnSpPr>
+          <p:cNvPr id="10" name="Connector: Elbow 9">
+            <a:extLst>
+              <a:ext uri="{FF2B5EF4-FFF2-40B4-BE49-F238E27FC236}">
+                <a16:creationId xmlns:a16="http://schemas.microsoft.com/office/drawing/2014/main" id="{FFDB5D00-351A-F9B1-3196-959381172C0F}"/>
+              </a:ext>
+            </a:extLst>
+          </p:cNvPr>
+          <p:cNvCxnSpPr>
+            <a:cxnSpLocks/>
+            <a:stCxn id="4" idx="0"/>
+            <a:endCxn id="6" idx="1"/>
+          </p:cNvCxnSpPr>
+          <p:nvPr/>
+        </p:nvCxnSpPr>
+        <p:spPr>
+          <a:xfrm flipV="1">
+            <a:off x="3213718" y="4089277"/>
+            <a:ext cx="514903" cy="1"/>
+          </a:xfrm>
+          <a:prstGeom prst="bentConnector3">
+            <a:avLst>
+              <a:gd name="adj1" fmla="val 50000"/>
+            </a:avLst>
+          </a:prstGeom>
+          <a:ln w="38100" cap="flat" cmpd="sng" algn="ctr">
+            <a:solidFill>
+              <a:srgbClr val="0F9ED5">
+                <a:alpha val="50196"/>
+              </a:srgbClr>
+            </a:solidFill>
+            <a:prstDash val="solid"/>
+            <a:round/>
+            <a:headEnd type="none" w="med" len="med"/>
+            <a:tailEnd type="arrow" w="med" len="med"/>
+          </a:ln>
+        </p:spPr>
+        <p:style>
+          <a:lnRef idx="0">
+            <a:scrgbClr r="0" g="0" b="0"/>
+          </a:lnRef>
+          <a:fillRef idx="0">
+            <a:scrgbClr r="0" g="0" b="0"/>
+          </a:fillRef>
+          <a:effectRef idx="0">
+            <a:scrgbClr r="0" g="0" b="0"/>
+          </a:effectRef>
+          <a:fontRef idx="minor">
+            <a:schemeClr val="tx1"/>
+          </a:fontRef>
+        </p:style>
+      </p:cxnSp>
+      <p:cxnSp>
+        <p:nvCxnSpPr>
+          <p:cNvPr id="13" name="Connector: Elbow 12">
+            <a:extLst>
+              <a:ext uri="{FF2B5EF4-FFF2-40B4-BE49-F238E27FC236}">
+                <a16:creationId xmlns:a16="http://schemas.microsoft.com/office/drawing/2014/main" id="{47F1F306-4233-0359-CC12-211E2CC4D664}"/>
+              </a:ext>
+            </a:extLst>
+          </p:cNvPr>
+          <p:cNvCxnSpPr>
+            <a:cxnSpLocks/>
+            <a:stCxn id="6" idx="3"/>
+            <a:endCxn id="9" idx="2"/>
+          </p:cNvCxnSpPr>
+          <p:nvPr/>
+        </p:nvCxnSpPr>
+        <p:spPr>
+          <a:xfrm>
+            <a:off x="5433134" y="4089277"/>
+            <a:ext cx="1060436" cy="1"/>
+          </a:xfrm>
+          <a:prstGeom prst="bentConnector3">
+            <a:avLst>
+              <a:gd name="adj1" fmla="val 50000"/>
+            </a:avLst>
+          </a:prstGeom>
+          <a:ln w="38100" cap="flat" cmpd="sng" algn="ctr">
+            <a:solidFill>
+              <a:srgbClr val="0F9ED5">
+                <a:alpha val="50196"/>
+              </a:srgbClr>
+            </a:solidFill>
+            <a:prstDash val="solid"/>
+            <a:round/>
+            <a:headEnd type="none" w="med" len="med"/>
+            <a:tailEnd type="arrow" w="med" len="med"/>
+          </a:ln>
+        </p:spPr>
+        <p:style>
+          <a:lnRef idx="0">
+            <a:scrgbClr r="0" g="0" b="0"/>
+          </a:lnRef>
+          <a:fillRef idx="0">
+            <a:scrgbClr r="0" g="0" b="0"/>
+          </a:fillRef>
+          <a:effectRef idx="0">
+            <a:scrgbClr r="0" g="0" b="0"/>
+          </a:effectRef>
+          <a:fontRef idx="minor">
+            <a:schemeClr val="tx1"/>
+          </a:fontRef>
+        </p:style>
+      </p:cxnSp>
+      <p:cxnSp>
+        <p:nvCxnSpPr>
+          <p:cNvPr id="16" name="Connector: Elbow 15">
+            <a:extLst>
+              <a:ext uri="{FF2B5EF4-FFF2-40B4-BE49-F238E27FC236}">
+                <a16:creationId xmlns:a16="http://schemas.microsoft.com/office/drawing/2014/main" id="{7BB49112-8523-B235-BF23-9661C75A6AA1}"/>
+              </a:ext>
+            </a:extLst>
+          </p:cNvPr>
+          <p:cNvCxnSpPr>
+            <a:cxnSpLocks/>
+            <a:stCxn id="9" idx="0"/>
+            <a:endCxn id="7" idx="1"/>
+          </p:cNvCxnSpPr>
+          <p:nvPr/>
+        </p:nvCxnSpPr>
+        <p:spPr>
+          <a:xfrm flipV="1">
+            <a:off x="7775766" y="4089277"/>
+            <a:ext cx="860726" cy="1"/>
+          </a:xfrm>
+          <a:prstGeom prst="bentConnector3">
+            <a:avLst>
+              <a:gd name="adj1" fmla="val 50000"/>
+            </a:avLst>
+          </a:prstGeom>
+          <a:ln w="38100" cap="flat" cmpd="sng" algn="ctr">
+            <a:solidFill>
+              <a:srgbClr val="0F9ED5">
+                <a:alpha val="50196"/>
+              </a:srgbClr>
+            </a:solidFill>
+            <a:prstDash val="solid"/>
+            <a:round/>
+            <a:headEnd type="none" w="med" len="med"/>
+            <a:tailEnd type="arrow" w="med" len="med"/>
+          </a:ln>
+        </p:spPr>
+        <p:style>
+          <a:lnRef idx="0">
+            <a:scrgbClr r="0" g="0" b="0"/>
+          </a:lnRef>
+          <a:fillRef idx="0">
+            <a:scrgbClr r="0" g="0" b="0"/>
+          </a:fillRef>
+          <a:effectRef idx="0">
+            <a:scrgbClr r="0" g="0" b="0"/>
+          </a:effectRef>
+          <a:fontRef idx="minor">
+            <a:schemeClr val="tx1"/>
+          </a:fontRef>
+        </p:style>
+      </p:cxnSp>
+    </p:spTree>
+    <p:extLst>
+      <p:ext uri="{BB962C8B-B14F-4D97-AF65-F5344CB8AC3E}">
+        <p14:creationId xmlns:p14="http://schemas.microsoft.com/office/powerpoint/2010/main" val="2097374177"/>
+      </p:ext>
+    </p:extLst>
+  </p:cSld>
+  <p:clrMapOvr>
+    <a:masterClrMapping/>
+  </p:clrMapOvr>
+</p:sld>
+</file>
+
+<file path=ppt/slides/slide17.xml><?xml version="1.0" encoding="utf-8"?>
 <p:sld xmlns:a="http://schemas.openxmlformats.org/drawingml/2006/main" xmlns:r="http://schemas.openxmlformats.org/officeDocument/2006/relationships" xmlns:p="http://schemas.openxmlformats.org/presentationml/2006/main">
   <p:cSld>
     <p:spTree>
@@ -5593,7 +6342,12 @@
             <p:ph idx="1"/>
           </p:nvPr>
         </p:nvSpPr>
-        <p:spPr/>
+        <p:spPr>
+          <a:xfrm>
+            <a:off x="838200" y="1825624"/>
+            <a:ext cx="10515600" cy="4848713"/>
+          </a:xfrm>
+        </p:spPr>
         <p:txBody>
           <a:bodyPr/>
           <a:lstStyle/>
@@ -5602,7 +6356,7 @@
               <a:buNone/>
             </a:pPr>
             <a:r>
-              <a:rPr lang="en-US" dirty="0"/>
+              <a:rPr lang="en-US" b="1" dirty="0"/>
               <a:t>- Supervised method:</a:t>
             </a:r>
           </a:p>
@@ -5618,25 +6372,48 @@
               <a:rPr lang="en-US" dirty="0"/>
               <a:t>Requires tagged data</a:t>
             </a:r>
+            <a:endParaRPr lang="en-US" i="1" dirty="0"/>
           </a:p>
           <a:p>
             <a:pPr marL="0" indent="0">
               <a:buNone/>
             </a:pPr>
-            <a:endParaRPr lang="en-US" i="1" dirty="0"/>
+            <a:r>
+              <a:rPr lang="en-US" b="1" dirty="0"/>
+              <a:t>- Inputs “from the field” – Signal noise:</a:t>
+            </a:r>
           </a:p>
           <a:p>
             <a:pPr marL="0" indent="0">
               <a:buNone/>
             </a:pPr>
+            <a:r>
+              <a:rPr lang="en-US" b="1" i="1" dirty="0"/>
+              <a:t>	</a:t>
+            </a:r>
             <a:r>
               <a:rPr lang="en-US" i="1" dirty="0"/>
               <a:t>- </a:t>
             </a:r>
             <a:r>
               <a:rPr lang="en-US" dirty="0"/>
-              <a:t>Poverty of stimulus:</a:t>
-            </a:r>
+              <a:t>negatively affects </a:t>
+            </a:r>
+            <a:r>
+              <a:rPr lang="en-US" b="1" dirty="0"/>
+              <a:t>precision</a:t>
+            </a:r>
+            <a:r>
+              <a:rPr lang="en-US" dirty="0"/>
+              <a:t> 	</a:t>
+            </a:r>
+            <a:r>
+              <a:rPr lang="en-US" dirty="0">
+                <a:sym typeface="Wingdings" panose="05000000000000000000" pitchFamily="2" charset="2"/>
+              </a:rPr>
+              <a:t> false positives</a:t>
+            </a:r>
+            <a:endParaRPr lang="en-US" dirty="0"/>
           </a:p>
           <a:p>
             <a:pPr marL="0" indent="0">
@@ -5644,15 +6421,67 @@
             </a:pPr>
             <a:r>
               <a:rPr lang="en-US" i="1" dirty="0"/>
-              <a:t>	-</a:t>
+              <a:t>	- </a:t>
             </a:r>
             <a:r>
               <a:rPr lang="en-US" dirty="0"/>
-              <a:t> Needs to collect more data </a:t>
-            </a:r>
-            <a:r>
-              <a:rPr lang="en-US"/>
-              <a:t>over time</a:t>
+              <a:t>negatively affects </a:t>
+            </a:r>
+            <a:r>
+              <a:rPr lang="en-US" b="1" dirty="0"/>
+              <a:t>recall</a:t>
+            </a:r>
+            <a:r>
+              <a:rPr lang="en-US" dirty="0"/>
+              <a:t>	</a:t>
+            </a:r>
+            <a:r>
+              <a:rPr lang="en-US" dirty="0">
+                <a:sym typeface="Wingdings" panose="05000000000000000000" pitchFamily="2" charset="2"/>
+              </a:rPr>
+              <a:t> problem identifying matches</a:t>
+            </a:r>
+            <a:endParaRPr lang="en-US" dirty="0"/>
+          </a:p>
+          <a:p>
+            <a:pPr marL="0" indent="0">
+              <a:buNone/>
+            </a:pPr>
+            <a:endParaRPr lang="en-US" b="1" i="1" dirty="0"/>
+          </a:p>
+          <a:p>
+            <a:pPr marL="0" indent="0">
+              <a:buNone/>
+            </a:pPr>
+            <a:r>
+              <a:rPr lang="en-US" b="1" i="1" dirty="0"/>
+              <a:t>- </a:t>
+            </a:r>
+            <a:r>
+              <a:rPr lang="en-US" b="1" dirty="0"/>
+              <a:t>Solution:</a:t>
+            </a:r>
+          </a:p>
+          <a:p>
+            <a:pPr marL="0" indent="0">
+              <a:buNone/>
+            </a:pPr>
+            <a:r>
+              <a:rPr lang="en-US" i="1" dirty="0"/>
+              <a:t>	- </a:t>
+            </a:r>
+            <a:r>
+              <a:rPr lang="en-US" dirty="0"/>
+              <a:t>Improve the quality of inputs</a:t>
+            </a:r>
+          </a:p>
+          <a:p>
+            <a:pPr marL="0" indent="0">
+              <a:buNone/>
+            </a:pPr>
+            <a:r>
+              <a:rPr lang="en-US" dirty="0"/>
+              <a:t>	- OR – more data</a:t>
             </a:r>
             <a:endParaRPr lang="en-US" i="1" dirty="0"/>
           </a:p>
@@ -5677,7 +6506,7 @@
 </p:sld>
 </file>
 
-<file path=ppt/slides/slide17.xml><?xml version="1.0" encoding="utf-8"?>
+<file path=ppt/slides/slide18.xml><?xml version="1.0" encoding="utf-8"?>
 <p:sld xmlns:a="http://schemas.openxmlformats.org/drawingml/2006/main" xmlns:r="http://schemas.openxmlformats.org/officeDocument/2006/relationships" xmlns:p="http://schemas.openxmlformats.org/presentationml/2006/main">
   <p:cSld>
     <p:spTree>
@@ -5685,7 +6514,7 @@
         <p:cNvPr id="1" name="">
           <a:extLst>
             <a:ext uri="{FF2B5EF4-FFF2-40B4-BE49-F238E27FC236}">
-              <a16:creationId xmlns:a16="http://schemas.microsoft.com/office/drawing/2014/main" id="{6D89CB16-FC26-D779-3F51-EF4D27618D47}"/>
+              <a16:creationId xmlns:a16="http://schemas.microsoft.com/office/drawing/2014/main" id="{CC7E3022-3B2F-6FDA-625E-13B6BF180F33}"/>
             </a:ext>
           </a:extLst>
         </p:cNvPr>
@@ -5705,7 +6534,7 @@
           <p:cNvPr id="2" name="Title 1">
             <a:extLst>
               <a:ext uri="{FF2B5EF4-FFF2-40B4-BE49-F238E27FC236}">
-                <a16:creationId xmlns:a16="http://schemas.microsoft.com/office/drawing/2014/main" id="{7F3CB485-135B-6C6C-F8FB-C43F8E63E21B}"/>
+                <a16:creationId xmlns:a16="http://schemas.microsoft.com/office/drawing/2014/main" id="{1616F352-A1FD-9AC3-C2D8-F257043EE1FB}"/>
               </a:ext>
             </a:extLst>
           </p:cNvPr>
@@ -5721,145 +6550,248 @@
           <a:bodyPr/>
           <a:lstStyle/>
           <a:p>
-            <a:r>
-              <a:rPr lang="en-US" dirty="0"/>
-              <a:t>(Practical) Limitations</a:t>
-            </a:r>
-          </a:p>
-        </p:txBody>
-      </p:sp>
-      <p:sp>
-        <p:nvSpPr>
-          <p:cNvPr id="3" name="Content Placeholder 2">
-            <a:extLst>
-              <a:ext uri="{FF2B5EF4-FFF2-40B4-BE49-F238E27FC236}">
-                <a16:creationId xmlns:a16="http://schemas.microsoft.com/office/drawing/2014/main" id="{C95656B2-B138-5272-9F61-23B4F80A8F93}"/>
-              </a:ext>
-            </a:extLst>
-          </p:cNvPr>
-          <p:cNvSpPr>
-            <a:spLocks noGrp="1"/>
-          </p:cNvSpPr>
+            <a:endParaRPr lang="en-US"/>
+          </a:p>
+        </p:txBody>
+      </p:sp>
+      <p:pic>
+        <p:nvPicPr>
+          <p:cNvPr id="5" name="Content Placeholder 4" descr="A blue and white image of a blue and white image&#10;&#10;Description automatically generated with medium confidence">
+            <a:extLst>
+              <a:ext uri="{FF2B5EF4-FFF2-40B4-BE49-F238E27FC236}">
+                <a16:creationId xmlns:a16="http://schemas.microsoft.com/office/drawing/2014/main" id="{AEFF6EBC-4582-F4B4-E0B9-27B26E900D50}"/>
+              </a:ext>
+            </a:extLst>
+          </p:cNvPr>
+          <p:cNvPicPr>
+            <a:picLocks noGrp="1" noChangeAspect="1"/>
+          </p:cNvPicPr>
           <p:nvPr>
             <p:ph idx="1"/>
           </p:nvPr>
-        </p:nvSpPr>
-        <p:spPr/>
-        <p:txBody>
-          <a:bodyPr/>
-          <a:lstStyle/>
-          <a:p>
-            <a:pPr marL="0" indent="0">
-              <a:buNone/>
-            </a:pPr>
-            <a:r>
-              <a:rPr lang="en-US" dirty="0"/>
-              <a:t>- Requires Internet access</a:t>
-            </a:r>
-          </a:p>
-          <a:p>
-            <a:pPr marL="0" indent="0">
-              <a:buNone/>
-            </a:pPr>
-            <a:r>
-              <a:rPr lang="en-US" dirty="0"/>
-              <a:t>	- Also requires transmitting entire audio file</a:t>
-            </a:r>
-          </a:p>
-          <a:p>
-            <a:pPr marL="0" indent="0">
-              <a:buNone/>
-            </a:pPr>
-            <a:r>
-              <a:rPr lang="en-US" dirty="0"/>
-              <a:t>	- ⁉ Possible to port to JS ? </a:t>
-            </a:r>
-            <a:r>
-              <a:rPr lang="en-US" dirty="0">
-                <a:sym typeface="Wingdings" panose="05000000000000000000" pitchFamily="2" charset="2"/>
-              </a:rPr>
-              <a:t> Transmit “Fingerprint”</a:t>
-            </a:r>
-            <a:r>
-              <a:rPr lang="en-US" dirty="0"/>
-              <a:t> </a:t>
-            </a:r>
-          </a:p>
-          <a:p>
-            <a:pPr marL="0" indent="0">
-              <a:buNone/>
-            </a:pPr>
-            <a:endParaRPr lang="en-US" dirty="0"/>
-          </a:p>
-          <a:p>
-            <a:pPr marL="0" indent="0">
-              <a:buNone/>
-            </a:pPr>
-            <a:r>
-              <a:rPr lang="en-US" dirty="0"/>
-              <a:t>- </a:t>
-            </a:r>
-            <a:r>
-              <a:rPr lang="en-US" b="1" dirty="0"/>
-              <a:t>File format </a:t>
-            </a:r>
-            <a:r>
-              <a:rPr lang="en-US" dirty="0"/>
-              <a:t>impedance:</a:t>
-            </a:r>
-          </a:p>
-          <a:p>
-            <a:pPr marL="0" indent="0">
-              <a:buNone/>
-            </a:pPr>
-            <a:r>
-              <a:rPr lang="en-US" dirty="0"/>
-              <a:t>	Web audio uses </a:t>
-            </a:r>
-            <a:r>
-              <a:rPr lang="en-US" i="1" dirty="0" err="1"/>
-              <a:t>webm</a:t>
-            </a:r>
-            <a:r>
-              <a:rPr lang="en-US" i="1" dirty="0"/>
-              <a:t>/</a:t>
-            </a:r>
-            <a:r>
-              <a:rPr lang="en-US" i="1" dirty="0" err="1"/>
-              <a:t>ogg</a:t>
-            </a:r>
-            <a:r>
-              <a:rPr lang="en-US" i="1" dirty="0"/>
-              <a:t>, </a:t>
-            </a:r>
-            <a:br>
-              <a:rPr lang="en-US" i="1" dirty="0"/>
-            </a:br>
-            <a:r>
-              <a:rPr lang="en-US" i="1" dirty="0"/>
-              <a:t>	</a:t>
-            </a:r>
-            <a:r>
-              <a:rPr lang="en-US" dirty="0"/>
-              <a:t>but analysis libraries use </a:t>
-            </a:r>
-            <a:r>
-              <a:rPr lang="en-US" i="1" dirty="0"/>
-              <a:t>wav/mp3</a:t>
-            </a:r>
-          </a:p>
-          <a:p>
-            <a:pPr marL="0" indent="0">
-              <a:buNone/>
-            </a:pPr>
-            <a:endParaRPr lang="en-US" dirty="0"/>
-          </a:p>
-        </p:txBody>
-      </p:sp>
+        </p:nvPicPr>
+        <p:blipFill>
+          <a:blip r:embed="rId2">
+            <a:extLst>
+              <a:ext uri="{28A0092B-C50C-407E-A947-70E740481C1C}">
+                <a14:useLocalDpi xmlns:a14="http://schemas.microsoft.com/office/drawing/2010/main" val="0"/>
+              </a:ext>
+            </a:extLst>
+          </a:blip>
+          <a:stretch>
+            <a:fillRect/>
+          </a:stretch>
+        </p:blipFill>
+        <p:spPr>
+          <a:xfrm>
+            <a:off x="136840" y="719219"/>
+            <a:ext cx="7260350" cy="4297689"/>
+          </a:xfrm>
+        </p:spPr>
+      </p:pic>
+      <p:pic>
+        <p:nvPicPr>
+          <p:cNvPr id="7" name="Picture 6" descr="A graph of a diagram&#10;&#10;Description automatically generated with medium confidence">
+            <a:extLst>
+              <a:ext uri="{FF2B5EF4-FFF2-40B4-BE49-F238E27FC236}">
+                <a16:creationId xmlns:a16="http://schemas.microsoft.com/office/drawing/2014/main" id="{A5E2141A-5D92-F445-D832-8DC0809FFBC3}"/>
+              </a:ext>
+            </a:extLst>
+          </p:cNvPr>
+          <p:cNvPicPr>
+            <a:picLocks noChangeAspect="1"/>
+          </p:cNvPicPr>
+          <p:nvPr/>
+        </p:nvPicPr>
+        <p:blipFill>
+          <a:blip r:embed="rId3">
+            <a:extLst>
+              <a:ext uri="{28A0092B-C50C-407E-A947-70E740481C1C}">
+                <a14:useLocalDpi xmlns:a14="http://schemas.microsoft.com/office/drawing/2010/main" val="0"/>
+              </a:ext>
+            </a:extLst>
+          </a:blip>
+          <a:stretch>
+            <a:fillRect/>
+          </a:stretch>
+        </p:blipFill>
+        <p:spPr>
+          <a:xfrm>
+            <a:off x="4404041" y="2319601"/>
+            <a:ext cx="7260350" cy="4297689"/>
+          </a:xfrm>
+          <a:prstGeom prst="rect">
+            <a:avLst/>
+          </a:prstGeom>
+        </p:spPr>
+      </p:pic>
     </p:spTree>
     <p:extLst>
       <p:ext uri="{BB962C8B-B14F-4D97-AF65-F5344CB8AC3E}">
-        <p14:creationId xmlns:p14="http://schemas.microsoft.com/office/powerpoint/2010/main" val="2097374177"/>
+        <p14:creationId xmlns:p14="http://schemas.microsoft.com/office/powerpoint/2010/main" val="2448811001"/>
+      </p:ext>
+    </p:extLst>
+  </p:cSld>
+  <p:clrMapOvr>
+    <a:masterClrMapping/>
+  </p:clrMapOvr>
+</p:sld>
+</file>
+
+<file path=ppt/slides/slide19.xml><?xml version="1.0" encoding="utf-8"?>
+<p:sld xmlns:a="http://schemas.openxmlformats.org/drawingml/2006/main" xmlns:r="http://schemas.openxmlformats.org/officeDocument/2006/relationships" xmlns:p="http://schemas.openxmlformats.org/presentationml/2006/main">
+  <p:cSld>
+    <p:spTree>
+      <p:nvGrpSpPr>
+        <p:cNvPr id="1" name="">
+          <a:extLst>
+            <a:ext uri="{FF2B5EF4-FFF2-40B4-BE49-F238E27FC236}">
+              <a16:creationId xmlns:a16="http://schemas.microsoft.com/office/drawing/2014/main" id="{69C0BB8F-1C12-475B-DE8B-409D64EE5634}"/>
+            </a:ext>
+          </a:extLst>
+        </p:cNvPr>
+        <p:cNvGrpSpPr/>
+        <p:nvPr/>
+      </p:nvGrpSpPr>
+      <p:grpSpPr>
+        <a:xfrm>
+          <a:off x="0" y="0"/>
+          <a:ext cx="0" cy="0"/>
+          <a:chOff x="0" y="0"/>
+          <a:chExt cx="0" cy="0"/>
+        </a:xfrm>
+      </p:grpSpPr>
+      <p:sp>
+        <p:nvSpPr>
+          <p:cNvPr id="5" name="Title 4">
+            <a:extLst>
+              <a:ext uri="{FF2B5EF4-FFF2-40B4-BE49-F238E27FC236}">
+                <a16:creationId xmlns:a16="http://schemas.microsoft.com/office/drawing/2014/main" id="{A50DCD4F-5E8A-D92B-8E32-5331D495A20F}"/>
+              </a:ext>
+            </a:extLst>
+          </p:cNvPr>
+          <p:cNvSpPr>
+            <a:spLocks noGrp="1"/>
+          </p:cNvSpPr>
+          <p:nvPr>
+            <p:ph type="title"/>
+          </p:nvPr>
+        </p:nvSpPr>
+        <p:spPr/>
+        <p:txBody>
+          <a:bodyPr/>
+          <a:lstStyle/>
+          <a:p>
+            <a:endParaRPr lang="en-US"/>
+          </a:p>
+        </p:txBody>
+      </p:sp>
+      <p:pic>
+        <p:nvPicPr>
+          <p:cNvPr id="13" name="Picture 12">
+            <a:extLst>
+              <a:ext uri="{FF2B5EF4-FFF2-40B4-BE49-F238E27FC236}">
+                <a16:creationId xmlns:a16="http://schemas.microsoft.com/office/drawing/2014/main" id="{B096510C-D60E-FD56-3EE0-BDD2861BA242}"/>
+              </a:ext>
+            </a:extLst>
+          </p:cNvPr>
+          <p:cNvPicPr>
+            <a:picLocks noChangeAspect="1"/>
+          </p:cNvPicPr>
+          <p:nvPr/>
+        </p:nvPicPr>
+        <p:blipFill>
+          <a:blip r:embed="rId2"/>
+          <a:stretch>
+            <a:fillRect/>
+          </a:stretch>
+        </p:blipFill>
+        <p:spPr>
+          <a:xfrm>
+            <a:off x="7086515" y="1133230"/>
+            <a:ext cx="4267285" cy="4253695"/>
+          </a:xfrm>
+          <a:prstGeom prst="rect">
+            <a:avLst/>
+          </a:prstGeom>
+        </p:spPr>
+      </p:pic>
+      <p:pic>
+        <p:nvPicPr>
+          <p:cNvPr id="1030" name="Picture 6" descr="The beginning of the Face ID set up process">
+            <a:extLst>
+              <a:ext uri="{FF2B5EF4-FFF2-40B4-BE49-F238E27FC236}">
+                <a16:creationId xmlns:a16="http://schemas.microsoft.com/office/drawing/2014/main" id="{501E58C3-0169-8B80-58B9-F53E482E7712}"/>
+              </a:ext>
+            </a:extLst>
+          </p:cNvPr>
+          <p:cNvPicPr>
+            <a:picLocks noChangeAspect="1" noChangeArrowheads="1"/>
+          </p:cNvPicPr>
+          <p:nvPr/>
+        </p:nvPicPr>
+        <p:blipFill>
+          <a:blip r:embed="rId3">
+            <a:extLst>
+              <a:ext uri="{28A0092B-C50C-407E-A947-70E740481C1C}">
+                <a14:useLocalDpi xmlns:a14="http://schemas.microsoft.com/office/drawing/2010/main" val="0"/>
+              </a:ext>
+            </a:extLst>
+          </a:blip>
+          <a:srcRect/>
+          <a:stretch>
+            <a:fillRect/>
+          </a:stretch>
+        </p:blipFill>
+        <p:spPr bwMode="auto">
+          <a:xfrm>
+            <a:off x="1197727" y="447258"/>
+            <a:ext cx="2904437" cy="5963482"/>
+          </a:xfrm>
+          <a:prstGeom prst="rect">
+            <a:avLst/>
+          </a:prstGeom>
+          <a:noFill/>
+          <a:extLst>
+            <a:ext uri="{909E8E84-426E-40DD-AFC4-6F175D3DCCD1}">
+              <a14:hiddenFill xmlns:a14="http://schemas.microsoft.com/office/drawing/2010/main">
+                <a:solidFill>
+                  <a:srgbClr val="FFFFFF"/>
+                </a:solidFill>
+              </a14:hiddenFill>
+            </a:ext>
+          </a:extLst>
+        </p:spPr>
+      </p:pic>
+      <p:sp>
+        <p:nvSpPr>
+          <p:cNvPr id="3" name="Content Placeholder 2">
+            <a:extLst>
+              <a:ext uri="{FF2B5EF4-FFF2-40B4-BE49-F238E27FC236}">
+                <a16:creationId xmlns:a16="http://schemas.microsoft.com/office/drawing/2014/main" id="{6B10AC7B-6410-2D6E-8B7E-0E7C6745135B}"/>
+              </a:ext>
+            </a:extLst>
+          </p:cNvPr>
+          <p:cNvSpPr>
+            <a:spLocks noGrp="1"/>
+          </p:cNvSpPr>
+          <p:nvPr>
+            <p:ph idx="1"/>
+          </p:nvPr>
+        </p:nvSpPr>
+        <p:spPr/>
+        <p:txBody>
+          <a:bodyPr/>
+          <a:lstStyle/>
+          <a:p>
+            <a:endParaRPr lang="en-US" dirty="0"/>
+          </a:p>
+        </p:txBody>
+      </p:sp>
+    </p:spTree>
+    <p:extLst>
+      <p:ext uri="{BB962C8B-B14F-4D97-AF65-F5344CB8AC3E}">
+        <p14:creationId xmlns:p14="http://schemas.microsoft.com/office/powerpoint/2010/main" val="3540504646"/>
       </p:ext>
     </p:extLst>
   </p:cSld>
@@ -6100,6 +7032,1195 @@
     <p:extLst>
       <p:ext uri="{BB962C8B-B14F-4D97-AF65-F5344CB8AC3E}">
         <p14:creationId xmlns:p14="http://schemas.microsoft.com/office/powerpoint/2010/main" val="3108004200"/>
+      </p:ext>
+    </p:extLst>
+  </p:cSld>
+  <p:clrMapOvr>
+    <a:masterClrMapping/>
+  </p:clrMapOvr>
+</p:sld>
+</file>
+
+<file path=ppt/slides/slide20.xml><?xml version="1.0" encoding="utf-8"?>
+<p:sld xmlns:a="http://schemas.openxmlformats.org/drawingml/2006/main" xmlns:r="http://schemas.openxmlformats.org/officeDocument/2006/relationships" xmlns:p="http://schemas.openxmlformats.org/presentationml/2006/main">
+  <p:cSld>
+    <p:spTree>
+      <p:nvGrpSpPr>
+        <p:cNvPr id="1" name="">
+          <a:extLst>
+            <a:ext uri="{FF2B5EF4-FFF2-40B4-BE49-F238E27FC236}">
+              <a16:creationId xmlns:a16="http://schemas.microsoft.com/office/drawing/2014/main" id="{5AB77279-A2C2-D292-E7EF-020D31934C4B}"/>
+            </a:ext>
+          </a:extLst>
+        </p:cNvPr>
+        <p:cNvGrpSpPr/>
+        <p:nvPr/>
+      </p:nvGrpSpPr>
+      <p:grpSpPr>
+        <a:xfrm>
+          <a:off x="0" y="0"/>
+          <a:ext cx="0" cy="0"/>
+          <a:chOff x="0" y="0"/>
+          <a:chExt cx="0" cy="0"/>
+        </a:xfrm>
+      </p:grpSpPr>
+      <p:sp>
+        <p:nvSpPr>
+          <p:cNvPr id="5" name="Title 4">
+            <a:extLst>
+              <a:ext uri="{FF2B5EF4-FFF2-40B4-BE49-F238E27FC236}">
+                <a16:creationId xmlns:a16="http://schemas.microsoft.com/office/drawing/2014/main" id="{E792144F-5C84-D2AB-C8BE-25D58AEFC90E}"/>
+              </a:ext>
+            </a:extLst>
+          </p:cNvPr>
+          <p:cNvSpPr>
+            <a:spLocks noGrp="1"/>
+          </p:cNvSpPr>
+          <p:nvPr>
+            <p:ph type="title"/>
+          </p:nvPr>
+        </p:nvSpPr>
+        <p:spPr/>
+        <p:txBody>
+          <a:bodyPr/>
+          <a:lstStyle/>
+          <a:p>
+            <a:endParaRPr lang="en-US"/>
+          </a:p>
+        </p:txBody>
+      </p:sp>
+      <p:pic>
+        <p:nvPicPr>
+          <p:cNvPr id="9" name="Content Placeholder 8" descr="A screenshot of an owl&#10;&#10;Description automatically generated">
+            <a:extLst>
+              <a:ext uri="{FF2B5EF4-FFF2-40B4-BE49-F238E27FC236}">
+                <a16:creationId xmlns:a16="http://schemas.microsoft.com/office/drawing/2014/main" id="{6785B40D-61EF-2698-E8AA-C435DFF39E8C}"/>
+              </a:ext>
+            </a:extLst>
+          </p:cNvPr>
+          <p:cNvPicPr>
+            <a:picLocks noGrp="1" noChangeAspect="1"/>
+          </p:cNvPicPr>
+          <p:nvPr>
+            <p:ph idx="1"/>
+          </p:nvPr>
+        </p:nvPicPr>
+        <p:blipFill>
+          <a:blip r:embed="rId2">
+            <a:extLst>
+              <a:ext uri="{28A0092B-C50C-407E-A947-70E740481C1C}">
+                <a14:useLocalDpi xmlns:a14="http://schemas.microsoft.com/office/drawing/2010/main" val="0"/>
+              </a:ext>
+            </a:extLst>
+          </a:blip>
+          <a:stretch>
+            <a:fillRect/>
+          </a:stretch>
+        </p:blipFill>
+        <p:spPr>
+          <a:xfrm>
+            <a:off x="2598166" y="226218"/>
+            <a:ext cx="7592635" cy="6405563"/>
+          </a:xfrm>
+        </p:spPr>
+      </p:pic>
+    </p:spTree>
+    <p:extLst>
+      <p:ext uri="{BB962C8B-B14F-4D97-AF65-F5344CB8AC3E}">
+        <p14:creationId xmlns:p14="http://schemas.microsoft.com/office/powerpoint/2010/main" val="1154218310"/>
+      </p:ext>
+    </p:extLst>
+  </p:cSld>
+  <p:clrMapOvr>
+    <a:masterClrMapping/>
+  </p:clrMapOvr>
+</p:sld>
+</file>
+
+<file path=ppt/slides/slide21.xml><?xml version="1.0" encoding="utf-8"?>
+<p:sld xmlns:a="http://schemas.openxmlformats.org/drawingml/2006/main" xmlns:r="http://schemas.openxmlformats.org/officeDocument/2006/relationships" xmlns:p="http://schemas.openxmlformats.org/presentationml/2006/main">
+  <p:cSld>
+    <p:spTree>
+      <p:nvGrpSpPr>
+        <p:cNvPr id="1" name="">
+          <a:extLst>
+            <a:ext uri="{FF2B5EF4-FFF2-40B4-BE49-F238E27FC236}">
+              <a16:creationId xmlns:a16="http://schemas.microsoft.com/office/drawing/2014/main" id="{76183A58-76A9-F909-9595-712053F60155}"/>
+            </a:ext>
+          </a:extLst>
+        </p:cNvPr>
+        <p:cNvGrpSpPr/>
+        <p:nvPr/>
+      </p:nvGrpSpPr>
+      <p:grpSpPr>
+        <a:xfrm>
+          <a:off x="0" y="0"/>
+          <a:ext cx="0" cy="0"/>
+          <a:chOff x="0" y="0"/>
+          <a:chExt cx="0" cy="0"/>
+        </a:xfrm>
+      </p:grpSpPr>
+      <p:sp>
+        <p:nvSpPr>
+          <p:cNvPr id="2" name="Title 1">
+            <a:extLst>
+              <a:ext uri="{FF2B5EF4-FFF2-40B4-BE49-F238E27FC236}">
+                <a16:creationId xmlns:a16="http://schemas.microsoft.com/office/drawing/2014/main" id="{2E139821-B111-4949-F992-7D5E52B03684}"/>
+              </a:ext>
+            </a:extLst>
+          </p:cNvPr>
+          <p:cNvSpPr>
+            <a:spLocks noGrp="1"/>
+          </p:cNvSpPr>
+          <p:nvPr>
+            <p:ph type="title"/>
+          </p:nvPr>
+        </p:nvSpPr>
+        <p:spPr/>
+        <p:txBody>
+          <a:bodyPr/>
+          <a:lstStyle/>
+          <a:p>
+            <a:endParaRPr lang="en-US" dirty="0"/>
+          </a:p>
+        </p:txBody>
+      </p:sp>
+      <p:sp>
+        <p:nvSpPr>
+          <p:cNvPr id="3" name="Content Placeholder 2">
+            <a:extLst>
+              <a:ext uri="{FF2B5EF4-FFF2-40B4-BE49-F238E27FC236}">
+                <a16:creationId xmlns:a16="http://schemas.microsoft.com/office/drawing/2014/main" id="{B1B7E84A-BDEF-ABFD-B79B-0FC8BB820935}"/>
+              </a:ext>
+            </a:extLst>
+          </p:cNvPr>
+          <p:cNvSpPr>
+            <a:spLocks noGrp="1"/>
+          </p:cNvSpPr>
+          <p:nvPr>
+            <p:ph idx="1"/>
+          </p:nvPr>
+        </p:nvSpPr>
+        <p:spPr>
+          <a:xfrm>
+            <a:off x="838200" y="1825624"/>
+            <a:ext cx="10515600" cy="4848713"/>
+          </a:xfrm>
+        </p:spPr>
+        <p:txBody>
+          <a:bodyPr/>
+          <a:lstStyle/>
+          <a:p>
+            <a:pPr marL="0" indent="0">
+              <a:buNone/>
+            </a:pPr>
+            <a:endParaRPr lang="en-US" dirty="0"/>
+          </a:p>
+        </p:txBody>
+      </p:sp>
+      <p:grpSp>
+        <p:nvGrpSpPr>
+          <p:cNvPr id="6" name="Group 5">
+            <a:extLst>
+              <a:ext uri="{FF2B5EF4-FFF2-40B4-BE49-F238E27FC236}">
+                <a16:creationId xmlns:a16="http://schemas.microsoft.com/office/drawing/2014/main" id="{D5E123D3-E707-6ED5-6316-8B020934B97A}"/>
+              </a:ext>
+            </a:extLst>
+          </p:cNvPr>
+          <p:cNvGrpSpPr/>
+          <p:nvPr/>
+        </p:nvGrpSpPr>
+        <p:grpSpPr>
+          <a:xfrm>
+            <a:off x="257908" y="4027547"/>
+            <a:ext cx="1684215" cy="1951892"/>
+            <a:chOff x="257908" y="3429000"/>
+            <a:chExt cx="1684215" cy="1951892"/>
+          </a:xfrm>
+        </p:grpSpPr>
+        <p:sp>
+          <p:nvSpPr>
+            <p:cNvPr id="4" name="Rectangle: Diagonal Corners Rounded 3">
+              <a:extLst>
+                <a:ext uri="{FF2B5EF4-FFF2-40B4-BE49-F238E27FC236}">
+                  <a16:creationId xmlns:a16="http://schemas.microsoft.com/office/drawing/2014/main" id="{C94A16C1-1614-85BF-79B9-7BBB6808FB2E}"/>
+                </a:ext>
+              </a:extLst>
+            </p:cNvPr>
+            <p:cNvSpPr/>
+            <p:nvPr/>
+          </p:nvSpPr>
+          <p:spPr>
+            <a:xfrm>
+              <a:off x="257908" y="3429000"/>
+              <a:ext cx="1531815" cy="1799492"/>
+            </a:xfrm>
+            <a:prstGeom prst="round2DiagRect">
+              <a:avLst/>
+            </a:prstGeom>
+            <a:solidFill>
+              <a:schemeClr val="accent6">
+                <a:alpha val="50000"/>
+              </a:schemeClr>
+            </a:solidFill>
+            <a:ln>
+              <a:noFill/>
+            </a:ln>
+          </p:spPr>
+          <p:style>
+            <a:lnRef idx="0">
+              <a:scrgbClr r="0" g="0" b="0"/>
+            </a:lnRef>
+            <a:fillRef idx="0">
+              <a:scrgbClr r="0" g="0" b="0"/>
+            </a:fillRef>
+            <a:effectRef idx="0">
+              <a:scrgbClr r="0" g="0" b="0"/>
+            </a:effectRef>
+            <a:fontRef idx="minor">
+              <a:schemeClr val="lt1"/>
+            </a:fontRef>
+          </p:style>
+          <p:txBody>
+            <a:bodyPr rtlCol="0" anchor="ctr"/>
+            <a:lstStyle/>
+            <a:p>
+              <a:pPr algn="ctr"/>
+              <a:endParaRPr lang="en-US"/>
+            </a:p>
+          </p:txBody>
+        </p:sp>
+        <p:sp>
+          <p:nvSpPr>
+            <p:cNvPr id="5" name="Rectangle: Diagonal Corners Rounded 4">
+              <a:extLst>
+                <a:ext uri="{FF2B5EF4-FFF2-40B4-BE49-F238E27FC236}">
+                  <a16:creationId xmlns:a16="http://schemas.microsoft.com/office/drawing/2014/main" id="{56581F79-1317-8514-ECAE-A7E3DD74EAF2}"/>
+                </a:ext>
+              </a:extLst>
+            </p:cNvPr>
+            <p:cNvSpPr/>
+            <p:nvPr/>
+          </p:nvSpPr>
+          <p:spPr>
+            <a:xfrm>
+              <a:off x="410308" y="3581400"/>
+              <a:ext cx="1531815" cy="1799492"/>
+            </a:xfrm>
+            <a:prstGeom prst="round2DiagRect">
+              <a:avLst/>
+            </a:prstGeom>
+            <a:solidFill>
+              <a:schemeClr val="accent6">
+                <a:alpha val="50000"/>
+              </a:schemeClr>
+            </a:solidFill>
+            <a:ln>
+              <a:noFill/>
+            </a:ln>
+          </p:spPr>
+          <p:style>
+            <a:lnRef idx="0">
+              <a:scrgbClr r="0" g="0" b="0"/>
+            </a:lnRef>
+            <a:fillRef idx="0">
+              <a:scrgbClr r="0" g="0" b="0"/>
+            </a:fillRef>
+            <a:effectRef idx="0">
+              <a:scrgbClr r="0" g="0" b="0"/>
+            </a:effectRef>
+            <a:fontRef idx="minor">
+              <a:schemeClr val="lt1"/>
+            </a:fontRef>
+          </p:style>
+          <p:txBody>
+            <a:bodyPr rtlCol="0" anchor="ctr"/>
+            <a:lstStyle/>
+            <a:p>
+              <a:pPr algn="ctr"/>
+              <a:r>
+                <a:rPr lang="en-US" dirty="0"/>
+                <a:t>Text #1</a:t>
+              </a:r>
+            </a:p>
+          </p:txBody>
+        </p:sp>
+      </p:grpSp>
+      <p:grpSp>
+        <p:nvGrpSpPr>
+          <p:cNvPr id="7" name="Group 6">
+            <a:extLst>
+              <a:ext uri="{FF2B5EF4-FFF2-40B4-BE49-F238E27FC236}">
+                <a16:creationId xmlns:a16="http://schemas.microsoft.com/office/drawing/2014/main" id="{1F4FF92A-4F1C-E673-4D32-20C1F4087D24}"/>
+              </a:ext>
+            </a:extLst>
+          </p:cNvPr>
+          <p:cNvGrpSpPr/>
+          <p:nvPr/>
+        </p:nvGrpSpPr>
+        <p:grpSpPr>
+          <a:xfrm>
+            <a:off x="3653693" y="2734102"/>
+            <a:ext cx="1684215" cy="1951892"/>
+            <a:chOff x="257908" y="3429000"/>
+            <a:chExt cx="1684215" cy="1951892"/>
+          </a:xfrm>
+        </p:grpSpPr>
+        <p:sp>
+          <p:nvSpPr>
+            <p:cNvPr id="8" name="Rectangle: Diagonal Corners Rounded 7">
+              <a:extLst>
+                <a:ext uri="{FF2B5EF4-FFF2-40B4-BE49-F238E27FC236}">
+                  <a16:creationId xmlns:a16="http://schemas.microsoft.com/office/drawing/2014/main" id="{52ECB4FB-1F21-354B-1DCD-5F0A474DCA8A}"/>
+                </a:ext>
+              </a:extLst>
+            </p:cNvPr>
+            <p:cNvSpPr/>
+            <p:nvPr/>
+          </p:nvSpPr>
+          <p:spPr>
+            <a:xfrm>
+              <a:off x="257908" y="3429000"/>
+              <a:ext cx="1531815" cy="1799492"/>
+            </a:xfrm>
+            <a:prstGeom prst="round2DiagRect">
+              <a:avLst/>
+            </a:prstGeom>
+            <a:solidFill>
+              <a:schemeClr val="accent6">
+                <a:alpha val="50000"/>
+              </a:schemeClr>
+            </a:solidFill>
+            <a:ln>
+              <a:noFill/>
+            </a:ln>
+          </p:spPr>
+          <p:style>
+            <a:lnRef idx="0">
+              <a:scrgbClr r="0" g="0" b="0"/>
+            </a:lnRef>
+            <a:fillRef idx="0">
+              <a:scrgbClr r="0" g="0" b="0"/>
+            </a:fillRef>
+            <a:effectRef idx="0">
+              <a:scrgbClr r="0" g="0" b="0"/>
+            </a:effectRef>
+            <a:fontRef idx="minor">
+              <a:schemeClr val="lt1"/>
+            </a:fontRef>
+          </p:style>
+          <p:txBody>
+            <a:bodyPr rtlCol="0" anchor="ctr"/>
+            <a:lstStyle/>
+            <a:p>
+              <a:pPr algn="ctr"/>
+              <a:endParaRPr lang="en-US"/>
+            </a:p>
+          </p:txBody>
+        </p:sp>
+        <p:sp>
+          <p:nvSpPr>
+            <p:cNvPr id="9" name="Rectangle: Diagonal Corners Rounded 8">
+              <a:extLst>
+                <a:ext uri="{FF2B5EF4-FFF2-40B4-BE49-F238E27FC236}">
+                  <a16:creationId xmlns:a16="http://schemas.microsoft.com/office/drawing/2014/main" id="{0EEAA069-0AC4-C36D-7FE4-93CD6776D9C8}"/>
+                </a:ext>
+              </a:extLst>
+            </p:cNvPr>
+            <p:cNvSpPr/>
+            <p:nvPr/>
+          </p:nvSpPr>
+          <p:spPr>
+            <a:xfrm>
+              <a:off x="410308" y="3581400"/>
+              <a:ext cx="1531815" cy="1799492"/>
+            </a:xfrm>
+            <a:prstGeom prst="round2DiagRect">
+              <a:avLst/>
+            </a:prstGeom>
+            <a:solidFill>
+              <a:schemeClr val="accent6">
+                <a:alpha val="50000"/>
+              </a:schemeClr>
+            </a:solidFill>
+            <a:ln>
+              <a:noFill/>
+            </a:ln>
+          </p:spPr>
+          <p:style>
+            <a:lnRef idx="0">
+              <a:scrgbClr r="0" g="0" b="0"/>
+            </a:lnRef>
+            <a:fillRef idx="0">
+              <a:scrgbClr r="0" g="0" b="0"/>
+            </a:fillRef>
+            <a:effectRef idx="0">
+              <a:scrgbClr r="0" g="0" b="0"/>
+            </a:effectRef>
+            <a:fontRef idx="minor">
+              <a:schemeClr val="lt1"/>
+            </a:fontRef>
+          </p:style>
+          <p:txBody>
+            <a:bodyPr rtlCol="0" anchor="ctr"/>
+            <a:lstStyle/>
+            <a:p>
+              <a:pPr algn="ctr"/>
+              <a:r>
+                <a:rPr lang="en-US" dirty="0"/>
+                <a:t>Text #2</a:t>
+              </a:r>
+            </a:p>
+          </p:txBody>
+        </p:sp>
+      </p:grpSp>
+      <p:grpSp>
+        <p:nvGrpSpPr>
+          <p:cNvPr id="10" name="Group 9">
+            <a:extLst>
+              <a:ext uri="{FF2B5EF4-FFF2-40B4-BE49-F238E27FC236}">
+                <a16:creationId xmlns:a16="http://schemas.microsoft.com/office/drawing/2014/main" id="{1047CAED-6BF9-FA43-1816-3C81D81067CA}"/>
+              </a:ext>
+            </a:extLst>
+          </p:cNvPr>
+          <p:cNvGrpSpPr/>
+          <p:nvPr/>
+        </p:nvGrpSpPr>
+        <p:grpSpPr>
+          <a:xfrm>
+            <a:off x="9487877" y="782210"/>
+            <a:ext cx="1684215" cy="1951892"/>
+            <a:chOff x="257908" y="3429000"/>
+            <a:chExt cx="1684215" cy="1951892"/>
+          </a:xfrm>
+        </p:grpSpPr>
+        <p:sp>
+          <p:nvSpPr>
+            <p:cNvPr id="11" name="Rectangle: Diagonal Corners Rounded 10">
+              <a:extLst>
+                <a:ext uri="{FF2B5EF4-FFF2-40B4-BE49-F238E27FC236}">
+                  <a16:creationId xmlns:a16="http://schemas.microsoft.com/office/drawing/2014/main" id="{A3E3D212-991C-4372-860F-6E1062A6A5AA}"/>
+                </a:ext>
+              </a:extLst>
+            </p:cNvPr>
+            <p:cNvSpPr/>
+            <p:nvPr/>
+          </p:nvSpPr>
+          <p:spPr>
+            <a:xfrm>
+              <a:off x="257908" y="3429000"/>
+              <a:ext cx="1531815" cy="1799492"/>
+            </a:xfrm>
+            <a:prstGeom prst="round2DiagRect">
+              <a:avLst/>
+            </a:prstGeom>
+            <a:solidFill>
+              <a:schemeClr val="accent6">
+                <a:alpha val="50000"/>
+              </a:schemeClr>
+            </a:solidFill>
+            <a:ln>
+              <a:noFill/>
+            </a:ln>
+          </p:spPr>
+          <p:style>
+            <a:lnRef idx="0">
+              <a:scrgbClr r="0" g="0" b="0"/>
+            </a:lnRef>
+            <a:fillRef idx="0">
+              <a:scrgbClr r="0" g="0" b="0"/>
+            </a:fillRef>
+            <a:effectRef idx="0">
+              <a:scrgbClr r="0" g="0" b="0"/>
+            </a:effectRef>
+            <a:fontRef idx="minor">
+              <a:schemeClr val="lt1"/>
+            </a:fontRef>
+          </p:style>
+          <p:txBody>
+            <a:bodyPr rtlCol="0" anchor="ctr"/>
+            <a:lstStyle/>
+            <a:p>
+              <a:pPr algn="ctr"/>
+              <a:endParaRPr lang="en-US"/>
+            </a:p>
+          </p:txBody>
+        </p:sp>
+        <p:sp>
+          <p:nvSpPr>
+            <p:cNvPr id="12" name="Rectangle: Diagonal Corners Rounded 11">
+              <a:extLst>
+                <a:ext uri="{FF2B5EF4-FFF2-40B4-BE49-F238E27FC236}">
+                  <a16:creationId xmlns:a16="http://schemas.microsoft.com/office/drawing/2014/main" id="{FB02504B-2765-8CAA-3B84-622B053E09B7}"/>
+                </a:ext>
+              </a:extLst>
+            </p:cNvPr>
+            <p:cNvSpPr/>
+            <p:nvPr/>
+          </p:nvSpPr>
+          <p:spPr>
+            <a:xfrm>
+              <a:off x="410308" y="3581400"/>
+              <a:ext cx="1531815" cy="1799492"/>
+            </a:xfrm>
+            <a:prstGeom prst="round2DiagRect">
+              <a:avLst/>
+            </a:prstGeom>
+            <a:solidFill>
+              <a:schemeClr val="accent6">
+                <a:alpha val="50000"/>
+              </a:schemeClr>
+            </a:solidFill>
+            <a:ln>
+              <a:noFill/>
+            </a:ln>
+          </p:spPr>
+          <p:style>
+            <a:lnRef idx="0">
+              <a:scrgbClr r="0" g="0" b="0"/>
+            </a:lnRef>
+            <a:fillRef idx="0">
+              <a:scrgbClr r="0" g="0" b="0"/>
+            </a:fillRef>
+            <a:effectRef idx="0">
+              <a:scrgbClr r="0" g="0" b="0"/>
+            </a:effectRef>
+            <a:fontRef idx="minor">
+              <a:schemeClr val="lt1"/>
+            </a:fontRef>
+          </p:style>
+          <p:txBody>
+            <a:bodyPr rtlCol="0" anchor="ctr"/>
+            <a:lstStyle/>
+            <a:p>
+              <a:pPr algn="ctr"/>
+              <a:r>
+                <a:rPr lang="en-US" dirty="0"/>
+                <a:t>Text #N</a:t>
+              </a:r>
+            </a:p>
+          </p:txBody>
+        </p:sp>
+      </p:grpSp>
+      <p:sp>
+        <p:nvSpPr>
+          <p:cNvPr id="13" name="Title 1">
+            <a:extLst>
+              <a:ext uri="{FF2B5EF4-FFF2-40B4-BE49-F238E27FC236}">
+                <a16:creationId xmlns:a16="http://schemas.microsoft.com/office/drawing/2014/main" id="{B36183BC-3ECF-B1EC-2A63-FA381142839D}"/>
+              </a:ext>
+            </a:extLst>
+          </p:cNvPr>
+          <p:cNvSpPr txBox="1">
+            <a:spLocks/>
+          </p:cNvSpPr>
+          <p:nvPr/>
+        </p:nvSpPr>
+        <p:spPr>
+          <a:xfrm>
+            <a:off x="7721602" y="2773850"/>
+            <a:ext cx="762000" cy="1325563"/>
+          </a:xfrm>
+          <a:prstGeom prst="rect">
+            <a:avLst/>
+          </a:prstGeom>
+        </p:spPr>
+        <p:txBody>
+          <a:bodyPr vert="horz" lIns="91440" tIns="45720" rIns="91440" bIns="45720" rtlCol="0" anchor="ctr">
+            <a:normAutofit/>
+          </a:bodyPr>
+          <a:lstStyle>
+            <a:lvl1pPr algn="l" defTabSz="914400" rtl="0" eaLnBrk="1" latinLnBrk="0" hangingPunct="1">
+              <a:lnSpc>
+                <a:spcPct val="90000"/>
+              </a:lnSpc>
+              <a:spcBef>
+                <a:spcPct val="0"/>
+              </a:spcBef>
+              <a:buNone/>
+              <a:defRPr sz="4400" kern="1200">
+                <a:solidFill>
+                  <a:schemeClr val="tx1"/>
+                </a:solidFill>
+                <a:latin typeface="+mj-lt"/>
+                <a:ea typeface="+mj-ea"/>
+                <a:cs typeface="+mj-cs"/>
+              </a:defRPr>
+            </a:lvl1pPr>
+          </a:lstStyle>
+          <a:p>
+            <a:r>
+              <a:rPr lang="en-US" dirty="0"/>
+              <a:t>…</a:t>
+            </a:r>
+          </a:p>
+        </p:txBody>
+      </p:sp>
+      <p:cxnSp>
+        <p:nvCxnSpPr>
+          <p:cNvPr id="14" name="Connector: Elbow 13">
+            <a:extLst>
+              <a:ext uri="{FF2B5EF4-FFF2-40B4-BE49-F238E27FC236}">
+                <a16:creationId xmlns:a16="http://schemas.microsoft.com/office/drawing/2014/main" id="{1514DBDC-B54D-CCAB-9E81-A598A68F8B3F}"/>
+              </a:ext>
+            </a:extLst>
+          </p:cNvPr>
+          <p:cNvCxnSpPr>
+            <a:cxnSpLocks/>
+            <a:stCxn id="5" idx="0"/>
+            <a:endCxn id="9" idx="1"/>
+          </p:cNvCxnSpPr>
+          <p:nvPr/>
+        </p:nvCxnSpPr>
+        <p:spPr>
+          <a:xfrm flipV="1">
+            <a:off x="1942123" y="4685994"/>
+            <a:ext cx="2629878" cy="393699"/>
+          </a:xfrm>
+          <a:prstGeom prst="bentConnector2">
+            <a:avLst/>
+          </a:prstGeom>
+          <a:ln w="38100" cap="flat" cmpd="sng" algn="ctr">
+            <a:solidFill>
+              <a:srgbClr val="0F9ED5">
+                <a:alpha val="50196"/>
+              </a:srgbClr>
+            </a:solidFill>
+            <a:prstDash val="solid"/>
+            <a:round/>
+            <a:headEnd type="none" w="med" len="med"/>
+            <a:tailEnd type="arrow" w="med" len="med"/>
+          </a:ln>
+        </p:spPr>
+        <p:style>
+          <a:lnRef idx="0">
+            <a:scrgbClr r="0" g="0" b="0"/>
+          </a:lnRef>
+          <a:fillRef idx="0">
+            <a:scrgbClr r="0" g="0" b="0"/>
+          </a:fillRef>
+          <a:effectRef idx="0">
+            <a:scrgbClr r="0" g="0" b="0"/>
+          </a:effectRef>
+          <a:fontRef idx="minor">
+            <a:schemeClr val="tx1"/>
+          </a:fontRef>
+        </p:style>
+      </p:cxnSp>
+      <p:cxnSp>
+        <p:nvCxnSpPr>
+          <p:cNvPr id="18" name="Connector: Elbow 17">
+            <a:extLst>
+              <a:ext uri="{FF2B5EF4-FFF2-40B4-BE49-F238E27FC236}">
+                <a16:creationId xmlns:a16="http://schemas.microsoft.com/office/drawing/2014/main" id="{AA70FE26-F3F1-FB05-ACCF-64B1E41EF4B9}"/>
+              </a:ext>
+            </a:extLst>
+          </p:cNvPr>
+          <p:cNvCxnSpPr>
+            <a:cxnSpLocks/>
+            <a:stCxn id="9" idx="0"/>
+            <a:endCxn id="12" idx="1"/>
+          </p:cNvCxnSpPr>
+          <p:nvPr/>
+        </p:nvCxnSpPr>
+        <p:spPr>
+          <a:xfrm flipV="1">
+            <a:off x="5337908" y="2734102"/>
+            <a:ext cx="5068277" cy="1052146"/>
+          </a:xfrm>
+          <a:prstGeom prst="bentConnector2">
+            <a:avLst/>
+          </a:prstGeom>
+          <a:ln w="38100" cap="flat" cmpd="sng" algn="ctr">
+            <a:solidFill>
+              <a:srgbClr val="0F9ED5">
+                <a:alpha val="50196"/>
+              </a:srgbClr>
+            </a:solidFill>
+            <a:prstDash val="solid"/>
+            <a:round/>
+            <a:headEnd type="none" w="med" len="med"/>
+            <a:tailEnd type="arrow" w="med" len="med"/>
+          </a:ln>
+        </p:spPr>
+        <p:style>
+          <a:lnRef idx="0">
+            <a:scrgbClr r="0" g="0" b="0"/>
+          </a:lnRef>
+          <a:fillRef idx="0">
+            <a:scrgbClr r="0" g="0" b="0"/>
+          </a:fillRef>
+          <a:effectRef idx="0">
+            <a:scrgbClr r="0" g="0" b="0"/>
+          </a:effectRef>
+          <a:fontRef idx="minor">
+            <a:schemeClr val="tx1"/>
+          </a:fontRef>
+        </p:style>
+      </p:cxnSp>
+      <p:sp>
+        <p:nvSpPr>
+          <p:cNvPr id="25" name="Cylinder 24">
+            <a:extLst>
+              <a:ext uri="{FF2B5EF4-FFF2-40B4-BE49-F238E27FC236}">
+                <a16:creationId xmlns:a16="http://schemas.microsoft.com/office/drawing/2014/main" id="{8A7CA205-F280-A9C6-2AC6-467FC7E13E61}"/>
+              </a:ext>
+            </a:extLst>
+          </p:cNvPr>
+          <p:cNvSpPr/>
+          <p:nvPr/>
+        </p:nvSpPr>
+        <p:spPr>
+          <a:xfrm>
+            <a:off x="1529862" y="5812078"/>
+            <a:ext cx="1344246" cy="584444"/>
+          </a:xfrm>
+          <a:prstGeom prst="can">
+            <a:avLst/>
+          </a:prstGeom>
+        </p:spPr>
+        <p:style>
+          <a:lnRef idx="2">
+            <a:schemeClr val="accent1">
+              <a:shade val="15000"/>
+            </a:schemeClr>
+          </a:lnRef>
+          <a:fillRef idx="1">
+            <a:schemeClr val="accent1"/>
+          </a:fillRef>
+          <a:effectRef idx="0">
+            <a:schemeClr val="accent1"/>
+          </a:effectRef>
+          <a:fontRef idx="minor">
+            <a:schemeClr val="lt1"/>
+          </a:fontRef>
+        </p:style>
+        <p:txBody>
+          <a:bodyPr rtlCol="0" anchor="ctr"/>
+          <a:lstStyle/>
+          <a:p>
+            <a:pPr algn="ctr"/>
+            <a:r>
+              <a:rPr lang="en-US" dirty="0"/>
+              <a:t>Samples</a:t>
+            </a:r>
+          </a:p>
+        </p:txBody>
+      </p:sp>
+      <p:sp>
+        <p:nvSpPr>
+          <p:cNvPr id="26" name="Cylinder 25">
+            <a:extLst>
+              <a:ext uri="{FF2B5EF4-FFF2-40B4-BE49-F238E27FC236}">
+                <a16:creationId xmlns:a16="http://schemas.microsoft.com/office/drawing/2014/main" id="{2FE68A49-8293-48BB-60DE-453D16CEB974}"/>
+              </a:ext>
+            </a:extLst>
+          </p:cNvPr>
+          <p:cNvSpPr/>
+          <p:nvPr/>
+        </p:nvSpPr>
+        <p:spPr>
+          <a:xfrm>
+            <a:off x="4999893" y="4195974"/>
+            <a:ext cx="1344246" cy="1246097"/>
+          </a:xfrm>
+          <a:prstGeom prst="can">
+            <a:avLst/>
+          </a:prstGeom>
+        </p:spPr>
+        <p:style>
+          <a:lnRef idx="2">
+            <a:schemeClr val="accent1">
+              <a:shade val="15000"/>
+            </a:schemeClr>
+          </a:lnRef>
+          <a:fillRef idx="1">
+            <a:schemeClr val="accent1"/>
+          </a:fillRef>
+          <a:effectRef idx="0">
+            <a:schemeClr val="accent1"/>
+          </a:effectRef>
+          <a:fontRef idx="minor">
+            <a:schemeClr val="lt1"/>
+          </a:fontRef>
+        </p:style>
+        <p:txBody>
+          <a:bodyPr rtlCol="0" anchor="ctr"/>
+          <a:lstStyle/>
+          <a:p>
+            <a:pPr algn="ctr"/>
+            <a:r>
+              <a:rPr lang="en-US" dirty="0"/>
+              <a:t>Samples</a:t>
+            </a:r>
+          </a:p>
+        </p:txBody>
+      </p:sp>
+      <p:sp>
+        <p:nvSpPr>
+          <p:cNvPr id="27" name="Cylinder 26">
+            <a:extLst>
+              <a:ext uri="{FF2B5EF4-FFF2-40B4-BE49-F238E27FC236}">
+                <a16:creationId xmlns:a16="http://schemas.microsoft.com/office/drawing/2014/main" id="{BD34749B-43E1-CB2F-1C8E-4385A4FF66D4}"/>
+              </a:ext>
+            </a:extLst>
+          </p:cNvPr>
+          <p:cNvSpPr/>
+          <p:nvPr/>
+        </p:nvSpPr>
+        <p:spPr>
+          <a:xfrm>
+            <a:off x="10681677" y="2260172"/>
+            <a:ext cx="1344246" cy="1919775"/>
+          </a:xfrm>
+          <a:prstGeom prst="can">
+            <a:avLst/>
+          </a:prstGeom>
+        </p:spPr>
+        <p:style>
+          <a:lnRef idx="2">
+            <a:schemeClr val="accent1">
+              <a:shade val="15000"/>
+            </a:schemeClr>
+          </a:lnRef>
+          <a:fillRef idx="1">
+            <a:schemeClr val="accent1"/>
+          </a:fillRef>
+          <a:effectRef idx="0">
+            <a:schemeClr val="accent1"/>
+          </a:effectRef>
+          <a:fontRef idx="minor">
+            <a:schemeClr val="lt1"/>
+          </a:fontRef>
+        </p:style>
+        <p:txBody>
+          <a:bodyPr rtlCol="0" anchor="ctr"/>
+          <a:lstStyle/>
+          <a:p>
+            <a:pPr algn="ctr"/>
+            <a:r>
+              <a:rPr lang="en-US" dirty="0"/>
+              <a:t>Samples</a:t>
+            </a:r>
+          </a:p>
+        </p:txBody>
+      </p:sp>
+    </p:spTree>
+    <p:extLst>
+      <p:ext uri="{BB962C8B-B14F-4D97-AF65-F5344CB8AC3E}">
+        <p14:creationId xmlns:p14="http://schemas.microsoft.com/office/powerpoint/2010/main" val="1797468023"/>
+      </p:ext>
+    </p:extLst>
+  </p:cSld>
+  <p:clrMapOvr>
+    <a:masterClrMapping/>
+  </p:clrMapOvr>
+</p:sld>
+</file>
+
+<file path=ppt/slides/slide22.xml><?xml version="1.0" encoding="utf-8"?>
+<p:sld xmlns:a="http://schemas.openxmlformats.org/drawingml/2006/main" xmlns:r="http://schemas.openxmlformats.org/officeDocument/2006/relationships" xmlns:p="http://schemas.openxmlformats.org/presentationml/2006/main">
+  <p:cSld>
+    <p:spTree>
+      <p:nvGrpSpPr>
+        <p:cNvPr id="1" name="">
+          <a:extLst>
+            <a:ext uri="{FF2B5EF4-FFF2-40B4-BE49-F238E27FC236}">
+              <a16:creationId xmlns:a16="http://schemas.microsoft.com/office/drawing/2014/main" id="{14D14AE8-0F17-1E16-A743-22B555ACBB81}"/>
+            </a:ext>
+          </a:extLst>
+        </p:cNvPr>
+        <p:cNvGrpSpPr/>
+        <p:nvPr/>
+      </p:nvGrpSpPr>
+      <p:grpSpPr>
+        <a:xfrm>
+          <a:off x="0" y="0"/>
+          <a:ext cx="0" cy="0"/>
+          <a:chOff x="0" y="0"/>
+          <a:chExt cx="0" cy="0"/>
+        </a:xfrm>
+      </p:grpSpPr>
+      <p:sp>
+        <p:nvSpPr>
+          <p:cNvPr id="2" name="Title 1">
+            <a:extLst>
+              <a:ext uri="{FF2B5EF4-FFF2-40B4-BE49-F238E27FC236}">
+                <a16:creationId xmlns:a16="http://schemas.microsoft.com/office/drawing/2014/main" id="{2A0C27D4-6328-A521-1E4C-8341F5748437}"/>
+              </a:ext>
+            </a:extLst>
+          </p:cNvPr>
+          <p:cNvSpPr>
+            <a:spLocks noGrp="1"/>
+          </p:cNvSpPr>
+          <p:nvPr>
+            <p:ph type="title"/>
+          </p:nvPr>
+        </p:nvSpPr>
+        <p:spPr/>
+        <p:txBody>
+          <a:bodyPr/>
+          <a:lstStyle/>
+          <a:p>
+            <a:r>
+              <a:rPr lang="en-US" dirty="0"/>
+              <a:t>Further Steps</a:t>
+            </a:r>
+          </a:p>
+        </p:txBody>
+      </p:sp>
+      <p:sp>
+        <p:nvSpPr>
+          <p:cNvPr id="3" name="Content Placeholder 2">
+            <a:extLst>
+              <a:ext uri="{FF2B5EF4-FFF2-40B4-BE49-F238E27FC236}">
+                <a16:creationId xmlns:a16="http://schemas.microsoft.com/office/drawing/2014/main" id="{F5A9DD20-0B36-593F-3620-0A9074D65418}"/>
+              </a:ext>
+            </a:extLst>
+          </p:cNvPr>
+          <p:cNvSpPr>
+            <a:spLocks noGrp="1"/>
+          </p:cNvSpPr>
+          <p:nvPr>
+            <p:ph idx="1"/>
+          </p:nvPr>
+        </p:nvSpPr>
+        <p:spPr>
+          <a:xfrm>
+            <a:off x="838200" y="1825624"/>
+            <a:ext cx="10515600" cy="4848713"/>
+          </a:xfrm>
+        </p:spPr>
+        <p:txBody>
+          <a:bodyPr/>
+          <a:lstStyle/>
+          <a:p>
+            <a:pPr marL="0" indent="0">
+              <a:buNone/>
+            </a:pPr>
+            <a:r>
+              <a:rPr lang="en-US" dirty="0"/>
+              <a:t>- Testing / evaluation</a:t>
+            </a:r>
+          </a:p>
+          <a:p>
+            <a:pPr marL="0" indent="0">
+              <a:buNone/>
+            </a:pPr>
+            <a:r>
+              <a:rPr lang="en-US" dirty="0"/>
+              <a:t>	- Precision 				</a:t>
+            </a:r>
+            <a:r>
+              <a:rPr lang="en-US" sz="2400" dirty="0"/>
+              <a:t>(Low false-positives)</a:t>
+            </a:r>
+            <a:endParaRPr lang="en-US" dirty="0"/>
+          </a:p>
+          <a:p>
+            <a:pPr marL="0" indent="0">
+              <a:buNone/>
+            </a:pPr>
+            <a:r>
+              <a:rPr lang="en-US" dirty="0"/>
+              <a:t>	- Recall / Sensitivity		</a:t>
+            </a:r>
+            <a:r>
+              <a:rPr lang="en-US" sz="2400" dirty="0"/>
+              <a:t>(Correctly identified true matches)</a:t>
+            </a:r>
+            <a:endParaRPr lang="en-US" dirty="0"/>
+          </a:p>
+        </p:txBody>
+      </p:sp>
+    </p:spTree>
+    <p:extLst>
+      <p:ext uri="{BB962C8B-B14F-4D97-AF65-F5344CB8AC3E}">
+        <p14:creationId xmlns:p14="http://schemas.microsoft.com/office/powerpoint/2010/main" val="3621447384"/>
+      </p:ext>
+    </p:extLst>
+  </p:cSld>
+  <p:clrMapOvr>
+    <a:masterClrMapping/>
+  </p:clrMapOvr>
+</p:sld>
+</file>
+
+<file path=ppt/slides/slide23.xml><?xml version="1.0" encoding="utf-8"?>
+<p:sld xmlns:a="http://schemas.openxmlformats.org/drawingml/2006/main" xmlns:r="http://schemas.openxmlformats.org/officeDocument/2006/relationships" xmlns:p="http://schemas.openxmlformats.org/presentationml/2006/main">
+  <p:cSld>
+    <p:spTree>
+      <p:nvGrpSpPr>
+        <p:cNvPr id="1" name=""/>
+        <p:cNvGrpSpPr/>
+        <p:nvPr/>
+      </p:nvGrpSpPr>
+      <p:grpSpPr>
+        <a:xfrm>
+          <a:off x="0" y="0"/>
+          <a:ext cx="0" cy="0"/>
+          <a:chOff x="0" y="0"/>
+          <a:chExt cx="0" cy="0"/>
+        </a:xfrm>
+      </p:grpSpPr>
+      <p:sp>
+        <p:nvSpPr>
+          <p:cNvPr id="2" name="Title 1">
+            <a:extLst>
+              <a:ext uri="{FF2B5EF4-FFF2-40B4-BE49-F238E27FC236}">
+                <a16:creationId xmlns:a16="http://schemas.microsoft.com/office/drawing/2014/main" id="{3980FD97-C7D4-4B96-8C22-7E81C1705F6F}"/>
+              </a:ext>
+            </a:extLst>
+          </p:cNvPr>
+          <p:cNvSpPr>
+            <a:spLocks noGrp="1"/>
+          </p:cNvSpPr>
+          <p:nvPr>
+            <p:ph type="title"/>
+          </p:nvPr>
+        </p:nvSpPr>
+        <p:spPr/>
+        <p:txBody>
+          <a:bodyPr/>
+          <a:lstStyle/>
+          <a:p>
+            <a:r>
+              <a:rPr lang="en-US" dirty="0"/>
+              <a:t>THANK YOU!</a:t>
+            </a:r>
+          </a:p>
+        </p:txBody>
+      </p:sp>
+      <p:sp>
+        <p:nvSpPr>
+          <p:cNvPr id="3" name="Content Placeholder 2">
+            <a:extLst>
+              <a:ext uri="{FF2B5EF4-FFF2-40B4-BE49-F238E27FC236}">
+                <a16:creationId xmlns:a16="http://schemas.microsoft.com/office/drawing/2014/main" id="{18B0AC82-F021-3FD7-20DC-0C6738B97327}"/>
+              </a:ext>
+            </a:extLst>
+          </p:cNvPr>
+          <p:cNvSpPr>
+            <a:spLocks noGrp="1"/>
+          </p:cNvSpPr>
+          <p:nvPr>
+            <p:ph idx="1"/>
+          </p:nvPr>
+        </p:nvSpPr>
+        <p:spPr/>
+        <p:txBody>
+          <a:bodyPr>
+            <a:normAutofit fontScale="62500" lnSpcReduction="20000"/>
+          </a:bodyPr>
+          <a:lstStyle/>
+          <a:p>
+            <a:pPr marL="0" indent="0">
+              <a:buNone/>
+            </a:pPr>
+            <a:endParaRPr lang="en-US" dirty="0"/>
+          </a:p>
+          <a:p>
+            <a:pPr marL="0" indent="0">
+              <a:buNone/>
+            </a:pPr>
+            <a:endParaRPr lang="en-US" dirty="0"/>
+          </a:p>
+          <a:p>
+            <a:pPr marL="0" indent="0">
+              <a:buNone/>
+            </a:pPr>
+            <a:endParaRPr lang="en-US" dirty="0"/>
+          </a:p>
+          <a:p>
+            <a:pPr marL="0" indent="0">
+              <a:buNone/>
+            </a:pPr>
+            <a:endParaRPr lang="en-US" dirty="0"/>
+          </a:p>
+          <a:p>
+            <a:pPr marL="0" indent="0">
+              <a:buNone/>
+            </a:pPr>
+            <a:endParaRPr lang="en-US" dirty="0"/>
+          </a:p>
+          <a:p>
+            <a:pPr marL="0" indent="0">
+              <a:buNone/>
+            </a:pPr>
+            <a:endParaRPr lang="en-US" dirty="0"/>
+          </a:p>
+          <a:p>
+            <a:pPr marL="0" indent="0">
+              <a:buNone/>
+            </a:pPr>
+            <a:endParaRPr lang="en-US" dirty="0"/>
+          </a:p>
+          <a:p>
+            <a:pPr marL="0" indent="0">
+              <a:buNone/>
+            </a:pPr>
+            <a:r>
+              <a:rPr lang="en-US" dirty="0"/>
+              <a:t>I waited patiently for the Lord;</a:t>
+            </a:r>
+          </a:p>
+          <a:p>
+            <a:pPr marL="0" indent="0">
+              <a:buNone/>
+            </a:pPr>
+            <a:r>
+              <a:rPr lang="en-US" dirty="0"/>
+              <a:t>    he turned to me and heard my cry.</a:t>
+            </a:r>
+          </a:p>
+          <a:p>
+            <a:pPr marL="0" indent="0">
+              <a:buNone/>
+            </a:pPr>
+            <a:r>
+              <a:rPr lang="en-US" dirty="0"/>
+              <a:t>...</a:t>
+            </a:r>
+          </a:p>
+          <a:p>
+            <a:pPr marL="0" indent="0">
+              <a:buNone/>
+            </a:pPr>
+            <a:r>
+              <a:rPr lang="en-US" dirty="0"/>
+              <a:t>Sacrifice and offering you did not desire—</a:t>
+            </a:r>
+          </a:p>
+          <a:p>
+            <a:pPr marL="0" indent="0">
+              <a:buNone/>
+            </a:pPr>
+            <a:r>
+              <a:rPr lang="en-US" dirty="0"/>
+              <a:t>    but my ears you have opened—</a:t>
+            </a:r>
+          </a:p>
+          <a:p>
+            <a:pPr marL="0" indent="0">
+              <a:buNone/>
+            </a:pPr>
+            <a:r>
+              <a:rPr lang="en-US" dirty="0"/>
+              <a:t>    burnt offerings and sin offerings you did not require.</a:t>
+            </a:r>
+          </a:p>
+          <a:p>
+            <a:pPr marL="0" indent="0">
+              <a:buNone/>
+            </a:pPr>
+            <a:endParaRPr lang="en-US" dirty="0"/>
+          </a:p>
+        </p:txBody>
+      </p:sp>
+    </p:spTree>
+    <p:extLst>
+      <p:ext uri="{BB962C8B-B14F-4D97-AF65-F5344CB8AC3E}">
+        <p14:creationId xmlns:p14="http://schemas.microsoft.com/office/powerpoint/2010/main" val="3225379631"/>
       </p:ext>
     </p:extLst>
   </p:cSld>
@@ -7059,6 +9180,36 @@
                 <a:latin typeface="Georgia" panose="02040502050405020303" pitchFamily="18" charset="0"/>
               </a:rPr>
               <a:t>~ “reducing contrast”</a:t>
+            </a:r>
+          </a:p>
+          <a:p>
+            <a:pPr marL="0" indent="0">
+              <a:buNone/>
+            </a:pPr>
+            <a:endParaRPr lang="en-US" dirty="0">
+              <a:latin typeface="Georgia" panose="02040502050405020303" pitchFamily="18" charset="0"/>
+            </a:endParaRPr>
+          </a:p>
+          <a:p>
+            <a:pPr marL="0" indent="0">
+              <a:buNone/>
+            </a:pPr>
+            <a:r>
+              <a:rPr lang="en-US" b="1" dirty="0">
+                <a:latin typeface="Georgia" panose="02040502050405020303" pitchFamily="18" charset="0"/>
+              </a:rPr>
+              <a:t>Mel-Scale:</a:t>
+            </a:r>
+          </a:p>
+          <a:p>
+            <a:pPr marL="0" indent="0">
+              <a:buNone/>
+            </a:pPr>
+            <a:r>
+              <a:rPr lang="en-US" dirty="0">
+                <a:latin typeface="Georgia" panose="02040502050405020303" pitchFamily="18" charset="0"/>
+              </a:rPr>
+              <a:t>Related to human ear sensitivity</a:t>
             </a:r>
           </a:p>
         </p:txBody>

--- a/Hackathon Presentation.pptx
+++ b/Hackathon Presentation.pptx
@@ -6,28 +6,31 @@
   </p:sldMasterIdLst>
   <p:sldIdLst>
     <p:sldId id="258" r:id="rId2"/>
-    <p:sldId id="272" r:id="rId3"/>
-    <p:sldId id="271" r:id="rId4"/>
-    <p:sldId id="263" r:id="rId5"/>
-    <p:sldId id="261" r:id="rId6"/>
-    <p:sldId id="264" r:id="rId7"/>
-    <p:sldId id="267" r:id="rId8"/>
-    <p:sldId id="256" r:id="rId9"/>
-    <p:sldId id="262" r:id="rId10"/>
-    <p:sldId id="257" r:id="rId11"/>
-    <p:sldId id="268" r:id="rId12"/>
-    <p:sldId id="260" r:id="rId13"/>
-    <p:sldId id="259" r:id="rId14"/>
-    <p:sldId id="266" r:id="rId15"/>
-    <p:sldId id="273" r:id="rId16"/>
-    <p:sldId id="270" r:id="rId17"/>
-    <p:sldId id="269" r:id="rId18"/>
-    <p:sldId id="278" r:id="rId19"/>
-    <p:sldId id="277" r:id="rId20"/>
-    <p:sldId id="276" r:id="rId21"/>
-    <p:sldId id="275" r:id="rId22"/>
-    <p:sldId id="274" r:id="rId23"/>
-    <p:sldId id="279" r:id="rId24"/>
+    <p:sldId id="282" r:id="rId3"/>
+    <p:sldId id="280" r:id="rId4"/>
+    <p:sldId id="271" r:id="rId5"/>
+    <p:sldId id="263" r:id="rId6"/>
+    <p:sldId id="261" r:id="rId7"/>
+    <p:sldId id="264" r:id="rId8"/>
+    <p:sldId id="267" r:id="rId9"/>
+    <p:sldId id="281" r:id="rId10"/>
+    <p:sldId id="256" r:id="rId11"/>
+    <p:sldId id="262" r:id="rId12"/>
+    <p:sldId id="257" r:id="rId13"/>
+    <p:sldId id="268" r:id="rId14"/>
+    <p:sldId id="260" r:id="rId15"/>
+    <p:sldId id="259" r:id="rId16"/>
+    <p:sldId id="266" r:id="rId17"/>
+    <p:sldId id="273" r:id="rId18"/>
+    <p:sldId id="270" r:id="rId19"/>
+    <p:sldId id="269" r:id="rId20"/>
+    <p:sldId id="278" r:id="rId21"/>
+    <p:sldId id="277" r:id="rId22"/>
+    <p:sldId id="276" r:id="rId23"/>
+    <p:sldId id="283" r:id="rId24"/>
+    <p:sldId id="275" r:id="rId25"/>
+    <p:sldId id="274" r:id="rId26"/>
+    <p:sldId id="279" r:id="rId27"/>
   </p:sldIdLst>
   <p:sldSz cx="12192000" cy="6858000"/>
   <p:notesSz cx="6858000" cy="9144000"/>
@@ -2995,70 +2998,6 @@
           <a:chExt cx="0" cy="0"/>
         </a:xfrm>
       </p:grpSpPr>
-      <p:pic>
-        <p:nvPicPr>
-          <p:cNvPr id="4" name="Picture 3" descr="A red and white tag with white text&#10;&#10;Description automatically generated">
-            <a:extLst>
-              <a:ext uri="{FF2B5EF4-FFF2-40B4-BE49-F238E27FC236}">
-                <a16:creationId xmlns:a16="http://schemas.microsoft.com/office/drawing/2014/main" id="{313D0BEF-8832-B8D9-7049-8CC881A865DF}"/>
-              </a:ext>
-            </a:extLst>
-          </p:cNvPr>
-          <p:cNvPicPr>
-            <a:picLocks noChangeAspect="1"/>
-          </p:cNvPicPr>
-          <p:nvPr/>
-        </p:nvPicPr>
-        <p:blipFill>
-          <a:blip r:embed="rId2">
-            <a:extLst>
-              <a:ext uri="{BEBA8EAE-BF5A-486C-A8C5-ECC9F3942E4B}">
-                <a14:imgProps xmlns:a14="http://schemas.microsoft.com/office/drawing/2010/main">
-                  <a14:imgLayer r:embed="rId3">
-                    <a14:imgEffect>
-                      <a14:backgroundRemoval t="10000" b="90000" l="10000" r="90000">
-                        <a14:foregroundMark x1="23242" y1="34277" x2="19922" y2="49902"/>
-                        <a14:foregroundMark x1="19922" y1="49902" x2="27051" y2="56055"/>
-                        <a14:foregroundMark x1="27051" y1="56055" x2="35547" y2="50195"/>
-                        <a14:foregroundMark x1="35547" y1="50195" x2="33398" y2="36719"/>
-                        <a14:foregroundMark x1="33398" y1="36719" x2="25195" y2="33301"/>
-                        <a14:foregroundMark x1="25195" y1="33301" x2="23438" y2="33984"/>
-                        <a14:foregroundMark x1="28809" y1="37012" x2="25195" y2="45801"/>
-                        <a14:foregroundMark x1="25195" y1="45801" x2="30371" y2="49512"/>
-                        <a14:foregroundMark x1="42480" y1="34863" x2="42773" y2="43555"/>
-                        <a14:foregroundMark x1="42773" y1="43555" x2="50488" y2="40918"/>
-                        <a14:foregroundMark x1="50488" y1="40918" x2="59961" y2="41211"/>
-                        <a14:foregroundMark x1="59961" y1="41211" x2="79492" y2="34961"/>
-                        <a14:foregroundMark x1="79492" y1="34961" x2="79395" y2="39063"/>
-                        <a14:foregroundMark x1="57715" y1="33301" x2="56934" y2="42969"/>
-                        <a14:foregroundMark x1="70703" y1="34180" x2="80664" y2="30566"/>
-                        <a14:foregroundMark x1="80664" y1="30566" x2="80957" y2="30273"/>
-                        <a14:foregroundMark x1="23535" y1="60449" x2="72754" y2="47070"/>
-                        <a14:foregroundMark x1="77344" y1="46289" x2="81738" y2="51367"/>
-                      </a14:backgroundRemoval>
-                    </a14:imgEffect>
-                  </a14:imgLayer>
-                </a14:imgProps>
-              </a:ext>
-              <a:ext uri="{28A0092B-C50C-407E-A947-70E740481C1C}">
-                <a14:useLocalDpi xmlns:a14="http://schemas.microsoft.com/office/drawing/2010/main" val="0"/>
-              </a:ext>
-            </a:extLst>
-          </a:blip>
-          <a:stretch>
-            <a:fillRect/>
-          </a:stretch>
-        </p:blipFill>
-        <p:spPr>
-          <a:xfrm>
-            <a:off x="11117020" y="1210280"/>
-            <a:ext cx="473560" cy="473560"/>
-          </a:xfrm>
-          <a:prstGeom prst="rect">
-            <a:avLst/>
-          </a:prstGeom>
-        </p:spPr>
-      </p:pic>
       <p:sp>
         <p:nvSpPr>
           <p:cNvPr id="2" name="Title 1">
@@ -3093,10 +3032,10 @@
       </p:sp>
       <p:sp>
         <p:nvSpPr>
-          <p:cNvPr id="3" name="Content Placeholder 2">
-            <a:extLst>
-              <a:ext uri="{FF2B5EF4-FFF2-40B4-BE49-F238E27FC236}">
-                <a16:creationId xmlns:a16="http://schemas.microsoft.com/office/drawing/2014/main" id="{9079AC02-C927-3E35-AD9B-4E0DB5785BD8}"/>
+          <p:cNvPr id="6" name="Content Placeholder 5">
+            <a:extLst>
+              <a:ext uri="{FF2B5EF4-FFF2-40B4-BE49-F238E27FC236}">
+                <a16:creationId xmlns:a16="http://schemas.microsoft.com/office/drawing/2014/main" id="{87F2FA2E-DA6C-35FB-144D-10DC907BF808}"/>
               </a:ext>
             </a:extLst>
           </p:cNvPr>
@@ -3107,180 +3046,15 @@
             <p:ph idx="1"/>
           </p:nvPr>
         </p:nvSpPr>
-        <p:spPr>
-          <a:xfrm>
-            <a:off x="1180730" y="1447060"/>
-            <a:ext cx="10173070" cy="5140171"/>
-          </a:xfrm>
-        </p:spPr>
-        <p:txBody>
-          <a:bodyPr>
-            <a:normAutofit fontScale="92500" lnSpcReduction="10000"/>
-          </a:bodyPr>
+        <p:spPr/>
+        <p:txBody>
+          <a:bodyPr/>
           <a:lstStyle/>
           <a:p>
             <a:pPr marL="0" indent="0">
-              <a:lnSpc>
-                <a:spcPct val="120000"/>
-              </a:lnSpc>
               <a:buNone/>
             </a:pPr>
-            <a:r>
-              <a:rPr lang="en-US" sz="2000" b="1" dirty="0">
-                <a:latin typeface="Georgia" panose="02040502050405020303" pitchFamily="18" charset="0"/>
-              </a:rPr>
-              <a:t>Speech</a:t>
-            </a:r>
-            <a:r>
-              <a:rPr lang="en-US" sz="2000" dirty="0">
-                <a:latin typeface="Georgia" panose="02040502050405020303" pitchFamily="18" charset="0"/>
-              </a:rPr>
-              <a:t> is a primary part of the human/computer interaction </a:t>
-            </a:r>
-            <a:r>
-              <a:rPr lang="en-US" sz="2000" dirty="0" err="1">
-                <a:latin typeface="Georgia" panose="02040502050405020303" pitchFamily="18" charset="0"/>
-              </a:rPr>
-              <a:t>requried</a:t>
-            </a:r>
-            <a:r>
-              <a:rPr lang="en-US" sz="2000" dirty="0">
-                <a:latin typeface="Georgia" panose="02040502050405020303" pitchFamily="18" charset="0"/>
-              </a:rPr>
-              <a:t> for drafting/checking stages of Oral Bible Translation (OBT). And some Bible translation efforts target "low resource languages". As such, Bible translation software must understand spoken audio from low resource languages.</a:t>
-            </a:r>
-          </a:p>
-          <a:p>
-            <a:pPr marL="0" indent="0">
-              <a:lnSpc>
-                <a:spcPct val="120000"/>
-              </a:lnSpc>
-              <a:buNone/>
-            </a:pPr>
-            <a:endParaRPr lang="en-US" sz="2000" dirty="0">
-              <a:latin typeface="Georgia" panose="02040502050405020303" pitchFamily="18" charset="0"/>
-            </a:endParaRPr>
-          </a:p>
-          <a:p>
-            <a:pPr marL="0" indent="0">
-              <a:lnSpc>
-                <a:spcPct val="120000"/>
-              </a:lnSpc>
-              <a:buNone/>
-            </a:pPr>
-            <a:r>
-              <a:rPr lang="en-US" sz="2000" b="1" dirty="0">
-                <a:latin typeface="Georgia" panose="02040502050405020303" pitchFamily="18" charset="0"/>
-              </a:rPr>
-              <a:t>Thesis</a:t>
-            </a:r>
-            <a:r>
-              <a:rPr lang="en-US" sz="2000" dirty="0">
-                <a:latin typeface="Georgia" panose="02040502050405020303" pitchFamily="18" charset="0"/>
-              </a:rPr>
-              <a:t>: Find a stable method for recognizing individual words in low-resource languages.</a:t>
-            </a:r>
-          </a:p>
-          <a:p>
-            <a:pPr marL="0" indent="0">
-              <a:lnSpc>
-                <a:spcPct val="120000"/>
-              </a:lnSpc>
-              <a:buNone/>
-            </a:pPr>
-            <a:r>
-              <a:rPr lang="en-US" sz="2000" dirty="0">
-                <a:latin typeface="Georgia" panose="02040502050405020303" pitchFamily="18" charset="0"/>
-              </a:rPr>
-              <a:t>Here, we propose a model to recognize individual spoken words in </a:t>
-            </a:r>
-            <a:r>
-              <a:rPr lang="en-US" sz="2000" dirty="0" err="1">
-                <a:latin typeface="Georgia" panose="02040502050405020303" pitchFamily="18" charset="0"/>
-              </a:rPr>
-              <a:t>Dholuo</a:t>
-            </a:r>
-            <a:r>
-              <a:rPr lang="en-US" sz="2000" dirty="0">
-                <a:latin typeface="Georgia" panose="02040502050405020303" pitchFamily="18" charset="0"/>
-              </a:rPr>
-              <a:t>.</a:t>
-            </a:r>
-          </a:p>
-          <a:p>
-            <a:pPr marL="0" indent="0">
-              <a:lnSpc>
-                <a:spcPct val="120000"/>
-              </a:lnSpc>
-              <a:buNone/>
-            </a:pPr>
-            <a:endParaRPr lang="en-US" sz="2000" dirty="0">
-              <a:latin typeface="Georgia" panose="02040502050405020303" pitchFamily="18" charset="0"/>
-            </a:endParaRPr>
-          </a:p>
-          <a:p>
-            <a:pPr marL="0" indent="0">
-              <a:lnSpc>
-                <a:spcPct val="120000"/>
-              </a:lnSpc>
-              <a:buNone/>
-            </a:pPr>
-            <a:r>
-              <a:rPr lang="en-US" sz="2000" b="1" dirty="0">
-                <a:latin typeface="Georgia" panose="02040502050405020303" pitchFamily="18" charset="0"/>
-              </a:rPr>
-              <a:t>Definitions:</a:t>
-            </a:r>
-          </a:p>
-          <a:p>
-            <a:pPr marL="0" indent="0">
-              <a:lnSpc>
-                <a:spcPct val="120000"/>
-              </a:lnSpc>
-              <a:buNone/>
-            </a:pPr>
-            <a:r>
-              <a:rPr lang="en-US" sz="2000" dirty="0">
-                <a:latin typeface="Georgia" panose="02040502050405020303" pitchFamily="18" charset="0"/>
-              </a:rPr>
-              <a:t>Here, "low resource languages" is understood as any language that does not have open, available models for LLM, speech-to-text, and text-to-speech.</a:t>
-            </a:r>
-          </a:p>
-          <a:p>
-            <a:pPr marL="0" indent="0">
-              <a:lnSpc>
-                <a:spcPct val="120000"/>
-              </a:lnSpc>
-              <a:buNone/>
-            </a:pPr>
-            <a:r>
-              <a:rPr lang="en-US" sz="2000" dirty="0">
-                <a:latin typeface="Georgia" panose="02040502050405020303" pitchFamily="18" charset="0"/>
-              </a:rPr>
-              <a:t>By requiring a "stable" model, we require the solution to be independent of tone, volume, speed, or the speaker's gender.</a:t>
-            </a:r>
-          </a:p>
-          <a:p>
-            <a:pPr marL="0" indent="0">
-              <a:lnSpc>
-                <a:spcPct val="120000"/>
-              </a:lnSpc>
-              <a:buNone/>
-            </a:pPr>
-            <a:endParaRPr lang="en-US" sz="2000" dirty="0">
-              <a:latin typeface="Georgia" panose="02040502050405020303" pitchFamily="18" charset="0"/>
-            </a:endParaRPr>
-          </a:p>
-          <a:p>
-            <a:pPr marL="0" indent="0">
-              <a:lnSpc>
-                <a:spcPct val="120000"/>
-              </a:lnSpc>
-              <a:buNone/>
-            </a:pPr>
-            <a:endParaRPr lang="en-US" sz="2000" dirty="0">
-              <a:latin typeface="Georgia" panose="02040502050405020303" pitchFamily="18" charset="0"/>
-            </a:endParaRPr>
+            <a:endParaRPr lang="en-US" dirty="0"/>
           </a:p>
         </p:txBody>
       </p:sp>
@@ -3316,6 +3090,540 @@
       </p:grpSpPr>
       <p:pic>
         <p:nvPicPr>
+          <p:cNvPr id="8" name="Picture 7" descr="A blue screen with white text&#10;&#10;Description automatically generated">
+            <a:extLst>
+              <a:ext uri="{FF2B5EF4-FFF2-40B4-BE49-F238E27FC236}">
+                <a16:creationId xmlns:a16="http://schemas.microsoft.com/office/drawing/2014/main" id="{E7F9C644-372C-4FA3-F4F3-9C345306CB8B}"/>
+              </a:ext>
+            </a:extLst>
+          </p:cNvPr>
+          <p:cNvPicPr>
+            <a:picLocks noChangeAspect="1"/>
+          </p:cNvPicPr>
+          <p:nvPr/>
+        </p:nvPicPr>
+        <p:blipFill>
+          <a:blip r:embed="rId2">
+            <a:extLst>
+              <a:ext uri="{28A0092B-C50C-407E-A947-70E740481C1C}">
+                <a14:useLocalDpi xmlns:a14="http://schemas.microsoft.com/office/drawing/2010/main" val="0"/>
+              </a:ext>
+            </a:extLst>
+          </a:blip>
+          <a:stretch>
+            <a:fillRect/>
+          </a:stretch>
+        </p:blipFill>
+        <p:spPr>
+          <a:xfrm>
+            <a:off x="1068556" y="1258323"/>
+            <a:ext cx="4516159" cy="2743200"/>
+          </a:xfrm>
+          <a:prstGeom prst="rect">
+            <a:avLst/>
+          </a:prstGeom>
+        </p:spPr>
+      </p:pic>
+      <p:pic>
+        <p:nvPicPr>
+          <p:cNvPr id="10" name="Picture 9" descr="A blue screen with white lines&#10;&#10;Description automatically generated">
+            <a:extLst>
+              <a:ext uri="{FF2B5EF4-FFF2-40B4-BE49-F238E27FC236}">
+                <a16:creationId xmlns:a16="http://schemas.microsoft.com/office/drawing/2014/main" id="{A245FD1E-820E-5EE4-89E4-5F6CFBACC9FE}"/>
+              </a:ext>
+            </a:extLst>
+          </p:cNvPr>
+          <p:cNvPicPr>
+            <a:picLocks noChangeAspect="1"/>
+          </p:cNvPicPr>
+          <p:nvPr/>
+        </p:nvPicPr>
+        <p:blipFill>
+          <a:blip r:embed="rId3">
+            <a:extLst>
+              <a:ext uri="{28A0092B-C50C-407E-A947-70E740481C1C}">
+                <a14:useLocalDpi xmlns:a14="http://schemas.microsoft.com/office/drawing/2010/main" val="0"/>
+              </a:ext>
+            </a:extLst>
+          </a:blip>
+          <a:stretch>
+            <a:fillRect/>
+          </a:stretch>
+        </p:blipFill>
+        <p:spPr>
+          <a:xfrm>
+            <a:off x="1068556" y="4007128"/>
+            <a:ext cx="4516159" cy="2743200"/>
+          </a:xfrm>
+          <a:prstGeom prst="rect">
+            <a:avLst/>
+          </a:prstGeom>
+        </p:spPr>
+      </p:pic>
+      <p:pic>
+        <p:nvPicPr>
+          <p:cNvPr id="12" name="Picture 11" descr="A blue and white image of a wave&#10;&#10;Description automatically generated with medium confidence">
+            <a:extLst>
+              <a:ext uri="{FF2B5EF4-FFF2-40B4-BE49-F238E27FC236}">
+                <a16:creationId xmlns:a16="http://schemas.microsoft.com/office/drawing/2014/main" id="{4A46169D-2DC3-A375-A389-2B2C6E66794B}"/>
+              </a:ext>
+            </a:extLst>
+          </p:cNvPr>
+          <p:cNvPicPr>
+            <a:picLocks noChangeAspect="1"/>
+          </p:cNvPicPr>
+          <p:nvPr/>
+        </p:nvPicPr>
+        <p:blipFill>
+          <a:blip r:embed="rId4">
+            <a:extLst>
+              <a:ext uri="{28A0092B-C50C-407E-A947-70E740481C1C}">
+                <a14:useLocalDpi xmlns:a14="http://schemas.microsoft.com/office/drawing/2010/main" val="0"/>
+              </a:ext>
+            </a:extLst>
+          </a:blip>
+          <a:stretch>
+            <a:fillRect/>
+          </a:stretch>
+        </p:blipFill>
+        <p:spPr>
+          <a:xfrm>
+            <a:off x="6321562" y="1252718"/>
+            <a:ext cx="4516159" cy="2743200"/>
+          </a:xfrm>
+          <a:prstGeom prst="rect">
+            <a:avLst/>
+          </a:prstGeom>
+        </p:spPr>
+      </p:pic>
+      <p:pic>
+        <p:nvPicPr>
+          <p:cNvPr id="14" name="Picture 13" descr="A blue and white image of a blue sky&#10;&#10;Description automatically generated">
+            <a:extLst>
+              <a:ext uri="{FF2B5EF4-FFF2-40B4-BE49-F238E27FC236}">
+                <a16:creationId xmlns:a16="http://schemas.microsoft.com/office/drawing/2014/main" id="{7E329552-FB4F-D69E-7DAA-9146BFE83FF0}"/>
+              </a:ext>
+            </a:extLst>
+          </p:cNvPr>
+          <p:cNvPicPr>
+            <a:picLocks noChangeAspect="1"/>
+          </p:cNvPicPr>
+          <p:nvPr/>
+        </p:nvPicPr>
+        <p:blipFill>
+          <a:blip r:embed="rId5">
+            <a:extLst>
+              <a:ext uri="{28A0092B-C50C-407E-A947-70E740481C1C}">
+                <a14:useLocalDpi xmlns:a14="http://schemas.microsoft.com/office/drawing/2010/main" val="0"/>
+              </a:ext>
+            </a:extLst>
+          </a:blip>
+          <a:stretch>
+            <a:fillRect/>
+          </a:stretch>
+        </p:blipFill>
+        <p:spPr>
+          <a:xfrm>
+            <a:off x="6321563" y="4007128"/>
+            <a:ext cx="4516159" cy="2743200"/>
+          </a:xfrm>
+          <a:prstGeom prst="rect">
+            <a:avLst/>
+          </a:prstGeom>
+        </p:spPr>
+      </p:pic>
+      <p:sp>
+        <p:nvSpPr>
+          <p:cNvPr id="2" name="Title 1">
+            <a:extLst>
+              <a:ext uri="{FF2B5EF4-FFF2-40B4-BE49-F238E27FC236}">
+                <a16:creationId xmlns:a16="http://schemas.microsoft.com/office/drawing/2014/main" id="{7A70E42C-784C-06B8-1098-C67CB6E3A622}"/>
+              </a:ext>
+            </a:extLst>
+          </p:cNvPr>
+          <p:cNvSpPr txBox="1">
+            <a:spLocks/>
+          </p:cNvSpPr>
+          <p:nvPr/>
+        </p:nvSpPr>
+        <p:spPr>
+          <a:xfrm>
+            <a:off x="838200" y="107673"/>
+            <a:ext cx="10515600" cy="904382"/>
+          </a:xfrm>
+          <a:prstGeom prst="rect">
+            <a:avLst/>
+          </a:prstGeom>
+        </p:spPr>
+        <p:txBody>
+          <a:bodyPr vert="horz" lIns="91440" tIns="45720" rIns="91440" bIns="45720" rtlCol="0" anchor="b">
+            <a:normAutofit lnSpcReduction="10000"/>
+          </a:bodyPr>
+          <a:lstStyle>
+            <a:lvl1pPr algn="ctr" defTabSz="914400" rtl="0" eaLnBrk="1" latinLnBrk="0" hangingPunct="1">
+              <a:lnSpc>
+                <a:spcPct val="90000"/>
+              </a:lnSpc>
+              <a:spcBef>
+                <a:spcPct val="0"/>
+              </a:spcBef>
+              <a:buNone/>
+              <a:defRPr sz="6000" kern="1200">
+                <a:solidFill>
+                  <a:schemeClr val="tx1"/>
+                </a:solidFill>
+                <a:latin typeface="+mj-lt"/>
+                <a:ea typeface="+mj-ea"/>
+                <a:cs typeface="+mj-cs"/>
+              </a:defRPr>
+            </a:lvl1pPr>
+          </a:lstStyle>
+          <a:p>
+            <a:r>
+              <a:rPr lang="en-US" dirty="0"/>
+              <a:t>Explore/Visualize the Data</a:t>
+            </a:r>
+          </a:p>
+        </p:txBody>
+      </p:sp>
+      <p:cxnSp>
+        <p:nvCxnSpPr>
+          <p:cNvPr id="4" name="Straight Connector 3">
+            <a:extLst>
+              <a:ext uri="{FF2B5EF4-FFF2-40B4-BE49-F238E27FC236}">
+                <a16:creationId xmlns:a16="http://schemas.microsoft.com/office/drawing/2014/main" id="{51827DB4-BE73-5EA9-14B4-31040FF5A17B}"/>
+              </a:ext>
+            </a:extLst>
+          </p:cNvPr>
+          <p:cNvCxnSpPr/>
+          <p:nvPr/>
+        </p:nvCxnSpPr>
+        <p:spPr>
+          <a:xfrm>
+            <a:off x="5930283" y="1340528"/>
+            <a:ext cx="0" cy="5255581"/>
+          </a:xfrm>
+          <a:prstGeom prst="line">
+            <a:avLst/>
+          </a:prstGeom>
+        </p:spPr>
+        <p:style>
+          <a:lnRef idx="2">
+            <a:schemeClr val="accent1"/>
+          </a:lnRef>
+          <a:fillRef idx="0">
+            <a:schemeClr val="accent1"/>
+          </a:fillRef>
+          <a:effectRef idx="1">
+            <a:schemeClr val="accent1"/>
+          </a:effectRef>
+          <a:fontRef idx="minor">
+            <a:schemeClr val="tx1"/>
+          </a:fontRef>
+        </p:style>
+      </p:cxnSp>
+    </p:spTree>
+    <p:extLst>
+      <p:ext uri="{BB962C8B-B14F-4D97-AF65-F5344CB8AC3E}">
+        <p14:creationId xmlns:p14="http://schemas.microsoft.com/office/powerpoint/2010/main" val="406709977"/>
+      </p:ext>
+    </p:extLst>
+  </p:cSld>
+  <p:clrMapOvr>
+    <a:masterClrMapping/>
+  </p:clrMapOvr>
+</p:sld>
+</file>
+
+<file path=ppt/slides/slide11.xml><?xml version="1.0" encoding="utf-8"?>
+<p:sld xmlns:a="http://schemas.openxmlformats.org/drawingml/2006/main" xmlns:r="http://schemas.openxmlformats.org/officeDocument/2006/relationships" xmlns:p="http://schemas.openxmlformats.org/presentationml/2006/main">
+  <p:cSld>
+    <p:spTree>
+      <p:nvGrpSpPr>
+        <p:cNvPr id="1" name="">
+          <a:extLst>
+            <a:ext uri="{FF2B5EF4-FFF2-40B4-BE49-F238E27FC236}">
+              <a16:creationId xmlns:a16="http://schemas.microsoft.com/office/drawing/2014/main" id="{D746CA25-8F29-C17A-1739-2757EE0165E1}"/>
+            </a:ext>
+          </a:extLst>
+        </p:cNvPr>
+        <p:cNvGrpSpPr/>
+        <p:nvPr/>
+      </p:nvGrpSpPr>
+      <p:grpSpPr>
+        <a:xfrm>
+          <a:off x="0" y="0"/>
+          <a:ext cx="0" cy="0"/>
+          <a:chOff x="0" y="0"/>
+          <a:chExt cx="0" cy="0"/>
+        </a:xfrm>
+      </p:grpSpPr>
+      <p:pic>
+        <p:nvPicPr>
+          <p:cNvPr id="12" name="Picture 11" descr="A blue and white image of a wave&#10;&#10;Description automatically generated with medium confidence">
+            <a:extLst>
+              <a:ext uri="{FF2B5EF4-FFF2-40B4-BE49-F238E27FC236}">
+                <a16:creationId xmlns:a16="http://schemas.microsoft.com/office/drawing/2014/main" id="{6270F3C5-4E1A-2370-BAB4-F8148644A697}"/>
+              </a:ext>
+            </a:extLst>
+          </p:cNvPr>
+          <p:cNvPicPr>
+            <a:picLocks noChangeAspect="1"/>
+          </p:cNvPicPr>
+          <p:nvPr/>
+        </p:nvPicPr>
+        <p:blipFill>
+          <a:blip r:embed="rId2">
+            <a:extLst>
+              <a:ext uri="{28A0092B-C50C-407E-A947-70E740481C1C}">
+                <a14:useLocalDpi xmlns:a14="http://schemas.microsoft.com/office/drawing/2010/main" val="0"/>
+              </a:ext>
+            </a:extLst>
+          </a:blip>
+          <a:stretch>
+            <a:fillRect/>
+          </a:stretch>
+        </p:blipFill>
+        <p:spPr>
+          <a:xfrm>
+            <a:off x="6837641" y="1228055"/>
+            <a:ext cx="4516159" cy="2743200"/>
+          </a:xfrm>
+          <a:prstGeom prst="rect">
+            <a:avLst/>
+          </a:prstGeom>
+        </p:spPr>
+      </p:pic>
+      <p:pic>
+        <p:nvPicPr>
+          <p:cNvPr id="14" name="Picture 13" descr="A blue and white image of a blue sky&#10;&#10;Description automatically generated">
+            <a:extLst>
+              <a:ext uri="{FF2B5EF4-FFF2-40B4-BE49-F238E27FC236}">
+                <a16:creationId xmlns:a16="http://schemas.microsoft.com/office/drawing/2014/main" id="{4CA9E09A-54DE-C81E-7B69-CAD260C0BF7C}"/>
+              </a:ext>
+            </a:extLst>
+          </p:cNvPr>
+          <p:cNvPicPr>
+            <a:picLocks noChangeAspect="1"/>
+          </p:cNvPicPr>
+          <p:nvPr/>
+        </p:nvPicPr>
+        <p:blipFill>
+          <a:blip r:embed="rId3">
+            <a:extLst>
+              <a:ext uri="{28A0092B-C50C-407E-A947-70E740481C1C}">
+                <a14:useLocalDpi xmlns:a14="http://schemas.microsoft.com/office/drawing/2010/main" val="0"/>
+              </a:ext>
+            </a:extLst>
+          </a:blip>
+          <a:stretch>
+            <a:fillRect/>
+          </a:stretch>
+        </p:blipFill>
+        <p:spPr>
+          <a:xfrm>
+            <a:off x="6837641" y="3971255"/>
+            <a:ext cx="4516159" cy="2743200"/>
+          </a:xfrm>
+          <a:prstGeom prst="rect">
+            <a:avLst/>
+          </a:prstGeom>
+        </p:spPr>
+      </p:pic>
+      <p:pic>
+        <p:nvPicPr>
+          <p:cNvPr id="2" name="Picture 1" descr="A blue and red graph&#10;&#10;Description automatically generated with medium confidence">
+            <a:extLst>
+              <a:ext uri="{FF2B5EF4-FFF2-40B4-BE49-F238E27FC236}">
+                <a16:creationId xmlns:a16="http://schemas.microsoft.com/office/drawing/2014/main" id="{0C80AD77-773F-2C2F-0D8A-A180B8A927FB}"/>
+              </a:ext>
+            </a:extLst>
+          </p:cNvPr>
+          <p:cNvPicPr>
+            <a:picLocks noChangeAspect="1"/>
+          </p:cNvPicPr>
+          <p:nvPr/>
+        </p:nvPicPr>
+        <p:blipFill>
+          <a:blip r:embed="rId4">
+            <a:extLst>
+              <a:ext uri="{28A0092B-C50C-407E-A947-70E740481C1C}">
+                <a14:useLocalDpi xmlns:a14="http://schemas.microsoft.com/office/drawing/2010/main" val="0"/>
+              </a:ext>
+            </a:extLst>
+          </a:blip>
+          <a:stretch>
+            <a:fillRect/>
+          </a:stretch>
+        </p:blipFill>
+        <p:spPr>
+          <a:xfrm>
+            <a:off x="663697" y="1228055"/>
+            <a:ext cx="4690663" cy="2743200"/>
+          </a:xfrm>
+          <a:prstGeom prst="rect">
+            <a:avLst/>
+          </a:prstGeom>
+        </p:spPr>
+      </p:pic>
+      <p:pic>
+        <p:nvPicPr>
+          <p:cNvPr id="3" name="Picture 2" descr="A blue and white screen&#10;&#10;Description automatically generated with medium confidence">
+            <a:extLst>
+              <a:ext uri="{FF2B5EF4-FFF2-40B4-BE49-F238E27FC236}">
+                <a16:creationId xmlns:a16="http://schemas.microsoft.com/office/drawing/2014/main" id="{30B9829C-8B3E-5BAF-377C-626A31DE698B}"/>
+              </a:ext>
+            </a:extLst>
+          </p:cNvPr>
+          <p:cNvPicPr>
+            <a:picLocks noChangeAspect="1"/>
+          </p:cNvPicPr>
+          <p:nvPr/>
+        </p:nvPicPr>
+        <p:blipFill>
+          <a:blip r:embed="rId5">
+            <a:extLst>
+              <a:ext uri="{28A0092B-C50C-407E-A947-70E740481C1C}">
+                <a14:useLocalDpi xmlns:a14="http://schemas.microsoft.com/office/drawing/2010/main" val="0"/>
+              </a:ext>
+            </a:extLst>
+          </a:blip>
+          <a:stretch>
+            <a:fillRect/>
+          </a:stretch>
+        </p:blipFill>
+        <p:spPr>
+          <a:xfrm>
+            <a:off x="663697" y="3971255"/>
+            <a:ext cx="4516159" cy="2743200"/>
+          </a:xfrm>
+          <a:prstGeom prst="rect">
+            <a:avLst/>
+          </a:prstGeom>
+        </p:spPr>
+      </p:pic>
+      <p:sp>
+        <p:nvSpPr>
+          <p:cNvPr id="4" name="Title 1">
+            <a:extLst>
+              <a:ext uri="{FF2B5EF4-FFF2-40B4-BE49-F238E27FC236}">
+                <a16:creationId xmlns:a16="http://schemas.microsoft.com/office/drawing/2014/main" id="{A533C506-1A60-BFF2-0756-82D2EE2181B2}"/>
+              </a:ext>
+            </a:extLst>
+          </p:cNvPr>
+          <p:cNvSpPr txBox="1">
+            <a:spLocks/>
+          </p:cNvSpPr>
+          <p:nvPr/>
+        </p:nvSpPr>
+        <p:spPr>
+          <a:xfrm>
+            <a:off x="838200" y="107673"/>
+            <a:ext cx="10515600" cy="904382"/>
+          </a:xfrm>
+          <a:prstGeom prst="rect">
+            <a:avLst/>
+          </a:prstGeom>
+        </p:spPr>
+        <p:txBody>
+          <a:bodyPr vert="horz" lIns="91440" tIns="45720" rIns="91440" bIns="45720" rtlCol="0" anchor="b">
+            <a:normAutofit lnSpcReduction="10000"/>
+          </a:bodyPr>
+          <a:lstStyle>
+            <a:lvl1pPr algn="ctr" defTabSz="914400" rtl="0" eaLnBrk="1" latinLnBrk="0" hangingPunct="1">
+              <a:lnSpc>
+                <a:spcPct val="90000"/>
+              </a:lnSpc>
+              <a:spcBef>
+                <a:spcPct val="0"/>
+              </a:spcBef>
+              <a:buNone/>
+              <a:defRPr sz="6000" kern="1200">
+                <a:solidFill>
+                  <a:schemeClr val="tx1"/>
+                </a:solidFill>
+                <a:latin typeface="+mj-lt"/>
+                <a:ea typeface="+mj-ea"/>
+                <a:cs typeface="+mj-cs"/>
+              </a:defRPr>
+            </a:lvl1pPr>
+          </a:lstStyle>
+          <a:p>
+            <a:r>
+              <a:rPr lang="en-US" dirty="0"/>
+              <a:t>Explore/Visualize the Data</a:t>
+            </a:r>
+          </a:p>
+        </p:txBody>
+      </p:sp>
+      <p:cxnSp>
+        <p:nvCxnSpPr>
+          <p:cNvPr id="5" name="Straight Connector 4">
+            <a:extLst>
+              <a:ext uri="{FF2B5EF4-FFF2-40B4-BE49-F238E27FC236}">
+                <a16:creationId xmlns:a16="http://schemas.microsoft.com/office/drawing/2014/main" id="{72BB3B03-ECDC-7AAD-0295-C49BFBB327E3}"/>
+              </a:ext>
+            </a:extLst>
+          </p:cNvPr>
+          <p:cNvCxnSpPr/>
+          <p:nvPr/>
+        </p:nvCxnSpPr>
+        <p:spPr>
+          <a:xfrm>
+            <a:off x="5930283" y="1340528"/>
+            <a:ext cx="0" cy="5255581"/>
+          </a:xfrm>
+          <a:prstGeom prst="line">
+            <a:avLst/>
+          </a:prstGeom>
+        </p:spPr>
+        <p:style>
+          <a:lnRef idx="2">
+            <a:schemeClr val="accent1"/>
+          </a:lnRef>
+          <a:fillRef idx="0">
+            <a:schemeClr val="accent1"/>
+          </a:fillRef>
+          <a:effectRef idx="1">
+            <a:schemeClr val="accent1"/>
+          </a:effectRef>
+          <a:fontRef idx="minor">
+            <a:schemeClr val="tx1"/>
+          </a:fontRef>
+        </p:style>
+      </p:cxnSp>
+    </p:spTree>
+    <p:extLst>
+      <p:ext uri="{BB962C8B-B14F-4D97-AF65-F5344CB8AC3E}">
+        <p14:creationId xmlns:p14="http://schemas.microsoft.com/office/powerpoint/2010/main" val="1935979333"/>
+      </p:ext>
+    </p:extLst>
+  </p:cSld>
+  <p:clrMapOvr>
+    <a:masterClrMapping/>
+  </p:clrMapOvr>
+</p:sld>
+</file>
+
+<file path=ppt/slides/slide12.xml><?xml version="1.0" encoding="utf-8"?>
+<p:sld xmlns:a="http://schemas.openxmlformats.org/drawingml/2006/main" xmlns:r="http://schemas.openxmlformats.org/officeDocument/2006/relationships" xmlns:p="http://schemas.openxmlformats.org/presentationml/2006/main">
+  <p:cSld>
+    <p:spTree>
+      <p:nvGrpSpPr>
+        <p:cNvPr id="1" name=""/>
+        <p:cNvGrpSpPr/>
+        <p:nvPr/>
+      </p:nvGrpSpPr>
+      <p:grpSpPr>
+        <a:xfrm>
+          <a:off x="0" y="0"/>
+          <a:ext cx="0" cy="0"/>
+          <a:chOff x="0" y="0"/>
+          <a:chExt cx="0" cy="0"/>
+        </a:xfrm>
+      </p:grpSpPr>
+      <p:pic>
+        <p:nvPicPr>
           <p:cNvPr id="5" name="Picture 4" descr="A blue and red graph&#10;&#10;Description automatically generated with medium confidence">
             <a:extLst>
               <a:ext uri="{FF2B5EF4-FFF2-40B4-BE49-F238E27FC236}">
@@ -3561,7 +3869,7 @@
 </p:sld>
 </file>
 
-<file path=ppt/slides/slide11.xml><?xml version="1.0" encoding="utf-8"?>
+<file path=ppt/slides/slide13.xml><?xml version="1.0" encoding="utf-8"?>
 <p:sld xmlns:a="http://schemas.openxmlformats.org/drawingml/2006/main" xmlns:r="http://schemas.openxmlformats.org/officeDocument/2006/relationships" xmlns:p="http://schemas.openxmlformats.org/presentationml/2006/main">
   <p:cSld>
     <p:spTree>
@@ -3687,7 +3995,7 @@
 </p:sld>
 </file>
 
-<file path=ppt/slides/slide12.xml><?xml version="1.0" encoding="utf-8"?>
+<file path=ppt/slides/slide14.xml><?xml version="1.0" encoding="utf-8"?>
 <p:sld xmlns:a="http://schemas.openxmlformats.org/drawingml/2006/main" xmlns:r="http://schemas.openxmlformats.org/officeDocument/2006/relationships" xmlns:p="http://schemas.openxmlformats.org/presentationml/2006/main">
   <p:cSld>
     <p:spTree>
@@ -3781,31 +4089,37 @@
               <a:rPr lang="en-US" sz="1600" dirty="0">
                 <a:latin typeface="Georgia" panose="02040502050405020303" pitchFamily="18" charset="0"/>
               </a:rPr>
-              <a:t>We can start with an off-the-shelf solution (`</a:t>
-            </a:r>
-            <a:r>
-              <a:rPr lang="en-US" sz="1600" dirty="0" err="1">
+              <a:t>We can start with an off-the-shelf solution (</a:t>
+            </a:r>
+            <a:r>
+              <a:rPr lang="en-US" sz="1600" b="1" dirty="0" err="1">
                 <a:latin typeface="Georgia" panose="02040502050405020303" pitchFamily="18" charset="0"/>
               </a:rPr>
               <a:t>librosa</a:t>
             </a:r>
             <a:r>
+              <a:rPr lang="en-US" sz="1600" b="1" dirty="0">
+                <a:latin typeface="Georgia" panose="02040502050405020303" pitchFamily="18" charset="0"/>
+              </a:rPr>
+              <a:t> </a:t>
+            </a:r>
+            <a:r>
+              <a:rPr lang="en-US" sz="1600" b="1" dirty="0" err="1">
+                <a:latin typeface="Georgia" panose="02040502050405020303" pitchFamily="18" charset="0"/>
+              </a:rPr>
+              <a:t>mfcc</a:t>
+            </a:r>
+            <a:r>
+              <a:rPr lang="en-US" sz="1600" b="1" dirty="0">
+                <a:latin typeface="Georgia" panose="02040502050405020303" pitchFamily="18" charset="0"/>
+              </a:rPr>
+              <a:t> </a:t>
+            </a:r>
+            <a:r>
               <a:rPr lang="en-US" sz="1600" dirty="0">
                 <a:latin typeface="Georgia" panose="02040502050405020303" pitchFamily="18" charset="0"/>
               </a:rPr>
-              <a:t>` </a:t>
-            </a:r>
-            <a:r>
-              <a:rPr lang="en-US" sz="1600" dirty="0" err="1">
-                <a:latin typeface="Georgia" panose="02040502050405020303" pitchFamily="18" charset="0"/>
-              </a:rPr>
-              <a:t>mfcc</a:t>
-            </a:r>
-            <a:r>
-              <a:rPr lang="en-US" sz="1600" dirty="0">
-                <a:latin typeface="Georgia" panose="02040502050405020303" pitchFamily="18" charset="0"/>
-              </a:rPr>
-              <a:t> feature extraction):</a:t>
+              <a:t>feature extraction):</a:t>
             </a:r>
           </a:p>
           <a:p>
@@ -3819,7 +4133,7 @@
               <a:rPr lang="en-US" sz="1600" dirty="0">
                 <a:latin typeface="Georgia" panose="02040502050405020303" pitchFamily="18" charset="0"/>
               </a:rPr>
-              <a:t>✔ This solution correctly identifies the correct forms, </a:t>
+              <a:t> ✔  This solution correctly identifies the correct forms, </a:t>
             </a:r>
           </a:p>
           <a:p>
@@ -3873,7 +4187,7 @@
               <a:rPr lang="en-US" sz="1600" dirty="0">
                 <a:latin typeface="Georgia" panose="02040502050405020303" pitchFamily="18" charset="0"/>
               </a:rPr>
-              <a:t>No clustering!</a:t>
+              <a:t>❌ No clustering!</a:t>
             </a:r>
           </a:p>
           <a:p>
@@ -4115,7 +4429,7 @@
 </p:sld>
 </file>
 
-<file path=ppt/slides/slide13.xml><?xml version="1.0" encoding="utf-8"?>
+<file path=ppt/slides/slide15.xml><?xml version="1.0" encoding="utf-8"?>
 <p:sld xmlns:a="http://schemas.openxmlformats.org/drawingml/2006/main" xmlns:r="http://schemas.openxmlformats.org/officeDocument/2006/relationships" xmlns:p="http://schemas.openxmlformats.org/presentationml/2006/main">
   <p:cSld>
     <p:spTree>
@@ -4338,8 +4652,8 @@
         </p:blipFill>
         <p:spPr bwMode="auto">
           <a:xfrm>
-            <a:off x="5641702" y="2760954"/>
-            <a:ext cx="6362571" cy="3793831"/>
+            <a:off x="4706718" y="2203448"/>
+            <a:ext cx="7297555" cy="4351337"/>
           </a:xfrm>
           <a:prstGeom prst="rect">
             <a:avLst/>
@@ -4369,7 +4683,7 @@
 </p:sld>
 </file>
 
-<file path=ppt/slides/slide14.xml><?xml version="1.0" encoding="utf-8"?>
+<file path=ppt/slides/slide16.xml><?xml version="1.0" encoding="utf-8"?>
 <p:sld xmlns:a="http://schemas.openxmlformats.org/drawingml/2006/main" xmlns:r="http://schemas.openxmlformats.org/officeDocument/2006/relationships" xmlns:p="http://schemas.openxmlformats.org/presentationml/2006/main">
   <p:cSld>
     <p:spTree>
@@ -5552,7 +5866,7 @@
 </p:sld>
 </file>
 
-<file path=ppt/slides/slide15.xml><?xml version="1.0" encoding="utf-8"?>
+<file path=ppt/slides/slide17.xml><?xml version="1.0" encoding="utf-8"?>
 <p:sld xmlns:a="http://schemas.openxmlformats.org/drawingml/2006/main" xmlns:r="http://schemas.openxmlformats.org/officeDocument/2006/relationships" xmlns:p="http://schemas.openxmlformats.org/presentationml/2006/main">
   <p:cSld>
     <p:spTree>
@@ -5665,7 +5979,7 @@
 </p:sld>
 </file>
 
-<file path=ppt/slides/slide16.xml><?xml version="1.0" encoding="utf-8"?>
+<file path=ppt/slides/slide18.xml><?xml version="1.0" encoding="utf-8"?>
 <p:sld xmlns:a="http://schemas.openxmlformats.org/drawingml/2006/main" xmlns:r="http://schemas.openxmlformats.org/officeDocument/2006/relationships" xmlns:p="http://schemas.openxmlformats.org/presentationml/2006/main">
   <p:cSld>
     <p:spTree>
@@ -6275,7 +6589,7 @@
 </p:sld>
 </file>
 
-<file path=ppt/slides/slide17.xml><?xml version="1.0" encoding="utf-8"?>
+<file path=ppt/slides/slide19.xml><?xml version="1.0" encoding="utf-8"?>
 <p:sld xmlns:a="http://schemas.openxmlformats.org/drawingml/2006/main" xmlns:r="http://schemas.openxmlformats.org/officeDocument/2006/relationships" xmlns:p="http://schemas.openxmlformats.org/presentationml/2006/main">
   <p:cSld>
     <p:spTree>
@@ -6506,313 +6820,12 @@
 </p:sld>
 </file>
 
-<file path=ppt/slides/slide18.xml><?xml version="1.0" encoding="utf-8"?>
-<p:sld xmlns:a="http://schemas.openxmlformats.org/drawingml/2006/main" xmlns:r="http://schemas.openxmlformats.org/officeDocument/2006/relationships" xmlns:p="http://schemas.openxmlformats.org/presentationml/2006/main">
-  <p:cSld>
-    <p:spTree>
-      <p:nvGrpSpPr>
-        <p:cNvPr id="1" name="">
-          <a:extLst>
-            <a:ext uri="{FF2B5EF4-FFF2-40B4-BE49-F238E27FC236}">
-              <a16:creationId xmlns:a16="http://schemas.microsoft.com/office/drawing/2014/main" id="{CC7E3022-3B2F-6FDA-625E-13B6BF180F33}"/>
-            </a:ext>
-          </a:extLst>
-        </p:cNvPr>
-        <p:cNvGrpSpPr/>
-        <p:nvPr/>
-      </p:nvGrpSpPr>
-      <p:grpSpPr>
-        <a:xfrm>
-          <a:off x="0" y="0"/>
-          <a:ext cx="0" cy="0"/>
-          <a:chOff x="0" y="0"/>
-          <a:chExt cx="0" cy="0"/>
-        </a:xfrm>
-      </p:grpSpPr>
-      <p:sp>
-        <p:nvSpPr>
-          <p:cNvPr id="2" name="Title 1">
-            <a:extLst>
-              <a:ext uri="{FF2B5EF4-FFF2-40B4-BE49-F238E27FC236}">
-                <a16:creationId xmlns:a16="http://schemas.microsoft.com/office/drawing/2014/main" id="{1616F352-A1FD-9AC3-C2D8-F257043EE1FB}"/>
-              </a:ext>
-            </a:extLst>
-          </p:cNvPr>
-          <p:cNvSpPr>
-            <a:spLocks noGrp="1"/>
-          </p:cNvSpPr>
-          <p:nvPr>
-            <p:ph type="title"/>
-          </p:nvPr>
-        </p:nvSpPr>
-        <p:spPr/>
-        <p:txBody>
-          <a:bodyPr/>
-          <a:lstStyle/>
-          <a:p>
-            <a:endParaRPr lang="en-US"/>
-          </a:p>
-        </p:txBody>
-      </p:sp>
-      <p:pic>
-        <p:nvPicPr>
-          <p:cNvPr id="5" name="Content Placeholder 4" descr="A blue and white image of a blue and white image&#10;&#10;Description automatically generated with medium confidence">
-            <a:extLst>
-              <a:ext uri="{FF2B5EF4-FFF2-40B4-BE49-F238E27FC236}">
-                <a16:creationId xmlns:a16="http://schemas.microsoft.com/office/drawing/2014/main" id="{AEFF6EBC-4582-F4B4-E0B9-27B26E900D50}"/>
-              </a:ext>
-            </a:extLst>
-          </p:cNvPr>
-          <p:cNvPicPr>
-            <a:picLocks noGrp="1" noChangeAspect="1"/>
-          </p:cNvPicPr>
-          <p:nvPr>
-            <p:ph idx="1"/>
-          </p:nvPr>
-        </p:nvPicPr>
-        <p:blipFill>
-          <a:blip r:embed="rId2">
-            <a:extLst>
-              <a:ext uri="{28A0092B-C50C-407E-A947-70E740481C1C}">
-                <a14:useLocalDpi xmlns:a14="http://schemas.microsoft.com/office/drawing/2010/main" val="0"/>
-              </a:ext>
-            </a:extLst>
-          </a:blip>
-          <a:stretch>
-            <a:fillRect/>
-          </a:stretch>
-        </p:blipFill>
-        <p:spPr>
-          <a:xfrm>
-            <a:off x="136840" y="719219"/>
-            <a:ext cx="7260350" cy="4297689"/>
-          </a:xfrm>
-        </p:spPr>
-      </p:pic>
-      <p:pic>
-        <p:nvPicPr>
-          <p:cNvPr id="7" name="Picture 6" descr="A graph of a diagram&#10;&#10;Description automatically generated with medium confidence">
-            <a:extLst>
-              <a:ext uri="{FF2B5EF4-FFF2-40B4-BE49-F238E27FC236}">
-                <a16:creationId xmlns:a16="http://schemas.microsoft.com/office/drawing/2014/main" id="{A5E2141A-5D92-F445-D832-8DC0809FFBC3}"/>
-              </a:ext>
-            </a:extLst>
-          </p:cNvPr>
-          <p:cNvPicPr>
-            <a:picLocks noChangeAspect="1"/>
-          </p:cNvPicPr>
-          <p:nvPr/>
-        </p:nvPicPr>
-        <p:blipFill>
-          <a:blip r:embed="rId3">
-            <a:extLst>
-              <a:ext uri="{28A0092B-C50C-407E-A947-70E740481C1C}">
-                <a14:useLocalDpi xmlns:a14="http://schemas.microsoft.com/office/drawing/2010/main" val="0"/>
-              </a:ext>
-            </a:extLst>
-          </a:blip>
-          <a:stretch>
-            <a:fillRect/>
-          </a:stretch>
-        </p:blipFill>
-        <p:spPr>
-          <a:xfrm>
-            <a:off x="4404041" y="2319601"/>
-            <a:ext cx="7260350" cy="4297689"/>
-          </a:xfrm>
-          <a:prstGeom prst="rect">
-            <a:avLst/>
-          </a:prstGeom>
-        </p:spPr>
-      </p:pic>
-    </p:spTree>
-    <p:extLst>
-      <p:ext uri="{BB962C8B-B14F-4D97-AF65-F5344CB8AC3E}">
-        <p14:creationId xmlns:p14="http://schemas.microsoft.com/office/powerpoint/2010/main" val="2448811001"/>
-      </p:ext>
-    </p:extLst>
-  </p:cSld>
-  <p:clrMapOvr>
-    <a:masterClrMapping/>
-  </p:clrMapOvr>
-</p:sld>
-</file>
-
-<file path=ppt/slides/slide19.xml><?xml version="1.0" encoding="utf-8"?>
-<p:sld xmlns:a="http://schemas.openxmlformats.org/drawingml/2006/main" xmlns:r="http://schemas.openxmlformats.org/officeDocument/2006/relationships" xmlns:p="http://schemas.openxmlformats.org/presentationml/2006/main">
-  <p:cSld>
-    <p:spTree>
-      <p:nvGrpSpPr>
-        <p:cNvPr id="1" name="">
-          <a:extLst>
-            <a:ext uri="{FF2B5EF4-FFF2-40B4-BE49-F238E27FC236}">
-              <a16:creationId xmlns:a16="http://schemas.microsoft.com/office/drawing/2014/main" id="{69C0BB8F-1C12-475B-DE8B-409D64EE5634}"/>
-            </a:ext>
-          </a:extLst>
-        </p:cNvPr>
-        <p:cNvGrpSpPr/>
-        <p:nvPr/>
-      </p:nvGrpSpPr>
-      <p:grpSpPr>
-        <a:xfrm>
-          <a:off x="0" y="0"/>
-          <a:ext cx="0" cy="0"/>
-          <a:chOff x="0" y="0"/>
-          <a:chExt cx="0" cy="0"/>
-        </a:xfrm>
-      </p:grpSpPr>
-      <p:sp>
-        <p:nvSpPr>
-          <p:cNvPr id="5" name="Title 4">
-            <a:extLst>
-              <a:ext uri="{FF2B5EF4-FFF2-40B4-BE49-F238E27FC236}">
-                <a16:creationId xmlns:a16="http://schemas.microsoft.com/office/drawing/2014/main" id="{A50DCD4F-5E8A-D92B-8E32-5331D495A20F}"/>
-              </a:ext>
-            </a:extLst>
-          </p:cNvPr>
-          <p:cNvSpPr>
-            <a:spLocks noGrp="1"/>
-          </p:cNvSpPr>
-          <p:nvPr>
-            <p:ph type="title"/>
-          </p:nvPr>
-        </p:nvSpPr>
-        <p:spPr/>
-        <p:txBody>
-          <a:bodyPr/>
-          <a:lstStyle/>
-          <a:p>
-            <a:endParaRPr lang="en-US"/>
-          </a:p>
-        </p:txBody>
-      </p:sp>
-      <p:pic>
-        <p:nvPicPr>
-          <p:cNvPr id="13" name="Picture 12">
-            <a:extLst>
-              <a:ext uri="{FF2B5EF4-FFF2-40B4-BE49-F238E27FC236}">
-                <a16:creationId xmlns:a16="http://schemas.microsoft.com/office/drawing/2014/main" id="{B096510C-D60E-FD56-3EE0-BDD2861BA242}"/>
-              </a:ext>
-            </a:extLst>
-          </p:cNvPr>
-          <p:cNvPicPr>
-            <a:picLocks noChangeAspect="1"/>
-          </p:cNvPicPr>
-          <p:nvPr/>
-        </p:nvPicPr>
-        <p:blipFill>
-          <a:blip r:embed="rId2"/>
-          <a:stretch>
-            <a:fillRect/>
-          </a:stretch>
-        </p:blipFill>
-        <p:spPr>
-          <a:xfrm>
-            <a:off x="7086515" y="1133230"/>
-            <a:ext cx="4267285" cy="4253695"/>
-          </a:xfrm>
-          <a:prstGeom prst="rect">
-            <a:avLst/>
-          </a:prstGeom>
-        </p:spPr>
-      </p:pic>
-      <p:pic>
-        <p:nvPicPr>
-          <p:cNvPr id="1030" name="Picture 6" descr="The beginning of the Face ID set up process">
-            <a:extLst>
-              <a:ext uri="{FF2B5EF4-FFF2-40B4-BE49-F238E27FC236}">
-                <a16:creationId xmlns:a16="http://schemas.microsoft.com/office/drawing/2014/main" id="{501E58C3-0169-8B80-58B9-F53E482E7712}"/>
-              </a:ext>
-            </a:extLst>
-          </p:cNvPr>
-          <p:cNvPicPr>
-            <a:picLocks noChangeAspect="1" noChangeArrowheads="1"/>
-          </p:cNvPicPr>
-          <p:nvPr/>
-        </p:nvPicPr>
-        <p:blipFill>
-          <a:blip r:embed="rId3">
-            <a:extLst>
-              <a:ext uri="{28A0092B-C50C-407E-A947-70E740481C1C}">
-                <a14:useLocalDpi xmlns:a14="http://schemas.microsoft.com/office/drawing/2010/main" val="0"/>
-              </a:ext>
-            </a:extLst>
-          </a:blip>
-          <a:srcRect/>
-          <a:stretch>
-            <a:fillRect/>
-          </a:stretch>
-        </p:blipFill>
-        <p:spPr bwMode="auto">
-          <a:xfrm>
-            <a:off x="1197727" y="447258"/>
-            <a:ext cx="2904437" cy="5963482"/>
-          </a:xfrm>
-          <a:prstGeom prst="rect">
-            <a:avLst/>
-          </a:prstGeom>
-          <a:noFill/>
-          <a:extLst>
-            <a:ext uri="{909E8E84-426E-40DD-AFC4-6F175D3DCCD1}">
-              <a14:hiddenFill xmlns:a14="http://schemas.microsoft.com/office/drawing/2010/main">
-                <a:solidFill>
-                  <a:srgbClr val="FFFFFF"/>
-                </a:solidFill>
-              </a14:hiddenFill>
-            </a:ext>
-          </a:extLst>
-        </p:spPr>
-      </p:pic>
-      <p:sp>
-        <p:nvSpPr>
-          <p:cNvPr id="3" name="Content Placeholder 2">
-            <a:extLst>
-              <a:ext uri="{FF2B5EF4-FFF2-40B4-BE49-F238E27FC236}">
-                <a16:creationId xmlns:a16="http://schemas.microsoft.com/office/drawing/2014/main" id="{6B10AC7B-6410-2D6E-8B7E-0E7C6745135B}"/>
-              </a:ext>
-            </a:extLst>
-          </p:cNvPr>
-          <p:cNvSpPr>
-            <a:spLocks noGrp="1"/>
-          </p:cNvSpPr>
-          <p:nvPr>
-            <p:ph idx="1"/>
-          </p:nvPr>
-        </p:nvSpPr>
-        <p:spPr/>
-        <p:txBody>
-          <a:bodyPr/>
-          <a:lstStyle/>
-          <a:p>
-            <a:endParaRPr lang="en-US" dirty="0"/>
-          </a:p>
-        </p:txBody>
-      </p:sp>
-    </p:spTree>
-    <p:extLst>
-      <p:ext uri="{BB962C8B-B14F-4D97-AF65-F5344CB8AC3E}">
-        <p14:creationId xmlns:p14="http://schemas.microsoft.com/office/powerpoint/2010/main" val="3540504646"/>
-      </p:ext>
-    </p:extLst>
-  </p:cSld>
-  <p:clrMapOvr>
-    <a:masterClrMapping/>
-  </p:clrMapOvr>
-</p:sld>
-</file>
-
 <file path=ppt/slides/slide2.xml><?xml version="1.0" encoding="utf-8"?>
 <p:sld xmlns:a="http://schemas.openxmlformats.org/drawingml/2006/main" xmlns:r="http://schemas.openxmlformats.org/officeDocument/2006/relationships" xmlns:p="http://schemas.openxmlformats.org/presentationml/2006/main">
   <p:cSld>
     <p:spTree>
       <p:nvGrpSpPr>
-        <p:cNvPr id="1" name="">
-          <a:extLst>
-            <a:ext uri="{FF2B5EF4-FFF2-40B4-BE49-F238E27FC236}">
-              <a16:creationId xmlns:a16="http://schemas.microsoft.com/office/drawing/2014/main" id="{97C0E83A-6F52-BF5D-795A-D800AC06C377}"/>
-            </a:ext>
-          </a:extLst>
-        </p:cNvPr>
+        <p:cNvPr id="1" name=""/>
         <p:cNvGrpSpPr/>
         <p:nvPr/>
       </p:nvGrpSpPr>
@@ -6829,7 +6842,7 @@
           <p:cNvPr id="4" name="Picture 3" descr="A red and white tag with white text&#10;&#10;Description automatically generated">
             <a:extLst>
               <a:ext uri="{FF2B5EF4-FFF2-40B4-BE49-F238E27FC236}">
-                <a16:creationId xmlns:a16="http://schemas.microsoft.com/office/drawing/2014/main" id="{3D627B4B-8EB7-DE39-02C0-F5DB71765DF7}"/>
+                <a16:creationId xmlns:a16="http://schemas.microsoft.com/office/drawing/2014/main" id="{313D0BEF-8832-B8D9-7049-8CC881A865DF}"/>
               </a:ext>
             </a:extLst>
           </p:cNvPr>
@@ -6893,7 +6906,7 @@
           <p:cNvPr id="2" name="Title 1">
             <a:extLst>
               <a:ext uri="{FF2B5EF4-FFF2-40B4-BE49-F238E27FC236}">
-                <a16:creationId xmlns:a16="http://schemas.microsoft.com/office/drawing/2014/main" id="{F48BAF01-A3E1-C6C6-CD1F-DACA7357555C}"/>
+                <a16:creationId xmlns:a16="http://schemas.microsoft.com/office/drawing/2014/main" id="{EA0BC1A9-8C74-C12D-AE26-0CECF3AC337F}"/>
               </a:ext>
             </a:extLst>
           </p:cNvPr>
@@ -6925,7 +6938,7 @@
           <p:cNvPr id="3" name="Content Placeholder 2">
             <a:extLst>
               <a:ext uri="{FF2B5EF4-FFF2-40B4-BE49-F238E27FC236}">
-                <a16:creationId xmlns:a16="http://schemas.microsoft.com/office/drawing/2014/main" id="{3DCB4847-4956-EC1B-6BA1-CF49E7545679}"/>
+                <a16:creationId xmlns:a16="http://schemas.microsoft.com/office/drawing/2014/main" id="{9079AC02-C927-3E35-AD9B-4E0DB5785BD8}"/>
               </a:ext>
             </a:extLst>
           </p:cNvPr>
@@ -6944,7 +6957,7 @@
         </p:spPr>
         <p:txBody>
           <a:bodyPr>
-            <a:normAutofit/>
+            <a:normAutofit fontScale="92500" lnSpcReduction="10000"/>
           </a:bodyPr>
           <a:lstStyle/>
           <a:p>
@@ -6954,9 +6967,30 @@
               </a:lnSpc>
               <a:buNone/>
             </a:pPr>
-            <a:endParaRPr lang="en-US" sz="2000" dirty="0">
-              <a:latin typeface="Georgia" panose="02040502050405020303" pitchFamily="18" charset="0"/>
-            </a:endParaRPr>
+            <a:r>
+              <a:rPr lang="en-US" sz="2000" b="1" dirty="0">
+                <a:latin typeface="Georgia" panose="02040502050405020303" pitchFamily="18" charset="0"/>
+              </a:rPr>
+              <a:t>Speech</a:t>
+            </a:r>
+            <a:r>
+              <a:rPr lang="en-US" sz="2000" dirty="0">
+                <a:latin typeface="Georgia" panose="02040502050405020303" pitchFamily="18" charset="0"/>
+              </a:rPr>
+              <a:t> is a primary part of the human/computer interaction </a:t>
+            </a:r>
+            <a:r>
+              <a:rPr lang="en-US" sz="2000" dirty="0" err="1">
+                <a:latin typeface="Georgia" panose="02040502050405020303" pitchFamily="18" charset="0"/>
+              </a:rPr>
+              <a:t>requried</a:t>
+            </a:r>
+            <a:r>
+              <a:rPr lang="en-US" sz="2000" dirty="0">
+                <a:latin typeface="Georgia" panose="02040502050405020303" pitchFamily="18" charset="0"/>
+              </a:rPr>
+              <a:t> for drafting/checking stages of Oral Bible Translation (OBT). And some Bible translation efforts target "low resource languages". As such, Bible translation software must understand spoken audio from low resource languages.</a:t>
+            </a:r>
           </a:p>
           <a:p>
             <a:pPr marL="0" indent="0">
@@ -6965,6 +6999,17 @@
               </a:lnSpc>
               <a:buNone/>
             </a:pPr>
+            <a:endParaRPr lang="en-US" sz="2000" dirty="0">
+              <a:latin typeface="Georgia" panose="02040502050405020303" pitchFamily="18" charset="0"/>
+            </a:endParaRPr>
+          </a:p>
+          <a:p>
+            <a:pPr marL="0" indent="0">
+              <a:lnSpc>
+                <a:spcPct val="120000"/>
+              </a:lnSpc>
+              <a:buNone/>
+            </a:pPr>
             <a:r>
               <a:rPr lang="en-US" sz="2000" b="1" dirty="0">
                 <a:latin typeface="Georgia" panose="02040502050405020303" pitchFamily="18" charset="0"/>
@@ -7022,16 +7067,69 @@
               </a:lnSpc>
               <a:buNone/>
             </a:pPr>
+            <a:r>
+              <a:rPr lang="en-US" sz="2000" b="1" dirty="0">
+                <a:latin typeface="Georgia" panose="02040502050405020303" pitchFamily="18" charset="0"/>
+              </a:rPr>
+              <a:t>Definitions:</a:t>
+            </a:r>
+          </a:p>
+          <a:p>
+            <a:pPr marL="0" indent="0">
+              <a:lnSpc>
+                <a:spcPct val="120000"/>
+              </a:lnSpc>
+              <a:buNone/>
+            </a:pPr>
+            <a:r>
+              <a:rPr lang="en-US" sz="2000" dirty="0">
+                <a:latin typeface="Georgia" panose="02040502050405020303" pitchFamily="18" charset="0"/>
+              </a:rPr>
+              <a:t>Here, "low resource languages" is understood as any language that does not have open, available models for LLM, speech-to-text, and text-to-speech.</a:t>
+            </a:r>
+          </a:p>
+          <a:p>
+            <a:pPr marL="0" indent="0">
+              <a:lnSpc>
+                <a:spcPct val="120000"/>
+              </a:lnSpc>
+              <a:buNone/>
+            </a:pPr>
+            <a:r>
+              <a:rPr lang="en-US" sz="2000" dirty="0">
+                <a:latin typeface="Georgia" panose="02040502050405020303" pitchFamily="18" charset="0"/>
+              </a:rPr>
+              <a:t>By requiring a "stable" model, we require the solution to be independent of tone, volume, speed, or the speaker's gender.</a:t>
+            </a:r>
+          </a:p>
+          <a:p>
+            <a:pPr marL="0" indent="0">
+              <a:lnSpc>
+                <a:spcPct val="120000"/>
+              </a:lnSpc>
+              <a:buNone/>
+            </a:pPr>
             <a:endParaRPr lang="en-US" sz="2000" dirty="0">
               <a:latin typeface="Georgia" panose="02040502050405020303" pitchFamily="18" charset="0"/>
             </a:endParaRPr>
           </a:p>
+          <a:p>
+            <a:pPr marL="0" indent="0">
+              <a:lnSpc>
+                <a:spcPct val="120000"/>
+              </a:lnSpc>
+              <a:buNone/>
+            </a:pPr>
+            <a:endParaRPr lang="en-US" sz="2000" dirty="0">
+              <a:latin typeface="Georgia" panose="02040502050405020303" pitchFamily="18" charset="0"/>
+            </a:endParaRPr>
+          </a:p>
         </p:txBody>
       </p:sp>
     </p:spTree>
     <p:extLst>
       <p:ext uri="{BB962C8B-B14F-4D97-AF65-F5344CB8AC3E}">
-        <p14:creationId xmlns:p14="http://schemas.microsoft.com/office/powerpoint/2010/main" val="3108004200"/>
+        <p14:creationId xmlns:p14="http://schemas.microsoft.com/office/powerpoint/2010/main" val="1411135158"/>
       </p:ext>
     </p:extLst>
   </p:cSld>
@@ -7042,6 +7140,301 @@
 </file>
 
 <file path=ppt/slides/slide20.xml><?xml version="1.0" encoding="utf-8"?>
+<p:sld xmlns:a="http://schemas.openxmlformats.org/drawingml/2006/main" xmlns:r="http://schemas.openxmlformats.org/officeDocument/2006/relationships" xmlns:p="http://schemas.openxmlformats.org/presentationml/2006/main">
+  <p:cSld>
+    <p:spTree>
+      <p:nvGrpSpPr>
+        <p:cNvPr id="1" name="">
+          <a:extLst>
+            <a:ext uri="{FF2B5EF4-FFF2-40B4-BE49-F238E27FC236}">
+              <a16:creationId xmlns:a16="http://schemas.microsoft.com/office/drawing/2014/main" id="{CC7E3022-3B2F-6FDA-625E-13B6BF180F33}"/>
+            </a:ext>
+          </a:extLst>
+        </p:cNvPr>
+        <p:cNvGrpSpPr/>
+        <p:nvPr/>
+      </p:nvGrpSpPr>
+      <p:grpSpPr>
+        <a:xfrm>
+          <a:off x="0" y="0"/>
+          <a:ext cx="0" cy="0"/>
+          <a:chOff x="0" y="0"/>
+          <a:chExt cx="0" cy="0"/>
+        </a:xfrm>
+      </p:grpSpPr>
+      <p:sp>
+        <p:nvSpPr>
+          <p:cNvPr id="2" name="Title 1">
+            <a:extLst>
+              <a:ext uri="{FF2B5EF4-FFF2-40B4-BE49-F238E27FC236}">
+                <a16:creationId xmlns:a16="http://schemas.microsoft.com/office/drawing/2014/main" id="{1616F352-A1FD-9AC3-C2D8-F257043EE1FB}"/>
+              </a:ext>
+            </a:extLst>
+          </p:cNvPr>
+          <p:cNvSpPr>
+            <a:spLocks noGrp="1"/>
+          </p:cNvSpPr>
+          <p:nvPr>
+            <p:ph type="title"/>
+          </p:nvPr>
+        </p:nvSpPr>
+        <p:spPr/>
+        <p:txBody>
+          <a:bodyPr/>
+          <a:lstStyle/>
+          <a:p>
+            <a:endParaRPr lang="en-US"/>
+          </a:p>
+        </p:txBody>
+      </p:sp>
+      <p:pic>
+        <p:nvPicPr>
+          <p:cNvPr id="5" name="Content Placeholder 4" descr="A blue and white image of a blue and white image&#10;&#10;Description automatically generated with medium confidence">
+            <a:extLst>
+              <a:ext uri="{FF2B5EF4-FFF2-40B4-BE49-F238E27FC236}">
+                <a16:creationId xmlns:a16="http://schemas.microsoft.com/office/drawing/2014/main" id="{AEFF6EBC-4582-F4B4-E0B9-27B26E900D50}"/>
+              </a:ext>
+            </a:extLst>
+          </p:cNvPr>
+          <p:cNvPicPr>
+            <a:picLocks noGrp="1" noChangeAspect="1"/>
+          </p:cNvPicPr>
+          <p:nvPr>
+            <p:ph idx="1"/>
+          </p:nvPr>
+        </p:nvPicPr>
+        <p:blipFill>
+          <a:blip r:embed="rId2">
+            <a:extLst>
+              <a:ext uri="{28A0092B-C50C-407E-A947-70E740481C1C}">
+                <a14:useLocalDpi xmlns:a14="http://schemas.microsoft.com/office/drawing/2010/main" val="0"/>
+              </a:ext>
+            </a:extLst>
+          </a:blip>
+          <a:stretch>
+            <a:fillRect/>
+          </a:stretch>
+        </p:blipFill>
+        <p:spPr>
+          <a:xfrm>
+            <a:off x="136840" y="719219"/>
+            <a:ext cx="7260350" cy="4297689"/>
+          </a:xfrm>
+        </p:spPr>
+      </p:pic>
+      <p:pic>
+        <p:nvPicPr>
+          <p:cNvPr id="7" name="Picture 6" descr="A graph of a diagram&#10;&#10;Description automatically generated with medium confidence">
+            <a:extLst>
+              <a:ext uri="{FF2B5EF4-FFF2-40B4-BE49-F238E27FC236}">
+                <a16:creationId xmlns:a16="http://schemas.microsoft.com/office/drawing/2014/main" id="{A5E2141A-5D92-F445-D832-8DC0809FFBC3}"/>
+              </a:ext>
+            </a:extLst>
+          </p:cNvPr>
+          <p:cNvPicPr>
+            <a:picLocks noChangeAspect="1"/>
+          </p:cNvPicPr>
+          <p:nvPr/>
+        </p:nvPicPr>
+        <p:blipFill>
+          <a:blip r:embed="rId3">
+            <a:extLst>
+              <a:ext uri="{28A0092B-C50C-407E-A947-70E740481C1C}">
+                <a14:useLocalDpi xmlns:a14="http://schemas.microsoft.com/office/drawing/2010/main" val="0"/>
+              </a:ext>
+            </a:extLst>
+          </a:blip>
+          <a:stretch>
+            <a:fillRect/>
+          </a:stretch>
+        </p:blipFill>
+        <p:spPr>
+          <a:xfrm>
+            <a:off x="4404041" y="2319601"/>
+            <a:ext cx="7260350" cy="4297689"/>
+          </a:xfrm>
+          <a:prstGeom prst="rect">
+            <a:avLst/>
+          </a:prstGeom>
+        </p:spPr>
+      </p:pic>
+    </p:spTree>
+    <p:extLst>
+      <p:ext uri="{BB962C8B-B14F-4D97-AF65-F5344CB8AC3E}">
+        <p14:creationId xmlns:p14="http://schemas.microsoft.com/office/powerpoint/2010/main" val="2448811001"/>
+      </p:ext>
+    </p:extLst>
+  </p:cSld>
+  <p:clrMapOvr>
+    <a:masterClrMapping/>
+  </p:clrMapOvr>
+</p:sld>
+</file>
+
+<file path=ppt/slides/slide21.xml><?xml version="1.0" encoding="utf-8"?>
+<p:sld xmlns:a="http://schemas.openxmlformats.org/drawingml/2006/main" xmlns:r="http://schemas.openxmlformats.org/officeDocument/2006/relationships" xmlns:p="http://schemas.openxmlformats.org/presentationml/2006/main">
+  <p:cSld>
+    <p:spTree>
+      <p:nvGrpSpPr>
+        <p:cNvPr id="1" name="">
+          <a:extLst>
+            <a:ext uri="{FF2B5EF4-FFF2-40B4-BE49-F238E27FC236}">
+              <a16:creationId xmlns:a16="http://schemas.microsoft.com/office/drawing/2014/main" id="{69C0BB8F-1C12-475B-DE8B-409D64EE5634}"/>
+            </a:ext>
+          </a:extLst>
+        </p:cNvPr>
+        <p:cNvGrpSpPr/>
+        <p:nvPr/>
+      </p:nvGrpSpPr>
+      <p:grpSpPr>
+        <a:xfrm>
+          <a:off x="0" y="0"/>
+          <a:ext cx="0" cy="0"/>
+          <a:chOff x="0" y="0"/>
+          <a:chExt cx="0" cy="0"/>
+        </a:xfrm>
+      </p:grpSpPr>
+      <p:sp>
+        <p:nvSpPr>
+          <p:cNvPr id="5" name="Title 4">
+            <a:extLst>
+              <a:ext uri="{FF2B5EF4-FFF2-40B4-BE49-F238E27FC236}">
+                <a16:creationId xmlns:a16="http://schemas.microsoft.com/office/drawing/2014/main" id="{A50DCD4F-5E8A-D92B-8E32-5331D495A20F}"/>
+              </a:ext>
+            </a:extLst>
+          </p:cNvPr>
+          <p:cNvSpPr>
+            <a:spLocks noGrp="1"/>
+          </p:cNvSpPr>
+          <p:nvPr>
+            <p:ph type="title"/>
+          </p:nvPr>
+        </p:nvSpPr>
+        <p:spPr/>
+        <p:txBody>
+          <a:bodyPr/>
+          <a:lstStyle/>
+          <a:p>
+            <a:endParaRPr lang="en-US"/>
+          </a:p>
+        </p:txBody>
+      </p:sp>
+      <p:pic>
+        <p:nvPicPr>
+          <p:cNvPr id="13" name="Picture 12">
+            <a:extLst>
+              <a:ext uri="{FF2B5EF4-FFF2-40B4-BE49-F238E27FC236}">
+                <a16:creationId xmlns:a16="http://schemas.microsoft.com/office/drawing/2014/main" id="{B096510C-D60E-FD56-3EE0-BDD2861BA242}"/>
+              </a:ext>
+            </a:extLst>
+          </p:cNvPr>
+          <p:cNvPicPr>
+            <a:picLocks noChangeAspect="1"/>
+          </p:cNvPicPr>
+          <p:nvPr/>
+        </p:nvPicPr>
+        <p:blipFill>
+          <a:blip r:embed="rId2"/>
+          <a:stretch>
+            <a:fillRect/>
+          </a:stretch>
+        </p:blipFill>
+        <p:spPr>
+          <a:xfrm>
+            <a:off x="7086515" y="1133230"/>
+            <a:ext cx="4267285" cy="4253695"/>
+          </a:xfrm>
+          <a:prstGeom prst="rect">
+            <a:avLst/>
+          </a:prstGeom>
+        </p:spPr>
+      </p:pic>
+      <p:pic>
+        <p:nvPicPr>
+          <p:cNvPr id="1030" name="Picture 6" descr="The beginning of the Face ID set up process">
+            <a:extLst>
+              <a:ext uri="{FF2B5EF4-FFF2-40B4-BE49-F238E27FC236}">
+                <a16:creationId xmlns:a16="http://schemas.microsoft.com/office/drawing/2014/main" id="{501E58C3-0169-8B80-58B9-F53E482E7712}"/>
+              </a:ext>
+            </a:extLst>
+          </p:cNvPr>
+          <p:cNvPicPr>
+            <a:picLocks noChangeAspect="1" noChangeArrowheads="1"/>
+          </p:cNvPicPr>
+          <p:nvPr/>
+        </p:nvPicPr>
+        <p:blipFill>
+          <a:blip r:embed="rId3">
+            <a:extLst>
+              <a:ext uri="{28A0092B-C50C-407E-A947-70E740481C1C}">
+                <a14:useLocalDpi xmlns:a14="http://schemas.microsoft.com/office/drawing/2010/main" val="0"/>
+              </a:ext>
+            </a:extLst>
+          </a:blip>
+          <a:srcRect/>
+          <a:stretch>
+            <a:fillRect/>
+          </a:stretch>
+        </p:blipFill>
+        <p:spPr bwMode="auto">
+          <a:xfrm>
+            <a:off x="1197727" y="447258"/>
+            <a:ext cx="2904437" cy="5963482"/>
+          </a:xfrm>
+          <a:prstGeom prst="rect">
+            <a:avLst/>
+          </a:prstGeom>
+          <a:noFill/>
+          <a:extLst>
+            <a:ext uri="{909E8E84-426E-40DD-AFC4-6F175D3DCCD1}">
+              <a14:hiddenFill xmlns:a14="http://schemas.microsoft.com/office/drawing/2010/main">
+                <a:solidFill>
+                  <a:srgbClr val="FFFFFF"/>
+                </a:solidFill>
+              </a14:hiddenFill>
+            </a:ext>
+          </a:extLst>
+        </p:spPr>
+      </p:pic>
+      <p:sp>
+        <p:nvSpPr>
+          <p:cNvPr id="3" name="Content Placeholder 2">
+            <a:extLst>
+              <a:ext uri="{FF2B5EF4-FFF2-40B4-BE49-F238E27FC236}">
+                <a16:creationId xmlns:a16="http://schemas.microsoft.com/office/drawing/2014/main" id="{6B10AC7B-6410-2D6E-8B7E-0E7C6745135B}"/>
+              </a:ext>
+            </a:extLst>
+          </p:cNvPr>
+          <p:cNvSpPr>
+            <a:spLocks noGrp="1"/>
+          </p:cNvSpPr>
+          <p:nvPr>
+            <p:ph idx="1"/>
+          </p:nvPr>
+        </p:nvSpPr>
+        <p:spPr/>
+        <p:txBody>
+          <a:bodyPr/>
+          <a:lstStyle/>
+          <a:p>
+            <a:endParaRPr lang="en-US" dirty="0"/>
+          </a:p>
+        </p:txBody>
+      </p:sp>
+    </p:spTree>
+    <p:extLst>
+      <p:ext uri="{BB962C8B-B14F-4D97-AF65-F5344CB8AC3E}">
+        <p14:creationId xmlns:p14="http://schemas.microsoft.com/office/powerpoint/2010/main" val="3540504646"/>
+      </p:ext>
+    </p:extLst>
+  </p:cSld>
+  <p:clrMapOvr>
+    <a:masterClrMapping/>
+  </p:clrMapOvr>
+</p:sld>
+</file>
+
+<file path=ppt/slides/slide22.xml><?xml version="1.0" encoding="utf-8"?>
 <p:sld xmlns:a="http://schemas.openxmlformats.org/drawingml/2006/main" xmlns:r="http://schemas.openxmlformats.org/officeDocument/2006/relationships" xmlns:p="http://schemas.openxmlformats.org/presentationml/2006/main">
   <p:cSld>
     <p:spTree>
@@ -7137,7 +7530,1190 @@
 </p:sld>
 </file>
 
-<file path=ppt/slides/slide21.xml><?xml version="1.0" encoding="utf-8"?>
+<file path=ppt/slides/slide23.xml><?xml version="1.0" encoding="utf-8"?>
+<p:sld xmlns:a="http://schemas.openxmlformats.org/drawingml/2006/main" xmlns:r="http://schemas.openxmlformats.org/officeDocument/2006/relationships" xmlns:p="http://schemas.openxmlformats.org/presentationml/2006/main">
+  <p:cSld>
+    <p:spTree>
+      <p:nvGrpSpPr>
+        <p:cNvPr id="1" name=""/>
+        <p:cNvGrpSpPr/>
+        <p:nvPr/>
+      </p:nvGrpSpPr>
+      <p:grpSpPr>
+        <a:xfrm>
+          <a:off x="0" y="0"/>
+          <a:ext cx="0" cy="0"/>
+          <a:chOff x="0" y="0"/>
+          <a:chExt cx="0" cy="0"/>
+        </a:xfrm>
+      </p:grpSpPr>
+      <p:sp>
+        <p:nvSpPr>
+          <p:cNvPr id="6" name="Oval 5">
+            <a:extLst>
+              <a:ext uri="{FF2B5EF4-FFF2-40B4-BE49-F238E27FC236}">
+                <a16:creationId xmlns:a16="http://schemas.microsoft.com/office/drawing/2014/main" id="{3A429C3C-5682-9C47-CA92-C557C2E921FC}"/>
+              </a:ext>
+            </a:extLst>
+          </p:cNvPr>
+          <p:cNvSpPr/>
+          <p:nvPr/>
+        </p:nvSpPr>
+        <p:spPr>
+          <a:xfrm>
+            <a:off x="1721056" y="2971799"/>
+            <a:ext cx="1600200" cy="810986"/>
+          </a:xfrm>
+          <a:prstGeom prst="ellipse">
+            <a:avLst/>
+          </a:prstGeom>
+        </p:spPr>
+        <p:style>
+          <a:lnRef idx="2">
+            <a:schemeClr val="dk1"/>
+          </a:lnRef>
+          <a:fillRef idx="1">
+            <a:schemeClr val="lt1"/>
+          </a:fillRef>
+          <a:effectRef idx="0">
+            <a:schemeClr val="dk1"/>
+          </a:effectRef>
+          <a:fontRef idx="minor">
+            <a:schemeClr val="dk1"/>
+          </a:fontRef>
+        </p:style>
+        <p:txBody>
+          <a:bodyPr rtlCol="0" anchor="ctr"/>
+          <a:lstStyle/>
+          <a:p>
+            <a:pPr algn="ctr"/>
+            <a:r>
+              <a:rPr lang="en-US" sz="1600" dirty="0"/>
+              <a:t>Beginning</a:t>
+            </a:r>
+          </a:p>
+        </p:txBody>
+      </p:sp>
+      <p:sp>
+        <p:nvSpPr>
+          <p:cNvPr id="7" name="Rectangle: Rounded Corners 6">
+            <a:extLst>
+              <a:ext uri="{FF2B5EF4-FFF2-40B4-BE49-F238E27FC236}">
+                <a16:creationId xmlns:a16="http://schemas.microsoft.com/office/drawing/2014/main" id="{F8578D83-09E7-24C1-CCEA-34AD9AA3A872}"/>
+              </a:ext>
+            </a:extLst>
+          </p:cNvPr>
+          <p:cNvSpPr/>
+          <p:nvPr/>
+        </p:nvSpPr>
+        <p:spPr>
+          <a:xfrm>
+            <a:off x="7957430" y="2646498"/>
+            <a:ext cx="4136571" cy="810986"/>
+          </a:xfrm>
+          <a:prstGeom prst="roundRect">
+            <a:avLst/>
+          </a:prstGeom>
+          <a:noFill/>
+          <a:ln w="28575" cap="flat" cmpd="sng" algn="ctr">
+            <a:solidFill>
+              <a:schemeClr val="dk1"/>
+            </a:solidFill>
+            <a:prstDash val="solid"/>
+            <a:round/>
+            <a:headEnd type="none" w="med" len="med"/>
+            <a:tailEnd type="none" w="med" len="med"/>
+          </a:ln>
+        </p:spPr>
+        <p:style>
+          <a:lnRef idx="0">
+            <a:scrgbClr r="0" g="0" b="0"/>
+          </a:lnRef>
+          <a:fillRef idx="0">
+            <a:scrgbClr r="0" g="0" b="0"/>
+          </a:fillRef>
+          <a:effectRef idx="0">
+            <a:scrgbClr r="0" g="0" b="0"/>
+          </a:effectRef>
+          <a:fontRef idx="minor">
+            <a:schemeClr val="dk1"/>
+          </a:fontRef>
+        </p:style>
+        <p:txBody>
+          <a:bodyPr rtlCol="0" anchor="ctr"/>
+          <a:lstStyle/>
+          <a:p>
+            <a:pPr algn="ctr"/>
+            <a:r>
+              <a:rPr lang="en-US" dirty="0"/>
+              <a:t>“In the beginning, God..”</a:t>
+            </a:r>
+          </a:p>
+        </p:txBody>
+      </p:sp>
+      <p:sp>
+        <p:nvSpPr>
+          <p:cNvPr id="8" name="Oval 7">
+            <a:extLst>
+              <a:ext uri="{FF2B5EF4-FFF2-40B4-BE49-F238E27FC236}">
+                <a16:creationId xmlns:a16="http://schemas.microsoft.com/office/drawing/2014/main" id="{7A503D17-79E6-A59D-BE5D-5425E27286A7}"/>
+              </a:ext>
+            </a:extLst>
+          </p:cNvPr>
+          <p:cNvSpPr/>
+          <p:nvPr/>
+        </p:nvSpPr>
+        <p:spPr>
+          <a:xfrm>
+            <a:off x="3538971" y="2637063"/>
+            <a:ext cx="1600200" cy="810986"/>
+          </a:xfrm>
+          <a:prstGeom prst="ellipse">
+            <a:avLst/>
+          </a:prstGeom>
+        </p:spPr>
+        <p:style>
+          <a:lnRef idx="2">
+            <a:schemeClr val="dk1"/>
+          </a:lnRef>
+          <a:fillRef idx="1">
+            <a:schemeClr val="lt1"/>
+          </a:fillRef>
+          <a:effectRef idx="0">
+            <a:schemeClr val="dk1"/>
+          </a:effectRef>
+          <a:fontRef idx="minor">
+            <a:schemeClr val="dk1"/>
+          </a:fontRef>
+        </p:style>
+        <p:txBody>
+          <a:bodyPr rtlCol="0" anchor="ctr"/>
+          <a:lstStyle/>
+          <a:p>
+            <a:pPr algn="ctr"/>
+            <a:r>
+              <a:rPr lang="en-US" dirty="0"/>
+              <a:t>God</a:t>
+            </a:r>
+          </a:p>
+        </p:txBody>
+      </p:sp>
+      <p:sp>
+        <p:nvSpPr>
+          <p:cNvPr id="11" name="Oval 10">
+            <a:extLst>
+              <a:ext uri="{FF2B5EF4-FFF2-40B4-BE49-F238E27FC236}">
+                <a16:creationId xmlns:a16="http://schemas.microsoft.com/office/drawing/2014/main" id="{BAF86242-23CA-7707-3226-7C9FD950E513}"/>
+              </a:ext>
+            </a:extLst>
+          </p:cNvPr>
+          <p:cNvSpPr/>
+          <p:nvPr/>
+        </p:nvSpPr>
+        <p:spPr>
+          <a:xfrm>
+            <a:off x="77519" y="4634986"/>
+            <a:ext cx="1600200" cy="810986"/>
+          </a:xfrm>
+          <a:prstGeom prst="ellipse">
+            <a:avLst/>
+          </a:prstGeom>
+        </p:spPr>
+        <p:style>
+          <a:lnRef idx="2">
+            <a:schemeClr val="dk1"/>
+          </a:lnRef>
+          <a:fillRef idx="1">
+            <a:schemeClr val="lt1"/>
+          </a:fillRef>
+          <a:effectRef idx="0">
+            <a:schemeClr val="dk1"/>
+          </a:effectRef>
+          <a:fontRef idx="minor">
+            <a:schemeClr val="dk1"/>
+          </a:fontRef>
+        </p:style>
+        <p:txBody>
+          <a:bodyPr rtlCol="0" anchor="ctr"/>
+          <a:lstStyle/>
+          <a:p>
+            <a:pPr algn="ctr"/>
+            <a:r>
+              <a:rPr lang="en-US" sz="1400" dirty="0"/>
+              <a:t>Wilderness</a:t>
+            </a:r>
+          </a:p>
+        </p:txBody>
+      </p:sp>
+      <p:sp>
+        <p:nvSpPr>
+          <p:cNvPr id="12" name="Oval 11">
+            <a:extLst>
+              <a:ext uri="{FF2B5EF4-FFF2-40B4-BE49-F238E27FC236}">
+                <a16:creationId xmlns:a16="http://schemas.microsoft.com/office/drawing/2014/main" id="{377EDFFA-7829-1092-6E49-E651BB89734E}"/>
+              </a:ext>
+            </a:extLst>
+          </p:cNvPr>
+          <p:cNvSpPr/>
+          <p:nvPr/>
+        </p:nvSpPr>
+        <p:spPr>
+          <a:xfrm>
+            <a:off x="1312691" y="3895707"/>
+            <a:ext cx="1600200" cy="810986"/>
+          </a:xfrm>
+          <a:prstGeom prst="ellipse">
+            <a:avLst/>
+          </a:prstGeom>
+        </p:spPr>
+        <p:style>
+          <a:lnRef idx="2">
+            <a:schemeClr val="dk1"/>
+          </a:lnRef>
+          <a:fillRef idx="1">
+            <a:schemeClr val="lt1"/>
+          </a:fillRef>
+          <a:effectRef idx="0">
+            <a:schemeClr val="dk1"/>
+          </a:effectRef>
+          <a:fontRef idx="minor">
+            <a:schemeClr val="dk1"/>
+          </a:fontRef>
+        </p:style>
+        <p:txBody>
+          <a:bodyPr rtlCol="0" anchor="ctr"/>
+          <a:lstStyle/>
+          <a:p>
+            <a:pPr algn="ctr"/>
+            <a:r>
+              <a:rPr lang="en-US" sz="1400" dirty="0"/>
+              <a:t>Jesus</a:t>
+            </a:r>
+          </a:p>
+        </p:txBody>
+      </p:sp>
+      <p:sp>
+        <p:nvSpPr>
+          <p:cNvPr id="14" name="Oval 13">
+            <a:extLst>
+              <a:ext uri="{FF2B5EF4-FFF2-40B4-BE49-F238E27FC236}">
+                <a16:creationId xmlns:a16="http://schemas.microsoft.com/office/drawing/2014/main" id="{CFDB1F8D-0575-4ADB-2570-6E46463AC8D5}"/>
+              </a:ext>
+            </a:extLst>
+          </p:cNvPr>
+          <p:cNvSpPr/>
+          <p:nvPr/>
+        </p:nvSpPr>
+        <p:spPr>
+          <a:xfrm>
+            <a:off x="10405381" y="3311095"/>
+            <a:ext cx="1600200" cy="810986"/>
+          </a:xfrm>
+          <a:prstGeom prst="ellipse">
+            <a:avLst/>
+          </a:prstGeom>
+        </p:spPr>
+        <p:style>
+          <a:lnRef idx="2">
+            <a:schemeClr val="dk1"/>
+          </a:lnRef>
+          <a:fillRef idx="1">
+            <a:schemeClr val="lt1"/>
+          </a:fillRef>
+          <a:effectRef idx="0">
+            <a:schemeClr val="dk1"/>
+          </a:effectRef>
+          <a:fontRef idx="minor">
+            <a:schemeClr val="dk1"/>
+          </a:fontRef>
+        </p:style>
+        <p:txBody>
+          <a:bodyPr rtlCol="0" anchor="ctr"/>
+          <a:lstStyle/>
+          <a:p>
+            <a:pPr algn="ctr"/>
+            <a:r>
+              <a:rPr lang="en-US" sz="1600" dirty="0"/>
+              <a:t>Beginning</a:t>
+            </a:r>
+          </a:p>
+        </p:txBody>
+      </p:sp>
+      <p:sp>
+        <p:nvSpPr>
+          <p:cNvPr id="15" name="Oval 14">
+            <a:extLst>
+              <a:ext uri="{FF2B5EF4-FFF2-40B4-BE49-F238E27FC236}">
+                <a16:creationId xmlns:a16="http://schemas.microsoft.com/office/drawing/2014/main" id="{B503757B-F649-4C3E-29D2-53EDE5CE171E}"/>
+              </a:ext>
+            </a:extLst>
+          </p:cNvPr>
+          <p:cNvSpPr/>
+          <p:nvPr/>
+        </p:nvSpPr>
+        <p:spPr>
+          <a:xfrm>
+            <a:off x="7907941" y="3284264"/>
+            <a:ext cx="1600200" cy="810986"/>
+          </a:xfrm>
+          <a:prstGeom prst="ellipse">
+            <a:avLst/>
+          </a:prstGeom>
+        </p:spPr>
+        <p:style>
+          <a:lnRef idx="2">
+            <a:schemeClr val="dk1"/>
+          </a:lnRef>
+          <a:fillRef idx="1">
+            <a:schemeClr val="lt1"/>
+          </a:fillRef>
+          <a:effectRef idx="0">
+            <a:schemeClr val="dk1"/>
+          </a:effectRef>
+          <a:fontRef idx="minor">
+            <a:schemeClr val="dk1"/>
+          </a:fontRef>
+        </p:style>
+        <p:txBody>
+          <a:bodyPr rtlCol="0" anchor="ctr"/>
+          <a:lstStyle/>
+          <a:p>
+            <a:pPr algn="ctr"/>
+            <a:r>
+              <a:rPr lang="en-US" dirty="0"/>
+              <a:t>God</a:t>
+            </a:r>
+          </a:p>
+        </p:txBody>
+      </p:sp>
+      <p:cxnSp>
+        <p:nvCxnSpPr>
+          <p:cNvPr id="17" name="Connector: Elbow 16">
+            <a:extLst>
+              <a:ext uri="{FF2B5EF4-FFF2-40B4-BE49-F238E27FC236}">
+                <a16:creationId xmlns:a16="http://schemas.microsoft.com/office/drawing/2014/main" id="{CF1645BF-EC37-2933-CC6A-523FB00F179E}"/>
+              </a:ext>
+            </a:extLst>
+          </p:cNvPr>
+          <p:cNvCxnSpPr>
+            <a:cxnSpLocks/>
+            <a:stCxn id="6" idx="5"/>
+            <a:endCxn id="14" idx="4"/>
+          </p:cNvCxnSpPr>
+          <p:nvPr/>
+        </p:nvCxnSpPr>
+        <p:spPr>
+          <a:xfrm rot="16200000" flipH="1">
+            <a:off x="6917165" y="-166235"/>
+            <a:ext cx="458062" cy="8118569"/>
+          </a:xfrm>
+          <a:prstGeom prst="bentConnector3">
+            <a:avLst>
+              <a:gd name="adj1" fmla="val 221615"/>
+            </a:avLst>
+          </a:prstGeom>
+          <a:ln w="38100" cap="flat" cmpd="sng" algn="ctr">
+            <a:solidFill>
+              <a:srgbClr val="0F9ED5">
+                <a:alpha val="50196"/>
+              </a:srgbClr>
+            </a:solidFill>
+            <a:prstDash val="solid"/>
+            <a:round/>
+            <a:headEnd type="none" w="med" len="med"/>
+            <a:tailEnd type="arrow" w="med" len="med"/>
+          </a:ln>
+        </p:spPr>
+        <p:style>
+          <a:lnRef idx="0">
+            <a:scrgbClr r="0" g="0" b="0"/>
+          </a:lnRef>
+          <a:fillRef idx="0">
+            <a:scrgbClr r="0" g="0" b="0"/>
+          </a:fillRef>
+          <a:effectRef idx="0">
+            <a:scrgbClr r="0" g="0" b="0"/>
+          </a:effectRef>
+          <a:fontRef idx="minor">
+            <a:schemeClr val="tx1"/>
+          </a:fontRef>
+        </p:style>
+      </p:cxnSp>
+      <p:cxnSp>
+        <p:nvCxnSpPr>
+          <p:cNvPr id="18" name="Connector: Elbow 17">
+            <a:extLst>
+              <a:ext uri="{FF2B5EF4-FFF2-40B4-BE49-F238E27FC236}">
+                <a16:creationId xmlns:a16="http://schemas.microsoft.com/office/drawing/2014/main" id="{6BF9C07B-CF77-6F0A-0BE9-94715DFFD112}"/>
+              </a:ext>
+            </a:extLst>
+          </p:cNvPr>
+          <p:cNvCxnSpPr>
+            <a:cxnSpLocks/>
+            <a:stCxn id="8" idx="4"/>
+            <a:endCxn id="15" idx="4"/>
+          </p:cNvCxnSpPr>
+          <p:nvPr/>
+        </p:nvCxnSpPr>
+        <p:spPr>
+          <a:xfrm rot="16200000" flipH="1">
+            <a:off x="6199956" y="1587164"/>
+            <a:ext cx="647201" cy="4368970"/>
+          </a:xfrm>
+          <a:prstGeom prst="bentConnector3">
+            <a:avLst>
+              <a:gd name="adj1" fmla="val 135321"/>
+            </a:avLst>
+          </a:prstGeom>
+          <a:ln w="38100" cap="flat" cmpd="sng" algn="ctr">
+            <a:solidFill>
+              <a:srgbClr val="0F9ED5">
+                <a:alpha val="50196"/>
+              </a:srgbClr>
+            </a:solidFill>
+            <a:prstDash val="solid"/>
+            <a:round/>
+            <a:headEnd type="none" w="med" len="med"/>
+            <a:tailEnd type="arrow" w="med" len="med"/>
+          </a:ln>
+        </p:spPr>
+        <p:style>
+          <a:lnRef idx="0">
+            <a:scrgbClr r="0" g="0" b="0"/>
+          </a:lnRef>
+          <a:fillRef idx="0">
+            <a:scrgbClr r="0" g="0" b="0"/>
+          </a:fillRef>
+          <a:effectRef idx="0">
+            <a:scrgbClr r="0" g="0" b="0"/>
+          </a:effectRef>
+          <a:fontRef idx="minor">
+            <a:schemeClr val="tx1"/>
+          </a:fontRef>
+        </p:style>
+      </p:cxnSp>
+      <p:sp>
+        <p:nvSpPr>
+          <p:cNvPr id="23" name="Rectangle: Rounded Corners 22">
+            <a:extLst>
+              <a:ext uri="{FF2B5EF4-FFF2-40B4-BE49-F238E27FC236}">
+                <a16:creationId xmlns:a16="http://schemas.microsoft.com/office/drawing/2014/main" id="{B04EFA6E-5D68-EAB3-1232-90822C8EA5CA}"/>
+              </a:ext>
+            </a:extLst>
+          </p:cNvPr>
+          <p:cNvSpPr/>
+          <p:nvPr/>
+        </p:nvSpPr>
+        <p:spPr>
+          <a:xfrm>
+            <a:off x="7957430" y="4954267"/>
+            <a:ext cx="4136571" cy="810986"/>
+          </a:xfrm>
+          <a:prstGeom prst="roundRect">
+            <a:avLst/>
+          </a:prstGeom>
+          <a:noFill/>
+          <a:ln w="28575" cap="flat" cmpd="sng" algn="ctr">
+            <a:solidFill>
+              <a:schemeClr val="dk1"/>
+            </a:solidFill>
+            <a:prstDash val="solid"/>
+            <a:round/>
+            <a:headEnd type="none" w="med" len="med"/>
+            <a:tailEnd type="none" w="med" len="med"/>
+          </a:ln>
+        </p:spPr>
+        <p:style>
+          <a:lnRef idx="0">
+            <a:scrgbClr r="0" g="0" b="0"/>
+          </a:lnRef>
+          <a:fillRef idx="0">
+            <a:scrgbClr r="0" g="0" b="0"/>
+          </a:fillRef>
+          <a:effectRef idx="0">
+            <a:scrgbClr r="0" g="0" b="0"/>
+          </a:effectRef>
+          <a:fontRef idx="minor">
+            <a:schemeClr val="dk1"/>
+          </a:fontRef>
+        </p:style>
+        <p:txBody>
+          <a:bodyPr rtlCol="0" anchor="ctr"/>
+          <a:lstStyle/>
+          <a:p>
+            <a:pPr algn="ctr"/>
+            <a:r>
+              <a:rPr lang="en-US" dirty="0"/>
+              <a:t>“In the beginning, was the Word..”</a:t>
+            </a:r>
+          </a:p>
+        </p:txBody>
+      </p:sp>
+      <p:sp>
+        <p:nvSpPr>
+          <p:cNvPr id="25" name="Oval 24">
+            <a:extLst>
+              <a:ext uri="{FF2B5EF4-FFF2-40B4-BE49-F238E27FC236}">
+                <a16:creationId xmlns:a16="http://schemas.microsoft.com/office/drawing/2014/main" id="{291AB159-EF6A-7727-31BC-FC48A360DF07}"/>
+              </a:ext>
+            </a:extLst>
+          </p:cNvPr>
+          <p:cNvSpPr/>
+          <p:nvPr/>
+        </p:nvSpPr>
+        <p:spPr>
+          <a:xfrm>
+            <a:off x="985420" y="5451686"/>
+            <a:ext cx="1600200" cy="810986"/>
+          </a:xfrm>
+          <a:prstGeom prst="ellipse">
+            <a:avLst/>
+          </a:prstGeom>
+        </p:spPr>
+        <p:style>
+          <a:lnRef idx="2">
+            <a:schemeClr val="dk1"/>
+          </a:lnRef>
+          <a:fillRef idx="1">
+            <a:schemeClr val="lt1"/>
+          </a:fillRef>
+          <a:effectRef idx="0">
+            <a:schemeClr val="dk1"/>
+          </a:effectRef>
+          <a:fontRef idx="minor">
+            <a:schemeClr val="dk1"/>
+          </a:fontRef>
+        </p:style>
+        <p:txBody>
+          <a:bodyPr rtlCol="0" anchor="ctr"/>
+          <a:lstStyle/>
+          <a:p>
+            <a:pPr algn="ctr"/>
+            <a:r>
+              <a:rPr lang="en-US" sz="1400" dirty="0"/>
+              <a:t>Word</a:t>
+            </a:r>
+          </a:p>
+        </p:txBody>
+      </p:sp>
+      <p:cxnSp>
+        <p:nvCxnSpPr>
+          <p:cNvPr id="26" name="Connector: Elbow 25">
+            <a:extLst>
+              <a:ext uri="{FF2B5EF4-FFF2-40B4-BE49-F238E27FC236}">
+                <a16:creationId xmlns:a16="http://schemas.microsoft.com/office/drawing/2014/main" id="{460C7BAA-D647-D3E1-6A99-11BCCF451B48}"/>
+              </a:ext>
+            </a:extLst>
+          </p:cNvPr>
+          <p:cNvCxnSpPr>
+            <a:cxnSpLocks/>
+            <a:stCxn id="25" idx="4"/>
+            <a:endCxn id="29" idx="4"/>
+          </p:cNvCxnSpPr>
+          <p:nvPr/>
+        </p:nvCxnSpPr>
+        <p:spPr>
+          <a:xfrm rot="16200000" flipH="1">
+            <a:off x="6342785" y="1705406"/>
+            <a:ext cx="208797" cy="9323327"/>
+          </a:xfrm>
+          <a:prstGeom prst="bentConnector3">
+            <a:avLst>
+              <a:gd name="adj1" fmla="val 209484"/>
+            </a:avLst>
+          </a:prstGeom>
+          <a:ln w="38100" cap="flat" cmpd="sng" algn="ctr">
+            <a:solidFill>
+              <a:srgbClr val="0F9ED5">
+                <a:alpha val="50196"/>
+              </a:srgbClr>
+            </a:solidFill>
+            <a:prstDash val="solid"/>
+            <a:round/>
+            <a:headEnd type="none" w="med" len="med"/>
+            <a:tailEnd type="arrow" w="med" len="med"/>
+          </a:ln>
+        </p:spPr>
+        <p:style>
+          <a:lnRef idx="0">
+            <a:scrgbClr r="0" g="0" b="0"/>
+          </a:lnRef>
+          <a:fillRef idx="0">
+            <a:scrgbClr r="0" g="0" b="0"/>
+          </a:fillRef>
+          <a:effectRef idx="0">
+            <a:scrgbClr r="0" g="0" b="0"/>
+          </a:effectRef>
+          <a:fontRef idx="minor">
+            <a:schemeClr val="tx1"/>
+          </a:fontRef>
+        </p:style>
+      </p:cxnSp>
+      <p:sp>
+        <p:nvSpPr>
+          <p:cNvPr id="29" name="Oval 28">
+            <a:extLst>
+              <a:ext uri="{FF2B5EF4-FFF2-40B4-BE49-F238E27FC236}">
+                <a16:creationId xmlns:a16="http://schemas.microsoft.com/office/drawing/2014/main" id="{329228D9-C0E1-6421-BDCC-85A18C729C35}"/>
+              </a:ext>
+            </a:extLst>
+          </p:cNvPr>
+          <p:cNvSpPr/>
+          <p:nvPr/>
+        </p:nvSpPr>
+        <p:spPr>
+          <a:xfrm>
+            <a:off x="10308747" y="5660483"/>
+            <a:ext cx="1600200" cy="810986"/>
+          </a:xfrm>
+          <a:prstGeom prst="ellipse">
+            <a:avLst/>
+          </a:prstGeom>
+        </p:spPr>
+        <p:style>
+          <a:lnRef idx="2">
+            <a:schemeClr val="dk1"/>
+          </a:lnRef>
+          <a:fillRef idx="1">
+            <a:schemeClr val="lt1"/>
+          </a:fillRef>
+          <a:effectRef idx="0">
+            <a:schemeClr val="dk1"/>
+          </a:effectRef>
+          <a:fontRef idx="minor">
+            <a:schemeClr val="dk1"/>
+          </a:fontRef>
+        </p:style>
+        <p:txBody>
+          <a:bodyPr rtlCol="0" anchor="ctr"/>
+          <a:lstStyle/>
+          <a:p>
+            <a:pPr algn="ctr"/>
+            <a:r>
+              <a:rPr lang="en-US" sz="1400" dirty="0"/>
+              <a:t>Word</a:t>
+            </a:r>
+          </a:p>
+        </p:txBody>
+      </p:sp>
+      <p:sp>
+        <p:nvSpPr>
+          <p:cNvPr id="30" name="Oval 29">
+            <a:extLst>
+              <a:ext uri="{FF2B5EF4-FFF2-40B4-BE49-F238E27FC236}">
+                <a16:creationId xmlns:a16="http://schemas.microsoft.com/office/drawing/2014/main" id="{2DF665DF-5589-B50C-4414-1417D54F9EBC}"/>
+              </a:ext>
+            </a:extLst>
+          </p:cNvPr>
+          <p:cNvSpPr/>
+          <p:nvPr/>
+        </p:nvSpPr>
+        <p:spPr>
+          <a:xfrm>
+            <a:off x="8098947" y="5666601"/>
+            <a:ext cx="1600200" cy="810986"/>
+          </a:xfrm>
+          <a:prstGeom prst="ellipse">
+            <a:avLst/>
+          </a:prstGeom>
+        </p:spPr>
+        <p:style>
+          <a:lnRef idx="2">
+            <a:schemeClr val="dk1"/>
+          </a:lnRef>
+          <a:fillRef idx="1">
+            <a:schemeClr val="lt1"/>
+          </a:fillRef>
+          <a:effectRef idx="0">
+            <a:schemeClr val="dk1"/>
+          </a:effectRef>
+          <a:fontRef idx="minor">
+            <a:schemeClr val="dk1"/>
+          </a:fontRef>
+        </p:style>
+        <p:txBody>
+          <a:bodyPr rtlCol="0" anchor="ctr"/>
+          <a:lstStyle/>
+          <a:p>
+            <a:pPr algn="ctr"/>
+            <a:r>
+              <a:rPr lang="en-US" sz="1600" dirty="0"/>
+              <a:t>Beginning</a:t>
+            </a:r>
+          </a:p>
+        </p:txBody>
+      </p:sp>
+      <p:sp>
+        <p:nvSpPr>
+          <p:cNvPr id="2" name="Title 1">
+            <a:extLst>
+              <a:ext uri="{FF2B5EF4-FFF2-40B4-BE49-F238E27FC236}">
+                <a16:creationId xmlns:a16="http://schemas.microsoft.com/office/drawing/2014/main" id="{F430B769-BE42-F053-F258-1D273EC3467F}"/>
+              </a:ext>
+            </a:extLst>
+          </p:cNvPr>
+          <p:cNvSpPr>
+            <a:spLocks noGrp="1"/>
+          </p:cNvSpPr>
+          <p:nvPr>
+            <p:ph type="title"/>
+          </p:nvPr>
+        </p:nvSpPr>
+        <p:spPr>
+          <a:xfrm>
+            <a:off x="0" y="-17008"/>
+            <a:ext cx="10515600" cy="1325563"/>
+          </a:xfrm>
+        </p:spPr>
+        <p:txBody>
+          <a:bodyPr/>
+          <a:lstStyle/>
+          <a:p>
+            <a:r>
+              <a:rPr lang="en-US" dirty="0"/>
+              <a:t>Application: Keyword Checking</a:t>
+            </a:r>
+          </a:p>
+        </p:txBody>
+      </p:sp>
+      <p:sp>
+        <p:nvSpPr>
+          <p:cNvPr id="3" name="Left Brace 2">
+            <a:extLst>
+              <a:ext uri="{FF2B5EF4-FFF2-40B4-BE49-F238E27FC236}">
+                <a16:creationId xmlns:a16="http://schemas.microsoft.com/office/drawing/2014/main" id="{FD832E3B-E6BD-3E1D-E4D2-AACD1BC51C01}"/>
+              </a:ext>
+            </a:extLst>
+          </p:cNvPr>
+          <p:cNvSpPr/>
+          <p:nvPr/>
+        </p:nvSpPr>
+        <p:spPr>
+          <a:xfrm rot="5400000">
+            <a:off x="2664940" y="2600"/>
+            <a:ext cx="843944" cy="4872033"/>
+          </a:xfrm>
+          <a:prstGeom prst="leftBrace">
+            <a:avLst/>
+          </a:prstGeom>
+        </p:spPr>
+        <p:style>
+          <a:lnRef idx="2">
+            <a:schemeClr val="accent1"/>
+          </a:lnRef>
+          <a:fillRef idx="0">
+            <a:schemeClr val="accent1"/>
+          </a:fillRef>
+          <a:effectRef idx="1">
+            <a:schemeClr val="accent1"/>
+          </a:effectRef>
+          <a:fontRef idx="minor">
+            <a:schemeClr val="tx1"/>
+          </a:fontRef>
+        </p:style>
+        <p:txBody>
+          <a:bodyPr rtlCol="0" anchor="ctr"/>
+          <a:lstStyle/>
+          <a:p>
+            <a:pPr algn="ctr"/>
+            <a:endParaRPr lang="en-US" dirty="0"/>
+          </a:p>
+        </p:txBody>
+      </p:sp>
+      <p:sp>
+        <p:nvSpPr>
+          <p:cNvPr id="4" name="Title 1">
+            <a:extLst>
+              <a:ext uri="{FF2B5EF4-FFF2-40B4-BE49-F238E27FC236}">
+                <a16:creationId xmlns:a16="http://schemas.microsoft.com/office/drawing/2014/main" id="{6BC8D96F-5D09-325C-9B66-A904A947E754}"/>
+              </a:ext>
+            </a:extLst>
+          </p:cNvPr>
+          <p:cNvSpPr txBox="1">
+            <a:spLocks/>
+          </p:cNvSpPr>
+          <p:nvPr/>
+        </p:nvSpPr>
+        <p:spPr>
+          <a:xfrm>
+            <a:off x="2061609" y="1467950"/>
+            <a:ext cx="2307229" cy="573361"/>
+          </a:xfrm>
+          <a:prstGeom prst="rect">
+            <a:avLst/>
+          </a:prstGeom>
+        </p:spPr>
+        <p:txBody>
+          <a:bodyPr vert="horz" lIns="91440" tIns="45720" rIns="91440" bIns="45720" rtlCol="0" anchor="ctr">
+            <a:normAutofit/>
+          </a:bodyPr>
+          <a:lstStyle>
+            <a:lvl1pPr algn="l" defTabSz="914400" rtl="0" eaLnBrk="1" latinLnBrk="0" hangingPunct="1">
+              <a:lnSpc>
+                <a:spcPct val="90000"/>
+              </a:lnSpc>
+              <a:spcBef>
+                <a:spcPct val="0"/>
+              </a:spcBef>
+              <a:buNone/>
+              <a:defRPr sz="4400" kern="1200">
+                <a:solidFill>
+                  <a:schemeClr val="tx1"/>
+                </a:solidFill>
+                <a:latin typeface="+mj-lt"/>
+                <a:ea typeface="+mj-ea"/>
+                <a:cs typeface="+mj-cs"/>
+              </a:defRPr>
+            </a:lvl1pPr>
+          </a:lstStyle>
+          <a:p>
+            <a:r>
+              <a:rPr lang="en-US" sz="3200" dirty="0">
+                <a:solidFill>
+                  <a:schemeClr val="tx2">
+                    <a:lumMod val="75000"/>
+                    <a:lumOff val="25000"/>
+                  </a:schemeClr>
+                </a:solidFill>
+              </a:rPr>
+              <a:t>Tagged Data</a:t>
+            </a:r>
+          </a:p>
+        </p:txBody>
+      </p:sp>
+      <p:cxnSp>
+        <p:nvCxnSpPr>
+          <p:cNvPr id="32" name="Connector: Elbow 31">
+            <a:extLst>
+              <a:ext uri="{FF2B5EF4-FFF2-40B4-BE49-F238E27FC236}">
+                <a16:creationId xmlns:a16="http://schemas.microsoft.com/office/drawing/2014/main" id="{F4A9FE94-35C3-8A7D-1630-375D9C1EFD18}"/>
+              </a:ext>
+            </a:extLst>
+          </p:cNvPr>
+          <p:cNvCxnSpPr>
+            <a:cxnSpLocks/>
+            <a:stCxn id="6" idx="5"/>
+            <a:endCxn id="30" idx="2"/>
+          </p:cNvCxnSpPr>
+          <p:nvPr/>
+        </p:nvCxnSpPr>
+        <p:spPr>
+          <a:xfrm rot="16200000" flipH="1">
+            <a:off x="4388892" y="2362038"/>
+            <a:ext cx="2408075" cy="5012035"/>
+          </a:xfrm>
+          <a:prstGeom prst="bentConnector2">
+            <a:avLst/>
+          </a:prstGeom>
+          <a:ln w="38100" cap="flat" cmpd="sng" algn="ctr">
+            <a:solidFill>
+              <a:srgbClr val="0F9ED5">
+                <a:alpha val="50196"/>
+              </a:srgbClr>
+            </a:solidFill>
+            <a:prstDash val="solid"/>
+            <a:round/>
+            <a:headEnd type="none" w="med" len="med"/>
+            <a:tailEnd type="arrow" w="med" len="med"/>
+          </a:ln>
+        </p:spPr>
+        <p:style>
+          <a:lnRef idx="0">
+            <a:scrgbClr r="0" g="0" b="0"/>
+          </a:lnRef>
+          <a:fillRef idx="0">
+            <a:scrgbClr r="0" g="0" b="0"/>
+          </a:fillRef>
+          <a:effectRef idx="0">
+            <a:scrgbClr r="0" g="0" b="0"/>
+          </a:effectRef>
+          <a:fontRef idx="minor">
+            <a:schemeClr val="tx1"/>
+          </a:fontRef>
+        </p:style>
+      </p:cxnSp>
+      <p:sp>
+        <p:nvSpPr>
+          <p:cNvPr id="49" name="Left Brace 48">
+            <a:extLst>
+              <a:ext uri="{FF2B5EF4-FFF2-40B4-BE49-F238E27FC236}">
+                <a16:creationId xmlns:a16="http://schemas.microsoft.com/office/drawing/2014/main" id="{0B691127-2859-EF5F-F29E-2807C3D4D1A8}"/>
+              </a:ext>
+            </a:extLst>
+          </p:cNvPr>
+          <p:cNvSpPr/>
+          <p:nvPr/>
+        </p:nvSpPr>
+        <p:spPr>
+          <a:xfrm rot="5400000">
+            <a:off x="9236013" y="-408111"/>
+            <a:ext cx="843944" cy="4872033"/>
+          </a:xfrm>
+          <a:prstGeom prst="leftBrace">
+            <a:avLst/>
+          </a:prstGeom>
+        </p:spPr>
+        <p:style>
+          <a:lnRef idx="2">
+            <a:schemeClr val="accent1"/>
+          </a:lnRef>
+          <a:fillRef idx="0">
+            <a:schemeClr val="accent1"/>
+          </a:fillRef>
+          <a:effectRef idx="1">
+            <a:schemeClr val="accent1"/>
+          </a:effectRef>
+          <a:fontRef idx="minor">
+            <a:schemeClr val="tx1"/>
+          </a:fontRef>
+        </p:style>
+        <p:txBody>
+          <a:bodyPr rtlCol="0" anchor="ctr"/>
+          <a:lstStyle/>
+          <a:p>
+            <a:pPr algn="ctr"/>
+            <a:endParaRPr lang="en-US" dirty="0"/>
+          </a:p>
+        </p:txBody>
+      </p:sp>
+      <p:sp>
+        <p:nvSpPr>
+          <p:cNvPr id="50" name="Title 1">
+            <a:extLst>
+              <a:ext uri="{FF2B5EF4-FFF2-40B4-BE49-F238E27FC236}">
+                <a16:creationId xmlns:a16="http://schemas.microsoft.com/office/drawing/2014/main" id="{43A5E3D2-3A4B-2654-269C-260A05755B2F}"/>
+              </a:ext>
+            </a:extLst>
+          </p:cNvPr>
+          <p:cNvSpPr txBox="1">
+            <a:spLocks/>
+          </p:cNvSpPr>
+          <p:nvPr/>
+        </p:nvSpPr>
+        <p:spPr>
+          <a:xfrm>
+            <a:off x="8649085" y="1035290"/>
+            <a:ext cx="2964359" cy="573361"/>
+          </a:xfrm>
+          <a:prstGeom prst="rect">
+            <a:avLst/>
+          </a:prstGeom>
+        </p:spPr>
+        <p:txBody>
+          <a:bodyPr vert="horz" lIns="91440" tIns="45720" rIns="91440" bIns="45720" rtlCol="0" anchor="ctr">
+            <a:normAutofit/>
+          </a:bodyPr>
+          <a:lstStyle>
+            <a:lvl1pPr algn="l" defTabSz="914400" rtl="0" eaLnBrk="1" latinLnBrk="0" hangingPunct="1">
+              <a:lnSpc>
+                <a:spcPct val="90000"/>
+              </a:lnSpc>
+              <a:spcBef>
+                <a:spcPct val="0"/>
+              </a:spcBef>
+              <a:buNone/>
+              <a:defRPr sz="4400" kern="1200">
+                <a:solidFill>
+                  <a:schemeClr val="tx1"/>
+                </a:solidFill>
+                <a:latin typeface="+mj-lt"/>
+                <a:ea typeface="+mj-ea"/>
+                <a:cs typeface="+mj-cs"/>
+              </a:defRPr>
+            </a:lvl1pPr>
+          </a:lstStyle>
+          <a:p>
+            <a:r>
+              <a:rPr lang="en-US" sz="3200" dirty="0">
+                <a:solidFill>
+                  <a:schemeClr val="tx2">
+                    <a:lumMod val="75000"/>
+                    <a:lumOff val="25000"/>
+                  </a:schemeClr>
+                </a:solidFill>
+              </a:rPr>
+              <a:t>Check a text</a:t>
+            </a:r>
+          </a:p>
+        </p:txBody>
+      </p:sp>
+      <p:sp>
+        <p:nvSpPr>
+          <p:cNvPr id="55" name="Freeform: Shape 54">
+            <a:extLst>
+              <a:ext uri="{FF2B5EF4-FFF2-40B4-BE49-F238E27FC236}">
+                <a16:creationId xmlns:a16="http://schemas.microsoft.com/office/drawing/2014/main" id="{025B9512-6787-82E1-C373-EC110C4B94FD}"/>
+              </a:ext>
+            </a:extLst>
+          </p:cNvPr>
+          <p:cNvSpPr/>
+          <p:nvPr/>
+        </p:nvSpPr>
+        <p:spPr>
+          <a:xfrm>
+            <a:off x="6063199" y="1266021"/>
+            <a:ext cx="881460" cy="5557421"/>
+          </a:xfrm>
+          <a:custGeom>
+            <a:avLst/>
+            <a:gdLst>
+              <a:gd name="connsiteX0" fmla="*/ 153274 w 881460"/>
+              <a:gd name="connsiteY0" fmla="*/ 0 h 5557421"/>
+              <a:gd name="connsiteX1" fmla="*/ 623790 w 881460"/>
+              <a:gd name="connsiteY1" fmla="*/ 674703 h 5557421"/>
+              <a:gd name="connsiteX2" fmla="*/ 46742 w 881460"/>
+              <a:gd name="connsiteY2" fmla="*/ 1154097 h 5557421"/>
+              <a:gd name="connsiteX3" fmla="*/ 881243 w 881460"/>
+              <a:gd name="connsiteY3" fmla="*/ 1775534 h 5557421"/>
+              <a:gd name="connsiteX4" fmla="*/ 135519 w 881460"/>
+              <a:gd name="connsiteY4" fmla="*/ 2281561 h 5557421"/>
+              <a:gd name="connsiteX5" fmla="*/ 783589 w 881460"/>
+              <a:gd name="connsiteY5" fmla="*/ 2849732 h 5557421"/>
+              <a:gd name="connsiteX6" fmla="*/ 277561 w 881460"/>
+              <a:gd name="connsiteY6" fmla="*/ 3355759 h 5557421"/>
+              <a:gd name="connsiteX7" fmla="*/ 845732 w 881460"/>
+              <a:gd name="connsiteY7" fmla="*/ 3870664 h 5557421"/>
+              <a:gd name="connsiteX8" fmla="*/ 2354 w 881460"/>
+              <a:gd name="connsiteY8" fmla="*/ 4545367 h 5557421"/>
+              <a:gd name="connsiteX9" fmla="*/ 579402 w 881460"/>
+              <a:gd name="connsiteY9" fmla="*/ 4962617 h 5557421"/>
+              <a:gd name="connsiteX10" fmla="*/ 144396 w 881460"/>
+              <a:gd name="connsiteY10" fmla="*/ 5557421 h 5557421"/>
+            </a:gdLst>
+            <a:ahLst/>
+            <a:cxnLst>
+              <a:cxn ang="0">
+                <a:pos x="connsiteX0" y="connsiteY0"/>
+              </a:cxn>
+              <a:cxn ang="0">
+                <a:pos x="connsiteX1" y="connsiteY1"/>
+              </a:cxn>
+              <a:cxn ang="0">
+                <a:pos x="connsiteX2" y="connsiteY2"/>
+              </a:cxn>
+              <a:cxn ang="0">
+                <a:pos x="connsiteX3" y="connsiteY3"/>
+              </a:cxn>
+              <a:cxn ang="0">
+                <a:pos x="connsiteX4" y="connsiteY4"/>
+              </a:cxn>
+              <a:cxn ang="0">
+                <a:pos x="connsiteX5" y="connsiteY5"/>
+              </a:cxn>
+              <a:cxn ang="0">
+                <a:pos x="connsiteX6" y="connsiteY6"/>
+              </a:cxn>
+              <a:cxn ang="0">
+                <a:pos x="connsiteX7" y="connsiteY7"/>
+              </a:cxn>
+              <a:cxn ang="0">
+                <a:pos x="connsiteX8" y="connsiteY8"/>
+              </a:cxn>
+              <a:cxn ang="0">
+                <a:pos x="connsiteX9" y="connsiteY9"/>
+              </a:cxn>
+              <a:cxn ang="0">
+                <a:pos x="connsiteX10" y="connsiteY10"/>
+              </a:cxn>
+            </a:cxnLst>
+            <a:rect l="l" t="t" r="r" b="b"/>
+            <a:pathLst>
+              <a:path w="881460" h="5557421">
+                <a:moveTo>
+                  <a:pt x="153274" y="0"/>
+                </a:moveTo>
+                <a:cubicBezTo>
+                  <a:pt x="397409" y="241177"/>
+                  <a:pt x="641545" y="482354"/>
+                  <a:pt x="623790" y="674703"/>
+                </a:cubicBezTo>
+                <a:cubicBezTo>
+                  <a:pt x="606035" y="867053"/>
+                  <a:pt x="3833" y="970625"/>
+                  <a:pt x="46742" y="1154097"/>
+                </a:cubicBezTo>
+                <a:cubicBezTo>
+                  <a:pt x="89651" y="1337569"/>
+                  <a:pt x="866447" y="1587623"/>
+                  <a:pt x="881243" y="1775534"/>
+                </a:cubicBezTo>
+                <a:cubicBezTo>
+                  <a:pt x="896039" y="1963445"/>
+                  <a:pt x="151795" y="2102528"/>
+                  <a:pt x="135519" y="2281561"/>
+                </a:cubicBezTo>
+                <a:cubicBezTo>
+                  <a:pt x="119243" y="2460594"/>
+                  <a:pt x="759915" y="2670699"/>
+                  <a:pt x="783589" y="2849732"/>
+                </a:cubicBezTo>
+                <a:cubicBezTo>
+                  <a:pt x="807263" y="3028765"/>
+                  <a:pt x="267204" y="3185604"/>
+                  <a:pt x="277561" y="3355759"/>
+                </a:cubicBezTo>
+                <a:cubicBezTo>
+                  <a:pt x="287918" y="3525914"/>
+                  <a:pt x="891600" y="3672396"/>
+                  <a:pt x="845732" y="3870664"/>
+                </a:cubicBezTo>
+                <a:cubicBezTo>
+                  <a:pt x="799864" y="4068932"/>
+                  <a:pt x="46742" y="4363375"/>
+                  <a:pt x="2354" y="4545367"/>
+                </a:cubicBezTo>
+                <a:cubicBezTo>
+                  <a:pt x="-42034" y="4727359"/>
+                  <a:pt x="555728" y="4793941"/>
+                  <a:pt x="579402" y="4962617"/>
+                </a:cubicBezTo>
+                <a:cubicBezTo>
+                  <a:pt x="603076" y="5131293"/>
+                  <a:pt x="373736" y="5344357"/>
+                  <a:pt x="144396" y="5557421"/>
+                </a:cubicBezTo>
+              </a:path>
+            </a:pathLst>
+          </a:custGeom>
+          <a:ln/>
+        </p:spPr>
+        <p:style>
+          <a:lnRef idx="3">
+            <a:schemeClr val="accent2"/>
+          </a:lnRef>
+          <a:fillRef idx="0">
+            <a:schemeClr val="accent2"/>
+          </a:fillRef>
+          <a:effectRef idx="2">
+            <a:schemeClr val="accent2"/>
+          </a:effectRef>
+          <a:fontRef idx="minor">
+            <a:schemeClr val="tx1"/>
+          </a:fontRef>
+        </p:style>
+        <p:txBody>
+          <a:bodyPr rtlCol="0" anchor="ctr"/>
+          <a:lstStyle/>
+          <a:p>
+            <a:pPr algn="ctr"/>
+            <a:endParaRPr lang="en-US"/>
+          </a:p>
+        </p:txBody>
+      </p:sp>
+    </p:spTree>
+    <p:extLst>
+      <p:ext uri="{BB962C8B-B14F-4D97-AF65-F5344CB8AC3E}">
+        <p14:creationId xmlns:p14="http://schemas.microsoft.com/office/powerpoint/2010/main" val="2411191158"/>
+      </p:ext>
+    </p:extLst>
+  </p:cSld>
+  <p:clrMapOvr>
+    <a:masterClrMapping/>
+  </p:clrMapOvr>
+</p:sld>
+</file>
+
+<file path=ppt/slides/slide24.xml><?xml version="1.0" encoding="utf-8"?>
 <p:sld xmlns:a="http://schemas.openxmlformats.org/drawingml/2006/main" xmlns:r="http://schemas.openxmlformats.org/officeDocument/2006/relationships" xmlns:p="http://schemas.openxmlformats.org/presentationml/2006/main">
   <p:cSld>
     <p:spTree>
@@ -7918,7 +9494,7 @@
 </p:sld>
 </file>
 
-<file path=ppt/slides/slide22.xml><?xml version="1.0" encoding="utf-8"?>
+<file path=ppt/slides/slide25.xml><?xml version="1.0" encoding="utf-8"?>
 <p:sld xmlns:a="http://schemas.openxmlformats.org/drawingml/2006/main" xmlns:r="http://schemas.openxmlformats.org/officeDocument/2006/relationships" xmlns:p="http://schemas.openxmlformats.org/presentationml/2006/main">
   <p:cSld>
     <p:spTree>
@@ -8046,7 +9622,7 @@
 </p:sld>
 </file>
 
-<file path=ppt/slides/slide23.xml><?xml version="1.0" encoding="utf-8"?>
+<file path=ppt/slides/slide26.xml><?xml version="1.0" encoding="utf-8"?>
 <p:sld xmlns:a="http://schemas.openxmlformats.org/drawingml/2006/main" xmlns:r="http://schemas.openxmlformats.org/officeDocument/2006/relationships" xmlns:p="http://schemas.openxmlformats.org/presentationml/2006/main">
   <p:cSld>
     <p:spTree>
@@ -8235,13 +9811,7 @@
   <p:cSld>
     <p:spTree>
       <p:nvGrpSpPr>
-        <p:cNvPr id="1" name="">
-          <a:extLst>
-            <a:ext uri="{FF2B5EF4-FFF2-40B4-BE49-F238E27FC236}">
-              <a16:creationId xmlns:a16="http://schemas.microsoft.com/office/drawing/2014/main" id="{22DF9C79-3E28-99C8-7637-4083F42174A5}"/>
-            </a:ext>
-          </a:extLst>
-        </p:cNvPr>
+        <p:cNvPr id="1" name=""/>
         <p:cNvGrpSpPr/>
         <p:nvPr/>
       </p:nvGrpSpPr>
@@ -8253,309 +9823,12 @@
           <a:chExt cx="0" cy="0"/>
         </a:xfrm>
       </p:grpSpPr>
-      <p:sp>
-        <p:nvSpPr>
-          <p:cNvPr id="2" name="Title 1">
-            <a:extLst>
-              <a:ext uri="{FF2B5EF4-FFF2-40B4-BE49-F238E27FC236}">
-                <a16:creationId xmlns:a16="http://schemas.microsoft.com/office/drawing/2014/main" id="{3111F55A-5E9D-E1FD-1E9E-E03CF38D1192}"/>
-              </a:ext>
-            </a:extLst>
-          </p:cNvPr>
-          <p:cNvSpPr>
-            <a:spLocks noGrp="1"/>
-          </p:cNvSpPr>
-          <p:nvPr>
-            <p:ph type="title"/>
-          </p:nvPr>
-        </p:nvSpPr>
-        <p:spPr/>
-        <p:txBody>
-          <a:bodyPr/>
-          <a:lstStyle/>
-          <a:p>
-            <a:r>
-              <a:rPr lang="en-US" dirty="0" err="1"/>
-              <a:t>uW</a:t>
-            </a:r>
-            <a:r>
-              <a:rPr lang="en-US" dirty="0"/>
-              <a:t> Hackathon – 2024</a:t>
-            </a:r>
-          </a:p>
-        </p:txBody>
-      </p:sp>
-      <p:sp>
-        <p:nvSpPr>
-          <p:cNvPr id="3" name="Content Placeholder 2">
-            <a:extLst>
-              <a:ext uri="{FF2B5EF4-FFF2-40B4-BE49-F238E27FC236}">
-                <a16:creationId xmlns:a16="http://schemas.microsoft.com/office/drawing/2014/main" id="{6897B471-8C70-2B80-6711-11F968847A27}"/>
-              </a:ext>
-            </a:extLst>
-          </p:cNvPr>
-          <p:cNvSpPr>
-            <a:spLocks noGrp="1"/>
-          </p:cNvSpPr>
-          <p:nvPr>
-            <p:ph idx="1"/>
-          </p:nvPr>
-        </p:nvSpPr>
-        <p:spPr>
-          <a:xfrm>
-            <a:off x="328246" y="2076167"/>
-            <a:ext cx="11025554" cy="4511064"/>
-          </a:xfrm>
-        </p:spPr>
-        <p:txBody>
-          <a:bodyPr>
-            <a:normAutofit/>
-          </a:bodyPr>
-          <a:lstStyle/>
-          <a:p>
-            <a:pPr marL="0" indent="0">
-              <a:lnSpc>
-                <a:spcPct val="120000"/>
-              </a:lnSpc>
-              <a:buNone/>
-            </a:pPr>
-            <a:r>
-              <a:rPr lang="en-US" sz="3600" dirty="0">
-                <a:latin typeface="Georgia" panose="02040502050405020303" pitchFamily="18" charset="0"/>
-              </a:rPr>
-              <a:t>Keyword checking prototype </a:t>
-            </a:r>
-          </a:p>
-          <a:p>
-            <a:pPr marL="0" indent="0">
-              <a:lnSpc>
-                <a:spcPct val="120000"/>
-              </a:lnSpc>
-              <a:buNone/>
-            </a:pPr>
-            <a:r>
-              <a:rPr lang="en-US" sz="3600" dirty="0">
-                <a:latin typeface="Georgia" panose="02040502050405020303" pitchFamily="18" charset="0"/>
-              </a:rPr>
-              <a:t>AKA – “Is this thing on?”</a:t>
-            </a:r>
-          </a:p>
-        </p:txBody>
-      </p:sp>
       <p:pic>
         <p:nvPicPr>
-          <p:cNvPr id="6" name="Picture 5" descr="A person standing on a stage holding a box with a microphone&#10;&#10;Description automatically generated">
-            <a:extLst>
-              <a:ext uri="{FF2B5EF4-FFF2-40B4-BE49-F238E27FC236}">
-                <a16:creationId xmlns:a16="http://schemas.microsoft.com/office/drawing/2014/main" id="{BA41436D-E2B5-32E3-074C-4D0A7FA9BEC1}"/>
-              </a:ext>
-            </a:extLst>
-          </p:cNvPr>
-          <p:cNvPicPr>
-            <a:picLocks noChangeAspect="1"/>
-          </p:cNvPicPr>
-          <p:nvPr/>
-        </p:nvPicPr>
-        <p:blipFill>
-          <a:blip r:embed="rId2">
-            <a:extLst>
-              <a:ext uri="{28A0092B-C50C-407E-A947-70E740481C1C}">
-                <a14:useLocalDpi xmlns:a14="http://schemas.microsoft.com/office/drawing/2010/main" val="0"/>
-              </a:ext>
-            </a:extLst>
-          </a:blip>
-          <a:stretch>
-            <a:fillRect/>
-          </a:stretch>
-        </p:blipFill>
-        <p:spPr>
-          <a:xfrm>
-            <a:off x="7246815" y="2076167"/>
-            <a:ext cx="4763477" cy="4763477"/>
-          </a:xfrm>
-          <a:prstGeom prst="rect">
-            <a:avLst/>
-          </a:prstGeom>
-        </p:spPr>
-      </p:pic>
-    </p:spTree>
-    <p:extLst>
-      <p:ext uri="{BB962C8B-B14F-4D97-AF65-F5344CB8AC3E}">
-        <p14:creationId xmlns:p14="http://schemas.microsoft.com/office/powerpoint/2010/main" val="907859234"/>
-      </p:ext>
-    </p:extLst>
-  </p:cSld>
-  <p:clrMapOvr>
-    <a:masterClrMapping/>
-  </p:clrMapOvr>
-</p:sld>
-</file>
-
-<file path=ppt/slides/slide4.xml><?xml version="1.0" encoding="utf-8"?>
-<p:sld xmlns:a="http://schemas.openxmlformats.org/drawingml/2006/main" xmlns:r="http://schemas.openxmlformats.org/officeDocument/2006/relationships" xmlns:p="http://schemas.openxmlformats.org/presentationml/2006/main">
-  <p:cSld>
-    <p:spTree>
-      <p:nvGrpSpPr>
-        <p:cNvPr id="1" name="">
-          <a:extLst>
-            <a:ext uri="{FF2B5EF4-FFF2-40B4-BE49-F238E27FC236}">
-              <a16:creationId xmlns:a16="http://schemas.microsoft.com/office/drawing/2014/main" id="{0EA09A20-E3F8-FA3B-6E2C-A5A930467781}"/>
-            </a:ext>
-          </a:extLst>
-        </p:cNvPr>
-        <p:cNvGrpSpPr/>
-        <p:nvPr/>
-      </p:nvGrpSpPr>
-      <p:grpSpPr>
-        <a:xfrm>
-          <a:off x="0" y="0"/>
-          <a:ext cx="0" cy="0"/>
-          <a:chOff x="0" y="0"/>
-          <a:chExt cx="0" cy="0"/>
-        </a:xfrm>
-      </p:grpSpPr>
-      <p:sp>
-        <p:nvSpPr>
-          <p:cNvPr id="3" name="Content Placeholder 2">
-            <a:extLst>
-              <a:ext uri="{FF2B5EF4-FFF2-40B4-BE49-F238E27FC236}">
-                <a16:creationId xmlns:a16="http://schemas.microsoft.com/office/drawing/2014/main" id="{9D090549-E39A-95CD-1921-17A8F4E3F1A5}"/>
-              </a:ext>
-            </a:extLst>
-          </p:cNvPr>
-          <p:cNvSpPr>
-            <a:spLocks noGrp="1"/>
-          </p:cNvSpPr>
-          <p:nvPr>
-            <p:ph idx="1"/>
-          </p:nvPr>
-        </p:nvSpPr>
-        <p:spPr/>
-        <p:txBody>
-          <a:bodyPr>
-            <a:normAutofit/>
-          </a:bodyPr>
-          <a:lstStyle/>
-          <a:p>
-            <a:pPr marL="0" indent="0">
-              <a:buNone/>
-            </a:pPr>
-            <a:r>
-              <a:rPr lang="en-US" dirty="0"/>
-              <a:t>Method:</a:t>
-            </a:r>
-          </a:p>
-          <a:p>
-            <a:pPr marL="0" indent="0">
-              <a:buNone/>
-            </a:pPr>
-            <a:r>
-              <a:rPr lang="en-US" dirty="0"/>
-              <a:t>Python packages:</a:t>
-            </a:r>
-          </a:p>
-          <a:p>
-            <a:pPr marL="0" indent="0">
-              <a:buNone/>
-            </a:pPr>
-            <a:r>
-              <a:rPr lang="en-US" dirty="0"/>
-              <a:t>- </a:t>
-            </a:r>
-            <a:r>
-              <a:rPr lang="en-US" dirty="0" err="1"/>
-              <a:t>librosa</a:t>
-            </a:r>
-            <a:r>
-              <a:rPr lang="en-US" dirty="0"/>
-              <a:t>	Encoding audio data</a:t>
-            </a:r>
-          </a:p>
-          <a:p>
-            <a:pPr marL="0" indent="0">
-              <a:buNone/>
-            </a:pPr>
-            <a:endParaRPr lang="en-US" dirty="0"/>
-          </a:p>
-          <a:p>
-            <a:pPr marL="514350" indent="-514350">
-              <a:buAutoNum type="arabicPeriod"/>
-            </a:pPr>
-            <a:r>
-              <a:rPr lang="en-US" dirty="0"/>
-              <a:t>Collect the Data</a:t>
-            </a:r>
-          </a:p>
-          <a:p>
-            <a:pPr marL="514350" indent="-514350">
-              <a:buAutoNum type="arabicPeriod"/>
-            </a:pPr>
-            <a:r>
-              <a:rPr lang="en-US" dirty="0"/>
-              <a:t>Clean the Data</a:t>
-            </a:r>
-          </a:p>
-          <a:p>
-            <a:pPr marL="514350" indent="-514350">
-              <a:buAutoNum type="arabicPeriod"/>
-            </a:pPr>
-            <a:r>
-              <a:rPr lang="en-US" dirty="0"/>
-              <a:t>Explore/Visualize the Data</a:t>
-            </a:r>
-          </a:p>
-          <a:p>
-            <a:pPr marL="0" indent="0">
-              <a:buNone/>
-            </a:pPr>
-            <a:endParaRPr lang="en-US" dirty="0"/>
-          </a:p>
-          <a:p>
-            <a:pPr marL="0" indent="0">
-              <a:buNone/>
-            </a:pPr>
-            <a:endParaRPr lang="en-US" dirty="0"/>
-          </a:p>
-        </p:txBody>
-      </p:sp>
-      <p:sp>
-        <p:nvSpPr>
-          <p:cNvPr id="2" name="Title 1">
-            <a:extLst>
-              <a:ext uri="{FF2B5EF4-FFF2-40B4-BE49-F238E27FC236}">
-                <a16:creationId xmlns:a16="http://schemas.microsoft.com/office/drawing/2014/main" id="{186F3137-2A61-B919-17E2-7AE5D8C49FDE}"/>
-              </a:ext>
-            </a:extLst>
-          </p:cNvPr>
-          <p:cNvSpPr>
-            <a:spLocks noGrp="1"/>
-          </p:cNvSpPr>
-          <p:nvPr>
-            <p:ph type="title"/>
-          </p:nvPr>
-        </p:nvSpPr>
-        <p:spPr/>
-        <p:txBody>
-          <a:bodyPr/>
-          <a:lstStyle/>
-          <a:p>
-            <a:r>
-              <a:rPr lang="en-US" dirty="0" err="1"/>
-              <a:t>uW</a:t>
-            </a:r>
-            <a:r>
-              <a:rPr lang="en-US" dirty="0"/>
-              <a:t> Hackathon – 2024</a:t>
-            </a:r>
-          </a:p>
-        </p:txBody>
-      </p:sp>
-      <p:pic>
-        <p:nvPicPr>
-          <p:cNvPr id="5" name="Picture 4" descr="A red and white tag with white text&#10;&#10;Description automatically generated">
-            <a:extLst>
-              <a:ext uri="{FF2B5EF4-FFF2-40B4-BE49-F238E27FC236}">
-                <a16:creationId xmlns:a16="http://schemas.microsoft.com/office/drawing/2014/main" id="{AED5D47C-E738-287E-2DDC-2F4377258A6C}"/>
+          <p:cNvPr id="4" name="Picture 3" descr="A red and white tag with white text&#10;&#10;Description automatically generated">
+            <a:extLst>
+              <a:ext uri="{FF2B5EF4-FFF2-40B4-BE49-F238E27FC236}">
+                <a16:creationId xmlns:a16="http://schemas.microsoft.com/office/drawing/2014/main" id="{313D0BEF-8832-B8D9-7049-8CC881A865DF}"/>
               </a:ext>
             </a:extLst>
           </p:cNvPr>
@@ -8606,6 +9879,606 @@
         </p:blipFill>
         <p:spPr>
           <a:xfrm>
+            <a:off x="11117020" y="1210280"/>
+            <a:ext cx="473560" cy="473560"/>
+          </a:xfrm>
+          <a:prstGeom prst="rect">
+            <a:avLst/>
+          </a:prstGeom>
+        </p:spPr>
+      </p:pic>
+      <p:sp>
+        <p:nvSpPr>
+          <p:cNvPr id="2" name="Title 1">
+            <a:extLst>
+              <a:ext uri="{FF2B5EF4-FFF2-40B4-BE49-F238E27FC236}">
+                <a16:creationId xmlns:a16="http://schemas.microsoft.com/office/drawing/2014/main" id="{EA0BC1A9-8C74-C12D-AE26-0CECF3AC337F}"/>
+              </a:ext>
+            </a:extLst>
+          </p:cNvPr>
+          <p:cNvSpPr>
+            <a:spLocks noGrp="1"/>
+          </p:cNvSpPr>
+          <p:nvPr>
+            <p:ph type="title"/>
+          </p:nvPr>
+        </p:nvSpPr>
+        <p:spPr/>
+        <p:txBody>
+          <a:bodyPr/>
+          <a:lstStyle/>
+          <a:p>
+            <a:r>
+              <a:rPr lang="en-US" dirty="0" err="1"/>
+              <a:t>uW</a:t>
+            </a:r>
+            <a:r>
+              <a:rPr lang="en-US" dirty="0"/>
+              <a:t> Hackathon – 2024</a:t>
+            </a:r>
+          </a:p>
+        </p:txBody>
+      </p:sp>
+      <p:sp>
+        <p:nvSpPr>
+          <p:cNvPr id="3" name="Content Placeholder 2">
+            <a:extLst>
+              <a:ext uri="{FF2B5EF4-FFF2-40B4-BE49-F238E27FC236}">
+                <a16:creationId xmlns:a16="http://schemas.microsoft.com/office/drawing/2014/main" id="{9079AC02-C927-3E35-AD9B-4E0DB5785BD8}"/>
+              </a:ext>
+            </a:extLst>
+          </p:cNvPr>
+          <p:cNvSpPr>
+            <a:spLocks noGrp="1"/>
+          </p:cNvSpPr>
+          <p:nvPr>
+            <p:ph idx="1"/>
+          </p:nvPr>
+        </p:nvSpPr>
+        <p:spPr>
+          <a:xfrm>
+            <a:off x="1180730" y="1447060"/>
+            <a:ext cx="10173070" cy="5140171"/>
+          </a:xfrm>
+        </p:spPr>
+        <p:txBody>
+          <a:bodyPr>
+            <a:normAutofit/>
+          </a:bodyPr>
+          <a:lstStyle/>
+          <a:p>
+            <a:pPr marL="0" indent="0">
+              <a:lnSpc>
+                <a:spcPct val="120000"/>
+              </a:lnSpc>
+              <a:buNone/>
+            </a:pPr>
+            <a:r>
+              <a:rPr lang="en-US" sz="2000" b="1" dirty="0">
+                <a:latin typeface="Georgia" panose="02040502050405020303" pitchFamily="18" charset="0"/>
+              </a:rPr>
+              <a:t>Thesis</a:t>
+            </a:r>
+            <a:r>
+              <a:rPr lang="en-US" sz="2000" dirty="0">
+                <a:latin typeface="Georgia" panose="02040502050405020303" pitchFamily="18" charset="0"/>
+              </a:rPr>
+              <a:t>: Find a stable method for recognizing individual words in low-resource languages.</a:t>
+            </a:r>
+          </a:p>
+          <a:p>
+            <a:pPr marL="0" indent="0">
+              <a:lnSpc>
+                <a:spcPct val="120000"/>
+              </a:lnSpc>
+              <a:buNone/>
+            </a:pPr>
+            <a:endParaRPr lang="en-US" sz="2000" dirty="0">
+              <a:latin typeface="Georgia" panose="02040502050405020303" pitchFamily="18" charset="0"/>
+            </a:endParaRPr>
+          </a:p>
+          <a:p>
+            <a:pPr marL="0" indent="0">
+              <a:lnSpc>
+                <a:spcPct val="120000"/>
+              </a:lnSpc>
+              <a:buNone/>
+            </a:pPr>
+            <a:r>
+              <a:rPr lang="en-US" sz="2000" b="1" dirty="0">
+                <a:latin typeface="Georgia" panose="02040502050405020303" pitchFamily="18" charset="0"/>
+              </a:rPr>
+              <a:t>Definitions:</a:t>
+            </a:r>
+          </a:p>
+          <a:p>
+            <a:pPr marL="0" indent="0">
+              <a:lnSpc>
+                <a:spcPct val="120000"/>
+              </a:lnSpc>
+              <a:buNone/>
+            </a:pPr>
+            <a:r>
+              <a:rPr lang="en-US" sz="2000" b="1" dirty="0">
+                <a:latin typeface="Georgia" panose="02040502050405020303" pitchFamily="18" charset="0"/>
+              </a:rPr>
+              <a:t>Low-resource language</a:t>
+            </a:r>
+            <a:r>
+              <a:rPr lang="en-US" sz="2000" dirty="0">
+                <a:latin typeface="Georgia" panose="02040502050405020303" pitchFamily="18" charset="0"/>
+              </a:rPr>
+              <a:t>: A language that does </a:t>
+            </a:r>
+            <a:r>
+              <a:rPr lang="en-US" sz="2000" i="1" dirty="0">
+                <a:latin typeface="Georgia" panose="02040502050405020303" pitchFamily="18" charset="0"/>
+              </a:rPr>
+              <a:t>not</a:t>
+            </a:r>
+            <a:r>
+              <a:rPr lang="en-US" sz="2000" dirty="0">
+                <a:latin typeface="Georgia" panose="02040502050405020303" pitchFamily="18" charset="0"/>
+              </a:rPr>
+              <a:t> have open, available models for LLM, speech-to-text, and text-to-speech.</a:t>
+            </a:r>
+          </a:p>
+          <a:p>
+            <a:pPr marL="0" indent="0">
+              <a:lnSpc>
+                <a:spcPct val="120000"/>
+              </a:lnSpc>
+              <a:buNone/>
+            </a:pPr>
+            <a:endParaRPr lang="en-US" sz="2000" dirty="0">
+              <a:latin typeface="Georgia" panose="02040502050405020303" pitchFamily="18" charset="0"/>
+            </a:endParaRPr>
+          </a:p>
+          <a:p>
+            <a:pPr marL="0" indent="0">
+              <a:lnSpc>
+                <a:spcPct val="120000"/>
+              </a:lnSpc>
+              <a:buNone/>
+            </a:pPr>
+            <a:r>
+              <a:rPr lang="en-US" sz="2000" b="1" dirty="0">
+                <a:latin typeface="Georgia" panose="02040502050405020303" pitchFamily="18" charset="0"/>
+              </a:rPr>
+              <a:t>Stable model</a:t>
+            </a:r>
+            <a:r>
+              <a:rPr lang="en-US" sz="2000" dirty="0">
+                <a:latin typeface="Georgia" panose="02040502050405020303" pitchFamily="18" charset="0"/>
+              </a:rPr>
+              <a:t>: the solution to be independent of </a:t>
+            </a:r>
+            <a:r>
+              <a:rPr lang="en-US" sz="2000" b="1" dirty="0">
+                <a:latin typeface="Georgia" panose="02040502050405020303" pitchFamily="18" charset="0"/>
+              </a:rPr>
+              <a:t>tone, volume, speed, or the speaker's gender</a:t>
+            </a:r>
+            <a:r>
+              <a:rPr lang="en-US" sz="2000" dirty="0">
+                <a:latin typeface="Georgia" panose="02040502050405020303" pitchFamily="18" charset="0"/>
+              </a:rPr>
+              <a:t>.</a:t>
+            </a:r>
+          </a:p>
+          <a:p>
+            <a:pPr marL="0" indent="0">
+              <a:lnSpc>
+                <a:spcPct val="120000"/>
+              </a:lnSpc>
+              <a:buNone/>
+            </a:pPr>
+            <a:endParaRPr lang="en-US" sz="2000" dirty="0">
+              <a:latin typeface="Georgia" panose="02040502050405020303" pitchFamily="18" charset="0"/>
+            </a:endParaRPr>
+          </a:p>
+          <a:p>
+            <a:pPr marL="0" indent="0">
+              <a:lnSpc>
+                <a:spcPct val="120000"/>
+              </a:lnSpc>
+              <a:buNone/>
+            </a:pPr>
+            <a:endParaRPr lang="en-US" sz="2000" dirty="0">
+              <a:latin typeface="Georgia" panose="02040502050405020303" pitchFamily="18" charset="0"/>
+            </a:endParaRPr>
+          </a:p>
+        </p:txBody>
+      </p:sp>
+    </p:spTree>
+    <p:extLst>
+      <p:ext uri="{BB962C8B-B14F-4D97-AF65-F5344CB8AC3E}">
+        <p14:creationId xmlns:p14="http://schemas.microsoft.com/office/powerpoint/2010/main" val="488238032"/>
+      </p:ext>
+    </p:extLst>
+  </p:cSld>
+  <p:clrMapOvr>
+    <a:masterClrMapping/>
+  </p:clrMapOvr>
+</p:sld>
+</file>
+
+<file path=ppt/slides/slide4.xml><?xml version="1.0" encoding="utf-8"?>
+<p:sld xmlns:a="http://schemas.openxmlformats.org/drawingml/2006/main" xmlns:r="http://schemas.openxmlformats.org/officeDocument/2006/relationships" xmlns:p="http://schemas.openxmlformats.org/presentationml/2006/main">
+  <p:cSld>
+    <p:spTree>
+      <p:nvGrpSpPr>
+        <p:cNvPr id="1" name="">
+          <a:extLst>
+            <a:ext uri="{FF2B5EF4-FFF2-40B4-BE49-F238E27FC236}">
+              <a16:creationId xmlns:a16="http://schemas.microsoft.com/office/drawing/2014/main" id="{22DF9C79-3E28-99C8-7637-4083F42174A5}"/>
+            </a:ext>
+          </a:extLst>
+        </p:cNvPr>
+        <p:cNvGrpSpPr/>
+        <p:nvPr/>
+      </p:nvGrpSpPr>
+      <p:grpSpPr>
+        <a:xfrm>
+          <a:off x="0" y="0"/>
+          <a:ext cx="0" cy="0"/>
+          <a:chOff x="0" y="0"/>
+          <a:chExt cx="0" cy="0"/>
+        </a:xfrm>
+      </p:grpSpPr>
+      <p:sp>
+        <p:nvSpPr>
+          <p:cNvPr id="2" name="Title 1">
+            <a:extLst>
+              <a:ext uri="{FF2B5EF4-FFF2-40B4-BE49-F238E27FC236}">
+                <a16:creationId xmlns:a16="http://schemas.microsoft.com/office/drawing/2014/main" id="{3111F55A-5E9D-E1FD-1E9E-E03CF38D1192}"/>
+              </a:ext>
+            </a:extLst>
+          </p:cNvPr>
+          <p:cNvSpPr>
+            <a:spLocks noGrp="1"/>
+          </p:cNvSpPr>
+          <p:nvPr>
+            <p:ph type="title"/>
+          </p:nvPr>
+        </p:nvSpPr>
+        <p:spPr/>
+        <p:txBody>
+          <a:bodyPr/>
+          <a:lstStyle/>
+          <a:p>
+            <a:r>
+              <a:rPr lang="en-US" dirty="0" err="1"/>
+              <a:t>uW</a:t>
+            </a:r>
+            <a:r>
+              <a:rPr lang="en-US" dirty="0"/>
+              <a:t> Hackathon – 2024</a:t>
+            </a:r>
+          </a:p>
+        </p:txBody>
+      </p:sp>
+      <p:sp>
+        <p:nvSpPr>
+          <p:cNvPr id="3" name="Content Placeholder 2">
+            <a:extLst>
+              <a:ext uri="{FF2B5EF4-FFF2-40B4-BE49-F238E27FC236}">
+                <a16:creationId xmlns:a16="http://schemas.microsoft.com/office/drawing/2014/main" id="{6897B471-8C70-2B80-6711-11F968847A27}"/>
+              </a:ext>
+            </a:extLst>
+          </p:cNvPr>
+          <p:cNvSpPr>
+            <a:spLocks noGrp="1"/>
+          </p:cNvSpPr>
+          <p:nvPr>
+            <p:ph idx="1"/>
+          </p:nvPr>
+        </p:nvSpPr>
+        <p:spPr>
+          <a:xfrm>
+            <a:off x="328246" y="2076167"/>
+            <a:ext cx="11025554" cy="4511064"/>
+          </a:xfrm>
+        </p:spPr>
+        <p:txBody>
+          <a:bodyPr>
+            <a:normAutofit/>
+          </a:bodyPr>
+          <a:lstStyle/>
+          <a:p>
+            <a:pPr marL="0" indent="0">
+              <a:lnSpc>
+                <a:spcPct val="120000"/>
+              </a:lnSpc>
+              <a:buNone/>
+            </a:pPr>
+            <a:r>
+              <a:rPr lang="en-US" sz="3600" dirty="0">
+                <a:latin typeface="Georgia" panose="02040502050405020303" pitchFamily="18" charset="0"/>
+              </a:rPr>
+              <a:t>Keyword checking prototype </a:t>
+            </a:r>
+          </a:p>
+          <a:p>
+            <a:pPr marL="0" indent="0">
+              <a:lnSpc>
+                <a:spcPct val="120000"/>
+              </a:lnSpc>
+              <a:buNone/>
+            </a:pPr>
+            <a:r>
+              <a:rPr lang="en-US" sz="3600" dirty="0">
+                <a:latin typeface="Georgia" panose="02040502050405020303" pitchFamily="18" charset="0"/>
+              </a:rPr>
+              <a:t>AKA – “Is this thing on?”</a:t>
+            </a:r>
+          </a:p>
+        </p:txBody>
+      </p:sp>
+      <p:pic>
+        <p:nvPicPr>
+          <p:cNvPr id="6" name="Picture 5" descr="A person standing on a stage holding a box with a microphone&#10;&#10;Description automatically generated">
+            <a:extLst>
+              <a:ext uri="{FF2B5EF4-FFF2-40B4-BE49-F238E27FC236}">
+                <a16:creationId xmlns:a16="http://schemas.microsoft.com/office/drawing/2014/main" id="{BA41436D-E2B5-32E3-074C-4D0A7FA9BEC1}"/>
+              </a:ext>
+            </a:extLst>
+          </p:cNvPr>
+          <p:cNvPicPr>
+            <a:picLocks noChangeAspect="1"/>
+          </p:cNvPicPr>
+          <p:nvPr/>
+        </p:nvPicPr>
+        <p:blipFill>
+          <a:blip r:embed="rId2">
+            <a:extLst>
+              <a:ext uri="{28A0092B-C50C-407E-A947-70E740481C1C}">
+                <a14:useLocalDpi xmlns:a14="http://schemas.microsoft.com/office/drawing/2010/main" val="0"/>
+              </a:ext>
+            </a:extLst>
+          </a:blip>
+          <a:stretch>
+            <a:fillRect/>
+          </a:stretch>
+        </p:blipFill>
+        <p:spPr>
+          <a:xfrm>
+            <a:off x="7246815" y="2076167"/>
+            <a:ext cx="4763477" cy="4763477"/>
+          </a:xfrm>
+          <a:prstGeom prst="rect">
+            <a:avLst/>
+          </a:prstGeom>
+        </p:spPr>
+      </p:pic>
+    </p:spTree>
+    <p:extLst>
+      <p:ext uri="{BB962C8B-B14F-4D97-AF65-F5344CB8AC3E}">
+        <p14:creationId xmlns:p14="http://schemas.microsoft.com/office/powerpoint/2010/main" val="907859234"/>
+      </p:ext>
+    </p:extLst>
+  </p:cSld>
+  <p:clrMapOvr>
+    <a:masterClrMapping/>
+  </p:clrMapOvr>
+</p:sld>
+</file>
+
+<file path=ppt/slides/slide5.xml><?xml version="1.0" encoding="utf-8"?>
+<p:sld xmlns:a="http://schemas.openxmlformats.org/drawingml/2006/main" xmlns:r="http://schemas.openxmlformats.org/officeDocument/2006/relationships" xmlns:p="http://schemas.openxmlformats.org/presentationml/2006/main">
+  <p:cSld>
+    <p:spTree>
+      <p:nvGrpSpPr>
+        <p:cNvPr id="1" name="">
+          <a:extLst>
+            <a:ext uri="{FF2B5EF4-FFF2-40B4-BE49-F238E27FC236}">
+              <a16:creationId xmlns:a16="http://schemas.microsoft.com/office/drawing/2014/main" id="{0EA09A20-E3F8-FA3B-6E2C-A5A930467781}"/>
+            </a:ext>
+          </a:extLst>
+        </p:cNvPr>
+        <p:cNvGrpSpPr/>
+        <p:nvPr/>
+      </p:nvGrpSpPr>
+      <p:grpSpPr>
+        <a:xfrm>
+          <a:off x="0" y="0"/>
+          <a:ext cx="0" cy="0"/>
+          <a:chOff x="0" y="0"/>
+          <a:chExt cx="0" cy="0"/>
+        </a:xfrm>
+      </p:grpSpPr>
+      <p:sp>
+        <p:nvSpPr>
+          <p:cNvPr id="3" name="Content Placeholder 2">
+            <a:extLst>
+              <a:ext uri="{FF2B5EF4-FFF2-40B4-BE49-F238E27FC236}">
+                <a16:creationId xmlns:a16="http://schemas.microsoft.com/office/drawing/2014/main" id="{9D090549-E39A-95CD-1921-17A8F4E3F1A5}"/>
+              </a:ext>
+            </a:extLst>
+          </p:cNvPr>
+          <p:cNvSpPr>
+            <a:spLocks noGrp="1"/>
+          </p:cNvSpPr>
+          <p:nvPr>
+            <p:ph idx="1"/>
+          </p:nvPr>
+        </p:nvSpPr>
+        <p:spPr/>
+        <p:txBody>
+          <a:bodyPr>
+            <a:normAutofit/>
+          </a:bodyPr>
+          <a:lstStyle/>
+          <a:p>
+            <a:pPr marL="0" indent="0">
+              <a:buNone/>
+            </a:pPr>
+            <a:r>
+              <a:rPr lang="en-US" dirty="0"/>
+              <a:t>Method:</a:t>
+            </a:r>
+          </a:p>
+          <a:p>
+            <a:pPr marL="0" indent="0">
+              <a:buNone/>
+            </a:pPr>
+            <a:r>
+              <a:rPr lang="en-US" dirty="0"/>
+              <a:t>Python packages:</a:t>
+            </a:r>
+          </a:p>
+          <a:p>
+            <a:pPr marL="0" indent="0">
+              <a:buNone/>
+            </a:pPr>
+            <a:r>
+              <a:rPr lang="en-US" dirty="0"/>
+              <a:t>- </a:t>
+            </a:r>
+            <a:r>
+              <a:rPr lang="en-US" dirty="0" err="1"/>
+              <a:t>librosa</a:t>
+            </a:r>
+            <a:r>
+              <a:rPr lang="en-US" dirty="0"/>
+              <a:t>	Encoding audio data</a:t>
+            </a:r>
+          </a:p>
+          <a:p>
+            <a:pPr marL="0" indent="0">
+              <a:buNone/>
+            </a:pPr>
+            <a:endParaRPr lang="en-US" dirty="0"/>
+          </a:p>
+          <a:p>
+            <a:pPr marL="514350" indent="-514350">
+              <a:buAutoNum type="arabicPeriod"/>
+            </a:pPr>
+            <a:r>
+              <a:rPr lang="en-US" dirty="0"/>
+              <a:t>Collect the Data</a:t>
+            </a:r>
+          </a:p>
+          <a:p>
+            <a:pPr marL="514350" indent="-514350">
+              <a:buAutoNum type="arabicPeriod"/>
+            </a:pPr>
+            <a:r>
+              <a:rPr lang="en-US" dirty="0"/>
+              <a:t>Clean the Data</a:t>
+            </a:r>
+          </a:p>
+          <a:p>
+            <a:pPr marL="514350" indent="-514350">
+              <a:buAutoNum type="arabicPeriod"/>
+            </a:pPr>
+            <a:r>
+              <a:rPr lang="en-US" dirty="0"/>
+              <a:t>Explore/Visualize the Data</a:t>
+            </a:r>
+          </a:p>
+          <a:p>
+            <a:pPr marL="0" indent="0">
+              <a:buNone/>
+            </a:pPr>
+            <a:endParaRPr lang="en-US" dirty="0"/>
+          </a:p>
+          <a:p>
+            <a:pPr marL="0" indent="0">
+              <a:buNone/>
+            </a:pPr>
+            <a:endParaRPr lang="en-US" dirty="0"/>
+          </a:p>
+        </p:txBody>
+      </p:sp>
+      <p:sp>
+        <p:nvSpPr>
+          <p:cNvPr id="2" name="Title 1">
+            <a:extLst>
+              <a:ext uri="{FF2B5EF4-FFF2-40B4-BE49-F238E27FC236}">
+                <a16:creationId xmlns:a16="http://schemas.microsoft.com/office/drawing/2014/main" id="{186F3137-2A61-B919-17E2-7AE5D8C49FDE}"/>
+              </a:ext>
+            </a:extLst>
+          </p:cNvPr>
+          <p:cNvSpPr>
+            <a:spLocks noGrp="1"/>
+          </p:cNvSpPr>
+          <p:nvPr>
+            <p:ph type="title"/>
+          </p:nvPr>
+        </p:nvSpPr>
+        <p:spPr/>
+        <p:txBody>
+          <a:bodyPr/>
+          <a:lstStyle/>
+          <a:p>
+            <a:r>
+              <a:rPr lang="en-US" dirty="0" err="1"/>
+              <a:t>uW</a:t>
+            </a:r>
+            <a:r>
+              <a:rPr lang="en-US" dirty="0"/>
+              <a:t> Hackathon – 2024</a:t>
+            </a:r>
+          </a:p>
+        </p:txBody>
+      </p:sp>
+      <p:pic>
+        <p:nvPicPr>
+          <p:cNvPr id="5" name="Picture 4" descr="A red and white tag with white text&#10;&#10;Description automatically generated">
+            <a:extLst>
+              <a:ext uri="{FF2B5EF4-FFF2-40B4-BE49-F238E27FC236}">
+                <a16:creationId xmlns:a16="http://schemas.microsoft.com/office/drawing/2014/main" id="{AED5D47C-E738-287E-2DDC-2F4377258A6C}"/>
+              </a:ext>
+            </a:extLst>
+          </p:cNvPr>
+          <p:cNvPicPr>
+            <a:picLocks noChangeAspect="1"/>
+          </p:cNvPicPr>
+          <p:nvPr/>
+        </p:nvPicPr>
+        <p:blipFill>
+          <a:blip r:embed="rId2">
+            <a:extLst>
+              <a:ext uri="{BEBA8EAE-BF5A-486C-A8C5-ECC9F3942E4B}">
+                <a14:imgProps xmlns:a14="http://schemas.microsoft.com/office/drawing/2010/main">
+                  <a14:imgLayer r:embed="rId3">
+                    <a14:imgEffect>
+                      <a14:backgroundRemoval t="10000" b="90000" l="10000" r="90000">
+                        <a14:foregroundMark x1="23242" y1="34277" x2="19922" y2="49902"/>
+                        <a14:foregroundMark x1="19922" y1="49902" x2="27051" y2="56055"/>
+                        <a14:foregroundMark x1="27051" y1="56055" x2="35547" y2="50195"/>
+                        <a14:foregroundMark x1="35547" y1="50195" x2="33398" y2="36719"/>
+                        <a14:foregroundMark x1="33398" y1="36719" x2="25195" y2="33301"/>
+                        <a14:foregroundMark x1="25195" y1="33301" x2="23438" y2="33984"/>
+                        <a14:foregroundMark x1="28809" y1="37012" x2="25195" y2="45801"/>
+                        <a14:foregroundMark x1="25195" y1="45801" x2="30371" y2="49512"/>
+                        <a14:foregroundMark x1="42480" y1="34863" x2="42773" y2="43555"/>
+                        <a14:foregroundMark x1="42773" y1="43555" x2="50488" y2="40918"/>
+                        <a14:foregroundMark x1="50488" y1="40918" x2="59961" y2="41211"/>
+                        <a14:foregroundMark x1="59961" y1="41211" x2="79492" y2="34961"/>
+                        <a14:foregroundMark x1="79492" y1="34961" x2="79395" y2="39063"/>
+                        <a14:foregroundMark x1="57715" y1="33301" x2="56934" y2="42969"/>
+                        <a14:foregroundMark x1="70703" y1="34180" x2="80664" y2="30566"/>
+                        <a14:foregroundMark x1="80664" y1="30566" x2="80957" y2="30273"/>
+                        <a14:foregroundMark x1="23535" y1="60449" x2="72754" y2="47070"/>
+                        <a14:foregroundMark x1="77344" y1="46289" x2="81738" y2="51367"/>
+                      </a14:backgroundRemoval>
+                    </a14:imgEffect>
+                  </a14:imgLayer>
+                </a14:imgProps>
+              </a:ext>
+              <a:ext uri="{28A0092B-C50C-407E-A947-70E740481C1C}">
+                <a14:useLocalDpi xmlns:a14="http://schemas.microsoft.com/office/drawing/2010/main" val="0"/>
+              </a:ext>
+            </a:extLst>
+          </a:blip>
+          <a:stretch>
+            <a:fillRect/>
+          </a:stretch>
+        </p:blipFill>
+        <p:spPr>
+          <a:xfrm>
             <a:off x="3582989" y="2109049"/>
             <a:ext cx="473560" cy="473560"/>
           </a:xfrm>
@@ -8627,7 +10500,7 @@
 </p:sld>
 </file>
 
-<file path=ppt/slides/slide5.xml><?xml version="1.0" encoding="utf-8"?>
+<file path=ppt/slides/slide6.xml><?xml version="1.0" encoding="utf-8"?>
 <p:sld xmlns:a="http://schemas.openxmlformats.org/drawingml/2006/main" xmlns:r="http://schemas.openxmlformats.org/officeDocument/2006/relationships" xmlns:p="http://schemas.openxmlformats.org/presentationml/2006/main">
   <p:cSld>
     <p:spTree>
@@ -8693,7 +10566,10 @@
           <a:bodyPr/>
           <a:lstStyle/>
           <a:p>
-            <a:endParaRPr lang="en-US" dirty="0"/>
+            <a:r>
+              <a:rPr lang="en-US" dirty="0"/>
+              <a:t>Training data: Male voice &amp; Female voice</a:t>
+            </a:r>
           </a:p>
         </p:txBody>
       </p:sp>
@@ -8710,7 +10586,7 @@
 </p:sld>
 </file>
 
-<file path=ppt/slides/slide6.xml><?xml version="1.0" encoding="utf-8"?>
+<file path=ppt/slides/slide7.xml><?xml version="1.0" encoding="utf-8"?>
 <p:sld xmlns:a="http://schemas.openxmlformats.org/drawingml/2006/main" xmlns:r="http://schemas.openxmlformats.org/officeDocument/2006/relationships" xmlns:p="http://schemas.openxmlformats.org/presentationml/2006/main">
   <p:cSld>
     <p:spTree>
@@ -8756,8 +10632,15 @@
           <a:p>
             <a:r>
               <a:rPr lang="en-US" dirty="0"/>
-              <a:t>Clean the Data</a:t>
-            </a:r>
+              <a:t>Clean the Data </a:t>
+            </a:r>
+            <a:r>
+              <a:rPr lang="en-US" dirty="0">
+                <a:sym typeface="Wingdings" panose="05000000000000000000" pitchFamily="2" charset="2"/>
+              </a:rPr>
+              <a:t> &amp; Feature Extraction</a:t>
+            </a:r>
+            <a:endParaRPr lang="en-US" dirty="0"/>
           </a:p>
         </p:txBody>
       </p:sp>
@@ -9054,7 +10937,7 @@
 </p:sld>
 </file>
 
-<file path=ppt/slides/slide7.xml><?xml version="1.0" encoding="utf-8"?>
+<file path=ppt/slides/slide8.xml><?xml version="1.0" encoding="utf-8"?>
 <p:sld xmlns:a="http://schemas.openxmlformats.org/drawingml/2006/main" xmlns:r="http://schemas.openxmlformats.org/officeDocument/2006/relationships" xmlns:p="http://schemas.openxmlformats.org/presentationml/2006/main">
   <p:cSld>
     <p:spTree>
@@ -9123,12 +11006,14 @@
         </p:nvSpPr>
         <p:spPr>
           <a:xfrm>
-            <a:off x="275208" y="1589103"/>
-            <a:ext cx="11078592" cy="4587860"/>
-          </a:xfrm>
-        </p:spPr>
-        <p:txBody>
-          <a:bodyPr/>
+            <a:off x="275208" y="1597981"/>
+            <a:ext cx="11078592" cy="5113538"/>
+          </a:xfrm>
+        </p:spPr>
+        <p:txBody>
+          <a:bodyPr>
+            <a:normAutofit fontScale="85000" lnSpcReduction="20000"/>
+          </a:bodyPr>
           <a:lstStyle/>
           <a:p>
             <a:pPr marL="0" indent="0">
@@ -9140,6 +11025,9 @@
               </a:rPr>
               <a:t>A standard process for cleaning speech data:</a:t>
             </a:r>
+            <a:endParaRPr lang="en-US" b="1" dirty="0">
+              <a:latin typeface="Georgia" panose="02040502050405020303" pitchFamily="18" charset="0"/>
+            </a:endParaRPr>
           </a:p>
           <a:p>
             <a:pPr marL="0" indent="0">
@@ -9157,7 +11045,7 @@
               <a:rPr lang="en-US" b="1" dirty="0">
                 <a:latin typeface="Georgia" panose="02040502050405020303" pitchFamily="18" charset="0"/>
               </a:rPr>
-              <a:t>Pre-emphasis:</a:t>
+              <a:t>- Subtract noise floor:</a:t>
             </a:r>
           </a:p>
           <a:p>
@@ -9168,18 +11056,7 @@
               <a:rPr lang="en-US" dirty="0">
                 <a:latin typeface="Georgia" panose="02040502050405020303" pitchFamily="18" charset="0"/>
               </a:rPr>
-              <a:t>“Lowering the ceiling”</a:t>
-            </a:r>
-          </a:p>
-          <a:p>
-            <a:pPr marL="0" indent="0">
-              <a:buNone/>
-            </a:pPr>
-            <a:r>
-              <a:rPr lang="en-US" dirty="0">
-                <a:latin typeface="Georgia" panose="02040502050405020303" pitchFamily="18" charset="0"/>
-              </a:rPr>
-              <a:t>~ “reducing contrast”</a:t>
+              <a:t>Background</a:t>
             </a:r>
           </a:p>
           <a:p>
@@ -9198,7 +11075,67 @@
               <a:rPr lang="en-US" b="1" dirty="0">
                 <a:latin typeface="Georgia" panose="02040502050405020303" pitchFamily="18" charset="0"/>
               </a:rPr>
-              <a:t>Mel-Scale:</a:t>
+              <a:t>- Normalize:</a:t>
+            </a:r>
+          </a:p>
+          <a:p>
+            <a:pPr marL="0" indent="0">
+              <a:buNone/>
+            </a:pPr>
+            <a:r>
+              <a:rPr lang="en-US" dirty="0">
+                <a:latin typeface="Georgia" panose="02040502050405020303" pitchFamily="18" charset="0"/>
+              </a:rPr>
+              <a:t>Subtract out the mean</a:t>
+            </a:r>
+          </a:p>
+          <a:p>
+            <a:pPr marL="0" indent="0">
+              <a:buNone/>
+            </a:pPr>
+            <a:endParaRPr lang="en-US" b="1" dirty="0">
+              <a:latin typeface="Georgia" panose="02040502050405020303" pitchFamily="18" charset="0"/>
+            </a:endParaRPr>
+          </a:p>
+          <a:p>
+            <a:pPr marL="0" indent="0">
+              <a:buNone/>
+            </a:pPr>
+            <a:r>
+              <a:rPr lang="en-US" b="1" dirty="0">
+                <a:latin typeface="Georgia" panose="02040502050405020303" pitchFamily="18" charset="0"/>
+              </a:rPr>
+              <a:t>- Pre-emphasis:</a:t>
+            </a:r>
+          </a:p>
+          <a:p>
+            <a:pPr marL="0" indent="0">
+              <a:buNone/>
+            </a:pPr>
+            <a:r>
+              <a:rPr lang="en-US" dirty="0">
+                <a:latin typeface="Georgia" panose="02040502050405020303" pitchFamily="18" charset="0"/>
+              </a:rPr>
+              <a:t>“Lowering the ceiling” ~ “reducing contrast”</a:t>
+            </a:r>
+          </a:p>
+          <a:p>
+            <a:pPr marL="0" indent="0">
+              <a:buNone/>
+            </a:pPr>
+            <a:endParaRPr lang="en-US" dirty="0">
+              <a:latin typeface="Georgia" panose="02040502050405020303" pitchFamily="18" charset="0"/>
+            </a:endParaRPr>
+          </a:p>
+          <a:p>
+            <a:pPr marL="0" indent="0">
+              <a:buNone/>
+            </a:pPr>
+            <a:r>
+              <a:rPr lang="en-US" b="1" dirty="0">
+                <a:latin typeface="Georgia" panose="02040502050405020303" pitchFamily="18" charset="0"/>
+              </a:rPr>
+              <a:t>- Mel-Scale:</a:t>
             </a:r>
           </a:p>
           <a:p>
@@ -9270,7 +11207,7 @@
         </p:blipFill>
         <p:spPr>
           <a:xfrm>
-            <a:off x="7310927" y="1352323"/>
+            <a:off x="6334383" y="1217128"/>
             <a:ext cx="473560" cy="473560"/>
           </a:xfrm>
           <a:prstGeom prst="rect">
@@ -9282,270 +11219,6 @@
     <p:extLst>
       <p:ext uri="{BB962C8B-B14F-4D97-AF65-F5344CB8AC3E}">
         <p14:creationId xmlns:p14="http://schemas.microsoft.com/office/powerpoint/2010/main" val="1074737194"/>
-      </p:ext>
-    </p:extLst>
-  </p:cSld>
-  <p:clrMapOvr>
-    <a:masterClrMapping/>
-  </p:clrMapOvr>
-</p:sld>
-</file>
-
-<file path=ppt/slides/slide8.xml><?xml version="1.0" encoding="utf-8"?>
-<p:sld xmlns:a="http://schemas.openxmlformats.org/drawingml/2006/main" xmlns:r="http://schemas.openxmlformats.org/officeDocument/2006/relationships" xmlns:p="http://schemas.openxmlformats.org/presentationml/2006/main">
-  <p:cSld>
-    <p:spTree>
-      <p:nvGrpSpPr>
-        <p:cNvPr id="1" name=""/>
-        <p:cNvGrpSpPr/>
-        <p:nvPr/>
-      </p:nvGrpSpPr>
-      <p:grpSpPr>
-        <a:xfrm>
-          <a:off x="0" y="0"/>
-          <a:ext cx="0" cy="0"/>
-          <a:chOff x="0" y="0"/>
-          <a:chExt cx="0" cy="0"/>
-        </a:xfrm>
-      </p:grpSpPr>
-      <p:pic>
-        <p:nvPicPr>
-          <p:cNvPr id="8" name="Picture 7" descr="A blue screen with white text&#10;&#10;Description automatically generated">
-            <a:extLst>
-              <a:ext uri="{FF2B5EF4-FFF2-40B4-BE49-F238E27FC236}">
-                <a16:creationId xmlns:a16="http://schemas.microsoft.com/office/drawing/2014/main" id="{E7F9C644-372C-4FA3-F4F3-9C345306CB8B}"/>
-              </a:ext>
-            </a:extLst>
-          </p:cNvPr>
-          <p:cNvPicPr>
-            <a:picLocks noChangeAspect="1"/>
-          </p:cNvPicPr>
-          <p:nvPr/>
-        </p:nvPicPr>
-        <p:blipFill>
-          <a:blip r:embed="rId2">
-            <a:extLst>
-              <a:ext uri="{28A0092B-C50C-407E-A947-70E740481C1C}">
-                <a14:useLocalDpi xmlns:a14="http://schemas.microsoft.com/office/drawing/2010/main" val="0"/>
-              </a:ext>
-            </a:extLst>
-          </a:blip>
-          <a:stretch>
-            <a:fillRect/>
-          </a:stretch>
-        </p:blipFill>
-        <p:spPr>
-          <a:xfrm>
-            <a:off x="1068556" y="1258323"/>
-            <a:ext cx="4516159" cy="2743200"/>
-          </a:xfrm>
-          <a:prstGeom prst="rect">
-            <a:avLst/>
-          </a:prstGeom>
-        </p:spPr>
-      </p:pic>
-      <p:pic>
-        <p:nvPicPr>
-          <p:cNvPr id="10" name="Picture 9" descr="A blue screen with white lines&#10;&#10;Description automatically generated">
-            <a:extLst>
-              <a:ext uri="{FF2B5EF4-FFF2-40B4-BE49-F238E27FC236}">
-                <a16:creationId xmlns:a16="http://schemas.microsoft.com/office/drawing/2014/main" id="{A245FD1E-820E-5EE4-89E4-5F6CFBACC9FE}"/>
-              </a:ext>
-            </a:extLst>
-          </p:cNvPr>
-          <p:cNvPicPr>
-            <a:picLocks noChangeAspect="1"/>
-          </p:cNvPicPr>
-          <p:nvPr/>
-        </p:nvPicPr>
-        <p:blipFill>
-          <a:blip r:embed="rId3">
-            <a:extLst>
-              <a:ext uri="{28A0092B-C50C-407E-A947-70E740481C1C}">
-                <a14:useLocalDpi xmlns:a14="http://schemas.microsoft.com/office/drawing/2010/main" val="0"/>
-              </a:ext>
-            </a:extLst>
-          </a:blip>
-          <a:stretch>
-            <a:fillRect/>
-          </a:stretch>
-        </p:blipFill>
-        <p:spPr>
-          <a:xfrm>
-            <a:off x="1068556" y="4007128"/>
-            <a:ext cx="4516159" cy="2743200"/>
-          </a:xfrm>
-          <a:prstGeom prst="rect">
-            <a:avLst/>
-          </a:prstGeom>
-        </p:spPr>
-      </p:pic>
-      <p:pic>
-        <p:nvPicPr>
-          <p:cNvPr id="12" name="Picture 11" descr="A blue and white image of a wave&#10;&#10;Description automatically generated with medium confidence">
-            <a:extLst>
-              <a:ext uri="{FF2B5EF4-FFF2-40B4-BE49-F238E27FC236}">
-                <a16:creationId xmlns:a16="http://schemas.microsoft.com/office/drawing/2014/main" id="{4A46169D-2DC3-A375-A389-2B2C6E66794B}"/>
-              </a:ext>
-            </a:extLst>
-          </p:cNvPr>
-          <p:cNvPicPr>
-            <a:picLocks noChangeAspect="1"/>
-          </p:cNvPicPr>
-          <p:nvPr/>
-        </p:nvPicPr>
-        <p:blipFill>
-          <a:blip r:embed="rId4">
-            <a:extLst>
-              <a:ext uri="{28A0092B-C50C-407E-A947-70E740481C1C}">
-                <a14:useLocalDpi xmlns:a14="http://schemas.microsoft.com/office/drawing/2010/main" val="0"/>
-              </a:ext>
-            </a:extLst>
-          </a:blip>
-          <a:stretch>
-            <a:fillRect/>
-          </a:stretch>
-        </p:blipFill>
-        <p:spPr>
-          <a:xfrm>
-            <a:off x="6321562" y="1252718"/>
-            <a:ext cx="4516159" cy="2743200"/>
-          </a:xfrm>
-          <a:prstGeom prst="rect">
-            <a:avLst/>
-          </a:prstGeom>
-        </p:spPr>
-      </p:pic>
-      <p:pic>
-        <p:nvPicPr>
-          <p:cNvPr id="14" name="Picture 13" descr="A blue and white image of a blue sky&#10;&#10;Description automatically generated">
-            <a:extLst>
-              <a:ext uri="{FF2B5EF4-FFF2-40B4-BE49-F238E27FC236}">
-                <a16:creationId xmlns:a16="http://schemas.microsoft.com/office/drawing/2014/main" id="{7E329552-FB4F-D69E-7DAA-9146BFE83FF0}"/>
-              </a:ext>
-            </a:extLst>
-          </p:cNvPr>
-          <p:cNvPicPr>
-            <a:picLocks noChangeAspect="1"/>
-          </p:cNvPicPr>
-          <p:nvPr/>
-        </p:nvPicPr>
-        <p:blipFill>
-          <a:blip r:embed="rId5">
-            <a:extLst>
-              <a:ext uri="{28A0092B-C50C-407E-A947-70E740481C1C}">
-                <a14:useLocalDpi xmlns:a14="http://schemas.microsoft.com/office/drawing/2010/main" val="0"/>
-              </a:ext>
-            </a:extLst>
-          </a:blip>
-          <a:stretch>
-            <a:fillRect/>
-          </a:stretch>
-        </p:blipFill>
-        <p:spPr>
-          <a:xfrm>
-            <a:off x="6321563" y="4007128"/>
-            <a:ext cx="4516159" cy="2743200"/>
-          </a:xfrm>
-          <a:prstGeom prst="rect">
-            <a:avLst/>
-          </a:prstGeom>
-        </p:spPr>
-      </p:pic>
-      <p:sp>
-        <p:nvSpPr>
-          <p:cNvPr id="2" name="Title 1">
-            <a:extLst>
-              <a:ext uri="{FF2B5EF4-FFF2-40B4-BE49-F238E27FC236}">
-                <a16:creationId xmlns:a16="http://schemas.microsoft.com/office/drawing/2014/main" id="{7A70E42C-784C-06B8-1098-C67CB6E3A622}"/>
-              </a:ext>
-            </a:extLst>
-          </p:cNvPr>
-          <p:cNvSpPr txBox="1">
-            <a:spLocks/>
-          </p:cNvSpPr>
-          <p:nvPr/>
-        </p:nvSpPr>
-        <p:spPr>
-          <a:xfrm>
-            <a:off x="838200" y="107673"/>
-            <a:ext cx="10515600" cy="904382"/>
-          </a:xfrm>
-          <a:prstGeom prst="rect">
-            <a:avLst/>
-          </a:prstGeom>
-        </p:spPr>
-        <p:txBody>
-          <a:bodyPr vert="horz" lIns="91440" tIns="45720" rIns="91440" bIns="45720" rtlCol="0" anchor="b">
-            <a:normAutofit lnSpcReduction="10000"/>
-          </a:bodyPr>
-          <a:lstStyle>
-            <a:lvl1pPr algn="ctr" defTabSz="914400" rtl="0" eaLnBrk="1" latinLnBrk="0" hangingPunct="1">
-              <a:lnSpc>
-                <a:spcPct val="90000"/>
-              </a:lnSpc>
-              <a:spcBef>
-                <a:spcPct val="0"/>
-              </a:spcBef>
-              <a:buNone/>
-              <a:defRPr sz="6000" kern="1200">
-                <a:solidFill>
-                  <a:schemeClr val="tx1"/>
-                </a:solidFill>
-                <a:latin typeface="+mj-lt"/>
-                <a:ea typeface="+mj-ea"/>
-                <a:cs typeface="+mj-cs"/>
-              </a:defRPr>
-            </a:lvl1pPr>
-          </a:lstStyle>
-          <a:p>
-            <a:r>
-              <a:rPr lang="en-US" dirty="0"/>
-              <a:t>Explore/Visualize the Data</a:t>
-            </a:r>
-          </a:p>
-        </p:txBody>
-      </p:sp>
-      <p:cxnSp>
-        <p:nvCxnSpPr>
-          <p:cNvPr id="4" name="Straight Connector 3">
-            <a:extLst>
-              <a:ext uri="{FF2B5EF4-FFF2-40B4-BE49-F238E27FC236}">
-                <a16:creationId xmlns:a16="http://schemas.microsoft.com/office/drawing/2014/main" id="{51827DB4-BE73-5EA9-14B4-31040FF5A17B}"/>
-              </a:ext>
-            </a:extLst>
-          </p:cNvPr>
-          <p:cNvCxnSpPr/>
-          <p:nvPr/>
-        </p:nvCxnSpPr>
-        <p:spPr>
-          <a:xfrm>
-            <a:off x="5930283" y="1340528"/>
-            <a:ext cx="0" cy="5255581"/>
-          </a:xfrm>
-          <a:prstGeom prst="line">
-            <a:avLst/>
-          </a:prstGeom>
-        </p:spPr>
-        <p:style>
-          <a:lnRef idx="2">
-            <a:schemeClr val="accent1"/>
-          </a:lnRef>
-          <a:fillRef idx="0">
-            <a:schemeClr val="accent1"/>
-          </a:fillRef>
-          <a:effectRef idx="1">
-            <a:schemeClr val="accent1"/>
-          </a:effectRef>
-          <a:fontRef idx="minor">
-            <a:schemeClr val="tx1"/>
-          </a:fontRef>
-        </p:style>
-      </p:cxnSp>
-    </p:spTree>
-    <p:extLst>
-      <p:ext uri="{BB962C8B-B14F-4D97-AF65-F5344CB8AC3E}">
-        <p14:creationId xmlns:p14="http://schemas.microsoft.com/office/powerpoint/2010/main" val="406709977"/>
       </p:ext>
     </p:extLst>
   </p:cSld>
@@ -9563,7 +11236,7 @@
         <p:cNvPr id="1" name="">
           <a:extLst>
             <a:ext uri="{FF2B5EF4-FFF2-40B4-BE49-F238E27FC236}">
-              <a16:creationId xmlns:a16="http://schemas.microsoft.com/office/drawing/2014/main" id="{D746CA25-8F29-C17A-1739-2757EE0165E1}"/>
+              <a16:creationId xmlns:a16="http://schemas.microsoft.com/office/drawing/2014/main" id="{35491859-865F-DEC1-CDFD-DC7B45ECD17D}"/>
             </a:ext>
           </a:extLst>
         </p:cNvPr>
@@ -9578,12 +11251,148 @@
           <a:chExt cx="0" cy="0"/>
         </a:xfrm>
       </p:grpSpPr>
+      <p:sp>
+        <p:nvSpPr>
+          <p:cNvPr id="2" name="Title 1">
+            <a:extLst>
+              <a:ext uri="{FF2B5EF4-FFF2-40B4-BE49-F238E27FC236}">
+                <a16:creationId xmlns:a16="http://schemas.microsoft.com/office/drawing/2014/main" id="{3F5D6987-8A7C-EF18-208A-7255EA476677}"/>
+              </a:ext>
+            </a:extLst>
+          </p:cNvPr>
+          <p:cNvSpPr>
+            <a:spLocks noGrp="1"/>
+          </p:cNvSpPr>
+          <p:nvPr>
+            <p:ph type="title"/>
+          </p:nvPr>
+        </p:nvSpPr>
+        <p:spPr/>
+        <p:txBody>
+          <a:bodyPr/>
+          <a:lstStyle/>
+          <a:p>
+            <a:r>
+              <a:rPr lang="en-US" dirty="0"/>
+              <a:t>Feature Extraction</a:t>
+            </a:r>
+          </a:p>
+        </p:txBody>
+      </p:sp>
+      <p:sp>
+        <p:nvSpPr>
+          <p:cNvPr id="3" name="Content Placeholder 2">
+            <a:extLst>
+              <a:ext uri="{FF2B5EF4-FFF2-40B4-BE49-F238E27FC236}">
+                <a16:creationId xmlns:a16="http://schemas.microsoft.com/office/drawing/2014/main" id="{E50D8BDB-18E2-001C-F017-F1A04E850A70}"/>
+              </a:ext>
+            </a:extLst>
+          </p:cNvPr>
+          <p:cNvSpPr>
+            <a:spLocks noGrp="1"/>
+          </p:cNvSpPr>
+          <p:nvPr>
+            <p:ph idx="1"/>
+          </p:nvPr>
+        </p:nvSpPr>
+        <p:spPr>
+          <a:xfrm>
+            <a:off x="275208" y="1589103"/>
+            <a:ext cx="11078592" cy="5113538"/>
+          </a:xfrm>
+        </p:spPr>
+        <p:txBody>
+          <a:bodyPr>
+            <a:normAutofit/>
+          </a:bodyPr>
+          <a:lstStyle/>
+          <a:p>
+            <a:pPr marL="0" indent="0">
+              <a:buNone/>
+            </a:pPr>
+            <a:r>
+              <a:rPr lang="en-US" b="1" dirty="0">
+                <a:latin typeface="Georgia" panose="02040502050405020303" pitchFamily="18" charset="0"/>
+              </a:rPr>
+              <a:t>MFCC – Coefficients</a:t>
+            </a:r>
+          </a:p>
+          <a:p>
+            <a:pPr marL="0" indent="0">
+              <a:buNone/>
+            </a:pPr>
+            <a:r>
+              <a:rPr lang="en-US" dirty="0">
+                <a:latin typeface="Georgia" panose="02040502050405020303" pitchFamily="18" charset="0"/>
+              </a:rPr>
+              <a:t>Think ~ like PCA components</a:t>
+            </a:r>
+          </a:p>
+          <a:p>
+            <a:pPr marL="0" indent="0">
+              <a:buNone/>
+            </a:pPr>
+            <a:r>
+              <a:rPr lang="en-US" dirty="0">
+                <a:latin typeface="Georgia" panose="02040502050405020303" pitchFamily="18" charset="0"/>
+              </a:rPr>
+              <a:t>Or ~ like Fourier series coefficients</a:t>
+            </a:r>
+          </a:p>
+          <a:p>
+            <a:pPr marL="0" indent="0">
+              <a:buNone/>
+            </a:pPr>
+            <a:endParaRPr lang="en-US" dirty="0">
+              <a:latin typeface="Georgia" panose="02040502050405020303" pitchFamily="18" charset="0"/>
+            </a:endParaRPr>
+          </a:p>
+          <a:p>
+            <a:pPr marL="0" indent="0">
+              <a:buNone/>
+            </a:pPr>
+            <a:r>
+              <a:rPr lang="en-US" b="1" dirty="0">
+                <a:latin typeface="Georgia" panose="02040502050405020303" pitchFamily="18" charset="0"/>
+              </a:rPr>
+              <a:t>Mel-Scale:</a:t>
+            </a:r>
+          </a:p>
+          <a:p>
+            <a:pPr marL="0" indent="0">
+              <a:buNone/>
+            </a:pPr>
+            <a:r>
+              <a:rPr lang="en-US" dirty="0">
+                <a:latin typeface="Georgia" panose="02040502050405020303" pitchFamily="18" charset="0"/>
+              </a:rPr>
+              <a:t>Related to human ear sensitivity</a:t>
+            </a:r>
+          </a:p>
+          <a:p>
+            <a:pPr marL="0" indent="0">
+              <a:buNone/>
+            </a:pPr>
+            <a:endParaRPr lang="en-US" dirty="0">
+              <a:latin typeface="Georgia" panose="02040502050405020303" pitchFamily="18" charset="0"/>
+            </a:endParaRPr>
+          </a:p>
+          <a:p>
+            <a:pPr marL="0" indent="0">
+              <a:buNone/>
+            </a:pPr>
+            <a:endParaRPr lang="en-US" dirty="0">
+              <a:latin typeface="Georgia" panose="02040502050405020303" pitchFamily="18" charset="0"/>
+            </a:endParaRPr>
+          </a:p>
+        </p:txBody>
+      </p:sp>
       <p:pic>
         <p:nvPicPr>
-          <p:cNvPr id="12" name="Picture 11" descr="A blue and white image of a wave&#10;&#10;Description automatically generated with medium confidence">
-            <a:extLst>
-              <a:ext uri="{FF2B5EF4-FFF2-40B4-BE49-F238E27FC236}">
-                <a16:creationId xmlns:a16="http://schemas.microsoft.com/office/drawing/2014/main" id="{6270F3C5-4E1A-2370-BAB4-F8148644A697}"/>
+          <p:cNvPr id="4" name="Picture 3" descr="A red and white tag with white text&#10;&#10;Description automatically generated">
+            <a:extLst>
+              <a:ext uri="{FF2B5EF4-FFF2-40B4-BE49-F238E27FC236}">
+                <a16:creationId xmlns:a16="http://schemas.microsoft.com/office/drawing/2014/main" id="{7CC6E6B0-72DA-9141-A7B3-D53A6E5FF667}"/>
               </a:ext>
             </a:extLst>
           </p:cNvPr>
@@ -9595,6 +11404,34 @@
         <p:blipFill>
           <a:blip r:embed="rId2">
             <a:extLst>
+              <a:ext uri="{BEBA8EAE-BF5A-486C-A8C5-ECC9F3942E4B}">
+                <a14:imgProps xmlns:a14="http://schemas.microsoft.com/office/drawing/2010/main">
+                  <a14:imgLayer r:embed="rId3">
+                    <a14:imgEffect>
+                      <a14:backgroundRemoval t="10000" b="90000" l="10000" r="90000">
+                        <a14:foregroundMark x1="23242" y1="34277" x2="19922" y2="49902"/>
+                        <a14:foregroundMark x1="19922" y1="49902" x2="27051" y2="56055"/>
+                        <a14:foregroundMark x1="27051" y1="56055" x2="35547" y2="50195"/>
+                        <a14:foregroundMark x1="35547" y1="50195" x2="33398" y2="36719"/>
+                        <a14:foregroundMark x1="33398" y1="36719" x2="25195" y2="33301"/>
+                        <a14:foregroundMark x1="25195" y1="33301" x2="23438" y2="33984"/>
+                        <a14:foregroundMark x1="28809" y1="37012" x2="25195" y2="45801"/>
+                        <a14:foregroundMark x1="25195" y1="45801" x2="30371" y2="49512"/>
+                        <a14:foregroundMark x1="42480" y1="34863" x2="42773" y2="43555"/>
+                        <a14:foregroundMark x1="42773" y1="43555" x2="50488" y2="40918"/>
+                        <a14:foregroundMark x1="50488" y1="40918" x2="59961" y2="41211"/>
+                        <a14:foregroundMark x1="59961" y1="41211" x2="79492" y2="34961"/>
+                        <a14:foregroundMark x1="79492" y1="34961" x2="79395" y2="39063"/>
+                        <a14:foregroundMark x1="57715" y1="33301" x2="56934" y2="42969"/>
+                        <a14:foregroundMark x1="70703" y1="34180" x2="80664" y2="30566"/>
+                        <a14:foregroundMark x1="80664" y1="30566" x2="80957" y2="30273"/>
+                        <a14:foregroundMark x1="23535" y1="60449" x2="72754" y2="47070"/>
+                        <a14:foregroundMark x1="77344" y1="46289" x2="81738" y2="51367"/>
+                      </a14:backgroundRemoval>
+                    </a14:imgEffect>
+                  </a14:imgLayer>
+                </a14:imgProps>
+              </a:ext>
               <a:ext uri="{28A0092B-C50C-407E-A947-70E740481C1C}">
                 <a14:useLocalDpi xmlns:a14="http://schemas.microsoft.com/office/drawing/2010/main" val="0"/>
               </a:ext>
@@ -9606,216 +11443,18 @@
         </p:blipFill>
         <p:spPr>
           <a:xfrm>
-            <a:off x="6837641" y="1228055"/>
-            <a:ext cx="4516159" cy="2743200"/>
+            <a:off x="4114967" y="1352323"/>
+            <a:ext cx="473560" cy="473560"/>
           </a:xfrm>
           <a:prstGeom prst="rect">
             <a:avLst/>
           </a:prstGeom>
         </p:spPr>
       </p:pic>
-      <p:pic>
-        <p:nvPicPr>
-          <p:cNvPr id="14" name="Picture 13" descr="A blue and white image of a blue sky&#10;&#10;Description automatically generated">
-            <a:extLst>
-              <a:ext uri="{FF2B5EF4-FFF2-40B4-BE49-F238E27FC236}">
-                <a16:creationId xmlns:a16="http://schemas.microsoft.com/office/drawing/2014/main" id="{4CA9E09A-54DE-C81E-7B69-CAD260C0BF7C}"/>
-              </a:ext>
-            </a:extLst>
-          </p:cNvPr>
-          <p:cNvPicPr>
-            <a:picLocks noChangeAspect="1"/>
-          </p:cNvPicPr>
-          <p:nvPr/>
-        </p:nvPicPr>
-        <p:blipFill>
-          <a:blip r:embed="rId3">
-            <a:extLst>
-              <a:ext uri="{28A0092B-C50C-407E-A947-70E740481C1C}">
-                <a14:useLocalDpi xmlns:a14="http://schemas.microsoft.com/office/drawing/2010/main" val="0"/>
-              </a:ext>
-            </a:extLst>
-          </a:blip>
-          <a:stretch>
-            <a:fillRect/>
-          </a:stretch>
-        </p:blipFill>
-        <p:spPr>
-          <a:xfrm>
-            <a:off x="6837641" y="3971255"/>
-            <a:ext cx="4516159" cy="2743200"/>
-          </a:xfrm>
-          <a:prstGeom prst="rect">
-            <a:avLst/>
-          </a:prstGeom>
-        </p:spPr>
-      </p:pic>
-      <p:pic>
-        <p:nvPicPr>
-          <p:cNvPr id="2" name="Picture 1" descr="A blue and red graph&#10;&#10;Description automatically generated with medium confidence">
-            <a:extLst>
-              <a:ext uri="{FF2B5EF4-FFF2-40B4-BE49-F238E27FC236}">
-                <a16:creationId xmlns:a16="http://schemas.microsoft.com/office/drawing/2014/main" id="{0C80AD77-773F-2C2F-0D8A-A180B8A927FB}"/>
-              </a:ext>
-            </a:extLst>
-          </p:cNvPr>
-          <p:cNvPicPr>
-            <a:picLocks noChangeAspect="1"/>
-          </p:cNvPicPr>
-          <p:nvPr/>
-        </p:nvPicPr>
-        <p:blipFill>
-          <a:blip r:embed="rId4">
-            <a:extLst>
-              <a:ext uri="{28A0092B-C50C-407E-A947-70E740481C1C}">
-                <a14:useLocalDpi xmlns:a14="http://schemas.microsoft.com/office/drawing/2010/main" val="0"/>
-              </a:ext>
-            </a:extLst>
-          </a:blip>
-          <a:stretch>
-            <a:fillRect/>
-          </a:stretch>
-        </p:blipFill>
-        <p:spPr>
-          <a:xfrm>
-            <a:off x="663697" y="1228055"/>
-            <a:ext cx="4690663" cy="2743200"/>
-          </a:xfrm>
-          <a:prstGeom prst="rect">
-            <a:avLst/>
-          </a:prstGeom>
-        </p:spPr>
-      </p:pic>
-      <p:pic>
-        <p:nvPicPr>
-          <p:cNvPr id="3" name="Picture 2" descr="A blue and white screen&#10;&#10;Description automatically generated with medium confidence">
-            <a:extLst>
-              <a:ext uri="{FF2B5EF4-FFF2-40B4-BE49-F238E27FC236}">
-                <a16:creationId xmlns:a16="http://schemas.microsoft.com/office/drawing/2014/main" id="{30B9829C-8B3E-5BAF-377C-626A31DE698B}"/>
-              </a:ext>
-            </a:extLst>
-          </p:cNvPr>
-          <p:cNvPicPr>
-            <a:picLocks noChangeAspect="1"/>
-          </p:cNvPicPr>
-          <p:nvPr/>
-        </p:nvPicPr>
-        <p:blipFill>
-          <a:blip r:embed="rId5">
-            <a:extLst>
-              <a:ext uri="{28A0092B-C50C-407E-A947-70E740481C1C}">
-                <a14:useLocalDpi xmlns:a14="http://schemas.microsoft.com/office/drawing/2010/main" val="0"/>
-              </a:ext>
-            </a:extLst>
-          </a:blip>
-          <a:stretch>
-            <a:fillRect/>
-          </a:stretch>
-        </p:blipFill>
-        <p:spPr>
-          <a:xfrm>
-            <a:off x="663697" y="3971255"/>
-            <a:ext cx="4516159" cy="2743200"/>
-          </a:xfrm>
-          <a:prstGeom prst="rect">
-            <a:avLst/>
-          </a:prstGeom>
-        </p:spPr>
-      </p:pic>
-      <p:sp>
-        <p:nvSpPr>
-          <p:cNvPr id="4" name="Title 1">
-            <a:extLst>
-              <a:ext uri="{FF2B5EF4-FFF2-40B4-BE49-F238E27FC236}">
-                <a16:creationId xmlns:a16="http://schemas.microsoft.com/office/drawing/2014/main" id="{A533C506-1A60-BFF2-0756-82D2EE2181B2}"/>
-              </a:ext>
-            </a:extLst>
-          </p:cNvPr>
-          <p:cNvSpPr txBox="1">
-            <a:spLocks/>
-          </p:cNvSpPr>
-          <p:nvPr/>
-        </p:nvSpPr>
-        <p:spPr>
-          <a:xfrm>
-            <a:off x="838200" y="107673"/>
-            <a:ext cx="10515600" cy="904382"/>
-          </a:xfrm>
-          <a:prstGeom prst="rect">
-            <a:avLst/>
-          </a:prstGeom>
-        </p:spPr>
-        <p:txBody>
-          <a:bodyPr vert="horz" lIns="91440" tIns="45720" rIns="91440" bIns="45720" rtlCol="0" anchor="b">
-            <a:normAutofit lnSpcReduction="10000"/>
-          </a:bodyPr>
-          <a:lstStyle>
-            <a:lvl1pPr algn="ctr" defTabSz="914400" rtl="0" eaLnBrk="1" latinLnBrk="0" hangingPunct="1">
-              <a:lnSpc>
-                <a:spcPct val="90000"/>
-              </a:lnSpc>
-              <a:spcBef>
-                <a:spcPct val="0"/>
-              </a:spcBef>
-              <a:buNone/>
-              <a:defRPr sz="6000" kern="1200">
-                <a:solidFill>
-                  <a:schemeClr val="tx1"/>
-                </a:solidFill>
-                <a:latin typeface="+mj-lt"/>
-                <a:ea typeface="+mj-ea"/>
-                <a:cs typeface="+mj-cs"/>
-              </a:defRPr>
-            </a:lvl1pPr>
-          </a:lstStyle>
-          <a:p>
-            <a:r>
-              <a:rPr lang="en-US" dirty="0"/>
-              <a:t>Explore/Visualize the Data</a:t>
-            </a:r>
-          </a:p>
-        </p:txBody>
-      </p:sp>
-      <p:cxnSp>
-        <p:nvCxnSpPr>
-          <p:cNvPr id="5" name="Straight Connector 4">
-            <a:extLst>
-              <a:ext uri="{FF2B5EF4-FFF2-40B4-BE49-F238E27FC236}">
-                <a16:creationId xmlns:a16="http://schemas.microsoft.com/office/drawing/2014/main" id="{72BB3B03-ECDC-7AAD-0295-C49BFBB327E3}"/>
-              </a:ext>
-            </a:extLst>
-          </p:cNvPr>
-          <p:cNvCxnSpPr/>
-          <p:nvPr/>
-        </p:nvCxnSpPr>
-        <p:spPr>
-          <a:xfrm>
-            <a:off x="5930283" y="1340528"/>
-            <a:ext cx="0" cy="5255581"/>
-          </a:xfrm>
-          <a:prstGeom prst="line">
-            <a:avLst/>
-          </a:prstGeom>
-        </p:spPr>
-        <p:style>
-          <a:lnRef idx="2">
-            <a:schemeClr val="accent1"/>
-          </a:lnRef>
-          <a:fillRef idx="0">
-            <a:schemeClr val="accent1"/>
-          </a:fillRef>
-          <a:effectRef idx="1">
-            <a:schemeClr val="accent1"/>
-          </a:effectRef>
-          <a:fontRef idx="minor">
-            <a:schemeClr val="tx1"/>
-          </a:fontRef>
-        </p:style>
-      </p:cxnSp>
     </p:spTree>
     <p:extLst>
       <p:ext uri="{BB962C8B-B14F-4D97-AF65-F5344CB8AC3E}">
-        <p14:creationId xmlns:p14="http://schemas.microsoft.com/office/powerpoint/2010/main" val="1935979333"/>
+        <p14:creationId xmlns:p14="http://schemas.microsoft.com/office/powerpoint/2010/main" val="3158987228"/>
       </p:ext>
     </p:extLst>
   </p:cSld>

--- a/Hackathon Presentation.pptx
+++ b/Hackathon Presentation.pptx
@@ -3020,12 +3020,8 @@
           <a:lstStyle/>
           <a:p>
             <a:r>
-              <a:rPr lang="en-US" dirty="0" err="1"/>
-              <a:t>uW</a:t>
-            </a:r>
-            <a:r>
               <a:rPr lang="en-US" dirty="0"/>
-              <a:t> Hackathon – 2024</a:t>
+              <a:t>OCE Hackathon – 2024</a:t>
             </a:r>
           </a:p>
         </p:txBody>
@@ -3050,6 +3046,30 @@
         <p:txBody>
           <a:bodyPr/>
           <a:lstStyle/>
+          <a:p>
+            <a:pPr marL="0" indent="0">
+              <a:buNone/>
+            </a:pPr>
+            <a:endParaRPr lang="en-US" dirty="0"/>
+          </a:p>
+          <a:p>
+            <a:pPr marL="0" indent="0">
+              <a:buNone/>
+            </a:pPr>
+            <a:endParaRPr lang="en-US" dirty="0"/>
+          </a:p>
+          <a:p>
+            <a:pPr marL="0" indent="0">
+              <a:buNone/>
+            </a:pPr>
+            <a:r>
+              <a:rPr lang="en-US" dirty="0">
+                <a:hlinkClick r:id="rId2"/>
+              </a:rPr>
+              <a:t>https://opencomponents.io/</a:t>
+            </a:r>
+            <a:endParaRPr lang="en-US" dirty="0"/>
+          </a:p>
           <a:p>
             <a:pPr marL="0" indent="0">
               <a:buNone/>
@@ -6923,12 +6943,8 @@
           <a:lstStyle/>
           <a:p>
             <a:r>
-              <a:rPr lang="en-US" dirty="0" err="1"/>
-              <a:t>uW</a:t>
-            </a:r>
-            <a:r>
               <a:rPr lang="en-US" dirty="0"/>
-              <a:t> Hackathon – 2024</a:t>
+              <a:t>OCE Hackathon – 2024</a:t>
             </a:r>
           </a:p>
         </p:txBody>
@@ -9909,12 +9925,8 @@
           <a:lstStyle/>
           <a:p>
             <a:r>
-              <a:rPr lang="en-US" dirty="0" err="1"/>
-              <a:t>uW</a:t>
-            </a:r>
-            <a:r>
               <a:rPr lang="en-US" dirty="0"/>
-              <a:t> Hackathon – 2024</a:t>
+              <a:t>OCE Hackathon – 2024</a:t>
             </a:r>
           </a:p>
         </p:txBody>
@@ -10148,12 +10160,8 @@
           <a:lstStyle/>
           <a:p>
             <a:r>
-              <a:rPr lang="en-US" dirty="0" err="1"/>
-              <a:t>uW</a:t>
-            </a:r>
-            <a:r>
               <a:rPr lang="en-US" dirty="0"/>
-              <a:t> Hackathon – 2024</a:t>
+              <a:t>OCE Hackathon – 2024</a:t>
             </a:r>
           </a:p>
         </p:txBody>
@@ -10413,12 +10421,8 @@
           <a:lstStyle/>
           <a:p>
             <a:r>
-              <a:rPr lang="en-US" dirty="0" err="1"/>
-              <a:t>uW</a:t>
-            </a:r>
-            <a:r>
               <a:rPr lang="en-US" dirty="0"/>
-              <a:t> Hackathon – 2024</a:t>
+              <a:t>OCE Hackathon – 2024</a:t>
             </a:r>
           </a:p>
         </p:txBody>
